--- a/Pratical Approach to stats and R.pptx
+++ b/Pratical Approach to stats and R.pptx
@@ -11,38 +11,40 @@
     <p:sldId id="273" r:id="rId5"/>
     <p:sldId id="282" r:id="rId6"/>
     <p:sldId id="274" r:id="rId7"/>
-    <p:sldId id="262" r:id="rId8"/>
-    <p:sldId id="261" r:id="rId9"/>
-    <p:sldId id="293" r:id="rId10"/>
-    <p:sldId id="267" r:id="rId11"/>
-    <p:sldId id="297" r:id="rId12"/>
-    <p:sldId id="265" r:id="rId13"/>
-    <p:sldId id="266" r:id="rId14"/>
-    <p:sldId id="268" r:id="rId15"/>
-    <p:sldId id="264" r:id="rId16"/>
-    <p:sldId id="290" r:id="rId17"/>
-    <p:sldId id="269" r:id="rId18"/>
-    <p:sldId id="284" r:id="rId19"/>
-    <p:sldId id="286" r:id="rId20"/>
-    <p:sldId id="294" r:id="rId21"/>
-    <p:sldId id="270" r:id="rId22"/>
-    <p:sldId id="291" r:id="rId23"/>
-    <p:sldId id="263" r:id="rId24"/>
-    <p:sldId id="271" r:id="rId25"/>
-    <p:sldId id="272" r:id="rId26"/>
-    <p:sldId id="292" r:id="rId27"/>
-    <p:sldId id="283" r:id="rId28"/>
-    <p:sldId id="275" r:id="rId29"/>
-    <p:sldId id="277" r:id="rId30"/>
-    <p:sldId id="295" r:id="rId31"/>
-    <p:sldId id="276" r:id="rId32"/>
-    <p:sldId id="279" r:id="rId33"/>
-    <p:sldId id="280" r:id="rId34"/>
-    <p:sldId id="259" r:id="rId35"/>
-    <p:sldId id="260" r:id="rId36"/>
-    <p:sldId id="285" r:id="rId37"/>
-    <p:sldId id="296" r:id="rId38"/>
-    <p:sldId id="281" r:id="rId39"/>
+    <p:sldId id="259" r:id="rId8"/>
+    <p:sldId id="262" r:id="rId9"/>
+    <p:sldId id="261" r:id="rId10"/>
+    <p:sldId id="293" r:id="rId11"/>
+    <p:sldId id="267" r:id="rId12"/>
+    <p:sldId id="297" r:id="rId13"/>
+    <p:sldId id="265" r:id="rId14"/>
+    <p:sldId id="266" r:id="rId15"/>
+    <p:sldId id="268" r:id="rId16"/>
+    <p:sldId id="264" r:id="rId17"/>
+    <p:sldId id="290" r:id="rId18"/>
+    <p:sldId id="269" r:id="rId19"/>
+    <p:sldId id="284" r:id="rId20"/>
+    <p:sldId id="286" r:id="rId21"/>
+    <p:sldId id="294" r:id="rId22"/>
+    <p:sldId id="270" r:id="rId23"/>
+    <p:sldId id="291" r:id="rId24"/>
+    <p:sldId id="263" r:id="rId25"/>
+    <p:sldId id="271" r:id="rId26"/>
+    <p:sldId id="298" r:id="rId27"/>
+    <p:sldId id="272" r:id="rId28"/>
+    <p:sldId id="292" r:id="rId29"/>
+    <p:sldId id="283" r:id="rId30"/>
+    <p:sldId id="275" r:id="rId31"/>
+    <p:sldId id="277" r:id="rId32"/>
+    <p:sldId id="295" r:id="rId33"/>
+    <p:sldId id="276" r:id="rId34"/>
+    <p:sldId id="279" r:id="rId35"/>
+    <p:sldId id="299" r:id="rId36"/>
+    <p:sldId id="296" r:id="rId37"/>
+    <p:sldId id="280" r:id="rId38"/>
+    <p:sldId id="260" r:id="rId39"/>
+    <p:sldId id="285" r:id="rId40"/>
+    <p:sldId id="281" r:id="rId41"/>
   </p:sldIdLst>
   <p:sldSz cx="12192000" cy="6858000"/>
   <p:notesSz cx="6858000" cy="9144000"/>
@@ -154,6 +156,7 @@
   <p1510:revLst>
     <p1510:client id="{31A7EB78-AAE9-8676-2236-0A8D9773319C}" v="183" dt="2025-02-17T20:29:32.288"/>
     <p1510:client id="{57B3FDC3-9285-F111-0473-1A0309D1A726}" v="158" dt="2025-02-17T15:31:35.384"/>
+    <p1510:client id="{820249DF-F504-7B75-0673-AE0E9565071A}" v="235" dt="2025-02-18T16:14:01.470"/>
     <p1510:client id="{BBDD5C1A-BEF2-F6F6-6C76-7C041CFECD17}" v="6" dt="2025-02-18T13:59:45.754"/>
     <p1510:client id="{C99DE024-F365-D274-0F2D-E445CF17B4A2}" v="77" dt="2025-02-18T01:05:10.946"/>
   </p1510:revLst>
@@ -205,7 +208,6 @@
               <a:rPr lang="en-US"/>
               <a:t>Click to edit Master title style</a:t>
             </a:r>
-            <a:endParaRPr lang="en-US" dirty="0"/>
           </a:p>
         </p:txBody>
       </p:sp>
@@ -270,7 +272,6 @@
               <a:rPr lang="en-US"/>
               <a:t>Click to edit Master subtitle style</a:t>
             </a:r>
-            <a:endParaRPr lang="en-US" dirty="0"/>
           </a:p>
         </p:txBody>
       </p:sp>
@@ -388,7 +389,6 @@
               <a:rPr lang="en-US"/>
               <a:t>Click to edit Master title style</a:t>
             </a:r>
-            <a:endParaRPr lang="en-US" dirty="0"/>
           </a:p>
         </p:txBody>
       </p:sp>
@@ -440,7 +440,6 @@
               <a:rPr lang="en-US"/>
               <a:t>Fifth level</a:t>
             </a:r>
-            <a:endParaRPr lang="en-US" dirty="0"/>
           </a:p>
         </p:txBody>
       </p:sp>
@@ -563,7 +562,6 @@
               <a:rPr lang="en-US"/>
               <a:t>Click to edit Master title style</a:t>
             </a:r>
-            <a:endParaRPr lang="en-US" dirty="0"/>
           </a:p>
         </p:txBody>
       </p:sp>
@@ -620,7 +618,6 @@
               <a:rPr lang="en-US"/>
               <a:t>Fifth level</a:t>
             </a:r>
-            <a:endParaRPr lang="en-US" dirty="0"/>
           </a:p>
         </p:txBody>
       </p:sp>
@@ -738,7 +735,6 @@
               <a:rPr lang="en-US"/>
               <a:t>Click to edit Master title style</a:t>
             </a:r>
-            <a:endParaRPr lang="en-US" dirty="0"/>
           </a:p>
         </p:txBody>
       </p:sp>
@@ -790,7 +786,6 @@
               <a:rPr lang="en-US"/>
               <a:t>Fifth level</a:t>
             </a:r>
-            <a:endParaRPr lang="en-US" dirty="0"/>
           </a:p>
         </p:txBody>
       </p:sp>
@@ -917,7 +912,6 @@
               <a:rPr lang="en-US"/>
               <a:t>Click to edit Master title style</a:t>
             </a:r>
-            <a:endParaRPr lang="en-US" dirty="0"/>
           </a:p>
         </p:txBody>
       </p:sp>
@@ -1154,7 +1148,6 @@
               <a:rPr lang="en-US"/>
               <a:t>Click to edit Master title style</a:t>
             </a:r>
-            <a:endParaRPr lang="en-US" dirty="0"/>
           </a:p>
         </p:txBody>
       </p:sp>
@@ -1211,7 +1204,6 @@
               <a:rPr lang="en-US"/>
               <a:t>Fifth level</a:t>
             </a:r>
-            <a:endParaRPr lang="en-US" dirty="0"/>
           </a:p>
         </p:txBody>
       </p:sp>
@@ -1268,7 +1260,6 @@
               <a:rPr lang="en-US"/>
               <a:t>Fifth level</a:t>
             </a:r>
-            <a:endParaRPr lang="en-US" dirty="0"/>
           </a:p>
         </p:txBody>
       </p:sp>
@@ -1391,7 +1382,6 @@
               <a:rPr lang="en-US"/>
               <a:t>Click to edit Master title style</a:t>
             </a:r>
-            <a:endParaRPr lang="en-US" dirty="0"/>
           </a:p>
         </p:txBody>
       </p:sp>
@@ -1513,7 +1503,6 @@
               <a:rPr lang="en-US"/>
               <a:t>Fifth level</a:t>
             </a:r>
-            <a:endParaRPr lang="en-US" dirty="0"/>
           </a:p>
         </p:txBody>
       </p:sp>
@@ -1635,7 +1624,6 @@
               <a:rPr lang="en-US"/>
               <a:t>Fifth level</a:t>
             </a:r>
-            <a:endParaRPr lang="en-US" dirty="0"/>
           </a:p>
         </p:txBody>
       </p:sp>
@@ -1753,7 +1741,6 @@
               <a:rPr lang="en-US"/>
               <a:t>Click to edit Master title style</a:t>
             </a:r>
-            <a:endParaRPr lang="en-US" dirty="0"/>
           </a:p>
         </p:txBody>
       </p:sp>
@@ -1975,7 +1962,6 @@
               <a:rPr lang="en-US"/>
               <a:t>Click to edit Master title style</a:t>
             </a:r>
-            <a:endParaRPr lang="en-US" dirty="0"/>
           </a:p>
         </p:txBody>
       </p:sp>
@@ -2060,7 +2046,6 @@
               <a:rPr lang="en-US"/>
               <a:t>Fifth level</a:t>
             </a:r>
-            <a:endParaRPr lang="en-US" dirty="0"/>
           </a:p>
         </p:txBody>
       </p:sp>
@@ -2252,7 +2237,6 @@
               <a:rPr lang="en-US"/>
               <a:t>Click to edit Master title style</a:t>
             </a:r>
-            <a:endParaRPr lang="en-US" dirty="0"/>
           </a:p>
         </p:txBody>
       </p:sp>
@@ -2317,7 +2301,6 @@
               <a:rPr lang="en-US"/>
               <a:t>Click icon to add picture</a:t>
             </a:r>
-            <a:endParaRPr lang="en-US" dirty="0"/>
           </a:p>
         </p:txBody>
       </p:sp>
@@ -2515,7 +2498,6 @@
               <a:rPr lang="en-US"/>
               <a:t>Click to edit Master title style</a:t>
             </a:r>
-            <a:endParaRPr lang="en-US" dirty="0"/>
           </a:p>
         </p:txBody>
       </p:sp>
@@ -2577,7 +2559,6 @@
               <a:rPr lang="en-US"/>
               <a:t>Fifth level</a:t>
             </a:r>
-            <a:endParaRPr lang="en-US" dirty="0"/>
           </a:p>
         </p:txBody>
       </p:sp>
@@ -3037,7 +3018,7 @@
           <a:lstStyle/>
           <a:p>
             <a:r>
-              <a:rPr lang="en-US" dirty="0"/>
+              <a:rPr lang="en-US"/>
               <a:t>A Pragmatic Approach to Stats and R</a:t>
             </a:r>
           </a:p>
@@ -3061,7 +3042,7 @@
           <a:lstStyle/>
           <a:p>
             <a:r>
-              <a:rPr lang="en-US" dirty="0"/>
+              <a:rPr lang="en-US"/>
               <a:t>Jack</a:t>
             </a:r>
           </a:p>
@@ -3085,7 +3066,13 @@
   <p:cSld>
     <p:spTree>
       <p:nvGrpSpPr>
-        <p:cNvPr id="1" name=""/>
+        <p:cNvPr id="1" name="">
+          <a:extLst>
+            <a:ext uri="{FF2B5EF4-FFF2-40B4-BE49-F238E27FC236}">
+              <a16:creationId xmlns:a16="http://schemas.microsoft.com/office/drawing/2014/main" id="{FFCA5DB5-511F-F5F2-595E-28ACDE3AE51C}"/>
+            </a:ext>
+          </a:extLst>
+        </p:cNvPr>
         <p:cNvGrpSpPr/>
         <p:nvPr/>
       </p:nvGrpSpPr>
@@ -3102,7 +3089,7 @@
           <p:cNvPr id="2" name="Title 1">
             <a:extLst>
               <a:ext uri="{FF2B5EF4-FFF2-40B4-BE49-F238E27FC236}">
-                <a16:creationId xmlns:a16="http://schemas.microsoft.com/office/drawing/2014/main" id="{48F1895D-A96F-417D-6A81-847B7196DF2D}"/>
+                <a16:creationId xmlns:a16="http://schemas.microsoft.com/office/drawing/2014/main" id="{116F5DBF-51D4-D855-D1A7-B7E102C373C6}"/>
               </a:ext>
             </a:extLst>
           </p:cNvPr>
@@ -3119,9 +3106,12 @@
           <a:lstStyle/>
           <a:p>
             <a:r>
-              <a:rPr lang="en-US" dirty="0"/>
-              <a:t>Regression Rules</a:t>
-            </a:r>
+              <a:rPr lang="en-US">
+                <a:latin typeface="Aptos Display"/>
+              </a:rPr>
+              <a:t>What question are you asking?</a:t>
+            </a:r>
+            <a:endParaRPr lang="en-US"/>
           </a:p>
         </p:txBody>
       </p:sp>
@@ -3130,7 +3120,7 @@
           <p:cNvPr id="3" name="Content Placeholder 2">
             <a:extLst>
               <a:ext uri="{FF2B5EF4-FFF2-40B4-BE49-F238E27FC236}">
-                <a16:creationId xmlns:a16="http://schemas.microsoft.com/office/drawing/2014/main" id="{B2F9FF5B-063E-1BD2-30F6-B5785E02971C}"/>
+                <a16:creationId xmlns:a16="http://schemas.microsoft.com/office/drawing/2014/main" id="{F6AEBFFB-606F-45BD-FE53-4D4821EC8A06}"/>
               </a:ext>
             </a:extLst>
           </p:cNvPr>
@@ -3144,35 +3134,156 @@
         <p:spPr/>
         <p:txBody>
           <a:bodyPr vert="horz" lIns="91440" tIns="45720" rIns="91440" bIns="45720" rtlCol="0" anchor="t">
-            <a:normAutofit/>
+            <a:normAutofit fontScale="92500" lnSpcReduction="20000"/>
           </a:bodyPr>
           <a:lstStyle/>
           <a:p>
-            <a:pPr marL="457200" indent="-457200"/>
-            <a:r>
-              <a:rPr lang="en-US" dirty="0"/>
-              <a:t>Observations (patients) must outnumber input variables</a:t>
-            </a:r>
-          </a:p>
-          <a:p>
-            <a:pPr marL="457200" indent="-457200"/>
-            <a:r>
-              <a:rPr lang="en-US" dirty="0"/>
-              <a:t>Variables should not be related to one another (multicollinearity)</a:t>
-            </a:r>
-          </a:p>
-          <a:p>
-            <a:pPr marL="0" indent="0">
-              <a:buNone/>
+            <a:r>
+              <a:rPr lang="en-US"/>
+              <a:t>My variables have a relationship with my outcomes</a:t>
+            </a:r>
+          </a:p>
+          <a:p>
+            <a:pPr lvl="1">
+              <a:buFont typeface="Courier New" panose="020B0604020202020204" pitchFamily="34" charset="0"/>
+              <a:buChar char="o"/>
             </a:pPr>
-            <a:endParaRPr lang="en-US" dirty="0"/>
+            <a:r>
+              <a:rPr lang="en-US"/>
+              <a:t>Ex: Lower hemoglobin is related to having a GIB</a:t>
+            </a:r>
+          </a:p>
+          <a:p>
+            <a:pPr lvl="1">
+              <a:buFont typeface="Courier New" panose="020B0604020202020204" pitchFamily="34" charset="0"/>
+              <a:buChar char="o"/>
+            </a:pPr>
+            <a:r>
+              <a:rPr lang="en-US"/>
+              <a:t>Regression for correlation </a:t>
+            </a:r>
+          </a:p>
+          <a:p>
+            <a:r>
+              <a:rPr lang="en-US">
+                <a:solidFill>
+                  <a:schemeClr val="bg2"/>
+                </a:solidFill>
+              </a:rPr>
+              <a:t>I have two (or more) populations and I believe that they are distinctly different</a:t>
+            </a:r>
+          </a:p>
+          <a:p>
+            <a:pPr lvl="1">
+              <a:buFont typeface="Courier New" panose="020B0604020202020204" pitchFamily="34" charset="0"/>
+              <a:buChar char="o"/>
+            </a:pPr>
+            <a:r>
+              <a:rPr lang="en-US">
+                <a:solidFill>
+                  <a:schemeClr val="bg2"/>
+                </a:solidFill>
+              </a:rPr>
+              <a:t>Ex: Patients with </a:t>
+            </a:r>
+            <a:r>
+              <a:rPr lang="en-US" err="1">
+                <a:solidFill>
+                  <a:schemeClr val="bg2"/>
+                </a:solidFill>
+              </a:rPr>
+              <a:t>Afib</a:t>
+            </a:r>
+            <a:r>
+              <a:rPr lang="en-US">
+                <a:solidFill>
+                  <a:schemeClr val="bg2"/>
+                </a:solidFill>
+              </a:rPr>
+              <a:t> have more strokes than patients without </a:t>
+            </a:r>
+            <a:r>
+              <a:rPr lang="en-US" err="1">
+                <a:solidFill>
+                  <a:schemeClr val="bg2"/>
+                </a:solidFill>
+              </a:rPr>
+              <a:t>Afib</a:t>
+            </a:r>
+            <a:endParaRPr lang="en-US">
+              <a:solidFill>
+                <a:schemeClr val="bg2"/>
+              </a:solidFill>
+            </a:endParaRPr>
+          </a:p>
+          <a:p>
+            <a:pPr lvl="1">
+              <a:buFont typeface="Courier New" panose="020B0604020202020204" pitchFamily="34" charset="0"/>
+              <a:buChar char="o"/>
+            </a:pPr>
+            <a:r>
+              <a:rPr lang="en-US">
+                <a:solidFill>
+                  <a:schemeClr val="bg2"/>
+                </a:solidFill>
+              </a:rPr>
+              <a:t>T-test or equivalent (hypothesis testing)</a:t>
+            </a:r>
+          </a:p>
+          <a:p>
+            <a:r>
+              <a:rPr lang="en-US">
+                <a:solidFill>
+                  <a:schemeClr val="bg2"/>
+                </a:solidFill>
+              </a:rPr>
+              <a:t>I'm looking at the time it takes until an event happens</a:t>
+            </a:r>
+          </a:p>
+          <a:p>
+            <a:pPr lvl="1">
+              <a:buFont typeface="Courier New" panose="020B0604020202020204" pitchFamily="34" charset="0"/>
+              <a:buChar char="o"/>
+            </a:pPr>
+            <a:r>
+              <a:rPr lang="en-US">
+                <a:solidFill>
+                  <a:schemeClr val="bg2"/>
+                </a:solidFill>
+              </a:rPr>
+              <a:t>See survival modeling</a:t>
+            </a:r>
+          </a:p>
+          <a:p>
+            <a:r>
+              <a:rPr lang="en-US">
+                <a:solidFill>
+                  <a:schemeClr val="bg2"/>
+                </a:solidFill>
+              </a:rPr>
+              <a:t>I have repeatedly measured something in patients and I want to see how that this measure changes over time w/ respect to my outcome</a:t>
+            </a:r>
+          </a:p>
+          <a:p>
+            <a:pPr lvl="1">
+              <a:buFont typeface="Courier New" panose="020B0604020202020204" pitchFamily="34" charset="0"/>
+              <a:buChar char="o"/>
+            </a:pPr>
+            <a:r>
+              <a:rPr lang="en-US">
+                <a:solidFill>
+                  <a:schemeClr val="bg2"/>
+                </a:solidFill>
+              </a:rPr>
+              <a:t>This is panel data and this is hard </a:t>
+            </a:r>
           </a:p>
         </p:txBody>
       </p:sp>
     </p:spTree>
     <p:extLst>
       <p:ext uri="{BB962C8B-B14F-4D97-AF65-F5344CB8AC3E}">
-        <p14:creationId xmlns:p14="http://schemas.microsoft.com/office/powerpoint/2010/main" val="2384403130"/>
+        <p14:creationId xmlns:p14="http://schemas.microsoft.com/office/powerpoint/2010/main" val="1321279125"/>
       </p:ext>
     </p:extLst>
   </p:cSld>
@@ -3204,7 +3315,7 @@
           <p:cNvPr id="2" name="Title 1">
             <a:extLst>
               <a:ext uri="{FF2B5EF4-FFF2-40B4-BE49-F238E27FC236}">
-                <a16:creationId xmlns:a16="http://schemas.microsoft.com/office/drawing/2014/main" id="{8B29D8A0-FA5B-C2FC-B90F-2DEEE22DC92F}"/>
+                <a16:creationId xmlns:a16="http://schemas.microsoft.com/office/drawing/2014/main" id="{48F1895D-A96F-417D-6A81-847B7196DF2D}"/>
               </a:ext>
             </a:extLst>
           </p:cNvPr>
@@ -3221,8 +3332,8 @@
           <a:lstStyle/>
           <a:p>
             <a:r>
-              <a:rPr lang="en-US" dirty="0"/>
-              <a:t>Regression Outputs</a:t>
+              <a:rPr lang="en-US"/>
+              <a:t>Regression Rules</a:t>
             </a:r>
           </a:p>
         </p:txBody>
@@ -3232,7 +3343,7 @@
           <p:cNvPr id="3" name="Content Placeholder 2">
             <a:extLst>
               <a:ext uri="{FF2B5EF4-FFF2-40B4-BE49-F238E27FC236}">
-                <a16:creationId xmlns:a16="http://schemas.microsoft.com/office/drawing/2014/main" id="{979CCE6F-3EF5-C84F-F5BC-9AD063544322}"/>
+                <a16:creationId xmlns:a16="http://schemas.microsoft.com/office/drawing/2014/main" id="{B2F9FF5B-063E-1BD2-30F6-B5785E02971C}"/>
               </a:ext>
             </a:extLst>
           </p:cNvPr>
@@ -3243,256 +3354,38 @@
             <p:ph idx="1"/>
           </p:nvPr>
         </p:nvSpPr>
-        <p:spPr>
-          <a:xfrm>
-            <a:off x="838200" y="1527451"/>
-            <a:ext cx="9102035" cy="4351338"/>
-          </a:xfrm>
-        </p:spPr>
+        <p:spPr/>
         <p:txBody>
           <a:bodyPr vert="horz" lIns="91440" tIns="45720" rIns="91440" bIns="45720" rtlCol="0" anchor="t">
             <a:normAutofit/>
           </a:bodyPr>
           <a:lstStyle/>
           <a:p>
-            <a:r>
-              <a:rPr lang="en-US" dirty="0"/>
-              <a:t>Exp(</a:t>
-            </a:r>
-            <a:r>
-              <a:rPr lang="en-US" dirty="0" err="1"/>
-              <a:t>coef</a:t>
-            </a:r>
-            <a:r>
-              <a:rPr lang="en-US" dirty="0"/>
-              <a:t>) is your odds/hazard ratios</a:t>
-            </a:r>
-          </a:p>
-          <a:p>
-            <a:r>
-              <a:rPr lang="en-US" dirty="0">
-                <a:ea typeface="+mn-lt"/>
-                <a:cs typeface="+mn-lt"/>
-              </a:rPr>
-              <a:t>Significance codes:  </a:t>
-            </a:r>
-          </a:p>
-          <a:p>
-            <a:pPr lvl="1">
-              <a:buFont typeface="Courier New" panose="020B0604020202020204" pitchFamily="34" charset="0"/>
-              <a:buChar char="o"/>
+            <a:pPr marL="457200" indent="-457200"/>
+            <a:r>
+              <a:rPr lang="en-US"/>
+              <a:t>Observations (patients) must outnumber input variables</a:t>
+            </a:r>
+          </a:p>
+          <a:p>
+            <a:pPr marL="457200" indent="-457200"/>
+            <a:r>
+              <a:rPr lang="en-US"/>
+              <a:t>Variables should not be related to one another (multicollinearity)</a:t>
+            </a:r>
+          </a:p>
+          <a:p>
+            <a:pPr marL="0" indent="0">
+              <a:buNone/>
             </a:pPr>
-            <a:r>
-              <a:rPr lang="en-US" dirty="0">
-                <a:ea typeface="+mn-lt"/>
-                <a:cs typeface="+mn-lt"/>
-              </a:rPr>
-              <a:t>0 ‘***’ 0.001 ‘**’ 0.01 ‘*’ 0.05 ‘.’ 0.1 ‘ ’ 1</a:t>
-            </a:r>
-            <a:endParaRPr lang="en-US" dirty="0"/>
-          </a:p>
-        </p:txBody>
-      </p:sp>
-      <p:pic>
-        <p:nvPicPr>
-          <p:cNvPr id="4" name="Picture 3" descr="A computer screen with white text&#10;&#10;AI-generated content may be incorrect.">
-            <a:extLst>
-              <a:ext uri="{FF2B5EF4-FFF2-40B4-BE49-F238E27FC236}">
-                <a16:creationId xmlns:a16="http://schemas.microsoft.com/office/drawing/2014/main" id="{A6C5033B-71B6-B302-70C7-11E37DDF1A56}"/>
-              </a:ext>
-            </a:extLst>
-          </p:cNvPr>
-          <p:cNvPicPr>
-            <a:picLocks noChangeAspect="1"/>
-          </p:cNvPicPr>
-          <p:nvPr/>
-        </p:nvPicPr>
-        <p:blipFill>
-          <a:blip r:embed="rId2"/>
-          <a:stretch>
-            <a:fillRect/>
-          </a:stretch>
-        </p:blipFill>
-        <p:spPr>
-          <a:xfrm>
-            <a:off x="3119852" y="2818296"/>
-            <a:ext cx="5953125" cy="3962400"/>
-          </a:xfrm>
-          <a:prstGeom prst="rect">
-            <a:avLst/>
-          </a:prstGeom>
-        </p:spPr>
-      </p:pic>
-      <p:cxnSp>
-        <p:nvCxnSpPr>
-          <p:cNvPr id="5" name="Straight Arrow Connector 4">
-            <a:extLst>
-              <a:ext uri="{FF2B5EF4-FFF2-40B4-BE49-F238E27FC236}">
-                <a16:creationId xmlns:a16="http://schemas.microsoft.com/office/drawing/2014/main" id="{F4D9D422-551B-962A-1E33-58A813BF5904}"/>
-              </a:ext>
-            </a:extLst>
-          </p:cNvPr>
-          <p:cNvCxnSpPr/>
-          <p:nvPr/>
-        </p:nvCxnSpPr>
-        <p:spPr>
-          <a:xfrm>
-            <a:off x="2153478" y="5676347"/>
-            <a:ext cx="872434" cy="342347"/>
-          </a:xfrm>
-          <a:prstGeom prst="straightConnector1">
-            <a:avLst/>
-          </a:prstGeom>
-          <a:ln>
-            <a:tailEnd type="triangle"/>
-          </a:ln>
-        </p:spPr>
-        <p:style>
-          <a:lnRef idx="2">
-            <a:schemeClr val="accent1"/>
-          </a:lnRef>
-          <a:fillRef idx="0">
-            <a:schemeClr val="accent1"/>
-          </a:fillRef>
-          <a:effectRef idx="1">
-            <a:schemeClr val="accent1"/>
-          </a:effectRef>
-          <a:fontRef idx="minor">
-            <a:schemeClr val="tx1"/>
-          </a:fontRef>
-        </p:style>
-      </p:cxnSp>
-      <p:sp>
-        <p:nvSpPr>
-          <p:cNvPr id="6" name="TextBox 5">
-            <a:extLst>
-              <a:ext uri="{FF2B5EF4-FFF2-40B4-BE49-F238E27FC236}">
-                <a16:creationId xmlns:a16="http://schemas.microsoft.com/office/drawing/2014/main" id="{3EAD736E-3CF9-48EC-4F02-625E3434EC42}"/>
-              </a:ext>
-            </a:extLst>
-          </p:cNvPr>
-          <p:cNvSpPr txBox="1"/>
-          <p:nvPr/>
-        </p:nvSpPr>
-        <p:spPr>
-          <a:xfrm>
-            <a:off x="212812" y="5142081"/>
-            <a:ext cx="2379717" cy="1200329"/>
-          </a:xfrm>
-          <a:prstGeom prst="rect">
-            <a:avLst/>
-          </a:prstGeom>
-          <a:noFill/>
-        </p:spPr>
-        <p:txBody>
-          <a:bodyPr rot="0" spcFirstLastPara="0" vertOverflow="overflow" horzOverflow="overflow" vert="horz" wrap="square" lIns="91440" tIns="45720" rIns="91440" bIns="45720" numCol="1" spcCol="0" rtlCol="0" fromWordArt="0" anchor="t" anchorCtr="0" forceAA="0" compatLnSpc="1">
-            <a:prstTxWarp prst="textNoShape">
-              <a:avLst/>
-            </a:prstTxWarp>
-            <a:spAutoFit/>
-          </a:bodyPr>
-          <a:lstStyle/>
-          <a:p>
-            <a:r>
-              <a:rPr lang="en-US" dirty="0"/>
-              <a:t>Similar to an R</a:t>
-            </a:r>
-            <a:r>
-              <a:rPr lang="en-US" baseline="30000" dirty="0"/>
-              <a:t>2</a:t>
-            </a:r>
-          </a:p>
-          <a:p>
-            <a:r>
-              <a:rPr lang="en-US" dirty="0"/>
-              <a:t>but for survival for other regression it'll be AIC </a:t>
-            </a:r>
-          </a:p>
-        </p:txBody>
-      </p:sp>
-      <p:cxnSp>
-        <p:nvCxnSpPr>
-          <p:cNvPr id="7" name="Straight Arrow Connector 6">
-            <a:extLst>
-              <a:ext uri="{FF2B5EF4-FFF2-40B4-BE49-F238E27FC236}">
-                <a16:creationId xmlns:a16="http://schemas.microsoft.com/office/drawing/2014/main" id="{87281F40-C9A0-E0B8-74BC-5AF8A6E1A812}"/>
-              </a:ext>
-            </a:extLst>
-          </p:cNvPr>
-          <p:cNvCxnSpPr>
-            <a:cxnSpLocks/>
-          </p:cNvCxnSpPr>
-          <p:nvPr/>
-        </p:nvCxnSpPr>
-        <p:spPr>
-          <a:xfrm flipH="1">
-            <a:off x="7731777" y="3318266"/>
-            <a:ext cx="1640106" cy="743941"/>
-          </a:xfrm>
-          <a:prstGeom prst="straightConnector1">
-            <a:avLst/>
-          </a:prstGeom>
-          <a:ln>
-            <a:tailEnd type="triangle"/>
-          </a:ln>
-        </p:spPr>
-        <p:style>
-          <a:lnRef idx="2">
-            <a:schemeClr val="accent1"/>
-          </a:lnRef>
-          <a:fillRef idx="0">
-            <a:schemeClr val="accent1"/>
-          </a:fillRef>
-          <a:effectRef idx="1">
-            <a:schemeClr val="accent1"/>
-          </a:effectRef>
-          <a:fontRef idx="minor">
-            <a:schemeClr val="tx1"/>
-          </a:fontRef>
-        </p:style>
-      </p:cxnSp>
-      <p:sp>
-        <p:nvSpPr>
-          <p:cNvPr id="8" name="TextBox 7">
-            <a:extLst>
-              <a:ext uri="{FF2B5EF4-FFF2-40B4-BE49-F238E27FC236}">
-                <a16:creationId xmlns:a16="http://schemas.microsoft.com/office/drawing/2014/main" id="{D7E1D8B0-23E9-6456-AB00-DA56A5C4C399}"/>
-              </a:ext>
-            </a:extLst>
-          </p:cNvPr>
-          <p:cNvSpPr txBox="1"/>
-          <p:nvPr/>
-        </p:nvSpPr>
-        <p:spPr>
-          <a:xfrm>
-            <a:off x="9387703" y="3062027"/>
-            <a:ext cx="1700097" cy="369332"/>
-          </a:xfrm>
-          <a:prstGeom prst="rect">
-            <a:avLst/>
-          </a:prstGeom>
-          <a:noFill/>
-        </p:spPr>
-        <p:txBody>
-          <a:bodyPr rot="0" spcFirstLastPara="0" vertOverflow="overflow" horzOverflow="overflow" vert="horz" wrap="square" lIns="91440" tIns="45720" rIns="91440" bIns="45720" numCol="1" spcCol="0" rtlCol="0" fromWordArt="0" anchor="t" anchorCtr="0" forceAA="0" compatLnSpc="1">
-            <a:prstTxWarp prst="textNoShape">
-              <a:avLst/>
-            </a:prstTxWarp>
-            <a:spAutoFit/>
-          </a:bodyPr>
-          <a:lstStyle/>
-          <a:p>
-            <a:r>
-              <a:rPr lang="en-US" dirty="0"/>
-              <a:t>Your P values </a:t>
-            </a:r>
+            <a:endParaRPr lang="en-US"/>
           </a:p>
         </p:txBody>
       </p:sp>
     </p:spTree>
     <p:extLst>
       <p:ext uri="{BB962C8B-B14F-4D97-AF65-F5344CB8AC3E}">
-        <p14:creationId xmlns:p14="http://schemas.microsoft.com/office/powerpoint/2010/main" val="1353623804"/>
+        <p14:creationId xmlns:p14="http://schemas.microsoft.com/office/powerpoint/2010/main" val="2384403130"/>
       </p:ext>
     </p:extLst>
   </p:cSld>
@@ -3519,12 +3412,42 @@
           <a:chExt cx="0" cy="0"/>
         </a:xfrm>
       </p:grpSpPr>
+      <p:pic>
+        <p:nvPicPr>
+          <p:cNvPr id="9" name="Picture 8" descr="A screenshot of a computer&#10;&#10;AI-generated content may be incorrect.">
+            <a:extLst>
+              <a:ext uri="{FF2B5EF4-FFF2-40B4-BE49-F238E27FC236}">
+                <a16:creationId xmlns:a16="http://schemas.microsoft.com/office/drawing/2014/main" id="{3F8C2F35-59BE-434F-4FE7-6122FE5A2B75}"/>
+              </a:ext>
+            </a:extLst>
+          </p:cNvPr>
+          <p:cNvPicPr>
+            <a:picLocks noChangeAspect="1"/>
+          </p:cNvPicPr>
+          <p:nvPr/>
+        </p:nvPicPr>
+        <p:blipFill>
+          <a:blip r:embed="rId2"/>
+          <a:stretch>
+            <a:fillRect/>
+          </a:stretch>
+        </p:blipFill>
+        <p:spPr>
+          <a:xfrm>
+            <a:off x="2803995" y="3171707"/>
+            <a:ext cx="6000750" cy="3581400"/>
+          </a:xfrm>
+          <a:prstGeom prst="rect">
+            <a:avLst/>
+          </a:prstGeom>
+        </p:spPr>
+      </p:pic>
       <p:sp>
         <p:nvSpPr>
           <p:cNvPr id="2" name="Title 1">
             <a:extLst>
               <a:ext uri="{FF2B5EF4-FFF2-40B4-BE49-F238E27FC236}">
-                <a16:creationId xmlns:a16="http://schemas.microsoft.com/office/drawing/2014/main" id="{7C19B3E1-5548-5A21-FBFF-EBA4ED3AD962}"/>
+                <a16:creationId xmlns:a16="http://schemas.microsoft.com/office/drawing/2014/main" id="{8B29D8A0-FA5B-C2FC-B90F-2DEEE22DC92F}"/>
               </a:ext>
             </a:extLst>
           </p:cNvPr>
@@ -3541,8 +3464,8 @@
           <a:lstStyle/>
           <a:p>
             <a:r>
-              <a:rPr lang="en-US" dirty="0"/>
-              <a:t>Outcomes: Categorical </a:t>
+              <a:rPr lang="en-US"/>
+              <a:t>Regression Outputs</a:t>
             </a:r>
           </a:p>
         </p:txBody>
@@ -3552,7 +3475,7 @@
           <p:cNvPr id="3" name="Content Placeholder 2">
             <a:extLst>
               <a:ext uri="{FF2B5EF4-FFF2-40B4-BE49-F238E27FC236}">
-                <a16:creationId xmlns:a16="http://schemas.microsoft.com/office/drawing/2014/main" id="{09354C11-C030-7B80-2220-614B2B2937E5}"/>
+                <a16:creationId xmlns:a16="http://schemas.microsoft.com/office/drawing/2014/main" id="{979CCE6F-3EF5-C84F-F5BC-9AD063544322}"/>
               </a:ext>
             </a:extLst>
           </p:cNvPr>
@@ -3563,7 +3486,12 @@
             <p:ph idx="1"/>
           </p:nvPr>
         </p:nvSpPr>
-        <p:spPr/>
+        <p:spPr>
+          <a:xfrm>
+            <a:off x="838200" y="1527451"/>
+            <a:ext cx="9102035" cy="4351338"/>
+          </a:xfrm>
+        </p:spPr>
         <p:txBody>
           <a:bodyPr vert="horz" lIns="91440" tIns="45720" rIns="91440" bIns="45720" rtlCol="0" anchor="t">
             <a:normAutofit/>
@@ -3571,8 +3499,17 @@
           <a:lstStyle/>
           <a:p>
             <a:r>
-              <a:rPr lang="en-US" dirty="0"/>
-              <a:t>Logistic regression if you have a binary outcome</a:t>
+              <a:rPr lang="en-US"/>
+              <a:t>Estimate is your coefficients NOT your odds ratios</a:t>
+            </a:r>
+          </a:p>
+          <a:p>
+            <a:r>
+              <a:rPr lang="en-US">
+                <a:ea typeface="+mn-lt"/>
+                <a:cs typeface="+mn-lt"/>
+              </a:rPr>
+              <a:t>Significance codes:  </a:t>
             </a:r>
           </a:p>
           <a:p>
@@ -3581,30 +3518,176 @@
               <a:buChar char="o"/>
             </a:pPr>
             <a:r>
-              <a:rPr lang="en-US" dirty="0"/>
-              <a:t>IBD/no IBD, MI/no MI</a:t>
-            </a:r>
-          </a:p>
-          <a:p>
-            <a:r>
-              <a:rPr lang="en-US" dirty="0"/>
-              <a:t>Multinomial regression if you have more than two categories</a:t>
-            </a:r>
-          </a:p>
-          <a:p>
-            <a:pPr lvl="1">
-              <a:buFont typeface="Courier New" panose="020B0604020202020204" pitchFamily="34" charset="0"/>
-              <a:buChar char="o"/>
-            </a:pPr>
-            <a:r>
-              <a:rPr lang="en-US" dirty="0"/>
-              <a:t>Predicting NYHA heart failure classification, COPD GOLD Staging</a:t>
-            </a:r>
-          </a:p>
-          <a:p>
-            <a:r>
-              <a:rPr lang="en-US" dirty="0"/>
-              <a:t>The R code is the exact same!</a:t>
+              <a:rPr lang="en-US">
+                <a:ea typeface="+mn-lt"/>
+                <a:cs typeface="+mn-lt"/>
+              </a:rPr>
+              <a:t>0 ‘***’ 0.001 ‘**’ 0.01 ‘*’ 0.05 ‘.’ 0.1 ‘ ’ 1</a:t>
+            </a:r>
+            <a:endParaRPr lang="en-US"/>
+          </a:p>
+        </p:txBody>
+      </p:sp>
+      <p:cxnSp>
+        <p:nvCxnSpPr>
+          <p:cNvPr id="5" name="Straight Arrow Connector 4">
+            <a:extLst>
+              <a:ext uri="{FF2B5EF4-FFF2-40B4-BE49-F238E27FC236}">
+                <a16:creationId xmlns:a16="http://schemas.microsoft.com/office/drawing/2014/main" id="{F4D9D422-551B-962A-1E33-58A813BF5904}"/>
+              </a:ext>
+            </a:extLst>
+          </p:cNvPr>
+          <p:cNvCxnSpPr/>
+          <p:nvPr/>
+        </p:nvCxnSpPr>
+        <p:spPr>
+          <a:xfrm>
+            <a:off x="1908885" y="5845680"/>
+            <a:ext cx="872434" cy="342347"/>
+          </a:xfrm>
+          <a:prstGeom prst="straightConnector1">
+            <a:avLst/>
+          </a:prstGeom>
+          <a:ln>
+            <a:tailEnd type="triangle"/>
+          </a:ln>
+        </p:spPr>
+        <p:style>
+          <a:lnRef idx="2">
+            <a:schemeClr val="accent1"/>
+          </a:lnRef>
+          <a:fillRef idx="0">
+            <a:schemeClr val="accent1"/>
+          </a:fillRef>
+          <a:effectRef idx="1">
+            <a:schemeClr val="accent1"/>
+          </a:effectRef>
+          <a:fontRef idx="minor">
+            <a:schemeClr val="tx1"/>
+          </a:fontRef>
+        </p:style>
+      </p:cxnSp>
+      <p:sp>
+        <p:nvSpPr>
+          <p:cNvPr id="6" name="TextBox 5">
+            <a:extLst>
+              <a:ext uri="{FF2B5EF4-FFF2-40B4-BE49-F238E27FC236}">
+                <a16:creationId xmlns:a16="http://schemas.microsoft.com/office/drawing/2014/main" id="{3EAD736E-3CF9-48EC-4F02-625E3434EC42}"/>
+              </a:ext>
+            </a:extLst>
+          </p:cNvPr>
+          <p:cNvSpPr txBox="1"/>
+          <p:nvPr/>
+        </p:nvSpPr>
+        <p:spPr>
+          <a:xfrm>
+            <a:off x="203405" y="5377266"/>
+            <a:ext cx="2379717" cy="646331"/>
+          </a:xfrm>
+          <a:prstGeom prst="rect">
+            <a:avLst/>
+          </a:prstGeom>
+          <a:noFill/>
+        </p:spPr>
+        <p:txBody>
+          <a:bodyPr rot="0" spcFirstLastPara="0" vertOverflow="overflow" horzOverflow="overflow" vert="horz" wrap="square" lIns="91440" tIns="45720" rIns="91440" bIns="45720" numCol="1" spcCol="0" rtlCol="0" fromWordArt="0" anchor="t" anchorCtr="0" forceAA="0" compatLnSpc="1">
+            <a:prstTxWarp prst="textNoShape">
+              <a:avLst/>
+            </a:prstTxWarp>
+            <a:spAutoFit/>
+          </a:bodyPr>
+          <a:lstStyle/>
+          <a:p>
+            <a:r>
+              <a:rPr lang="en-US"/>
+              <a:t>Similar to an R</a:t>
+            </a:r>
+            <a:r>
+              <a:rPr lang="en-US" baseline="30000"/>
+              <a:t>2 </a:t>
+            </a:r>
+            <a:r>
+              <a:rPr lang="en-US"/>
+              <a:t>but lower is better</a:t>
+            </a:r>
+          </a:p>
+        </p:txBody>
+      </p:sp>
+      <p:cxnSp>
+        <p:nvCxnSpPr>
+          <p:cNvPr id="7" name="Straight Arrow Connector 6">
+            <a:extLst>
+              <a:ext uri="{FF2B5EF4-FFF2-40B4-BE49-F238E27FC236}">
+                <a16:creationId xmlns:a16="http://schemas.microsoft.com/office/drawing/2014/main" id="{87281F40-C9A0-E0B8-74BC-5AF8A6E1A812}"/>
+              </a:ext>
+            </a:extLst>
+          </p:cNvPr>
+          <p:cNvCxnSpPr>
+            <a:cxnSpLocks/>
+          </p:cNvCxnSpPr>
+          <p:nvPr/>
+        </p:nvCxnSpPr>
+        <p:spPr>
+          <a:xfrm flipH="1">
+            <a:off x="7139111" y="3299452"/>
+            <a:ext cx="2232772" cy="819199"/>
+          </a:xfrm>
+          <a:prstGeom prst="straightConnector1">
+            <a:avLst/>
+          </a:prstGeom>
+          <a:ln>
+            <a:tailEnd type="triangle"/>
+          </a:ln>
+        </p:spPr>
+        <p:style>
+          <a:lnRef idx="2">
+            <a:schemeClr val="accent1"/>
+          </a:lnRef>
+          <a:fillRef idx="0">
+            <a:schemeClr val="accent1"/>
+          </a:fillRef>
+          <a:effectRef idx="1">
+            <a:schemeClr val="accent1"/>
+          </a:effectRef>
+          <a:fontRef idx="minor">
+            <a:schemeClr val="tx1"/>
+          </a:fontRef>
+        </p:style>
+      </p:cxnSp>
+      <p:sp>
+        <p:nvSpPr>
+          <p:cNvPr id="8" name="TextBox 7">
+            <a:extLst>
+              <a:ext uri="{FF2B5EF4-FFF2-40B4-BE49-F238E27FC236}">
+                <a16:creationId xmlns:a16="http://schemas.microsoft.com/office/drawing/2014/main" id="{D7E1D8B0-23E9-6456-AB00-DA56A5C4C399}"/>
+              </a:ext>
+            </a:extLst>
+          </p:cNvPr>
+          <p:cNvSpPr txBox="1"/>
+          <p:nvPr/>
+        </p:nvSpPr>
+        <p:spPr>
+          <a:xfrm>
+            <a:off x="9387703" y="3062027"/>
+            <a:ext cx="1700097" cy="369332"/>
+          </a:xfrm>
+          <a:prstGeom prst="rect">
+            <a:avLst/>
+          </a:prstGeom>
+          <a:noFill/>
+        </p:spPr>
+        <p:txBody>
+          <a:bodyPr rot="0" spcFirstLastPara="0" vertOverflow="overflow" horzOverflow="overflow" vert="horz" wrap="square" lIns="91440" tIns="45720" rIns="91440" bIns="45720" numCol="1" spcCol="0" rtlCol="0" fromWordArt="0" anchor="t" anchorCtr="0" forceAA="0" compatLnSpc="1">
+            <a:prstTxWarp prst="textNoShape">
+              <a:avLst/>
+            </a:prstTxWarp>
+            <a:spAutoFit/>
+          </a:bodyPr>
+          <a:lstStyle/>
+          <a:p>
+            <a:r>
+              <a:rPr lang="en-US"/>
+              <a:t>Your P values </a:t>
             </a:r>
           </a:p>
         </p:txBody>
@@ -3612,7 +3695,7 @@
     </p:spTree>
     <p:extLst>
       <p:ext uri="{BB962C8B-B14F-4D97-AF65-F5344CB8AC3E}">
-        <p14:creationId xmlns:p14="http://schemas.microsoft.com/office/powerpoint/2010/main" val="2362524423"/>
+        <p14:creationId xmlns:p14="http://schemas.microsoft.com/office/powerpoint/2010/main" val="1353623804"/>
       </p:ext>
     </p:extLst>
   </p:cSld>
@@ -3644,7 +3727,7 @@
           <p:cNvPr id="2" name="Title 1">
             <a:extLst>
               <a:ext uri="{FF2B5EF4-FFF2-40B4-BE49-F238E27FC236}">
-                <a16:creationId xmlns:a16="http://schemas.microsoft.com/office/drawing/2014/main" id="{6F000B66-7640-D76C-0440-7AE4E6C2F1E2}"/>
+                <a16:creationId xmlns:a16="http://schemas.microsoft.com/office/drawing/2014/main" id="{7C19B3E1-5548-5A21-FBFF-EBA4ED3AD962}"/>
               </a:ext>
             </a:extLst>
           </p:cNvPr>
@@ -3661,8 +3744,8 @@
           <a:lstStyle/>
           <a:p>
             <a:r>
-              <a:rPr lang="en-US" dirty="0"/>
-              <a:t>Outcomes: Continuous</a:t>
+              <a:rPr lang="en-US"/>
+              <a:t>Outcomes: Categorical </a:t>
             </a:r>
           </a:p>
         </p:txBody>
@@ -3672,7 +3755,7 @@
           <p:cNvPr id="3" name="Content Placeholder 2">
             <a:extLst>
               <a:ext uri="{FF2B5EF4-FFF2-40B4-BE49-F238E27FC236}">
-                <a16:creationId xmlns:a16="http://schemas.microsoft.com/office/drawing/2014/main" id="{B92FE367-18F8-F2D0-AA91-292EEE455245}"/>
+                <a16:creationId xmlns:a16="http://schemas.microsoft.com/office/drawing/2014/main" id="{09354C11-C030-7B80-2220-614B2B2937E5}"/>
               </a:ext>
             </a:extLst>
           </p:cNvPr>
@@ -3691,8 +3774,8 @@
           <a:lstStyle/>
           <a:p>
             <a:r>
-              <a:rPr lang="en-US" dirty="0"/>
-              <a:t>Linear regression </a:t>
+              <a:rPr lang="en-US"/>
+              <a:t>Logistic regression if you have a binary outcome</a:t>
             </a:r>
           </a:p>
           <a:p>
@@ -3701,8 +3784,14 @@
               <a:buChar char="o"/>
             </a:pPr>
             <a:r>
-              <a:rPr lang="en-US" dirty="0"/>
-              <a:t>Assumes a linear relationship between your variables and outcome</a:t>
+              <a:rPr lang="en-US"/>
+              <a:t>IBD/no IBD, MI/no MI</a:t>
+            </a:r>
+          </a:p>
+          <a:p>
+            <a:r>
+              <a:rPr lang="en-US"/>
+              <a:t>Multinomial regression if you have more than two categories</a:t>
             </a:r>
           </a:p>
           <a:p>
@@ -3712,9 +3801,8 @@
             </a:pPr>
             <a:r>
               <a:rPr lang="en-US"/>
-              <a:t>Volume of urine output after diuretic dose</a:t>
-            </a:r>
-            <a:endParaRPr lang="en-US" dirty="0"/>
+              <a:t>Predicting NYHA heart failure classification, COPD GOLD Staging</a:t>
+            </a:r>
           </a:p>
           <a:p>
             <a:pPr lvl="1">
@@ -3722,22 +3810,22 @@
               <a:buChar char="o"/>
             </a:pPr>
             <a:r>
-              <a:rPr lang="en-US" dirty="0"/>
-              <a:t>Change in SBP or HR </a:t>
+              <a:rPr lang="en-US"/>
+              <a:t>Requires different R package, not yet coded</a:t>
             </a:r>
           </a:p>
           <a:p>
             <a:pPr marL="0" indent="0">
               <a:buNone/>
             </a:pPr>
-            <a:endParaRPr lang="en-US" dirty="0"/>
+            <a:endParaRPr lang="en-US"/>
           </a:p>
         </p:txBody>
       </p:sp>
     </p:spTree>
     <p:extLst>
       <p:ext uri="{BB962C8B-B14F-4D97-AF65-F5344CB8AC3E}">
-        <p14:creationId xmlns:p14="http://schemas.microsoft.com/office/powerpoint/2010/main" val="1357453294"/>
+        <p14:creationId xmlns:p14="http://schemas.microsoft.com/office/powerpoint/2010/main" val="2362524423"/>
       </p:ext>
     </p:extLst>
   </p:cSld>
@@ -3769,7 +3857,7 @@
           <p:cNvPr id="2" name="Title 1">
             <a:extLst>
               <a:ext uri="{FF2B5EF4-FFF2-40B4-BE49-F238E27FC236}">
-                <a16:creationId xmlns:a16="http://schemas.microsoft.com/office/drawing/2014/main" id="{C272686B-3EAA-D743-D06D-56BB473F5EB6}"/>
+                <a16:creationId xmlns:a16="http://schemas.microsoft.com/office/drawing/2014/main" id="{6F000B66-7640-D76C-0440-7AE4E6C2F1E2}"/>
               </a:ext>
             </a:extLst>
           </p:cNvPr>
@@ -3786,8 +3874,8 @@
           <a:lstStyle/>
           <a:p>
             <a:r>
-              <a:rPr lang="en-US" dirty="0"/>
-              <a:t>Outcomes: Count</a:t>
+              <a:rPr lang="en-US"/>
+              <a:t>Outcomes: Continuous</a:t>
             </a:r>
           </a:p>
         </p:txBody>
@@ -3797,7 +3885,7 @@
           <p:cNvPr id="3" name="Content Placeholder 2">
             <a:extLst>
               <a:ext uri="{FF2B5EF4-FFF2-40B4-BE49-F238E27FC236}">
-                <a16:creationId xmlns:a16="http://schemas.microsoft.com/office/drawing/2014/main" id="{F1899A71-35DB-8925-60BD-C02263BB6848}"/>
+                <a16:creationId xmlns:a16="http://schemas.microsoft.com/office/drawing/2014/main" id="{B92FE367-18F8-F2D0-AA91-292EEE455245}"/>
               </a:ext>
             </a:extLst>
           </p:cNvPr>
@@ -3817,7 +3905,7 @@
           <a:p>
             <a:r>
               <a:rPr lang="en-US"/>
-              <a:t>Poisson regression</a:t>
+              <a:t>Linear regression </a:t>
             </a:r>
           </a:p>
           <a:p>
@@ -3826,8 +3914,8 @@
               <a:buChar char="o"/>
             </a:pPr>
             <a:r>
-              <a:rPr lang="en-US" dirty="0"/>
-              <a:t>Ex: Number of seizures after presenting for breakthrough seizure</a:t>
+              <a:rPr lang="en-US"/>
+              <a:t>Assumes a linear relationship between your variables and outcome</a:t>
             </a:r>
           </a:p>
           <a:p>
@@ -3837,7 +3925,7 @@
             </a:pPr>
             <a:r>
               <a:rPr lang="en-US"/>
-              <a:t>Number of bowel movements after laxative</a:t>
+              <a:t>Volume of urine output after diuretic dose</a:t>
             </a:r>
           </a:p>
           <a:p>
@@ -3847,16 +3935,21 @@
             </a:pPr>
             <a:r>
               <a:rPr lang="en-US"/>
-              <a:t>Number of episodes of urination (But not amount)</a:t>
-            </a:r>
-            <a:endParaRPr lang="en-US" dirty="0"/>
+              <a:t>Change in SBP or HR </a:t>
+            </a:r>
+          </a:p>
+          <a:p>
+            <a:pPr marL="0" indent="0">
+              <a:buNone/>
+            </a:pPr>
+            <a:endParaRPr lang="en-US"/>
           </a:p>
         </p:txBody>
       </p:sp>
     </p:spTree>
     <p:extLst>
       <p:ext uri="{BB962C8B-B14F-4D97-AF65-F5344CB8AC3E}">
-        <p14:creationId xmlns:p14="http://schemas.microsoft.com/office/powerpoint/2010/main" val="2984998137"/>
+        <p14:creationId xmlns:p14="http://schemas.microsoft.com/office/powerpoint/2010/main" val="1357453294"/>
       </p:ext>
     </p:extLst>
   </p:cSld>
@@ -3888,7 +3981,7 @@
           <p:cNvPr id="2" name="Title 1">
             <a:extLst>
               <a:ext uri="{FF2B5EF4-FFF2-40B4-BE49-F238E27FC236}">
-                <a16:creationId xmlns:a16="http://schemas.microsoft.com/office/drawing/2014/main" id="{983406C5-E9E7-9142-6708-30F295A7EE5C}"/>
+                <a16:creationId xmlns:a16="http://schemas.microsoft.com/office/drawing/2014/main" id="{C272686B-3EAA-D743-D06D-56BB473F5EB6}"/>
               </a:ext>
             </a:extLst>
           </p:cNvPr>
@@ -3905,8 +3998,8 @@
           <a:lstStyle/>
           <a:p>
             <a:r>
-              <a:rPr lang="en-US" dirty="0"/>
-              <a:t>Regression - What kind of input variables do you have? </a:t>
+              <a:rPr lang="en-US"/>
+              <a:t>Outcomes: Count</a:t>
             </a:r>
           </a:p>
         </p:txBody>
@@ -3916,7 +4009,7 @@
           <p:cNvPr id="3" name="Content Placeholder 2">
             <a:extLst>
               <a:ext uri="{FF2B5EF4-FFF2-40B4-BE49-F238E27FC236}">
-                <a16:creationId xmlns:a16="http://schemas.microsoft.com/office/drawing/2014/main" id="{34E7B9C8-5081-F05A-31E6-670878B57B46}"/>
+                <a16:creationId xmlns:a16="http://schemas.microsoft.com/office/drawing/2014/main" id="{F1899A71-35DB-8925-60BD-C02263BB6848}"/>
               </a:ext>
             </a:extLst>
           </p:cNvPr>
@@ -3935,30 +4028,8 @@
           <a:lstStyle/>
           <a:p>
             <a:r>
-              <a:rPr lang="en-US" dirty="0"/>
-              <a:t>For regression, the code is only for generalized linear models so it doesn't matter</a:t>
-            </a:r>
-          </a:p>
-          <a:p>
-            <a:r>
-              <a:rPr lang="en-US" dirty="0"/>
-              <a:t>Fixed effects are for continuous variables, assumption is going from 10 -&gt; 11 is the same as going from 11 -&gt; 12</a:t>
-            </a:r>
-          </a:p>
-          <a:p>
-            <a:r>
-              <a:rPr lang="en-US" dirty="0"/>
-              <a:t>Random effects are for categorical variables because there isn't a relationship between the levels</a:t>
-            </a:r>
-          </a:p>
-          <a:p>
-            <a:pPr lvl="2">
-              <a:buFont typeface="Wingdings" panose="020B0604020202020204" pitchFamily="34" charset="0"/>
-              <a:buChar char="§"/>
-            </a:pPr>
-            <a:r>
-              <a:rPr lang="en-US" dirty="0"/>
-              <a:t>Ex type of block on EKG: RBBB, LBBB, IVCD</a:t>
+              <a:rPr lang="en-US"/>
+              <a:t>Poisson regression</a:t>
             </a:r>
           </a:p>
           <a:p>
@@ -3966,10 +4037,131 @@
               <a:buFont typeface="Courier New" panose="020B0604020202020204" pitchFamily="34" charset="0"/>
               <a:buChar char="o"/>
             </a:pPr>
-            <a:endParaRPr lang="en-US" dirty="0"/>
-          </a:p>
-          <a:p>
-            <a:endParaRPr lang="en-US" dirty="0"/>
+            <a:r>
+              <a:rPr lang="en-US"/>
+              <a:t>Ex: Number of seizures after presenting for breakthrough seizure</a:t>
+            </a:r>
+          </a:p>
+          <a:p>
+            <a:pPr lvl="1">
+              <a:buFont typeface="Courier New" panose="020B0604020202020204" pitchFamily="34" charset="0"/>
+              <a:buChar char="o"/>
+            </a:pPr>
+            <a:r>
+              <a:rPr lang="en-US"/>
+              <a:t>Number of bowel movements after laxative</a:t>
+            </a:r>
+          </a:p>
+          <a:p>
+            <a:pPr lvl="1">
+              <a:buFont typeface="Courier New" panose="020B0604020202020204" pitchFamily="34" charset="0"/>
+              <a:buChar char="o"/>
+            </a:pPr>
+            <a:r>
+              <a:rPr lang="en-US"/>
+              <a:t>Number of episodes of urination (But not amount)</a:t>
+            </a:r>
+          </a:p>
+        </p:txBody>
+      </p:sp>
+    </p:spTree>
+    <p:extLst>
+      <p:ext uri="{BB962C8B-B14F-4D97-AF65-F5344CB8AC3E}">
+        <p14:creationId xmlns:p14="http://schemas.microsoft.com/office/powerpoint/2010/main" val="2984998137"/>
+      </p:ext>
+    </p:extLst>
+  </p:cSld>
+  <p:clrMapOvr>
+    <a:masterClrMapping/>
+  </p:clrMapOvr>
+</p:sld>
+</file>
+
+<file path=ppt/slides/slide16.xml><?xml version="1.0" encoding="utf-8"?>
+<p:sld xmlns:a="http://schemas.openxmlformats.org/drawingml/2006/main" xmlns:r="http://schemas.openxmlformats.org/officeDocument/2006/relationships" xmlns:p="http://schemas.openxmlformats.org/presentationml/2006/main">
+  <p:cSld>
+    <p:spTree>
+      <p:nvGrpSpPr>
+        <p:cNvPr id="1" name=""/>
+        <p:cNvGrpSpPr/>
+        <p:nvPr/>
+      </p:nvGrpSpPr>
+      <p:grpSpPr>
+        <a:xfrm>
+          <a:off x="0" y="0"/>
+          <a:ext cx="0" cy="0"/>
+          <a:chOff x="0" y="0"/>
+          <a:chExt cx="0" cy="0"/>
+        </a:xfrm>
+      </p:grpSpPr>
+      <p:sp>
+        <p:nvSpPr>
+          <p:cNvPr id="2" name="Title 1">
+            <a:extLst>
+              <a:ext uri="{FF2B5EF4-FFF2-40B4-BE49-F238E27FC236}">
+                <a16:creationId xmlns:a16="http://schemas.microsoft.com/office/drawing/2014/main" id="{983406C5-E9E7-9142-6708-30F295A7EE5C}"/>
+              </a:ext>
+            </a:extLst>
+          </p:cNvPr>
+          <p:cNvSpPr>
+            <a:spLocks noGrp="1"/>
+          </p:cNvSpPr>
+          <p:nvPr>
+            <p:ph type="title"/>
+          </p:nvPr>
+        </p:nvSpPr>
+        <p:spPr/>
+        <p:txBody>
+          <a:bodyPr/>
+          <a:lstStyle/>
+          <a:p>
+            <a:r>
+              <a:rPr lang="en-US"/>
+              <a:t>Regression - What kind of input variables do you have? </a:t>
+            </a:r>
+          </a:p>
+        </p:txBody>
+      </p:sp>
+      <p:sp>
+        <p:nvSpPr>
+          <p:cNvPr id="3" name="Content Placeholder 2">
+            <a:extLst>
+              <a:ext uri="{FF2B5EF4-FFF2-40B4-BE49-F238E27FC236}">
+                <a16:creationId xmlns:a16="http://schemas.microsoft.com/office/drawing/2014/main" id="{34E7B9C8-5081-F05A-31E6-670878B57B46}"/>
+              </a:ext>
+            </a:extLst>
+          </p:cNvPr>
+          <p:cNvSpPr>
+            <a:spLocks noGrp="1"/>
+          </p:cNvSpPr>
+          <p:nvPr>
+            <p:ph idx="1"/>
+          </p:nvPr>
+        </p:nvSpPr>
+        <p:spPr/>
+        <p:txBody>
+          <a:bodyPr vert="horz" lIns="91440" tIns="45720" rIns="91440" bIns="45720" rtlCol="0" anchor="t">
+            <a:normAutofit/>
+          </a:bodyPr>
+          <a:lstStyle/>
+          <a:p>
+            <a:r>
+              <a:rPr lang="en-US"/>
+              <a:t>For regression, the code is only for generalized linear models so it doesn't matter</a:t>
+            </a:r>
+          </a:p>
+          <a:p>
+            <a:endParaRPr lang="en-US"/>
+          </a:p>
+          <a:p>
+            <a:pPr lvl="1">
+              <a:buFont typeface="Courier New" panose="020B0604020202020204" pitchFamily="34" charset="0"/>
+              <a:buChar char="o"/>
+            </a:pPr>
+            <a:endParaRPr lang="en-US"/>
+          </a:p>
+          <a:p>
+            <a:endParaRPr lang="en-US"/>
           </a:p>
         </p:txBody>
       </p:sp>
@@ -3986,7 +4178,7 @@
 </p:sld>
 </file>
 
-<file path=ppt/slides/slide16.xml><?xml version="1.0" encoding="utf-8"?>
+<file path=ppt/slides/slide17.xml><?xml version="1.0" encoding="utf-8"?>
 <p:sld xmlns:a="http://schemas.openxmlformats.org/drawingml/2006/main" xmlns:r="http://schemas.openxmlformats.org/officeDocument/2006/relationships" xmlns:p="http://schemas.openxmlformats.org/presentationml/2006/main">
   <p:cSld>
     <p:spTree>
@@ -4031,12 +4223,12 @@
           <a:lstStyle/>
           <a:p>
             <a:r>
-              <a:rPr lang="en-US" dirty="0">
+              <a:rPr lang="en-US">
                 <a:latin typeface="Aptos Display"/>
               </a:rPr>
               <a:t>What question are you asking?</a:t>
             </a:r>
-            <a:endParaRPr lang="en-US" dirty="0"/>
+            <a:endParaRPr lang="en-US"/>
           </a:p>
         </p:txBody>
       </p:sp>
@@ -4064,7 +4256,7 @@
           <a:lstStyle/>
           <a:p>
             <a:r>
-              <a:rPr lang="en-US" dirty="0">
+              <a:rPr lang="en-US">
                 <a:solidFill>
                   <a:schemeClr val="bg2"/>
                 </a:solidFill>
@@ -4078,7 +4270,7 @@
               <a:buChar char="o"/>
             </a:pPr>
             <a:r>
-              <a:rPr lang="en-US" dirty="0">
+              <a:rPr lang="en-US">
                 <a:solidFill>
                   <a:schemeClr val="bg2"/>
                 </a:solidFill>
@@ -4092,7 +4284,7 @@
               <a:buChar char="o"/>
             </a:pPr>
             <a:r>
-              <a:rPr lang="en-US" dirty="0">
+              <a:rPr lang="en-US">
                 <a:solidFill>
                   <a:schemeClr val="bg2"/>
                 </a:solidFill>
@@ -4102,7 +4294,7 @@
           </a:p>
           <a:p>
             <a:r>
-              <a:rPr lang="en-US" dirty="0"/>
+              <a:rPr lang="en-US"/>
               <a:t>I have two (or more) populations and I believe that they are distinctly different</a:t>
             </a:r>
           </a:p>
@@ -4112,22 +4304,22 @@
               <a:buChar char="o"/>
             </a:pPr>
             <a:r>
-              <a:rPr lang="en-US" dirty="0"/>
+              <a:rPr lang="en-US"/>
               <a:t>Ex: Patients with </a:t>
             </a:r>
             <a:r>
-              <a:rPr lang="en-US" dirty="0" err="1"/>
+              <a:rPr lang="en-US" err="1"/>
               <a:t>Afib</a:t>
             </a:r>
             <a:r>
-              <a:rPr lang="en-US" dirty="0"/>
+              <a:rPr lang="en-US"/>
               <a:t> have more strokes than patients without </a:t>
             </a:r>
             <a:r>
-              <a:rPr lang="en-US" dirty="0" err="1"/>
+              <a:rPr lang="en-US" err="1"/>
               <a:t>Afib</a:t>
             </a:r>
-            <a:endParaRPr lang="en-US" dirty="0"/>
+            <a:endParaRPr lang="en-US"/>
           </a:p>
           <a:p>
             <a:pPr lvl="1">
@@ -4135,13 +4327,13 @@
               <a:buChar char="o"/>
             </a:pPr>
             <a:r>
-              <a:rPr lang="en-US" dirty="0"/>
+              <a:rPr lang="en-US"/>
               <a:t>T-test or equivalent (hypothesis testing)</a:t>
             </a:r>
           </a:p>
           <a:p>
             <a:r>
-              <a:rPr lang="en-US" dirty="0">
+              <a:rPr lang="en-US">
                 <a:solidFill>
                   <a:schemeClr val="bg2"/>
                 </a:solidFill>
@@ -4155,7 +4347,7 @@
               <a:buChar char="o"/>
             </a:pPr>
             <a:r>
-              <a:rPr lang="en-US" dirty="0">
+              <a:rPr lang="en-US">
                 <a:solidFill>
                   <a:schemeClr val="bg2"/>
                 </a:solidFill>
@@ -4165,7 +4357,7 @@
           </a:p>
           <a:p>
             <a:r>
-              <a:rPr lang="en-US" dirty="0">
+              <a:rPr lang="en-US">
                 <a:solidFill>
                   <a:schemeClr val="bg2"/>
                 </a:solidFill>
@@ -4179,7 +4371,7 @@
               <a:buChar char="o"/>
             </a:pPr>
             <a:r>
-              <a:rPr lang="en-US" dirty="0">
+              <a:rPr lang="en-US">
                 <a:solidFill>
                   <a:schemeClr val="bg2"/>
                 </a:solidFill>
@@ -4193,136 +4385,6 @@
     <p:extLst>
       <p:ext uri="{BB962C8B-B14F-4D97-AF65-F5344CB8AC3E}">
         <p14:creationId xmlns:p14="http://schemas.microsoft.com/office/powerpoint/2010/main" val="2186682337"/>
-      </p:ext>
-    </p:extLst>
-  </p:cSld>
-  <p:clrMapOvr>
-    <a:masterClrMapping/>
-  </p:clrMapOvr>
-</p:sld>
-</file>
-
-<file path=ppt/slides/slide17.xml><?xml version="1.0" encoding="utf-8"?>
-<p:sld xmlns:a="http://schemas.openxmlformats.org/drawingml/2006/main" xmlns:r="http://schemas.openxmlformats.org/officeDocument/2006/relationships" xmlns:p="http://schemas.openxmlformats.org/presentationml/2006/main">
-  <p:cSld>
-    <p:spTree>
-      <p:nvGrpSpPr>
-        <p:cNvPr id="1" name=""/>
-        <p:cNvGrpSpPr/>
-        <p:nvPr/>
-      </p:nvGrpSpPr>
-      <p:grpSpPr>
-        <a:xfrm>
-          <a:off x="0" y="0"/>
-          <a:ext cx="0" cy="0"/>
-          <a:chOff x="0" y="0"/>
-          <a:chExt cx="0" cy="0"/>
-        </a:xfrm>
-      </p:grpSpPr>
-      <p:sp>
-        <p:nvSpPr>
-          <p:cNvPr id="2" name="Title 1">
-            <a:extLst>
-              <a:ext uri="{FF2B5EF4-FFF2-40B4-BE49-F238E27FC236}">
-                <a16:creationId xmlns:a16="http://schemas.microsoft.com/office/drawing/2014/main" id="{1D04B625-760C-E312-ADF6-5A3D1E88FD5B}"/>
-              </a:ext>
-            </a:extLst>
-          </p:cNvPr>
-          <p:cNvSpPr>
-            <a:spLocks noGrp="1"/>
-          </p:cNvSpPr>
-          <p:nvPr>
-            <p:ph type="title"/>
-          </p:nvPr>
-        </p:nvSpPr>
-        <p:spPr/>
-        <p:txBody>
-          <a:bodyPr/>
-          <a:lstStyle/>
-          <a:p>
-            <a:r>
-              <a:rPr lang="en-US" dirty="0"/>
-              <a:t>Diff in means - What kind of input variables do you have? </a:t>
-            </a:r>
-          </a:p>
-        </p:txBody>
-      </p:sp>
-      <p:pic>
-        <p:nvPicPr>
-          <p:cNvPr id="4" name="Content Placeholder 3" descr="A decision tree for choosing the right statistical test">
-            <a:extLst>
-              <a:ext uri="{FF2B5EF4-FFF2-40B4-BE49-F238E27FC236}">
-                <a16:creationId xmlns:a16="http://schemas.microsoft.com/office/drawing/2014/main" id="{EABFBA54-2805-0D4C-0DE1-FE985515F703}"/>
-              </a:ext>
-            </a:extLst>
-          </p:cNvPr>
-          <p:cNvPicPr>
-            <a:picLocks noGrp="1" noChangeAspect="1"/>
-          </p:cNvPicPr>
-          <p:nvPr>
-            <p:ph idx="1"/>
-          </p:nvPr>
-        </p:nvPicPr>
-        <p:blipFill>
-          <a:blip r:embed="rId2"/>
-          <a:stretch>
-            <a:fillRect/>
-          </a:stretch>
-        </p:blipFill>
-        <p:spPr>
-          <a:xfrm>
-            <a:off x="1844674" y="1394304"/>
-            <a:ext cx="8488275" cy="5458393"/>
-          </a:xfrm>
-        </p:spPr>
-      </p:pic>
-      <p:sp>
-        <p:nvSpPr>
-          <p:cNvPr id="5" name="TextBox 4">
-            <a:extLst>
-              <a:ext uri="{FF2B5EF4-FFF2-40B4-BE49-F238E27FC236}">
-                <a16:creationId xmlns:a16="http://schemas.microsoft.com/office/drawing/2014/main" id="{DFCDC10B-AC9A-62D7-EA60-D6055A18754C}"/>
-              </a:ext>
-            </a:extLst>
-          </p:cNvPr>
-          <p:cNvSpPr txBox="1"/>
-          <p:nvPr/>
-        </p:nvSpPr>
-        <p:spPr>
-          <a:xfrm>
-            <a:off x="9264952" y="6458857"/>
-            <a:ext cx="2927047" cy="400110"/>
-          </a:xfrm>
-          <a:prstGeom prst="rect">
-            <a:avLst/>
-          </a:prstGeom>
-          <a:noFill/>
-        </p:spPr>
-        <p:txBody>
-          <a:bodyPr rot="0" spcFirstLastPara="0" vertOverflow="overflow" horzOverflow="overflow" vert="horz" wrap="square" lIns="91440" tIns="45720" rIns="91440" bIns="45720" numCol="1" spcCol="0" rtlCol="0" fromWordArt="0" anchor="t" anchorCtr="0" forceAA="0" compatLnSpc="1">
-            <a:prstTxWarp prst="textNoShape">
-              <a:avLst/>
-            </a:prstTxWarp>
-            <a:spAutoFit/>
-          </a:bodyPr>
-          <a:lstStyle/>
-          <a:p>
-            <a:r>
-              <a:rPr lang="en-US" sz="1000" dirty="0">
-                <a:ea typeface="+mn-lt"/>
-                <a:cs typeface="+mn-lt"/>
-                <a:hlinkClick r:id="rId3"/>
-              </a:rPr>
-              <a:t>Choosing the Right Statistical Test: A Decision Tree Approach</a:t>
-            </a:r>
-            <a:endParaRPr lang="en-US" sz="1000"/>
-          </a:p>
-        </p:txBody>
-      </p:sp>
-    </p:spTree>
-    <p:extLst>
-      <p:ext uri="{BB962C8B-B14F-4D97-AF65-F5344CB8AC3E}">
-        <p14:creationId xmlns:p14="http://schemas.microsoft.com/office/powerpoint/2010/main" val="4000554617"/>
       </p:ext>
     </p:extLst>
   </p:cSld>
@@ -4354,7 +4416,7 @@
           <p:cNvPr id="2" name="Title 1">
             <a:extLst>
               <a:ext uri="{FF2B5EF4-FFF2-40B4-BE49-F238E27FC236}">
-                <a16:creationId xmlns:a16="http://schemas.microsoft.com/office/drawing/2014/main" id="{D234A507-7F67-3606-7922-736D1F2320ED}"/>
+                <a16:creationId xmlns:a16="http://schemas.microsoft.com/office/drawing/2014/main" id="{1D04B625-760C-E312-ADF6-5A3D1E88FD5B}"/>
               </a:ext>
             </a:extLst>
           </p:cNvPr>
@@ -4371,82 +4433,88 @@
           <a:lstStyle/>
           <a:p>
             <a:r>
-              <a:rPr lang="en-US" dirty="0"/>
-              <a:t>Testing difference in means – Continuous outcomes</a:t>
-            </a:r>
-          </a:p>
-        </p:txBody>
-      </p:sp>
-      <p:sp>
-        <p:nvSpPr>
-          <p:cNvPr id="3" name="Content Placeholder 2">
-            <a:extLst>
-              <a:ext uri="{FF2B5EF4-FFF2-40B4-BE49-F238E27FC236}">
-                <a16:creationId xmlns:a16="http://schemas.microsoft.com/office/drawing/2014/main" id="{8C023EB6-7158-5225-1AF2-25271A3BCAC6}"/>
-              </a:ext>
-            </a:extLst>
-          </p:cNvPr>
-          <p:cNvSpPr>
-            <a:spLocks noGrp="1"/>
-          </p:cNvSpPr>
+              <a:rPr lang="en-US"/>
+              <a:t>Diff in means - What kind of input variables do you have? </a:t>
+            </a:r>
+          </a:p>
+        </p:txBody>
+      </p:sp>
+      <p:pic>
+        <p:nvPicPr>
+          <p:cNvPr id="4" name="Content Placeholder 3" descr="A decision tree for choosing the right statistical test">
+            <a:extLst>
+              <a:ext uri="{FF2B5EF4-FFF2-40B4-BE49-F238E27FC236}">
+                <a16:creationId xmlns:a16="http://schemas.microsoft.com/office/drawing/2014/main" id="{EABFBA54-2805-0D4C-0DE1-FE985515F703}"/>
+              </a:ext>
+            </a:extLst>
+          </p:cNvPr>
+          <p:cNvPicPr>
+            <a:picLocks noGrp="1" noChangeAspect="1"/>
+          </p:cNvPicPr>
           <p:nvPr>
             <p:ph idx="1"/>
           </p:nvPr>
-        </p:nvSpPr>
-        <p:spPr/>
-        <p:txBody>
-          <a:bodyPr vert="horz" lIns="91440" tIns="45720" rIns="91440" bIns="45720" rtlCol="0" anchor="t">
-            <a:normAutofit/>
+        </p:nvPicPr>
+        <p:blipFill>
+          <a:blip r:embed="rId2"/>
+          <a:stretch>
+            <a:fillRect/>
+          </a:stretch>
+        </p:blipFill>
+        <p:spPr>
+          <a:xfrm>
+            <a:off x="1844674" y="1394304"/>
+            <a:ext cx="8488275" cy="5458393"/>
+          </a:xfrm>
+        </p:spPr>
+      </p:pic>
+      <p:sp>
+        <p:nvSpPr>
+          <p:cNvPr id="5" name="TextBox 4">
+            <a:extLst>
+              <a:ext uri="{FF2B5EF4-FFF2-40B4-BE49-F238E27FC236}">
+                <a16:creationId xmlns:a16="http://schemas.microsoft.com/office/drawing/2014/main" id="{DFCDC10B-AC9A-62D7-EA60-D6055A18754C}"/>
+              </a:ext>
+            </a:extLst>
+          </p:cNvPr>
+          <p:cNvSpPr txBox="1"/>
+          <p:nvPr/>
+        </p:nvSpPr>
+        <p:spPr>
+          <a:xfrm>
+            <a:off x="9264952" y="6458857"/>
+            <a:ext cx="2927047" cy="400110"/>
+          </a:xfrm>
+          <a:prstGeom prst="rect">
+            <a:avLst/>
+          </a:prstGeom>
+          <a:noFill/>
+        </p:spPr>
+        <p:txBody>
+          <a:bodyPr rot="0" spcFirstLastPara="0" vertOverflow="overflow" horzOverflow="overflow" vert="horz" wrap="square" lIns="91440" tIns="45720" rIns="91440" bIns="45720" numCol="1" spcCol="0" rtlCol="0" fromWordArt="0" anchor="t" anchorCtr="0" forceAA="0" compatLnSpc="1">
+            <a:prstTxWarp prst="textNoShape">
+              <a:avLst/>
+            </a:prstTxWarp>
+            <a:spAutoFit/>
           </a:bodyPr>
           <a:lstStyle/>
           <a:p>
             <a:r>
-              <a:rPr lang="en-US" dirty="0"/>
-              <a:t>Two groups: T-test or Mann Whitney U Test  (non-parametric)</a:t>
-            </a:r>
-          </a:p>
-          <a:p>
-            <a:pPr lvl="1">
-              <a:buFont typeface="Courier New" panose="020B0604020202020204" pitchFamily="34" charset="0"/>
-              <a:buChar char="o"/>
-            </a:pPr>
-            <a:r>
-              <a:rPr lang="en-US" dirty="0"/>
-              <a:t>Depends on normality, discussed later under input variables</a:t>
-            </a:r>
-          </a:p>
-          <a:p>
-            <a:r>
-              <a:rPr lang="en-US" dirty="0"/>
-              <a:t>More than two groups or want to adjust for other variables</a:t>
-            </a:r>
-          </a:p>
-          <a:p>
-            <a:pPr lvl="1">
-              <a:buFont typeface="Courier New" panose="020B0604020202020204" pitchFamily="34" charset="0"/>
-              <a:buChar char="o"/>
-            </a:pPr>
-            <a:r>
-              <a:rPr lang="en-US" dirty="0"/>
-              <a:t>ANOVA or variant </a:t>
-            </a:r>
-          </a:p>
-          <a:p>
-            <a:endParaRPr lang="en-US" dirty="0"/>
-          </a:p>
-          <a:p>
-            <a:pPr lvl="1">
-              <a:buFont typeface="Courier New" panose="020B0604020202020204" pitchFamily="34" charset="0"/>
-              <a:buChar char="o"/>
-            </a:pPr>
-            <a:endParaRPr lang="en-US" dirty="0"/>
+              <a:rPr lang="en-US" sz="1000">
+                <a:ea typeface="+mn-lt"/>
+                <a:cs typeface="+mn-lt"/>
+                <a:hlinkClick r:id="rId3"/>
+              </a:rPr>
+              <a:t>Choosing the Right Statistical Test: A Decision Tree Approach</a:t>
+            </a:r>
+            <a:endParaRPr lang="en-US" sz="1000"/>
           </a:p>
         </p:txBody>
       </p:sp>
     </p:spTree>
     <p:extLst>
       <p:ext uri="{BB962C8B-B14F-4D97-AF65-F5344CB8AC3E}">
-        <p14:creationId xmlns:p14="http://schemas.microsoft.com/office/powerpoint/2010/main" val="2539082511"/>
+        <p14:creationId xmlns:p14="http://schemas.microsoft.com/office/powerpoint/2010/main" val="4000554617"/>
       </p:ext>
     </p:extLst>
   </p:cSld>
@@ -4478,7 +4546,7 @@
           <p:cNvPr id="2" name="Title 1">
             <a:extLst>
               <a:ext uri="{FF2B5EF4-FFF2-40B4-BE49-F238E27FC236}">
-                <a16:creationId xmlns:a16="http://schemas.microsoft.com/office/drawing/2014/main" id="{99452372-5813-0C9C-EBED-D015E307D997}"/>
+                <a16:creationId xmlns:a16="http://schemas.microsoft.com/office/drawing/2014/main" id="{D234A507-7F67-3606-7922-736D1F2320ED}"/>
               </a:ext>
             </a:extLst>
           </p:cNvPr>
@@ -4495,399 +4563,82 @@
           <a:lstStyle/>
           <a:p>
             <a:r>
-              <a:rPr lang="en-US" dirty="0"/>
-              <a:t>ANOVA, MANCOVA, ANCOVA, oh my!</a:t>
-            </a:r>
-          </a:p>
-        </p:txBody>
-      </p:sp>
-      <p:pic>
-        <p:nvPicPr>
-          <p:cNvPr id="4" name="Content Placeholder 3" descr="One way ANOVA example">
-            <a:extLst>
-              <a:ext uri="{FF2B5EF4-FFF2-40B4-BE49-F238E27FC236}">
-                <a16:creationId xmlns:a16="http://schemas.microsoft.com/office/drawing/2014/main" id="{25F4BBF7-DE66-B84A-2D75-E9468EF22D90}"/>
-              </a:ext>
-            </a:extLst>
-          </p:cNvPr>
-          <p:cNvPicPr>
-            <a:picLocks noGrp="1" noChangeAspect="1"/>
-          </p:cNvPicPr>
+              <a:rPr lang="en-US"/>
+              <a:t>Testing difference in means – Continuous outcomes</a:t>
+            </a:r>
+          </a:p>
+        </p:txBody>
+      </p:sp>
+      <p:sp>
+        <p:nvSpPr>
+          <p:cNvPr id="3" name="Content Placeholder 2">
+            <a:extLst>
+              <a:ext uri="{FF2B5EF4-FFF2-40B4-BE49-F238E27FC236}">
+                <a16:creationId xmlns:a16="http://schemas.microsoft.com/office/drawing/2014/main" id="{8C023EB6-7158-5225-1AF2-25271A3BCAC6}"/>
+              </a:ext>
+            </a:extLst>
+          </p:cNvPr>
+          <p:cNvSpPr>
+            <a:spLocks noGrp="1"/>
+          </p:cNvSpPr>
           <p:nvPr>
             <p:ph idx="1"/>
           </p:nvPr>
-        </p:nvPicPr>
-        <p:blipFill>
-          <a:blip r:embed="rId2"/>
-          <a:stretch>
-            <a:fillRect/>
-          </a:stretch>
-        </p:blipFill>
-        <p:spPr>
-          <a:xfrm>
-            <a:off x="842374" y="1689306"/>
-            <a:ext cx="4505325" cy="1162050"/>
-          </a:xfrm>
-        </p:spPr>
-      </p:pic>
-      <p:sp>
-        <p:nvSpPr>
-          <p:cNvPr id="5" name="TextBox 4">
-            <a:extLst>
-              <a:ext uri="{FF2B5EF4-FFF2-40B4-BE49-F238E27FC236}">
-                <a16:creationId xmlns:a16="http://schemas.microsoft.com/office/drawing/2014/main" id="{8745C693-BF3F-8ED7-25CA-D2437566013E}"/>
-              </a:ext>
-            </a:extLst>
-          </p:cNvPr>
-          <p:cNvSpPr txBox="1"/>
-          <p:nvPr/>
-        </p:nvSpPr>
-        <p:spPr>
-          <a:xfrm>
-            <a:off x="5748679" y="2083553"/>
-            <a:ext cx="1178560" cy="375920"/>
-          </a:xfrm>
-          <a:prstGeom prst="rect">
-            <a:avLst/>
-          </a:prstGeom>
-          <a:noFill/>
-        </p:spPr>
-        <p:txBody>
-          <a:bodyPr rot="0" spcFirstLastPara="0" vertOverflow="overflow" horzOverflow="overflow" vert="horz" wrap="square" lIns="91440" tIns="45720" rIns="91440" bIns="45720" numCol="1" spcCol="0" rtlCol="0" fromWordArt="0" anchor="t" anchorCtr="0" forceAA="0" compatLnSpc="1">
-            <a:prstTxWarp prst="textNoShape">
-              <a:avLst/>
-            </a:prstTxWarp>
-            <a:spAutoFit/>
+        </p:nvSpPr>
+        <p:spPr/>
+        <p:txBody>
+          <a:bodyPr vert="horz" lIns="91440" tIns="45720" rIns="91440" bIns="45720" rtlCol="0" anchor="t">
+            <a:normAutofit/>
           </a:bodyPr>
           <a:lstStyle/>
           <a:p>
-            <a:pPr algn="l"/>
-            <a:r>
-              <a:rPr lang="en-US" dirty="0"/>
-              <a:t>ANOVA</a:t>
-            </a:r>
-          </a:p>
-        </p:txBody>
-      </p:sp>
-      <p:pic>
-        <p:nvPicPr>
-          <p:cNvPr id="6" name="Picture 5" descr="Two-way ANOVA example">
-            <a:extLst>
-              <a:ext uri="{FF2B5EF4-FFF2-40B4-BE49-F238E27FC236}">
-                <a16:creationId xmlns:a16="http://schemas.microsoft.com/office/drawing/2014/main" id="{78175642-639F-C30D-0262-8B71058463D3}"/>
-              </a:ext>
-            </a:extLst>
-          </p:cNvPr>
-          <p:cNvPicPr>
-            <a:picLocks noChangeAspect="1"/>
-          </p:cNvPicPr>
-          <p:nvPr/>
-        </p:nvPicPr>
-        <p:blipFill>
-          <a:blip r:embed="rId3"/>
-          <a:stretch>
-            <a:fillRect/>
-          </a:stretch>
-        </p:blipFill>
-        <p:spPr>
-          <a:xfrm>
-            <a:off x="839142" y="3071674"/>
-            <a:ext cx="2743198" cy="978060"/>
-          </a:xfrm>
-          <a:prstGeom prst="rect">
-            <a:avLst/>
-          </a:prstGeom>
-        </p:spPr>
-      </p:pic>
-      <p:sp>
-        <p:nvSpPr>
-          <p:cNvPr id="7" name="TextBox 6">
-            <a:extLst>
-              <a:ext uri="{FF2B5EF4-FFF2-40B4-BE49-F238E27FC236}">
-                <a16:creationId xmlns:a16="http://schemas.microsoft.com/office/drawing/2014/main" id="{CA21C22A-DEF3-0547-2E2D-B7F2F9AE26D4}"/>
-              </a:ext>
-            </a:extLst>
-          </p:cNvPr>
-          <p:cNvSpPr txBox="1"/>
-          <p:nvPr/>
-        </p:nvSpPr>
-        <p:spPr>
-          <a:xfrm>
-            <a:off x="4017715" y="3240664"/>
-            <a:ext cx="1178560" cy="646331"/>
-          </a:xfrm>
-          <a:prstGeom prst="rect">
-            <a:avLst/>
-          </a:prstGeom>
-          <a:noFill/>
-        </p:spPr>
-        <p:txBody>
-          <a:bodyPr rot="0" spcFirstLastPara="0" vertOverflow="overflow" horzOverflow="overflow" vert="horz" wrap="square" lIns="91440" tIns="45720" rIns="91440" bIns="45720" numCol="1" spcCol="0" rtlCol="0" fromWordArt="0" anchor="t" anchorCtr="0" forceAA="0" compatLnSpc="1">
-            <a:prstTxWarp prst="textNoShape">
-              <a:avLst/>
-            </a:prstTxWarp>
-            <a:spAutoFit/>
-          </a:bodyPr>
-          <a:lstStyle/>
-          <a:p>
-            <a:r>
-              <a:rPr lang="en-US" dirty="0"/>
-              <a:t>Two-way ANOVA</a:t>
-            </a:r>
-          </a:p>
-        </p:txBody>
-      </p:sp>
-      <p:pic>
-        <p:nvPicPr>
-          <p:cNvPr id="8" name="Picture 7" descr="Example of ANCOVA">
-            <a:extLst>
-              <a:ext uri="{FF2B5EF4-FFF2-40B4-BE49-F238E27FC236}">
-                <a16:creationId xmlns:a16="http://schemas.microsoft.com/office/drawing/2014/main" id="{F6FA50F8-881D-1BE7-7AB5-2D70475B4C01}"/>
-              </a:ext>
-            </a:extLst>
-          </p:cNvPr>
-          <p:cNvPicPr>
-            <a:picLocks noChangeAspect="1"/>
-          </p:cNvPicPr>
-          <p:nvPr/>
-        </p:nvPicPr>
-        <p:blipFill>
-          <a:blip r:embed="rId4"/>
-          <a:stretch>
-            <a:fillRect/>
-          </a:stretch>
-        </p:blipFill>
-        <p:spPr>
-          <a:xfrm>
-            <a:off x="839141" y="4525951"/>
-            <a:ext cx="2743200" cy="1211580"/>
-          </a:xfrm>
-          <a:prstGeom prst="rect">
-            <a:avLst/>
-          </a:prstGeom>
-        </p:spPr>
-      </p:pic>
-      <p:sp>
-        <p:nvSpPr>
-          <p:cNvPr id="9" name="TextBox 8">
-            <a:extLst>
-              <a:ext uri="{FF2B5EF4-FFF2-40B4-BE49-F238E27FC236}">
-                <a16:creationId xmlns:a16="http://schemas.microsoft.com/office/drawing/2014/main" id="{44650614-42B0-4F18-5C40-CAE41963564D}"/>
-              </a:ext>
-            </a:extLst>
-          </p:cNvPr>
-          <p:cNvSpPr txBox="1"/>
-          <p:nvPr/>
-        </p:nvSpPr>
-        <p:spPr>
-          <a:xfrm>
-            <a:off x="3735493" y="4811701"/>
-            <a:ext cx="1178560" cy="369332"/>
-          </a:xfrm>
-          <a:prstGeom prst="rect">
-            <a:avLst/>
-          </a:prstGeom>
-          <a:noFill/>
-        </p:spPr>
-        <p:txBody>
-          <a:bodyPr rot="0" spcFirstLastPara="0" vertOverflow="overflow" horzOverflow="overflow" vert="horz" wrap="square" lIns="91440" tIns="45720" rIns="91440" bIns="45720" numCol="1" spcCol="0" rtlCol="0" fromWordArt="0" anchor="t" anchorCtr="0" forceAA="0" compatLnSpc="1">
-            <a:prstTxWarp prst="textNoShape">
-              <a:avLst/>
-            </a:prstTxWarp>
-            <a:spAutoFit/>
-          </a:bodyPr>
-          <a:lstStyle/>
-          <a:p>
-            <a:r>
-              <a:rPr lang="en-US" dirty="0"/>
-              <a:t>ANCOVA</a:t>
-            </a:r>
-          </a:p>
-        </p:txBody>
-      </p:sp>
-      <p:pic>
-        <p:nvPicPr>
-          <p:cNvPr id="10" name="Picture 9" descr="One-Way MANOVA Example">
-            <a:extLst>
-              <a:ext uri="{FF2B5EF4-FFF2-40B4-BE49-F238E27FC236}">
-                <a16:creationId xmlns:a16="http://schemas.microsoft.com/office/drawing/2014/main" id="{E0CE978F-90AB-7ECD-13F0-0740F16B6095}"/>
-              </a:ext>
-            </a:extLst>
-          </p:cNvPr>
-          <p:cNvPicPr>
-            <a:picLocks noChangeAspect="1"/>
-          </p:cNvPicPr>
-          <p:nvPr/>
-        </p:nvPicPr>
-        <p:blipFill>
-          <a:blip r:embed="rId5"/>
-          <a:stretch>
-            <a:fillRect/>
-          </a:stretch>
-        </p:blipFill>
-        <p:spPr>
-          <a:xfrm>
-            <a:off x="5749807" y="4524286"/>
-            <a:ext cx="4060237" cy="1327799"/>
-          </a:xfrm>
-          <a:prstGeom prst="rect">
-            <a:avLst/>
-          </a:prstGeom>
-        </p:spPr>
-      </p:pic>
-      <p:sp>
-        <p:nvSpPr>
-          <p:cNvPr id="11" name="TextBox 10">
-            <a:extLst>
-              <a:ext uri="{FF2B5EF4-FFF2-40B4-BE49-F238E27FC236}">
-                <a16:creationId xmlns:a16="http://schemas.microsoft.com/office/drawing/2014/main" id="{3C3AE16C-91C9-A9C9-0BA1-19BC851BDE45}"/>
-              </a:ext>
-            </a:extLst>
-          </p:cNvPr>
-          <p:cNvSpPr txBox="1"/>
-          <p:nvPr/>
-        </p:nvSpPr>
-        <p:spPr>
-          <a:xfrm>
-            <a:off x="10179567" y="5131553"/>
-            <a:ext cx="1178560" cy="369332"/>
-          </a:xfrm>
-          <a:prstGeom prst="rect">
-            <a:avLst/>
-          </a:prstGeom>
-          <a:noFill/>
-        </p:spPr>
-        <p:txBody>
-          <a:bodyPr rot="0" spcFirstLastPara="0" vertOverflow="overflow" horzOverflow="overflow" vert="horz" wrap="square" lIns="91440" tIns="45720" rIns="91440" bIns="45720" numCol="1" spcCol="0" rtlCol="0" fromWordArt="0" anchor="t" anchorCtr="0" forceAA="0" compatLnSpc="1">
-            <a:prstTxWarp prst="textNoShape">
-              <a:avLst/>
-            </a:prstTxWarp>
-            <a:spAutoFit/>
-          </a:bodyPr>
-          <a:lstStyle/>
-          <a:p>
-            <a:r>
-              <a:rPr lang="en-US" dirty="0"/>
-              <a:t>MANOVA</a:t>
-            </a:r>
-          </a:p>
-        </p:txBody>
-      </p:sp>
-      <p:pic>
-        <p:nvPicPr>
-          <p:cNvPr id="12" name="Picture 11" descr="One-way MANCOVA example">
-            <a:extLst>
-              <a:ext uri="{FF2B5EF4-FFF2-40B4-BE49-F238E27FC236}">
-                <a16:creationId xmlns:a16="http://schemas.microsoft.com/office/drawing/2014/main" id="{26AF6B94-3DBF-1ED7-408B-5D3ABE376A16}"/>
-              </a:ext>
-            </a:extLst>
-          </p:cNvPr>
-          <p:cNvPicPr>
-            <a:picLocks noChangeAspect="1"/>
-          </p:cNvPicPr>
-          <p:nvPr/>
-        </p:nvPicPr>
-        <p:blipFill>
-          <a:blip r:embed="rId6"/>
-          <a:stretch>
-            <a:fillRect/>
-          </a:stretch>
-        </p:blipFill>
-        <p:spPr>
-          <a:xfrm>
-            <a:off x="5937956" y="2845616"/>
-            <a:ext cx="3872087" cy="1561878"/>
-          </a:xfrm>
-          <a:prstGeom prst="rect">
-            <a:avLst/>
-          </a:prstGeom>
-        </p:spPr>
-      </p:pic>
-      <p:sp>
-        <p:nvSpPr>
-          <p:cNvPr id="13" name="TextBox 12">
-            <a:extLst>
-              <a:ext uri="{FF2B5EF4-FFF2-40B4-BE49-F238E27FC236}">
-                <a16:creationId xmlns:a16="http://schemas.microsoft.com/office/drawing/2014/main" id="{A3ED2A13-4A8A-DE82-EC60-EA411668B60D}"/>
-              </a:ext>
-            </a:extLst>
-          </p:cNvPr>
-          <p:cNvSpPr txBox="1"/>
-          <p:nvPr/>
-        </p:nvSpPr>
-        <p:spPr>
-          <a:xfrm>
-            <a:off x="10330085" y="3447627"/>
-            <a:ext cx="1517226" cy="369332"/>
-          </a:xfrm>
-          <a:prstGeom prst="rect">
-            <a:avLst/>
-          </a:prstGeom>
-          <a:noFill/>
-        </p:spPr>
-        <p:txBody>
-          <a:bodyPr rot="0" spcFirstLastPara="0" vertOverflow="overflow" horzOverflow="overflow" vert="horz" wrap="square" lIns="91440" tIns="45720" rIns="91440" bIns="45720" numCol="1" spcCol="0" rtlCol="0" fromWordArt="0" anchor="t" anchorCtr="0" forceAA="0" compatLnSpc="1">
-            <a:prstTxWarp prst="textNoShape">
-              <a:avLst/>
-            </a:prstTxWarp>
-            <a:spAutoFit/>
-          </a:bodyPr>
-          <a:lstStyle/>
-          <a:p>
-            <a:r>
-              <a:rPr lang="en-US" dirty="0"/>
-              <a:t>MANCOVA</a:t>
-            </a:r>
-          </a:p>
-        </p:txBody>
-      </p:sp>
-      <p:sp>
-        <p:nvSpPr>
-          <p:cNvPr id="14" name="TextBox 13">
-            <a:extLst>
-              <a:ext uri="{FF2B5EF4-FFF2-40B4-BE49-F238E27FC236}">
-                <a16:creationId xmlns:a16="http://schemas.microsoft.com/office/drawing/2014/main" id="{D8C2CD05-837D-8081-9B90-BE27FD3D6A98}"/>
-              </a:ext>
-            </a:extLst>
-          </p:cNvPr>
-          <p:cNvSpPr txBox="1"/>
-          <p:nvPr/>
-        </p:nvSpPr>
-        <p:spPr>
-          <a:xfrm>
-            <a:off x="8194229" y="6461760"/>
-            <a:ext cx="3982343" cy="400110"/>
-          </a:xfrm>
-          <a:prstGeom prst="rect">
-            <a:avLst/>
-          </a:prstGeom>
-          <a:noFill/>
-        </p:spPr>
-        <p:txBody>
-          <a:bodyPr rot="0" spcFirstLastPara="0" vertOverflow="overflow" horzOverflow="overflow" vert="horz" wrap="square" lIns="91440" tIns="45720" rIns="91440" bIns="45720" numCol="1" spcCol="0" rtlCol="0" fromWordArt="0" anchor="t" anchorCtr="0" forceAA="0" compatLnSpc="1">
-            <a:prstTxWarp prst="textNoShape">
-              <a:avLst/>
-            </a:prstTxWarp>
-            <a:spAutoFit/>
-          </a:bodyPr>
-          <a:lstStyle/>
-          <a:p>
-            <a:r>
-              <a:rPr lang="en-US" sz="1000" dirty="0">
-                <a:ea typeface="+mn-lt"/>
-                <a:cs typeface="+mn-lt"/>
-                <a:hlinkClick r:id="rId7"/>
-              </a:rPr>
-              <a:t>The Differences Between ANOVA, ANCOVA, MANOVA, and MANCOVA</a:t>
-            </a:r>
-            <a:endParaRPr lang="en-US" sz="1000"/>
+            <a:r>
+              <a:rPr lang="en-US"/>
+              <a:t>Two groups: T-test or Mann Whitney U Test  (non-parametric)</a:t>
+            </a:r>
+          </a:p>
+          <a:p>
+            <a:pPr lvl="1">
+              <a:buFont typeface="Courier New" panose="020B0604020202020204" pitchFamily="34" charset="0"/>
+              <a:buChar char="o"/>
+            </a:pPr>
+            <a:r>
+              <a:rPr lang="en-US"/>
+              <a:t>Depends on normality, discussed later under input variables</a:t>
+            </a:r>
+          </a:p>
+          <a:p>
+            <a:r>
+              <a:rPr lang="en-US"/>
+              <a:t>More than two groups or want to adjust for other variables</a:t>
+            </a:r>
+          </a:p>
+          <a:p>
+            <a:pPr lvl="1">
+              <a:buFont typeface="Courier New" panose="020B0604020202020204" pitchFamily="34" charset="0"/>
+              <a:buChar char="o"/>
+            </a:pPr>
+            <a:r>
+              <a:rPr lang="en-US"/>
+              <a:t>ANOVA or variant </a:t>
+            </a:r>
+          </a:p>
+          <a:p>
+            <a:endParaRPr lang="en-US"/>
+          </a:p>
+          <a:p>
+            <a:pPr lvl="1">
+              <a:buFont typeface="Courier New" panose="020B0604020202020204" pitchFamily="34" charset="0"/>
+              <a:buChar char="o"/>
+            </a:pPr>
+            <a:endParaRPr lang="en-US"/>
           </a:p>
         </p:txBody>
       </p:sp>
     </p:spTree>
     <p:extLst>
       <p:ext uri="{BB962C8B-B14F-4D97-AF65-F5344CB8AC3E}">
-        <p14:creationId xmlns:p14="http://schemas.microsoft.com/office/powerpoint/2010/main" val="3167307052"/>
+        <p14:creationId xmlns:p14="http://schemas.microsoft.com/office/powerpoint/2010/main" val="2539082511"/>
       </p:ext>
     </p:extLst>
   </p:cSld>
@@ -4945,7 +4696,6 @@
               <a:rPr lang="en-US"/>
               <a:t>Everyone is talking about their significant other</a:t>
             </a:r>
-            <a:endParaRPr lang="en-US" dirty="0"/>
           </a:p>
         </p:txBody>
       </p:sp>
@@ -5026,7 +4776,7 @@
           <a:p>
             <a:pPr algn="ctr"/>
             <a:r>
-              <a:rPr lang="en-US" dirty="0"/>
+              <a:rPr lang="en-US"/>
               <a:t>But what is your cutoff for significance????</a:t>
             </a:r>
           </a:p>
@@ -5046,6 +4796,447 @@
 </file>
 
 <file path=ppt/slides/slide20.xml><?xml version="1.0" encoding="utf-8"?>
+<p:sld xmlns:a="http://schemas.openxmlformats.org/drawingml/2006/main" xmlns:r="http://schemas.openxmlformats.org/officeDocument/2006/relationships" xmlns:p="http://schemas.openxmlformats.org/presentationml/2006/main">
+  <p:cSld>
+    <p:spTree>
+      <p:nvGrpSpPr>
+        <p:cNvPr id="1" name=""/>
+        <p:cNvGrpSpPr/>
+        <p:nvPr/>
+      </p:nvGrpSpPr>
+      <p:grpSpPr>
+        <a:xfrm>
+          <a:off x="0" y="0"/>
+          <a:ext cx="0" cy="0"/>
+          <a:chOff x="0" y="0"/>
+          <a:chExt cx="0" cy="0"/>
+        </a:xfrm>
+      </p:grpSpPr>
+      <p:sp>
+        <p:nvSpPr>
+          <p:cNvPr id="2" name="Title 1">
+            <a:extLst>
+              <a:ext uri="{FF2B5EF4-FFF2-40B4-BE49-F238E27FC236}">
+                <a16:creationId xmlns:a16="http://schemas.microsoft.com/office/drawing/2014/main" id="{99452372-5813-0C9C-EBED-D015E307D997}"/>
+              </a:ext>
+            </a:extLst>
+          </p:cNvPr>
+          <p:cNvSpPr>
+            <a:spLocks noGrp="1"/>
+          </p:cNvSpPr>
+          <p:nvPr>
+            <p:ph type="title"/>
+          </p:nvPr>
+        </p:nvSpPr>
+        <p:spPr/>
+        <p:txBody>
+          <a:bodyPr/>
+          <a:lstStyle/>
+          <a:p>
+            <a:r>
+              <a:rPr lang="en-US"/>
+              <a:t>ANOVA, MANCOVA, ANCOVA, oh my!</a:t>
+            </a:r>
+          </a:p>
+        </p:txBody>
+      </p:sp>
+      <p:pic>
+        <p:nvPicPr>
+          <p:cNvPr id="4" name="Content Placeholder 3" descr="One way ANOVA example">
+            <a:extLst>
+              <a:ext uri="{FF2B5EF4-FFF2-40B4-BE49-F238E27FC236}">
+                <a16:creationId xmlns:a16="http://schemas.microsoft.com/office/drawing/2014/main" id="{25F4BBF7-DE66-B84A-2D75-E9468EF22D90}"/>
+              </a:ext>
+            </a:extLst>
+          </p:cNvPr>
+          <p:cNvPicPr>
+            <a:picLocks noGrp="1" noChangeAspect="1"/>
+          </p:cNvPicPr>
+          <p:nvPr>
+            <p:ph idx="1"/>
+          </p:nvPr>
+        </p:nvPicPr>
+        <p:blipFill>
+          <a:blip r:embed="rId2"/>
+          <a:stretch>
+            <a:fillRect/>
+          </a:stretch>
+        </p:blipFill>
+        <p:spPr>
+          <a:xfrm>
+            <a:off x="842374" y="1689306"/>
+            <a:ext cx="4505325" cy="1162050"/>
+          </a:xfrm>
+        </p:spPr>
+      </p:pic>
+      <p:sp>
+        <p:nvSpPr>
+          <p:cNvPr id="5" name="TextBox 4">
+            <a:extLst>
+              <a:ext uri="{FF2B5EF4-FFF2-40B4-BE49-F238E27FC236}">
+                <a16:creationId xmlns:a16="http://schemas.microsoft.com/office/drawing/2014/main" id="{8745C693-BF3F-8ED7-25CA-D2437566013E}"/>
+              </a:ext>
+            </a:extLst>
+          </p:cNvPr>
+          <p:cNvSpPr txBox="1"/>
+          <p:nvPr/>
+        </p:nvSpPr>
+        <p:spPr>
+          <a:xfrm>
+            <a:off x="5748679" y="2083553"/>
+            <a:ext cx="1178560" cy="375920"/>
+          </a:xfrm>
+          <a:prstGeom prst="rect">
+            <a:avLst/>
+          </a:prstGeom>
+          <a:noFill/>
+        </p:spPr>
+        <p:txBody>
+          <a:bodyPr rot="0" spcFirstLastPara="0" vertOverflow="overflow" horzOverflow="overflow" vert="horz" wrap="square" lIns="91440" tIns="45720" rIns="91440" bIns="45720" numCol="1" spcCol="0" rtlCol="0" fromWordArt="0" anchor="t" anchorCtr="0" forceAA="0" compatLnSpc="1">
+            <a:prstTxWarp prst="textNoShape">
+              <a:avLst/>
+            </a:prstTxWarp>
+            <a:spAutoFit/>
+          </a:bodyPr>
+          <a:lstStyle/>
+          <a:p>
+            <a:pPr algn="l"/>
+            <a:r>
+              <a:rPr lang="en-US"/>
+              <a:t>ANOVA</a:t>
+            </a:r>
+          </a:p>
+        </p:txBody>
+      </p:sp>
+      <p:pic>
+        <p:nvPicPr>
+          <p:cNvPr id="6" name="Picture 5" descr="Two-way ANOVA example">
+            <a:extLst>
+              <a:ext uri="{FF2B5EF4-FFF2-40B4-BE49-F238E27FC236}">
+                <a16:creationId xmlns:a16="http://schemas.microsoft.com/office/drawing/2014/main" id="{78175642-639F-C30D-0262-8B71058463D3}"/>
+              </a:ext>
+            </a:extLst>
+          </p:cNvPr>
+          <p:cNvPicPr>
+            <a:picLocks noChangeAspect="1"/>
+          </p:cNvPicPr>
+          <p:nvPr/>
+        </p:nvPicPr>
+        <p:blipFill>
+          <a:blip r:embed="rId3"/>
+          <a:stretch>
+            <a:fillRect/>
+          </a:stretch>
+        </p:blipFill>
+        <p:spPr>
+          <a:xfrm>
+            <a:off x="839142" y="3071674"/>
+            <a:ext cx="2743198" cy="978060"/>
+          </a:xfrm>
+          <a:prstGeom prst="rect">
+            <a:avLst/>
+          </a:prstGeom>
+        </p:spPr>
+      </p:pic>
+      <p:sp>
+        <p:nvSpPr>
+          <p:cNvPr id="7" name="TextBox 6">
+            <a:extLst>
+              <a:ext uri="{FF2B5EF4-FFF2-40B4-BE49-F238E27FC236}">
+                <a16:creationId xmlns:a16="http://schemas.microsoft.com/office/drawing/2014/main" id="{CA21C22A-DEF3-0547-2E2D-B7F2F9AE26D4}"/>
+              </a:ext>
+            </a:extLst>
+          </p:cNvPr>
+          <p:cNvSpPr txBox="1"/>
+          <p:nvPr/>
+        </p:nvSpPr>
+        <p:spPr>
+          <a:xfrm>
+            <a:off x="4017715" y="3240664"/>
+            <a:ext cx="1178560" cy="646331"/>
+          </a:xfrm>
+          <a:prstGeom prst="rect">
+            <a:avLst/>
+          </a:prstGeom>
+          <a:noFill/>
+        </p:spPr>
+        <p:txBody>
+          <a:bodyPr rot="0" spcFirstLastPara="0" vertOverflow="overflow" horzOverflow="overflow" vert="horz" wrap="square" lIns="91440" tIns="45720" rIns="91440" bIns="45720" numCol="1" spcCol="0" rtlCol="0" fromWordArt="0" anchor="t" anchorCtr="0" forceAA="0" compatLnSpc="1">
+            <a:prstTxWarp prst="textNoShape">
+              <a:avLst/>
+            </a:prstTxWarp>
+            <a:spAutoFit/>
+          </a:bodyPr>
+          <a:lstStyle/>
+          <a:p>
+            <a:r>
+              <a:rPr lang="en-US"/>
+              <a:t>Two-way ANOVA</a:t>
+            </a:r>
+          </a:p>
+        </p:txBody>
+      </p:sp>
+      <p:pic>
+        <p:nvPicPr>
+          <p:cNvPr id="8" name="Picture 7" descr="Example of ANCOVA">
+            <a:extLst>
+              <a:ext uri="{FF2B5EF4-FFF2-40B4-BE49-F238E27FC236}">
+                <a16:creationId xmlns:a16="http://schemas.microsoft.com/office/drawing/2014/main" id="{F6FA50F8-881D-1BE7-7AB5-2D70475B4C01}"/>
+              </a:ext>
+            </a:extLst>
+          </p:cNvPr>
+          <p:cNvPicPr>
+            <a:picLocks noChangeAspect="1"/>
+          </p:cNvPicPr>
+          <p:nvPr/>
+        </p:nvPicPr>
+        <p:blipFill>
+          <a:blip r:embed="rId4"/>
+          <a:stretch>
+            <a:fillRect/>
+          </a:stretch>
+        </p:blipFill>
+        <p:spPr>
+          <a:xfrm>
+            <a:off x="839141" y="4525951"/>
+            <a:ext cx="2743200" cy="1211580"/>
+          </a:xfrm>
+          <a:prstGeom prst="rect">
+            <a:avLst/>
+          </a:prstGeom>
+        </p:spPr>
+      </p:pic>
+      <p:sp>
+        <p:nvSpPr>
+          <p:cNvPr id="9" name="TextBox 8">
+            <a:extLst>
+              <a:ext uri="{FF2B5EF4-FFF2-40B4-BE49-F238E27FC236}">
+                <a16:creationId xmlns:a16="http://schemas.microsoft.com/office/drawing/2014/main" id="{44650614-42B0-4F18-5C40-CAE41963564D}"/>
+              </a:ext>
+            </a:extLst>
+          </p:cNvPr>
+          <p:cNvSpPr txBox="1"/>
+          <p:nvPr/>
+        </p:nvSpPr>
+        <p:spPr>
+          <a:xfrm>
+            <a:off x="3735493" y="4811701"/>
+            <a:ext cx="1178560" cy="369332"/>
+          </a:xfrm>
+          <a:prstGeom prst="rect">
+            <a:avLst/>
+          </a:prstGeom>
+          <a:noFill/>
+        </p:spPr>
+        <p:txBody>
+          <a:bodyPr rot="0" spcFirstLastPara="0" vertOverflow="overflow" horzOverflow="overflow" vert="horz" wrap="square" lIns="91440" tIns="45720" rIns="91440" bIns="45720" numCol="1" spcCol="0" rtlCol="0" fromWordArt="0" anchor="t" anchorCtr="0" forceAA="0" compatLnSpc="1">
+            <a:prstTxWarp prst="textNoShape">
+              <a:avLst/>
+            </a:prstTxWarp>
+            <a:spAutoFit/>
+          </a:bodyPr>
+          <a:lstStyle/>
+          <a:p>
+            <a:r>
+              <a:rPr lang="en-US"/>
+              <a:t>ANCOVA</a:t>
+            </a:r>
+          </a:p>
+        </p:txBody>
+      </p:sp>
+      <p:pic>
+        <p:nvPicPr>
+          <p:cNvPr id="10" name="Picture 9" descr="One-Way MANOVA Example">
+            <a:extLst>
+              <a:ext uri="{FF2B5EF4-FFF2-40B4-BE49-F238E27FC236}">
+                <a16:creationId xmlns:a16="http://schemas.microsoft.com/office/drawing/2014/main" id="{E0CE978F-90AB-7ECD-13F0-0740F16B6095}"/>
+              </a:ext>
+            </a:extLst>
+          </p:cNvPr>
+          <p:cNvPicPr>
+            <a:picLocks noChangeAspect="1"/>
+          </p:cNvPicPr>
+          <p:nvPr/>
+        </p:nvPicPr>
+        <p:blipFill>
+          <a:blip r:embed="rId5"/>
+          <a:stretch>
+            <a:fillRect/>
+          </a:stretch>
+        </p:blipFill>
+        <p:spPr>
+          <a:xfrm>
+            <a:off x="5749807" y="4524286"/>
+            <a:ext cx="4060237" cy="1327799"/>
+          </a:xfrm>
+          <a:prstGeom prst="rect">
+            <a:avLst/>
+          </a:prstGeom>
+        </p:spPr>
+      </p:pic>
+      <p:sp>
+        <p:nvSpPr>
+          <p:cNvPr id="11" name="TextBox 10">
+            <a:extLst>
+              <a:ext uri="{FF2B5EF4-FFF2-40B4-BE49-F238E27FC236}">
+                <a16:creationId xmlns:a16="http://schemas.microsoft.com/office/drawing/2014/main" id="{3C3AE16C-91C9-A9C9-0BA1-19BC851BDE45}"/>
+              </a:ext>
+            </a:extLst>
+          </p:cNvPr>
+          <p:cNvSpPr txBox="1"/>
+          <p:nvPr/>
+        </p:nvSpPr>
+        <p:spPr>
+          <a:xfrm>
+            <a:off x="10179567" y="5131553"/>
+            <a:ext cx="1178560" cy="369332"/>
+          </a:xfrm>
+          <a:prstGeom prst="rect">
+            <a:avLst/>
+          </a:prstGeom>
+          <a:noFill/>
+        </p:spPr>
+        <p:txBody>
+          <a:bodyPr rot="0" spcFirstLastPara="0" vertOverflow="overflow" horzOverflow="overflow" vert="horz" wrap="square" lIns="91440" tIns="45720" rIns="91440" bIns="45720" numCol="1" spcCol="0" rtlCol="0" fromWordArt="0" anchor="t" anchorCtr="0" forceAA="0" compatLnSpc="1">
+            <a:prstTxWarp prst="textNoShape">
+              <a:avLst/>
+            </a:prstTxWarp>
+            <a:spAutoFit/>
+          </a:bodyPr>
+          <a:lstStyle/>
+          <a:p>
+            <a:r>
+              <a:rPr lang="en-US"/>
+              <a:t>MANOVA</a:t>
+            </a:r>
+          </a:p>
+        </p:txBody>
+      </p:sp>
+      <p:pic>
+        <p:nvPicPr>
+          <p:cNvPr id="12" name="Picture 11" descr="One-way MANCOVA example">
+            <a:extLst>
+              <a:ext uri="{FF2B5EF4-FFF2-40B4-BE49-F238E27FC236}">
+                <a16:creationId xmlns:a16="http://schemas.microsoft.com/office/drawing/2014/main" id="{26AF6B94-3DBF-1ED7-408B-5D3ABE376A16}"/>
+              </a:ext>
+            </a:extLst>
+          </p:cNvPr>
+          <p:cNvPicPr>
+            <a:picLocks noChangeAspect="1"/>
+          </p:cNvPicPr>
+          <p:nvPr/>
+        </p:nvPicPr>
+        <p:blipFill>
+          <a:blip r:embed="rId6"/>
+          <a:stretch>
+            <a:fillRect/>
+          </a:stretch>
+        </p:blipFill>
+        <p:spPr>
+          <a:xfrm>
+            <a:off x="5937956" y="2845616"/>
+            <a:ext cx="3872087" cy="1561878"/>
+          </a:xfrm>
+          <a:prstGeom prst="rect">
+            <a:avLst/>
+          </a:prstGeom>
+        </p:spPr>
+      </p:pic>
+      <p:sp>
+        <p:nvSpPr>
+          <p:cNvPr id="13" name="TextBox 12">
+            <a:extLst>
+              <a:ext uri="{FF2B5EF4-FFF2-40B4-BE49-F238E27FC236}">
+                <a16:creationId xmlns:a16="http://schemas.microsoft.com/office/drawing/2014/main" id="{A3ED2A13-4A8A-DE82-EC60-EA411668B60D}"/>
+              </a:ext>
+            </a:extLst>
+          </p:cNvPr>
+          <p:cNvSpPr txBox="1"/>
+          <p:nvPr/>
+        </p:nvSpPr>
+        <p:spPr>
+          <a:xfrm>
+            <a:off x="10330085" y="3447627"/>
+            <a:ext cx="1517226" cy="369332"/>
+          </a:xfrm>
+          <a:prstGeom prst="rect">
+            <a:avLst/>
+          </a:prstGeom>
+          <a:noFill/>
+        </p:spPr>
+        <p:txBody>
+          <a:bodyPr rot="0" spcFirstLastPara="0" vertOverflow="overflow" horzOverflow="overflow" vert="horz" wrap="square" lIns="91440" tIns="45720" rIns="91440" bIns="45720" numCol="1" spcCol="0" rtlCol="0" fromWordArt="0" anchor="t" anchorCtr="0" forceAA="0" compatLnSpc="1">
+            <a:prstTxWarp prst="textNoShape">
+              <a:avLst/>
+            </a:prstTxWarp>
+            <a:spAutoFit/>
+          </a:bodyPr>
+          <a:lstStyle/>
+          <a:p>
+            <a:r>
+              <a:rPr lang="en-US"/>
+              <a:t>MANCOVA</a:t>
+            </a:r>
+          </a:p>
+        </p:txBody>
+      </p:sp>
+      <p:sp>
+        <p:nvSpPr>
+          <p:cNvPr id="14" name="TextBox 13">
+            <a:extLst>
+              <a:ext uri="{FF2B5EF4-FFF2-40B4-BE49-F238E27FC236}">
+                <a16:creationId xmlns:a16="http://schemas.microsoft.com/office/drawing/2014/main" id="{D8C2CD05-837D-8081-9B90-BE27FD3D6A98}"/>
+              </a:ext>
+            </a:extLst>
+          </p:cNvPr>
+          <p:cNvSpPr txBox="1"/>
+          <p:nvPr/>
+        </p:nvSpPr>
+        <p:spPr>
+          <a:xfrm>
+            <a:off x="8194229" y="6461760"/>
+            <a:ext cx="3982343" cy="400110"/>
+          </a:xfrm>
+          <a:prstGeom prst="rect">
+            <a:avLst/>
+          </a:prstGeom>
+          <a:noFill/>
+        </p:spPr>
+        <p:txBody>
+          <a:bodyPr rot="0" spcFirstLastPara="0" vertOverflow="overflow" horzOverflow="overflow" vert="horz" wrap="square" lIns="91440" tIns="45720" rIns="91440" bIns="45720" numCol="1" spcCol="0" rtlCol="0" fromWordArt="0" anchor="t" anchorCtr="0" forceAA="0" compatLnSpc="1">
+            <a:prstTxWarp prst="textNoShape">
+              <a:avLst/>
+            </a:prstTxWarp>
+            <a:spAutoFit/>
+          </a:bodyPr>
+          <a:lstStyle/>
+          <a:p>
+            <a:r>
+              <a:rPr lang="en-US" sz="1000">
+                <a:ea typeface="+mn-lt"/>
+                <a:cs typeface="+mn-lt"/>
+                <a:hlinkClick r:id="rId7"/>
+              </a:rPr>
+              <a:t>The Differences Between ANOVA, ANCOVA, MANOVA, and MANCOVA</a:t>
+            </a:r>
+            <a:endParaRPr lang="en-US" sz="1000"/>
+          </a:p>
+        </p:txBody>
+      </p:sp>
+    </p:spTree>
+    <p:extLst>
+      <p:ext uri="{BB962C8B-B14F-4D97-AF65-F5344CB8AC3E}">
+        <p14:creationId xmlns:p14="http://schemas.microsoft.com/office/powerpoint/2010/main" val="3167307052"/>
+      </p:ext>
+    </p:extLst>
+  </p:cSld>
+  <p:clrMapOvr>
+    <a:masterClrMapping/>
+  </p:clrMapOvr>
+</p:sld>
+</file>
+
+<file path=ppt/slides/slide21.xml><?xml version="1.0" encoding="utf-8"?>
 <p:sld xmlns:a="http://schemas.openxmlformats.org/drawingml/2006/main" xmlns:r="http://schemas.openxmlformats.org/officeDocument/2006/relationships" xmlns:p="http://schemas.openxmlformats.org/presentationml/2006/main">
   <p:cSld>
     <p:spTree>
@@ -5090,7 +5281,7 @@
           <a:lstStyle/>
           <a:p>
             <a:r>
-              <a:rPr lang="en-US" dirty="0"/>
+              <a:rPr lang="en-US"/>
               <a:t>Testing difference in means – Categorical outcomes</a:t>
             </a:r>
           </a:p>
@@ -5123,7 +5314,6 @@
               <a:rPr lang="en-US"/>
               <a:t>Two groups: </a:t>
             </a:r>
-            <a:endParaRPr lang="en-US" dirty="0"/>
           </a:p>
           <a:p>
             <a:pPr lvl="1">
@@ -5131,7 +5321,7 @@
               <a:buChar char="o"/>
             </a:pPr>
             <a:r>
-              <a:rPr lang="en-US" dirty="0"/>
+              <a:rPr lang="en-US"/>
               <a:t>One group has less than 10, Fischer's exact test</a:t>
             </a:r>
           </a:p>
@@ -5141,22 +5331,22 @@
               <a:buChar char="o"/>
             </a:pPr>
             <a:r>
-              <a:rPr lang="en-US" dirty="0"/>
+              <a:rPr lang="en-US"/>
               <a:t>Larger sample sizes Chi squared test </a:t>
             </a:r>
           </a:p>
           <a:p>
-            <a:endParaRPr lang="en-US" dirty="0"/>
-          </a:p>
-          <a:p>
-            <a:endParaRPr lang="en-US" dirty="0"/>
+            <a:endParaRPr lang="en-US"/>
+          </a:p>
+          <a:p>
+            <a:endParaRPr lang="en-US"/>
           </a:p>
           <a:p>
             <a:pPr lvl="1">
               <a:buFont typeface="Courier New" panose="020B0604020202020204" pitchFamily="34" charset="0"/>
               <a:buChar char="o"/>
             </a:pPr>
-            <a:endParaRPr lang="en-US" dirty="0"/>
+            <a:endParaRPr lang="en-US"/>
           </a:p>
         </p:txBody>
       </p:sp>
@@ -5230,7 +5420,7 @@
                     <a:lstStyle/>
                     <a:p>
                       <a:r>
-                        <a:rPr lang="en-US" dirty="0"/>
+                        <a:rPr lang="en-US"/>
                         <a:t>Male</a:t>
                       </a:r>
                     </a:p>
@@ -5243,7 +5433,7 @@
                     <a:lstStyle/>
                     <a:p>
                       <a:r>
-                        <a:rPr lang="en-US" dirty="0"/>
+                        <a:rPr lang="en-US"/>
                         <a:t>Female</a:t>
                       </a:r>
                     </a:p>
@@ -5263,7 +5453,7 @@
                     <a:lstStyle/>
                     <a:p>
                       <a:r>
-                        <a:rPr lang="en-US" dirty="0"/>
+                        <a:rPr lang="en-US"/>
                         <a:t>Diabetic</a:t>
                       </a:r>
                     </a:p>
@@ -5276,7 +5466,7 @@
                     <a:lstStyle/>
                     <a:p>
                       <a:r>
-                        <a:rPr lang="en-US" dirty="0"/>
+                        <a:rPr lang="en-US"/>
                         <a:t>5</a:t>
                       </a:r>
                     </a:p>
@@ -5289,7 +5479,7 @@
                     <a:lstStyle/>
                     <a:p>
                       <a:r>
-                        <a:rPr lang="en-US" dirty="0"/>
+                        <a:rPr lang="en-US"/>
                         <a:t>34</a:t>
                       </a:r>
                     </a:p>
@@ -5309,10 +5499,10 @@
                     <a:lstStyle/>
                     <a:p>
                       <a:r>
-                        <a:rPr lang="en-US" dirty="0"/>
+                        <a:rPr lang="en-US"/>
                         <a:t>Non-diabetic</a:t>
                       </a:r>
-                      <a:endParaRPr lang="en-US" dirty="0" err="1"/>
+                      <a:endParaRPr lang="en-US" err="1"/>
                     </a:p>
                   </a:txBody>
                   <a:tcPr/>
@@ -5323,7 +5513,7 @@
                     <a:lstStyle/>
                     <a:p>
                       <a:r>
-                        <a:rPr lang="en-US" dirty="0"/>
+                        <a:rPr lang="en-US"/>
                         <a:t>45</a:t>
                       </a:r>
                     </a:p>
@@ -5336,7 +5526,7 @@
                     <a:lstStyle/>
                     <a:p>
                       <a:r>
-                        <a:rPr lang="en-US" dirty="0"/>
+                        <a:rPr lang="en-US"/>
                         <a:t>50</a:t>
                       </a:r>
                     </a:p>
@@ -5366,7 +5556,7 @@
 </p:sld>
 </file>
 
-<file path=ppt/slides/slide21.xml><?xml version="1.0" encoding="utf-8"?>
+<file path=ppt/slides/slide22.xml><?xml version="1.0" encoding="utf-8"?>
 <p:sld xmlns:a="http://schemas.openxmlformats.org/drawingml/2006/main" xmlns:r="http://schemas.openxmlformats.org/officeDocument/2006/relationships" xmlns:p="http://schemas.openxmlformats.org/presentationml/2006/main">
   <p:cSld>
     <p:spTree>
@@ -5405,7 +5595,7 @@
           <a:lstStyle/>
           <a:p>
             <a:r>
-              <a:rPr lang="en-US" dirty="0"/>
+              <a:rPr lang="en-US"/>
               <a:t>Special notes</a:t>
             </a:r>
           </a:p>
@@ -5435,7 +5625,7 @@
           <a:lstStyle/>
           <a:p>
             <a:r>
-              <a:rPr lang="en-US" dirty="0"/>
+              <a:rPr lang="en-US"/>
               <a:t>Use a two tailed t-test if you are looking for a difference between your two groups, use a one tailed if you are ONLY expecting a directional difference between your groups</a:t>
             </a:r>
           </a:p>
@@ -5445,13 +5635,13 @@
               <a:buChar char="o"/>
             </a:pPr>
             <a:r>
-              <a:rPr lang="en-US" dirty="0"/>
+              <a:rPr lang="en-US"/>
               <a:t>Ex: One tailed t-test comparing LVEF in patients pre/post MI (this would also be paired)</a:t>
             </a:r>
           </a:p>
           <a:p>
             <a:r>
-              <a:rPr lang="en-US" dirty="0"/>
+              <a:rPr lang="en-US"/>
               <a:t>A paired t-test is when samples in one group correspond to samples in another</a:t>
             </a:r>
           </a:p>
@@ -5461,7 +5651,7 @@
               <a:buChar char="o"/>
             </a:pPr>
             <a:r>
-              <a:rPr lang="en-US" dirty="0"/>
+              <a:rPr lang="en-US"/>
               <a:t>Ex: a twin study, looking at patients pre/post some event</a:t>
             </a:r>
           </a:p>
@@ -5480,7 +5670,7 @@
 </p:sld>
 </file>
 
-<file path=ppt/slides/slide22.xml><?xml version="1.0" encoding="utf-8"?>
+<file path=ppt/slides/slide23.xml><?xml version="1.0" encoding="utf-8"?>
 <p:sld xmlns:a="http://schemas.openxmlformats.org/drawingml/2006/main" xmlns:r="http://schemas.openxmlformats.org/officeDocument/2006/relationships" xmlns:p="http://schemas.openxmlformats.org/presentationml/2006/main">
   <p:cSld>
     <p:spTree>
@@ -5525,12 +5715,12 @@
           <a:lstStyle/>
           <a:p>
             <a:r>
-              <a:rPr lang="en-US" dirty="0">
+              <a:rPr lang="en-US">
                 <a:latin typeface="Aptos Display"/>
               </a:rPr>
               <a:t>What question are you asking?</a:t>
             </a:r>
-            <a:endParaRPr lang="en-US" dirty="0"/>
+            <a:endParaRPr lang="en-US"/>
           </a:p>
         </p:txBody>
       </p:sp>
@@ -5558,7 +5748,7 @@
           <a:lstStyle/>
           <a:p>
             <a:r>
-              <a:rPr lang="en-US" dirty="0">
+              <a:rPr lang="en-US">
                 <a:solidFill>
                   <a:schemeClr val="bg2"/>
                 </a:solidFill>
@@ -5572,7 +5762,7 @@
               <a:buChar char="o"/>
             </a:pPr>
             <a:r>
-              <a:rPr lang="en-US" dirty="0">
+              <a:rPr lang="en-US">
                 <a:solidFill>
                   <a:schemeClr val="bg2"/>
                 </a:solidFill>
@@ -5586,7 +5776,7 @@
               <a:buChar char="o"/>
             </a:pPr>
             <a:r>
-              <a:rPr lang="en-US" dirty="0">
+              <a:rPr lang="en-US">
                 <a:solidFill>
                   <a:schemeClr val="bg2"/>
                 </a:solidFill>
@@ -5596,7 +5786,7 @@
           </a:p>
           <a:p>
             <a:r>
-              <a:rPr lang="en-US" dirty="0">
+              <a:rPr lang="en-US">
                 <a:solidFill>
                   <a:schemeClr val="bg2"/>
                 </a:solidFill>
@@ -5610,7 +5800,7 @@
               <a:buChar char="o"/>
             </a:pPr>
             <a:r>
-              <a:rPr lang="en-US" dirty="0">
+              <a:rPr lang="en-US">
                 <a:solidFill>
                   <a:schemeClr val="bg2"/>
                 </a:solidFill>
@@ -5626,7 +5816,7 @@
               <a:t>Afib</a:t>
             </a:r>
             <a:r>
-              <a:rPr lang="en-US" dirty="0">
+              <a:rPr lang="en-US">
                 <a:solidFill>
                   <a:schemeClr val="bg2"/>
                 </a:solidFill>
@@ -5653,7 +5843,7 @@
               <a:buChar char="o"/>
             </a:pPr>
             <a:r>
-              <a:rPr lang="en-US" dirty="0">
+              <a:rPr lang="en-US">
                 <a:solidFill>
                   <a:schemeClr val="bg2"/>
                 </a:solidFill>
@@ -5663,7 +5853,7 @@
           </a:p>
           <a:p>
             <a:r>
-              <a:rPr lang="en-US" dirty="0"/>
+              <a:rPr lang="en-US"/>
               <a:t>I'm looking at the time it takes until an event happens</a:t>
             </a:r>
           </a:p>
@@ -5673,13 +5863,13 @@
               <a:buChar char="o"/>
             </a:pPr>
             <a:r>
-              <a:rPr lang="en-US" dirty="0"/>
+              <a:rPr lang="en-US"/>
               <a:t>See survival modeling</a:t>
             </a:r>
           </a:p>
           <a:p>
             <a:r>
-              <a:rPr lang="en-US" dirty="0">
+              <a:rPr lang="en-US">
                 <a:solidFill>
                   <a:schemeClr val="bg2"/>
                 </a:solidFill>
@@ -5693,7 +5883,7 @@
               <a:buChar char="o"/>
             </a:pPr>
             <a:r>
-              <a:rPr lang="en-US" dirty="0">
+              <a:rPr lang="en-US">
                 <a:solidFill>
                   <a:schemeClr val="bg2"/>
                 </a:solidFill>
@@ -5707,196 +5897,6 @@
     <p:extLst>
       <p:ext uri="{BB962C8B-B14F-4D97-AF65-F5344CB8AC3E}">
         <p14:creationId xmlns:p14="http://schemas.microsoft.com/office/powerpoint/2010/main" val="94882491"/>
-      </p:ext>
-    </p:extLst>
-  </p:cSld>
-  <p:clrMapOvr>
-    <a:masterClrMapping/>
-  </p:clrMapOvr>
-</p:sld>
-</file>
-
-<file path=ppt/slides/slide23.xml><?xml version="1.0" encoding="utf-8"?>
-<p:sld xmlns:a="http://schemas.openxmlformats.org/drawingml/2006/main" xmlns:r="http://schemas.openxmlformats.org/officeDocument/2006/relationships" xmlns:p="http://schemas.openxmlformats.org/presentationml/2006/main">
-  <p:cSld>
-    <p:spTree>
-      <p:nvGrpSpPr>
-        <p:cNvPr id="1" name=""/>
-        <p:cNvGrpSpPr/>
-        <p:nvPr/>
-      </p:nvGrpSpPr>
-      <p:grpSpPr>
-        <a:xfrm>
-          <a:off x="0" y="0"/>
-          <a:ext cx="0" cy="0"/>
-          <a:chOff x="0" y="0"/>
-          <a:chExt cx="0" cy="0"/>
-        </a:xfrm>
-      </p:grpSpPr>
-      <p:sp>
-        <p:nvSpPr>
-          <p:cNvPr id="2" name="Title 1">
-            <a:extLst>
-              <a:ext uri="{FF2B5EF4-FFF2-40B4-BE49-F238E27FC236}">
-                <a16:creationId xmlns:a16="http://schemas.microsoft.com/office/drawing/2014/main" id="{478EE81A-2EE8-C53C-B0FB-3BC29647F7D1}"/>
-              </a:ext>
-            </a:extLst>
-          </p:cNvPr>
-          <p:cNvSpPr>
-            <a:spLocks noGrp="1"/>
-          </p:cNvSpPr>
-          <p:nvPr>
-            <p:ph type="title"/>
-          </p:nvPr>
-        </p:nvSpPr>
-        <p:spPr/>
-        <p:txBody>
-          <a:bodyPr/>
-          <a:lstStyle/>
-          <a:p>
-            <a:r>
-              <a:rPr lang="en-US" dirty="0"/>
-              <a:t>Survival Modeling – type of censoring </a:t>
-            </a:r>
-          </a:p>
-        </p:txBody>
-      </p:sp>
-      <p:sp>
-        <p:nvSpPr>
-          <p:cNvPr id="3" name="Content Placeholder 2">
-            <a:extLst>
-              <a:ext uri="{FF2B5EF4-FFF2-40B4-BE49-F238E27FC236}">
-                <a16:creationId xmlns:a16="http://schemas.microsoft.com/office/drawing/2014/main" id="{989CE1FF-7DE4-5845-7FC2-08327A79D38D}"/>
-              </a:ext>
-            </a:extLst>
-          </p:cNvPr>
-          <p:cNvSpPr>
-            <a:spLocks noGrp="1"/>
-          </p:cNvSpPr>
-          <p:nvPr>
-            <p:ph idx="1"/>
-          </p:nvPr>
-        </p:nvSpPr>
-        <p:spPr/>
-        <p:txBody>
-          <a:bodyPr vert="horz" lIns="91440" tIns="45720" rIns="91440" bIns="45720" rtlCol="0" anchor="t">
-            <a:normAutofit fontScale="92500" lnSpcReduction="20000"/>
-          </a:bodyPr>
-          <a:lstStyle/>
-          <a:p>
-            <a:r>
-              <a:rPr lang="en-US" dirty="0"/>
-              <a:t>Generally 3 types</a:t>
-            </a:r>
-          </a:p>
-          <a:p>
-            <a:r>
-              <a:rPr lang="en-US" dirty="0"/>
-              <a:t>Uncensored</a:t>
-            </a:r>
-          </a:p>
-          <a:p>
-            <a:pPr lvl="1">
-              <a:buFont typeface="Courier New" panose="020B0604020202020204" pitchFamily="34" charset="0"/>
-              <a:buChar char="o"/>
-            </a:pPr>
-            <a:r>
-              <a:rPr lang="en-US" dirty="0"/>
-              <a:t>Study period contains the beginning and end of measurement of interest for all patients</a:t>
-            </a:r>
-          </a:p>
-          <a:p>
-            <a:pPr lvl="1">
-              <a:buFont typeface="Courier New" panose="020B0604020202020204" pitchFamily="34" charset="0"/>
-              <a:buChar char="o"/>
-            </a:pPr>
-            <a:r>
-              <a:rPr lang="en-US" dirty="0"/>
-              <a:t>Ex: Time to first blood work in study population of a country with universal EMR</a:t>
-            </a:r>
-          </a:p>
-          <a:p>
-            <a:r>
-              <a:rPr lang="en-US" dirty="0"/>
-              <a:t>Left censored</a:t>
-            </a:r>
-          </a:p>
-          <a:p>
-            <a:pPr lvl="1">
-              <a:buFont typeface="Courier New" panose="020B0604020202020204" pitchFamily="34" charset="0"/>
-              <a:buChar char="o"/>
-            </a:pPr>
-            <a:r>
-              <a:rPr lang="en-US" dirty="0"/>
-              <a:t>Study participants were at risk for event before study measurement began and you're unsure when </a:t>
-            </a:r>
-          </a:p>
-          <a:p>
-            <a:pPr lvl="1">
-              <a:buFont typeface="Courier New" panose="020B0604020202020204" pitchFamily="34" charset="0"/>
-              <a:buChar char="o"/>
-            </a:pPr>
-            <a:r>
-              <a:rPr lang="en-US" dirty="0"/>
-              <a:t>Not </a:t>
-            </a:r>
-            <a:r>
-              <a:rPr lang="en-US"/>
-              <a:t>usually</a:t>
-            </a:r>
-            <a:r>
-              <a:rPr lang="en-US" dirty="0"/>
-              <a:t> an issue for clinical trials</a:t>
-            </a:r>
-          </a:p>
-          <a:p>
-            <a:r>
-              <a:rPr lang="en-US" b="1" dirty="0"/>
-              <a:t>Right censored</a:t>
-            </a:r>
-          </a:p>
-          <a:p>
-            <a:pPr lvl="1">
-              <a:buFont typeface="Courier New" panose="020B0604020202020204" pitchFamily="34" charset="0"/>
-              <a:buChar char="o"/>
-            </a:pPr>
-            <a:r>
-              <a:rPr lang="en-US" dirty="0"/>
-              <a:t>Study period ends before all patients experience the event or are lost to follow-up</a:t>
-            </a:r>
-          </a:p>
-          <a:p>
-            <a:pPr lvl="1">
-              <a:buFont typeface="Courier New" panose="020B0604020202020204" pitchFamily="34" charset="0"/>
-              <a:buChar char="o"/>
-            </a:pPr>
-            <a:r>
-              <a:rPr lang="en-US" dirty="0"/>
-              <a:t>Ex: Almost all clinical trials, </a:t>
-            </a:r>
-            <a:r>
-              <a:rPr lang="en-US"/>
-              <a:t>survival</a:t>
-            </a:r>
-            <a:r>
-              <a:rPr lang="en-US" dirty="0"/>
-              <a:t> after cancer diagnosis, time to scope after admission for GIB, </a:t>
-            </a:r>
-            <a:r>
-              <a:rPr lang="en-US" err="1"/>
-              <a:t>etc</a:t>
-            </a:r>
-            <a:r>
-              <a:rPr lang="en-US" dirty="0"/>
-              <a:t> </a:t>
-            </a:r>
-          </a:p>
-        </p:txBody>
-      </p:sp>
-    </p:spTree>
-    <p:extLst>
-      <p:ext uri="{BB962C8B-B14F-4D97-AF65-F5344CB8AC3E}">
-        <p14:creationId xmlns:p14="http://schemas.microsoft.com/office/powerpoint/2010/main" val="3315359639"/>
       </p:ext>
     </p:extLst>
   </p:cSld>
@@ -5928,7 +5928,7 @@
           <p:cNvPr id="2" name="Title 1">
             <a:extLst>
               <a:ext uri="{FF2B5EF4-FFF2-40B4-BE49-F238E27FC236}">
-                <a16:creationId xmlns:a16="http://schemas.microsoft.com/office/drawing/2014/main" id="{F205F330-B194-FC12-247B-F971DED1A7E5}"/>
+                <a16:creationId xmlns:a16="http://schemas.microsoft.com/office/drawing/2014/main" id="{478EE81A-2EE8-C53C-B0FB-3BC29647F7D1}"/>
               </a:ext>
             </a:extLst>
           </p:cNvPr>
@@ -5946,7 +5946,7 @@
           <a:p>
             <a:r>
               <a:rPr lang="en-US"/>
-              <a:t>Two most common types of modeling</a:t>
+              <a:t>Survival Modeling – type of censoring </a:t>
             </a:r>
           </a:p>
         </p:txBody>
@@ -5956,7 +5956,7 @@
           <p:cNvPr id="3" name="Content Placeholder 2">
             <a:extLst>
               <a:ext uri="{FF2B5EF4-FFF2-40B4-BE49-F238E27FC236}">
-                <a16:creationId xmlns:a16="http://schemas.microsoft.com/office/drawing/2014/main" id="{C685FCE6-2DC1-501D-D757-4EB72959185F}"/>
+                <a16:creationId xmlns:a16="http://schemas.microsoft.com/office/drawing/2014/main" id="{989CE1FF-7DE4-5845-7FC2-08327A79D38D}"/>
               </a:ext>
             </a:extLst>
           </p:cNvPr>
@@ -5970,13 +5970,19 @@
         <p:spPr/>
         <p:txBody>
           <a:bodyPr vert="horz" lIns="91440" tIns="45720" rIns="91440" bIns="45720" rtlCol="0" anchor="t">
-            <a:normAutofit/>
+            <a:normAutofit fontScale="92500" lnSpcReduction="20000"/>
           </a:bodyPr>
           <a:lstStyle/>
           <a:p>
             <a:r>
-              <a:rPr lang="en-US" dirty="0"/>
-              <a:t>Kaplan Meier curve</a:t>
+              <a:rPr lang="en-US"/>
+              <a:t>Generally 3 types</a:t>
+            </a:r>
+          </a:p>
+          <a:p>
+            <a:r>
+              <a:rPr lang="en-US"/>
+              <a:t>Uncensored</a:t>
             </a:r>
           </a:p>
           <a:p>
@@ -5985,8 +5991,8 @@
               <a:buChar char="o"/>
             </a:pPr>
             <a:r>
-              <a:rPr lang="en-US" dirty="0"/>
-              <a:t>Not adjusted for other variables, minimal assumptions</a:t>
+              <a:rPr lang="en-US"/>
+              <a:t>Study period contains the beginning and end of measurement of interest for all patients</a:t>
             </a:r>
           </a:p>
           <a:p>
@@ -5996,16 +6002,14 @@
             </a:pPr>
             <a:r>
               <a:rPr lang="en-US"/>
-              <a:t>Can have multiple groups</a:t>
-            </a:r>
-            <a:endParaRPr lang="en-US" dirty="0"/>
-          </a:p>
-          <a:p>
-            <a:r>
-              <a:rPr lang="en-US"/>
-              <a:t>Cox proportional hazards model</a:t>
-            </a:r>
-            <a:endParaRPr lang="en-US" dirty="0"/>
+              <a:t>Ex: Time to first blood work in study population of a country with universal EMR</a:t>
+            </a:r>
+          </a:p>
+          <a:p>
+            <a:r>
+              <a:rPr lang="en-US"/>
+              <a:t>Left censored</a:t>
+            </a:r>
           </a:p>
           <a:p>
             <a:pPr lvl="1">
@@ -6014,9 +6018,8 @@
             </a:pPr>
             <a:r>
               <a:rPr lang="en-US"/>
-              <a:t>Makes multiple assumptions, testing of these assumptions is in the code</a:t>
-            </a:r>
-            <a:endParaRPr lang="en-US" dirty="0"/>
+              <a:t>Study participants were at risk for event before study measurement began and you're unsure when </a:t>
+            </a:r>
           </a:p>
           <a:p>
             <a:pPr lvl="1">
@@ -6025,9 +6028,14 @@
             </a:pPr>
             <a:r>
               <a:rPr lang="en-US"/>
-              <a:t>Can adjust for other variables</a:t>
-            </a:r>
-            <a:endParaRPr lang="en-US" dirty="0"/>
+              <a:t>Not usually an issue for clinical trials</a:t>
+            </a:r>
+          </a:p>
+          <a:p>
+            <a:r>
+              <a:rPr lang="en-US" b="1"/>
+              <a:t>Right censored</a:t>
+            </a:r>
           </a:p>
           <a:p>
             <a:pPr lvl="1">
@@ -6036,9 +6044,8 @@
             </a:pPr>
             <a:r>
               <a:rPr lang="en-US"/>
-              <a:t>You get hazard ratios from this model</a:t>
-            </a:r>
-            <a:endParaRPr lang="en-US" dirty="0"/>
+              <a:t>Study period ends before all patients experience the event or are lost to follow-up</a:t>
+            </a:r>
           </a:p>
           <a:p>
             <a:pPr lvl="1">
@@ -6047,19 +6054,23 @@
             </a:pPr>
             <a:r>
               <a:rPr lang="en-US"/>
-              <a:t>Don't try to graph it and wasn't developed for prediction </a:t>
-            </a:r>
-            <a:endParaRPr lang="en-US" dirty="0"/>
-          </a:p>
-          <a:p>
-            <a:endParaRPr lang="en-US" dirty="0"/>
+              <a:t>Ex: Almost all clinical trials, survival after cancer diagnosis, time to scope after admission for GIB, </a:t>
+            </a:r>
+            <a:r>
+              <a:rPr lang="en-US" err="1"/>
+              <a:t>etc</a:t>
+            </a:r>
+            <a:r>
+              <a:rPr lang="en-US"/>
+              <a:t> </a:t>
+            </a:r>
           </a:p>
         </p:txBody>
       </p:sp>
     </p:spTree>
     <p:extLst>
       <p:ext uri="{BB962C8B-B14F-4D97-AF65-F5344CB8AC3E}">
-        <p14:creationId xmlns:p14="http://schemas.microsoft.com/office/powerpoint/2010/main" val="2903863184"/>
+        <p14:creationId xmlns:p14="http://schemas.microsoft.com/office/powerpoint/2010/main" val="3315359639"/>
       </p:ext>
     </p:extLst>
   </p:cSld>
@@ -6091,7 +6102,7 @@
           <p:cNvPr id="2" name="Title 1">
             <a:extLst>
               <a:ext uri="{FF2B5EF4-FFF2-40B4-BE49-F238E27FC236}">
-                <a16:creationId xmlns:a16="http://schemas.microsoft.com/office/drawing/2014/main" id="{56ED0DCE-F2F0-F89C-1E6A-6857BFB02813}"/>
+                <a16:creationId xmlns:a16="http://schemas.microsoft.com/office/drawing/2014/main" id="{F205F330-B194-FC12-247B-F971DED1A7E5}"/>
               </a:ext>
             </a:extLst>
           </p:cNvPr>
@@ -6109,7 +6120,7 @@
           <a:p>
             <a:r>
               <a:rPr lang="en-US"/>
-              <a:t>Survival modeling things to be wary of</a:t>
+              <a:t>Two most common types of modeling</a:t>
             </a:r>
           </a:p>
         </p:txBody>
@@ -6119,7 +6130,7 @@
           <p:cNvPr id="3" name="Content Placeholder 2">
             <a:extLst>
               <a:ext uri="{FF2B5EF4-FFF2-40B4-BE49-F238E27FC236}">
-                <a16:creationId xmlns:a16="http://schemas.microsoft.com/office/drawing/2014/main" id="{E447A50A-C76A-D8B3-557B-7D36F6EB7F2A}"/>
+                <a16:creationId xmlns:a16="http://schemas.microsoft.com/office/drawing/2014/main" id="{C685FCE6-2DC1-501D-D757-4EB72959185F}"/>
               </a:ext>
             </a:extLst>
           </p:cNvPr>
@@ -6139,13 +6150,7 @@
           <a:p>
             <a:r>
               <a:rPr lang="en-US"/>
-              <a:t>If you don't meet the Cox PH model assumptions don't use it</a:t>
-            </a:r>
-          </a:p>
-          <a:p>
-            <a:r>
-              <a:rPr lang="en-US"/>
-              <a:t>Be wary of competing risks, you'd need to use a different model </a:t>
+              <a:t>Kaplan Meier curve</a:t>
             </a:r>
           </a:p>
           <a:p>
@@ -6155,18 +6160,74 @@
             </a:pPr>
             <a:r>
               <a:rPr lang="en-US"/>
-              <a:t>Ex: Cancer patient time to remission but has the competing risk of death</a:t>
-            </a:r>
-          </a:p>
-          <a:p>
-            <a:endParaRPr lang="en-US" dirty="0"/>
+              <a:t>Not adjusted for other variables, minimal assumptions</a:t>
+            </a:r>
+          </a:p>
+          <a:p>
+            <a:pPr lvl="1">
+              <a:buFont typeface="Courier New" panose="020B0604020202020204" pitchFamily="34" charset="0"/>
+              <a:buChar char="o"/>
+            </a:pPr>
+            <a:r>
+              <a:rPr lang="en-US"/>
+              <a:t>Can have multiple groups</a:t>
+            </a:r>
+          </a:p>
+          <a:p>
+            <a:r>
+              <a:rPr lang="en-US"/>
+              <a:t>Cox proportional hazards model</a:t>
+            </a:r>
+          </a:p>
+          <a:p>
+            <a:pPr lvl="1">
+              <a:buFont typeface="Courier New" panose="020B0604020202020204" pitchFamily="34" charset="0"/>
+              <a:buChar char="o"/>
+            </a:pPr>
+            <a:r>
+              <a:rPr lang="en-US"/>
+              <a:t>Makes multiple assumptions, testing of these assumptions is in the code</a:t>
+            </a:r>
+          </a:p>
+          <a:p>
+            <a:pPr lvl="1">
+              <a:buFont typeface="Courier New" panose="020B0604020202020204" pitchFamily="34" charset="0"/>
+              <a:buChar char="o"/>
+            </a:pPr>
+            <a:r>
+              <a:rPr lang="en-US"/>
+              <a:t>Can adjust for other variables</a:t>
+            </a:r>
+          </a:p>
+          <a:p>
+            <a:pPr lvl="1">
+              <a:buFont typeface="Courier New" panose="020B0604020202020204" pitchFamily="34" charset="0"/>
+              <a:buChar char="o"/>
+            </a:pPr>
+            <a:r>
+              <a:rPr lang="en-US"/>
+              <a:t>You get hazard ratios from this model</a:t>
+            </a:r>
+          </a:p>
+          <a:p>
+            <a:pPr lvl="1">
+              <a:buFont typeface="Courier New" panose="020B0604020202020204" pitchFamily="34" charset="0"/>
+              <a:buChar char="o"/>
+            </a:pPr>
+            <a:r>
+              <a:rPr lang="en-US"/>
+              <a:t>Don't try to graph it and wasn't developed for prediction </a:t>
+            </a:r>
+          </a:p>
+          <a:p>
+            <a:endParaRPr lang="en-US"/>
           </a:p>
         </p:txBody>
       </p:sp>
     </p:spTree>
     <p:extLst>
       <p:ext uri="{BB962C8B-B14F-4D97-AF65-F5344CB8AC3E}">
-        <p14:creationId xmlns:p14="http://schemas.microsoft.com/office/powerpoint/2010/main" val="3951021283"/>
+        <p14:creationId xmlns:p14="http://schemas.microsoft.com/office/powerpoint/2010/main" val="2903863184"/>
       </p:ext>
     </p:extLst>
   </p:cSld>
@@ -6184,7 +6245,7 @@
         <p:cNvPr id="1" name="">
           <a:extLst>
             <a:ext uri="{FF2B5EF4-FFF2-40B4-BE49-F238E27FC236}">
-              <a16:creationId xmlns:a16="http://schemas.microsoft.com/office/drawing/2014/main" id="{FDCB284B-FD21-5061-618F-624CC22ED2A9}"/>
+              <a16:creationId xmlns:a16="http://schemas.microsoft.com/office/drawing/2014/main" id="{47E0B70B-EEAD-90BB-B9F3-07C831AC98D2}"/>
             </a:ext>
           </a:extLst>
         </p:cNvPr>
@@ -6204,7 +6265,7 @@
           <p:cNvPr id="2" name="Title 1">
             <a:extLst>
               <a:ext uri="{FF2B5EF4-FFF2-40B4-BE49-F238E27FC236}">
-                <a16:creationId xmlns:a16="http://schemas.microsoft.com/office/drawing/2014/main" id="{BED782C0-5365-7B2C-DCD5-CDAD6C282588}"/>
+                <a16:creationId xmlns:a16="http://schemas.microsoft.com/office/drawing/2014/main" id="{CDFDEC2F-47CC-AC25-2C39-2A6C09B7D98A}"/>
               </a:ext>
             </a:extLst>
           </p:cNvPr>
@@ -6221,45 +6282,60 @@
           <a:lstStyle/>
           <a:p>
             <a:r>
-              <a:rPr lang="en-US" dirty="0">
-                <a:latin typeface="Aptos Display"/>
+              <a:rPr lang="en-US"/>
+              <a:t>Cox Proportional Hazards Model Outputs</a:t>
+            </a:r>
+          </a:p>
+        </p:txBody>
+      </p:sp>
+      <p:sp>
+        <p:nvSpPr>
+          <p:cNvPr id="3" name="Content Placeholder 2">
+            <a:extLst>
+              <a:ext uri="{FF2B5EF4-FFF2-40B4-BE49-F238E27FC236}">
+                <a16:creationId xmlns:a16="http://schemas.microsoft.com/office/drawing/2014/main" id="{01B356D1-395A-5944-27E6-FA91AA79EEE7}"/>
+              </a:ext>
+            </a:extLst>
+          </p:cNvPr>
+          <p:cNvSpPr>
+            <a:spLocks noGrp="1"/>
+          </p:cNvSpPr>
+          <p:nvPr>
+            <p:ph idx="1"/>
+          </p:nvPr>
+        </p:nvSpPr>
+        <p:spPr>
+          <a:xfrm>
+            <a:off x="838200" y="1527451"/>
+            <a:ext cx="9102035" cy="4351338"/>
+          </a:xfrm>
+        </p:spPr>
+        <p:txBody>
+          <a:bodyPr vert="horz" lIns="91440" tIns="45720" rIns="91440" bIns="45720" rtlCol="0" anchor="t">
+            <a:normAutofit/>
+          </a:bodyPr>
+          <a:lstStyle/>
+          <a:p>
+            <a:r>
+              <a:rPr lang="en-US"/>
+              <a:t>Exp(</a:t>
+            </a:r>
+            <a:r>
+              <a:rPr lang="en-US" err="1"/>
+              <a:t>coef</a:t>
+            </a:r>
+            <a:r>
+              <a:rPr lang="en-US"/>
+              <a:t>) is your odds/hazard ratios</a:t>
+            </a:r>
+          </a:p>
+          <a:p>
+            <a:r>
+              <a:rPr lang="en-US">
+                <a:ea typeface="+mn-lt"/>
+                <a:cs typeface="+mn-lt"/>
               </a:rPr>
-              <a:t>What question are you asking?</a:t>
-            </a:r>
-            <a:endParaRPr lang="en-US" dirty="0"/>
-          </a:p>
-        </p:txBody>
-      </p:sp>
-      <p:sp>
-        <p:nvSpPr>
-          <p:cNvPr id="3" name="Content Placeholder 2">
-            <a:extLst>
-              <a:ext uri="{FF2B5EF4-FFF2-40B4-BE49-F238E27FC236}">
-                <a16:creationId xmlns:a16="http://schemas.microsoft.com/office/drawing/2014/main" id="{5BBBF8D6-CE65-582D-4D17-9D48760E2037}"/>
-              </a:ext>
-            </a:extLst>
-          </p:cNvPr>
-          <p:cNvSpPr>
-            <a:spLocks noGrp="1"/>
-          </p:cNvSpPr>
-          <p:nvPr>
-            <p:ph idx="1"/>
-          </p:nvPr>
-        </p:nvSpPr>
-        <p:spPr/>
-        <p:txBody>
-          <a:bodyPr vert="horz" lIns="91440" tIns="45720" rIns="91440" bIns="45720" rtlCol="0" anchor="t">
-            <a:normAutofit fontScale="92500" lnSpcReduction="20000"/>
-          </a:bodyPr>
-          <a:lstStyle/>
-          <a:p>
-            <a:r>
-              <a:rPr lang="en-US" dirty="0">
-                <a:solidFill>
-                  <a:schemeClr val="bg2"/>
-                </a:solidFill>
-              </a:rPr>
-              <a:t>My variables have a relationship with my outcomes</a:t>
+              <a:t>Significance codes:  </a:t>
             </a:r>
           </a:p>
           <a:p>
@@ -6268,133 +6344,208 @@
               <a:buChar char="o"/>
             </a:pPr>
             <a:r>
-              <a:rPr lang="en-US" dirty="0">
-                <a:solidFill>
-                  <a:schemeClr val="bg2"/>
-                </a:solidFill>
+              <a:rPr lang="en-US">
+                <a:ea typeface="+mn-lt"/>
+                <a:cs typeface="+mn-lt"/>
               </a:rPr>
-              <a:t>Ex: Lower hemoglobin is related to having a GIB</a:t>
-            </a:r>
-          </a:p>
-          <a:p>
-            <a:pPr lvl="1">
-              <a:buFont typeface="Courier New" panose="020B0604020202020204" pitchFamily="34" charset="0"/>
-              <a:buChar char="o"/>
-            </a:pPr>
-            <a:r>
-              <a:rPr lang="en-US" dirty="0">
-                <a:solidFill>
-                  <a:schemeClr val="bg2"/>
-                </a:solidFill>
-              </a:rPr>
-              <a:t>Regression for correlation </a:t>
-            </a:r>
-          </a:p>
-          <a:p>
-            <a:r>
-              <a:rPr lang="en-US" dirty="0">
-                <a:solidFill>
-                  <a:schemeClr val="bg2"/>
-                </a:solidFill>
-              </a:rPr>
-              <a:t>I have two (or more) populations and I believe that they are distinctly different</a:t>
-            </a:r>
-          </a:p>
-          <a:p>
-            <a:pPr lvl="1">
-              <a:buFont typeface="Courier New" panose="020B0604020202020204" pitchFamily="34" charset="0"/>
-              <a:buChar char="o"/>
-            </a:pPr>
-            <a:r>
-              <a:rPr lang="en-US" dirty="0">
-                <a:solidFill>
-                  <a:schemeClr val="bg2"/>
-                </a:solidFill>
-              </a:rPr>
-              <a:t>Ex: Patients with </a:t>
-            </a:r>
-            <a:r>
-              <a:rPr lang="en-US" dirty="0" err="1">
-                <a:solidFill>
-                  <a:schemeClr val="bg2"/>
-                </a:solidFill>
-              </a:rPr>
-              <a:t>Afib</a:t>
-            </a:r>
-            <a:r>
-              <a:rPr lang="en-US" dirty="0">
-                <a:solidFill>
-                  <a:schemeClr val="bg2"/>
-                </a:solidFill>
-              </a:rPr>
-              <a:t> have more strokes than patients without </a:t>
-            </a:r>
-            <a:r>
-              <a:rPr lang="en-US" dirty="0" err="1">
-                <a:solidFill>
-                  <a:schemeClr val="bg2"/>
-                </a:solidFill>
-              </a:rPr>
-              <a:t>Afib</a:t>
-            </a:r>
-            <a:endParaRPr lang="en-US" dirty="0">
-              <a:solidFill>
-                <a:schemeClr val="bg2"/>
-              </a:solidFill>
-            </a:endParaRPr>
-          </a:p>
-          <a:p>
-            <a:pPr lvl="1">
-              <a:buFont typeface="Courier New" panose="020B0604020202020204" pitchFamily="34" charset="0"/>
-              <a:buChar char="o"/>
-            </a:pPr>
-            <a:r>
-              <a:rPr lang="en-US" dirty="0">
-                <a:solidFill>
-                  <a:schemeClr val="bg2"/>
-                </a:solidFill>
-              </a:rPr>
-              <a:t>T-test or equivalent (hypothesis testing)</a:t>
-            </a:r>
-          </a:p>
-          <a:p>
-            <a:r>
-              <a:rPr lang="en-US" dirty="0">
-                <a:solidFill>
-                  <a:schemeClr val="bg2"/>
-                </a:solidFill>
-              </a:rPr>
-              <a:t>I'm looking at the time it takes until an event happens</a:t>
-            </a:r>
-          </a:p>
-          <a:p>
-            <a:pPr lvl="1">
-              <a:buFont typeface="Courier New" panose="020B0604020202020204" pitchFamily="34" charset="0"/>
-              <a:buChar char="o"/>
-            </a:pPr>
-            <a:r>
-              <a:rPr lang="en-US" dirty="0">
-                <a:solidFill>
-                  <a:schemeClr val="bg2"/>
-                </a:solidFill>
-              </a:rPr>
-              <a:t>See survival modeling</a:t>
-            </a:r>
-          </a:p>
-          <a:p>
-            <a:r>
-              <a:rPr lang="en-US" dirty="0"/>
-              <a:t>I have repeatedly measured something in patients and I want to see how that this measure changes over time w/ respect to my outcome</a:t>
-            </a:r>
-          </a:p>
-          <a:p>
-            <a:pPr lvl="1">
-              <a:buFont typeface="Courier New" panose="020B0604020202020204" pitchFamily="34" charset="0"/>
-              <a:buChar char="o"/>
-            </a:pPr>
-            <a:r>
-              <a:rPr lang="en-US" dirty="0"/>
-              <a:t>This is panel data and this is hard </a:t>
+              <a:t>0 ‘***’ 0.001 ‘**’ 0.01 ‘*’ 0.05 ‘.’ 0.1 ‘ ’ 1</a:t>
+            </a:r>
+            <a:endParaRPr lang="en-US"/>
+          </a:p>
+        </p:txBody>
+      </p:sp>
+      <p:pic>
+        <p:nvPicPr>
+          <p:cNvPr id="4" name="Picture 3" descr="A computer screen with white text&#10;&#10;AI-generated content may be incorrect.">
+            <a:extLst>
+              <a:ext uri="{FF2B5EF4-FFF2-40B4-BE49-F238E27FC236}">
+                <a16:creationId xmlns:a16="http://schemas.microsoft.com/office/drawing/2014/main" id="{F382DCC1-C92E-5AB8-52CB-213A8ABE6E61}"/>
+              </a:ext>
+            </a:extLst>
+          </p:cNvPr>
+          <p:cNvPicPr>
+            <a:picLocks noChangeAspect="1"/>
+          </p:cNvPicPr>
+          <p:nvPr/>
+        </p:nvPicPr>
+        <p:blipFill>
+          <a:blip r:embed="rId2"/>
+          <a:stretch>
+            <a:fillRect/>
+          </a:stretch>
+        </p:blipFill>
+        <p:spPr>
+          <a:xfrm>
+            <a:off x="3119852" y="2818296"/>
+            <a:ext cx="5953125" cy="3962400"/>
+          </a:xfrm>
+          <a:prstGeom prst="rect">
+            <a:avLst/>
+          </a:prstGeom>
+        </p:spPr>
+      </p:pic>
+      <p:cxnSp>
+        <p:nvCxnSpPr>
+          <p:cNvPr id="5" name="Straight Arrow Connector 4">
+            <a:extLst>
+              <a:ext uri="{FF2B5EF4-FFF2-40B4-BE49-F238E27FC236}">
+                <a16:creationId xmlns:a16="http://schemas.microsoft.com/office/drawing/2014/main" id="{4CC30897-506C-DC19-7A3C-CFC017C2D5DA}"/>
+              </a:ext>
+            </a:extLst>
+          </p:cNvPr>
+          <p:cNvCxnSpPr/>
+          <p:nvPr/>
+        </p:nvCxnSpPr>
+        <p:spPr>
+          <a:xfrm>
+            <a:off x="2153478" y="5676347"/>
+            <a:ext cx="872434" cy="342347"/>
+          </a:xfrm>
+          <a:prstGeom prst="straightConnector1">
+            <a:avLst/>
+          </a:prstGeom>
+          <a:ln>
+            <a:tailEnd type="triangle"/>
+          </a:ln>
+        </p:spPr>
+        <p:style>
+          <a:lnRef idx="2">
+            <a:schemeClr val="accent1"/>
+          </a:lnRef>
+          <a:fillRef idx="0">
+            <a:schemeClr val="accent1"/>
+          </a:fillRef>
+          <a:effectRef idx="1">
+            <a:schemeClr val="accent1"/>
+          </a:effectRef>
+          <a:fontRef idx="minor">
+            <a:schemeClr val="tx1"/>
+          </a:fontRef>
+        </p:style>
+      </p:cxnSp>
+      <p:sp>
+        <p:nvSpPr>
+          <p:cNvPr id="6" name="TextBox 5">
+            <a:extLst>
+              <a:ext uri="{FF2B5EF4-FFF2-40B4-BE49-F238E27FC236}">
+                <a16:creationId xmlns:a16="http://schemas.microsoft.com/office/drawing/2014/main" id="{36EF4914-3F7A-104C-2CCE-6648812D0213}"/>
+              </a:ext>
+            </a:extLst>
+          </p:cNvPr>
+          <p:cNvSpPr txBox="1"/>
+          <p:nvPr/>
+        </p:nvSpPr>
+        <p:spPr>
+          <a:xfrm>
+            <a:off x="212812" y="5142081"/>
+            <a:ext cx="2379717" cy="646331"/>
+          </a:xfrm>
+          <a:prstGeom prst="rect">
+            <a:avLst/>
+          </a:prstGeom>
+          <a:noFill/>
+        </p:spPr>
+        <p:txBody>
+          <a:bodyPr rot="0" spcFirstLastPara="0" vertOverflow="overflow" horzOverflow="overflow" vert="horz" wrap="square" lIns="91440" tIns="45720" rIns="91440" bIns="45720" numCol="1" spcCol="0" rtlCol="0" fromWordArt="0" anchor="t" anchorCtr="0" forceAA="0" compatLnSpc="1">
+            <a:prstTxWarp prst="textNoShape">
+              <a:avLst/>
+            </a:prstTxWarp>
+            <a:spAutoFit/>
+          </a:bodyPr>
+          <a:lstStyle/>
+          <a:p>
+            <a:r>
+              <a:rPr lang="en-US"/>
+              <a:t>Similar to an R</a:t>
+            </a:r>
+            <a:r>
+              <a:rPr lang="en-US" baseline="30000"/>
+              <a:t>2</a:t>
+            </a:r>
+          </a:p>
+          <a:p>
+            <a:r>
+              <a:rPr lang="en-US"/>
+              <a:t>but for survival  </a:t>
+            </a:r>
+          </a:p>
+        </p:txBody>
+      </p:sp>
+      <p:cxnSp>
+        <p:nvCxnSpPr>
+          <p:cNvPr id="7" name="Straight Arrow Connector 6">
+            <a:extLst>
+              <a:ext uri="{FF2B5EF4-FFF2-40B4-BE49-F238E27FC236}">
+                <a16:creationId xmlns:a16="http://schemas.microsoft.com/office/drawing/2014/main" id="{DF502D99-8DA5-0F12-2EAB-84A2C7255FB9}"/>
+              </a:ext>
+            </a:extLst>
+          </p:cNvPr>
+          <p:cNvCxnSpPr>
+            <a:cxnSpLocks/>
+          </p:cNvCxnSpPr>
+          <p:nvPr/>
+        </p:nvCxnSpPr>
+        <p:spPr>
+          <a:xfrm flipH="1">
+            <a:off x="7731777" y="3318266"/>
+            <a:ext cx="1640106" cy="743941"/>
+          </a:xfrm>
+          <a:prstGeom prst="straightConnector1">
+            <a:avLst/>
+          </a:prstGeom>
+          <a:ln>
+            <a:tailEnd type="triangle"/>
+          </a:ln>
+        </p:spPr>
+        <p:style>
+          <a:lnRef idx="2">
+            <a:schemeClr val="accent1"/>
+          </a:lnRef>
+          <a:fillRef idx="0">
+            <a:schemeClr val="accent1"/>
+          </a:fillRef>
+          <a:effectRef idx="1">
+            <a:schemeClr val="accent1"/>
+          </a:effectRef>
+          <a:fontRef idx="minor">
+            <a:schemeClr val="tx1"/>
+          </a:fontRef>
+        </p:style>
+      </p:cxnSp>
+      <p:sp>
+        <p:nvSpPr>
+          <p:cNvPr id="8" name="TextBox 7">
+            <a:extLst>
+              <a:ext uri="{FF2B5EF4-FFF2-40B4-BE49-F238E27FC236}">
+                <a16:creationId xmlns:a16="http://schemas.microsoft.com/office/drawing/2014/main" id="{AB0107D1-BB6A-8F56-FDD6-999EE6DF4BBD}"/>
+              </a:ext>
+            </a:extLst>
+          </p:cNvPr>
+          <p:cNvSpPr txBox="1"/>
+          <p:nvPr/>
+        </p:nvSpPr>
+        <p:spPr>
+          <a:xfrm>
+            <a:off x="9387703" y="3062027"/>
+            <a:ext cx="1700097" cy="369332"/>
+          </a:xfrm>
+          <a:prstGeom prst="rect">
+            <a:avLst/>
+          </a:prstGeom>
+          <a:noFill/>
+        </p:spPr>
+        <p:txBody>
+          <a:bodyPr rot="0" spcFirstLastPara="0" vertOverflow="overflow" horzOverflow="overflow" vert="horz" wrap="square" lIns="91440" tIns="45720" rIns="91440" bIns="45720" numCol="1" spcCol="0" rtlCol="0" fromWordArt="0" anchor="t" anchorCtr="0" forceAA="0" compatLnSpc="1">
+            <a:prstTxWarp prst="textNoShape">
+              <a:avLst/>
+            </a:prstTxWarp>
+            <a:spAutoFit/>
+          </a:bodyPr>
+          <a:lstStyle/>
+          <a:p>
+            <a:r>
+              <a:rPr lang="en-US"/>
+              <a:t>Your P values </a:t>
             </a:r>
           </a:p>
         </p:txBody>
@@ -6402,7 +6553,7 @@
     </p:spTree>
     <p:extLst>
       <p:ext uri="{BB962C8B-B14F-4D97-AF65-F5344CB8AC3E}">
-        <p14:creationId xmlns:p14="http://schemas.microsoft.com/office/powerpoint/2010/main" val="1959116893"/>
+        <p14:creationId xmlns:p14="http://schemas.microsoft.com/office/powerpoint/2010/main" val="803700121"/>
       </p:ext>
     </p:extLst>
   </p:cSld>
@@ -6434,7 +6585,7 @@
           <p:cNvPr id="2" name="Title 1">
             <a:extLst>
               <a:ext uri="{FF2B5EF4-FFF2-40B4-BE49-F238E27FC236}">
-                <a16:creationId xmlns:a16="http://schemas.microsoft.com/office/drawing/2014/main" id="{D7A7C104-EE7D-5FC3-7498-38D4CE263F24}"/>
+                <a16:creationId xmlns:a16="http://schemas.microsoft.com/office/drawing/2014/main" id="{56ED0DCE-F2F0-F89C-1E6A-6857BFB02813}"/>
               </a:ext>
             </a:extLst>
           </p:cNvPr>
@@ -6451,8 +6602,8 @@
           <a:lstStyle/>
           <a:p>
             <a:r>
-              <a:rPr lang="en-US" dirty="0"/>
-              <a:t>Prepping Data for R </a:t>
+              <a:rPr lang="en-US"/>
+              <a:t>Survival modeling things to be wary of</a:t>
             </a:r>
           </a:p>
         </p:txBody>
@@ -6462,7 +6613,7 @@
           <p:cNvPr id="3" name="Content Placeholder 2">
             <a:extLst>
               <a:ext uri="{FF2B5EF4-FFF2-40B4-BE49-F238E27FC236}">
-                <a16:creationId xmlns:a16="http://schemas.microsoft.com/office/drawing/2014/main" id="{6C756456-875A-28E3-5699-AE1CE77FDB33}"/>
+                <a16:creationId xmlns:a16="http://schemas.microsoft.com/office/drawing/2014/main" id="{E447A50A-C76A-D8B3-557B-7D36F6EB7F2A}"/>
               </a:ext>
             </a:extLst>
           </p:cNvPr>
@@ -6476,13 +6627,19 @@
         <p:spPr/>
         <p:txBody>
           <a:bodyPr vert="horz" lIns="91440" tIns="45720" rIns="91440" bIns="45720" rtlCol="0" anchor="t">
-            <a:normAutofit lnSpcReduction="10000"/>
+            <a:normAutofit/>
           </a:bodyPr>
           <a:lstStyle/>
           <a:p>
             <a:r>
-              <a:rPr lang="en-US" dirty="0"/>
-              <a:t>Data "wrangling" is one of the hardest things</a:t>
+              <a:rPr lang="en-US"/>
+              <a:t>If you don't meet the Cox PH model assumptions don't use it</a:t>
+            </a:r>
+          </a:p>
+          <a:p>
+            <a:r>
+              <a:rPr lang="en-US"/>
+              <a:t>Be wary of competing risks, you'd need to use a different model </a:t>
             </a:r>
           </a:p>
           <a:p>
@@ -6491,70 +6648,19 @@
               <a:buChar char="o"/>
             </a:pPr>
             <a:r>
-              <a:rPr lang="en-US" dirty="0"/>
-              <a:t>For novice coders easier to do in excel first</a:t>
-            </a:r>
-          </a:p>
-          <a:p>
-            <a:r>
-              <a:rPr lang="en-US" dirty="0"/>
-              <a:t>Rows are participants, columns are variables</a:t>
-            </a:r>
-          </a:p>
-          <a:p>
-            <a:r>
-              <a:rPr lang="en-US" dirty="0"/>
-              <a:t>It is easier to use numbers instead of code</a:t>
-            </a:r>
-          </a:p>
-          <a:p>
-            <a:pPr lvl="1">
-              <a:buFont typeface="Courier New" panose="020B0604020202020204" pitchFamily="34" charset="0"/>
-              <a:buChar char="o"/>
-            </a:pPr>
-            <a:r>
-              <a:rPr lang="en-US" dirty="0"/>
-              <a:t>It is case sensitive so: Yes, yes, No, no would count as 4 different levels to a factor </a:t>
-            </a:r>
-          </a:p>
-          <a:p>
-            <a:r>
-              <a:rPr lang="en-US" dirty="0"/>
-              <a:t>Don't use spaces in your column names use "_" instead </a:t>
-            </a:r>
-          </a:p>
-          <a:p>
-            <a:r>
-              <a:rPr lang="en-US" dirty="0"/>
-              <a:t>Survival data needs a status and a time</a:t>
-            </a:r>
-          </a:p>
-          <a:p>
-            <a:pPr lvl="1">
-              <a:buFont typeface="Courier New" panose="020B0604020202020204" pitchFamily="34" charset="0"/>
-              <a:buChar char="o"/>
-            </a:pPr>
-            <a:r>
-              <a:rPr lang="en-US" dirty="0"/>
-              <a:t>Status is had event or not</a:t>
-            </a:r>
-          </a:p>
-          <a:p>
-            <a:pPr lvl="1">
-              <a:buFont typeface="Courier New" panose="020B0604020202020204" pitchFamily="34" charset="0"/>
-              <a:buChar char="o"/>
-            </a:pPr>
-            <a:r>
-              <a:rPr lang="en-US" dirty="0"/>
-              <a:t>Recommend time in days if possible </a:t>
-            </a:r>
+              <a:rPr lang="en-US"/>
+              <a:t>Ex: Cancer patient time to remission but has the competing risk of death</a:t>
+            </a:r>
+          </a:p>
+          <a:p>
+            <a:endParaRPr lang="en-US"/>
           </a:p>
         </p:txBody>
       </p:sp>
     </p:spTree>
     <p:extLst>
       <p:ext uri="{BB962C8B-B14F-4D97-AF65-F5344CB8AC3E}">
-        <p14:creationId xmlns:p14="http://schemas.microsoft.com/office/powerpoint/2010/main" val="69399235"/>
+        <p14:creationId xmlns:p14="http://schemas.microsoft.com/office/powerpoint/2010/main" val="3951021283"/>
       </p:ext>
     </p:extLst>
   </p:cSld>
@@ -6569,7 +6675,13 @@
   <p:cSld>
     <p:spTree>
       <p:nvGrpSpPr>
-        <p:cNvPr id="1" name=""/>
+        <p:cNvPr id="1" name="">
+          <a:extLst>
+            <a:ext uri="{FF2B5EF4-FFF2-40B4-BE49-F238E27FC236}">
+              <a16:creationId xmlns:a16="http://schemas.microsoft.com/office/drawing/2014/main" id="{FDCB284B-FD21-5061-618F-624CC22ED2A9}"/>
+            </a:ext>
+          </a:extLst>
+        </p:cNvPr>
         <p:cNvGrpSpPr/>
         <p:nvPr/>
       </p:nvGrpSpPr>
@@ -6586,7 +6698,7 @@
           <p:cNvPr id="2" name="Title 1">
             <a:extLst>
               <a:ext uri="{FF2B5EF4-FFF2-40B4-BE49-F238E27FC236}">
-                <a16:creationId xmlns:a16="http://schemas.microsoft.com/office/drawing/2014/main" id="{D9B7CC25-AFEC-3081-507E-DBA9E2366FBC}"/>
+                <a16:creationId xmlns:a16="http://schemas.microsoft.com/office/drawing/2014/main" id="{BED782C0-5365-7B2C-DCD5-CDAD6C282588}"/>
               </a:ext>
             </a:extLst>
           </p:cNvPr>
@@ -6603,9 +6715,12 @@
           <a:lstStyle/>
           <a:p>
             <a:r>
-              <a:rPr lang="en-US"/>
-              <a:t>Misc. Stats</a:t>
-            </a:r>
+              <a:rPr lang="en-US">
+                <a:latin typeface="Aptos Display"/>
+              </a:rPr>
+              <a:t>What question are you asking?</a:t>
+            </a:r>
+            <a:endParaRPr lang="en-US"/>
           </a:p>
         </p:txBody>
       </p:sp>
@@ -6614,7 +6729,7 @@
           <p:cNvPr id="3" name="Content Placeholder 2">
             <a:extLst>
               <a:ext uri="{FF2B5EF4-FFF2-40B4-BE49-F238E27FC236}">
-                <a16:creationId xmlns:a16="http://schemas.microsoft.com/office/drawing/2014/main" id="{7460841B-8B25-E166-2D82-42F1285CDA6F}"/>
+                <a16:creationId xmlns:a16="http://schemas.microsoft.com/office/drawing/2014/main" id="{5BBBF8D6-CE65-582D-4D17-9D48760E2037}"/>
               </a:ext>
             </a:extLst>
           </p:cNvPr>
@@ -6628,13 +6743,17 @@
         <p:spPr/>
         <p:txBody>
           <a:bodyPr vert="horz" lIns="91440" tIns="45720" rIns="91440" bIns="45720" rtlCol="0" anchor="t">
-            <a:normAutofit/>
+            <a:normAutofit fontScale="92500" lnSpcReduction="20000"/>
           </a:bodyPr>
           <a:lstStyle/>
           <a:p>
             <a:r>
-              <a:rPr lang="en-US" dirty="0"/>
-              <a:t>Testing continuous variables for normality (needed for many parametric tests)</a:t>
+              <a:rPr lang="en-US">
+                <a:solidFill>
+                  <a:schemeClr val="bg2"/>
+                </a:solidFill>
+              </a:rPr>
+              <a:t>My variables have a relationship with my outcomes</a:t>
             </a:r>
           </a:p>
           <a:p>
@@ -6643,8 +6762,12 @@
               <a:buChar char="o"/>
             </a:pPr>
             <a:r>
-              <a:rPr lang="en-US" dirty="0"/>
-              <a:t>Shapiro wilk test, want p to be greater than 0.05 </a:t>
+              <a:rPr lang="en-US">
+                <a:solidFill>
+                  <a:schemeClr val="bg2"/>
+                </a:solidFill>
+              </a:rPr>
+              <a:t>Ex: Lower hemoglobin is related to having a GIB</a:t>
             </a:r>
           </a:p>
           <a:p>
@@ -6653,22 +6776,127 @@
               <a:buChar char="o"/>
             </a:pPr>
             <a:r>
-              <a:rPr lang="en-US" dirty="0"/>
-              <a:t>If you have hundreds of samples more reliable to graph it </a:t>
-            </a:r>
-          </a:p>
-          <a:p>
-            <a:endParaRPr lang="en-US" dirty="0"/>
-          </a:p>
-          <a:p>
-            <a:endParaRPr lang="en-US" dirty="0"/>
+              <a:rPr lang="en-US">
+                <a:solidFill>
+                  <a:schemeClr val="bg2"/>
+                </a:solidFill>
+              </a:rPr>
+              <a:t>Regression for correlation </a:t>
+            </a:r>
+          </a:p>
+          <a:p>
+            <a:r>
+              <a:rPr lang="en-US">
+                <a:solidFill>
+                  <a:schemeClr val="bg2"/>
+                </a:solidFill>
+              </a:rPr>
+              <a:t>I have two (or more) populations and I believe that they are distinctly different</a:t>
+            </a:r>
+          </a:p>
+          <a:p>
+            <a:pPr lvl="1">
+              <a:buFont typeface="Courier New" panose="020B0604020202020204" pitchFamily="34" charset="0"/>
+              <a:buChar char="o"/>
+            </a:pPr>
+            <a:r>
+              <a:rPr lang="en-US">
+                <a:solidFill>
+                  <a:schemeClr val="bg2"/>
+                </a:solidFill>
+              </a:rPr>
+              <a:t>Ex: Patients with </a:t>
+            </a:r>
+            <a:r>
+              <a:rPr lang="en-US" err="1">
+                <a:solidFill>
+                  <a:schemeClr val="bg2"/>
+                </a:solidFill>
+              </a:rPr>
+              <a:t>Afib</a:t>
+            </a:r>
+            <a:r>
+              <a:rPr lang="en-US">
+                <a:solidFill>
+                  <a:schemeClr val="bg2"/>
+                </a:solidFill>
+              </a:rPr>
+              <a:t> have more strokes than patients without </a:t>
+            </a:r>
+            <a:r>
+              <a:rPr lang="en-US" err="1">
+                <a:solidFill>
+                  <a:schemeClr val="bg2"/>
+                </a:solidFill>
+              </a:rPr>
+              <a:t>Afib</a:t>
+            </a:r>
+            <a:endParaRPr lang="en-US">
+              <a:solidFill>
+                <a:schemeClr val="bg2"/>
+              </a:solidFill>
+            </a:endParaRPr>
+          </a:p>
+          <a:p>
+            <a:pPr lvl="1">
+              <a:buFont typeface="Courier New" panose="020B0604020202020204" pitchFamily="34" charset="0"/>
+              <a:buChar char="o"/>
+            </a:pPr>
+            <a:r>
+              <a:rPr lang="en-US">
+                <a:solidFill>
+                  <a:schemeClr val="bg2"/>
+                </a:solidFill>
+              </a:rPr>
+              <a:t>T-test or equivalent (hypothesis testing)</a:t>
+            </a:r>
+          </a:p>
+          <a:p>
+            <a:r>
+              <a:rPr lang="en-US">
+                <a:solidFill>
+                  <a:schemeClr val="bg2"/>
+                </a:solidFill>
+              </a:rPr>
+              <a:t>I'm looking at the time it takes until an event happens</a:t>
+            </a:r>
+          </a:p>
+          <a:p>
+            <a:pPr lvl="1">
+              <a:buFont typeface="Courier New" panose="020B0604020202020204" pitchFamily="34" charset="0"/>
+              <a:buChar char="o"/>
+            </a:pPr>
+            <a:r>
+              <a:rPr lang="en-US">
+                <a:solidFill>
+                  <a:schemeClr val="bg2"/>
+                </a:solidFill>
+              </a:rPr>
+              <a:t>See survival modeling</a:t>
+            </a:r>
+          </a:p>
+          <a:p>
+            <a:r>
+              <a:rPr lang="en-US"/>
+              <a:t>I have repeatedly measured something in patients and I want to see how that this measure changes over time w/ respect to my outcome</a:t>
+            </a:r>
+          </a:p>
+          <a:p>
+            <a:pPr lvl="1">
+              <a:buFont typeface="Courier New" panose="020B0604020202020204" pitchFamily="34" charset="0"/>
+              <a:buChar char="o"/>
+            </a:pPr>
+            <a:r>
+              <a:rPr lang="en-US"/>
+              <a:t>This is panel data and this is hard </a:t>
+            </a:r>
           </a:p>
         </p:txBody>
       </p:sp>
     </p:spTree>
     <p:extLst>
       <p:ext uri="{BB962C8B-B14F-4D97-AF65-F5344CB8AC3E}">
-        <p14:creationId xmlns:p14="http://schemas.microsoft.com/office/powerpoint/2010/main" val="3889029988"/>
+        <p14:creationId xmlns:p14="http://schemas.microsoft.com/office/powerpoint/2010/main" val="1959116893"/>
       </p:ext>
     </p:extLst>
   </p:cSld>
@@ -6700,7 +6928,7 @@
           <p:cNvPr id="2" name="Title 1">
             <a:extLst>
               <a:ext uri="{FF2B5EF4-FFF2-40B4-BE49-F238E27FC236}">
-                <a16:creationId xmlns:a16="http://schemas.microsoft.com/office/drawing/2014/main" id="{8617A405-6249-74C1-645B-9DAB8B5D9DF9}"/>
+                <a16:creationId xmlns:a16="http://schemas.microsoft.com/office/drawing/2014/main" id="{D7A7C104-EE7D-5FC3-7498-38D4CE263F24}"/>
               </a:ext>
             </a:extLst>
           </p:cNvPr>
@@ -6718,7 +6946,7 @@
           <a:p>
             <a:r>
               <a:rPr lang="en-US"/>
-              <a:t>Interaction terms</a:t>
+              <a:t>Prepping Data for R </a:t>
             </a:r>
           </a:p>
         </p:txBody>
@@ -6728,7 +6956,7 @@
           <p:cNvPr id="3" name="Content Placeholder 2">
             <a:extLst>
               <a:ext uri="{FF2B5EF4-FFF2-40B4-BE49-F238E27FC236}">
-                <a16:creationId xmlns:a16="http://schemas.microsoft.com/office/drawing/2014/main" id="{1CDA7F34-D13F-3CE9-E74F-A1C47F16D66B}"/>
+                <a16:creationId xmlns:a16="http://schemas.microsoft.com/office/drawing/2014/main" id="{6C756456-875A-28E3-5699-AE1CE77FDB33}"/>
               </a:ext>
             </a:extLst>
           </p:cNvPr>
@@ -6742,19 +6970,13 @@
         <p:spPr/>
         <p:txBody>
           <a:bodyPr vert="horz" lIns="91440" tIns="45720" rIns="91440" bIns="45720" rtlCol="0" anchor="t">
-            <a:normAutofit/>
+            <a:normAutofit lnSpcReduction="10000"/>
           </a:bodyPr>
           <a:lstStyle/>
           <a:p>
             <a:r>
-              <a:rPr lang="en-US" dirty="0"/>
-              <a:t>Regression looks at each variable account for all the others, if you think that there are two variables that contain more information when considering them together when separately (a synergistic effect) then you need an interaction term</a:t>
-            </a:r>
-          </a:p>
-          <a:p>
-            <a:r>
-              <a:rPr lang="en-US" dirty="0"/>
-              <a:t>An interaction term can be created using</a:t>
+              <a:rPr lang="en-US"/>
+              <a:t>Data "wrangling" is one of the hardest things</a:t>
             </a:r>
           </a:p>
           <a:p>
@@ -6763,14 +6985,62 @@
               <a:buChar char="o"/>
             </a:pPr>
             <a:r>
-              <a:rPr lang="en-US" dirty="0"/>
-              <a:t>V1 * V2 = V3 (interaction term)</a:t>
-            </a:r>
-          </a:p>
-          <a:p>
-            <a:r>
-              <a:rPr lang="en-US" dirty="0"/>
-              <a:t>If you include an interaction term (V3) then you need to include the constituents (V1 and V2) in your regression as well</a:t>
+              <a:rPr lang="en-US"/>
+              <a:t>For novice coders easier to do in excel first</a:t>
+            </a:r>
+          </a:p>
+          <a:p>
+            <a:r>
+              <a:rPr lang="en-US"/>
+              <a:t>Rows are participants, columns are variables</a:t>
+            </a:r>
+          </a:p>
+          <a:p>
+            <a:r>
+              <a:rPr lang="en-US"/>
+              <a:t>It is easier to use numbers instead of code</a:t>
+            </a:r>
+          </a:p>
+          <a:p>
+            <a:pPr lvl="1">
+              <a:buFont typeface="Courier New" panose="020B0604020202020204" pitchFamily="34" charset="0"/>
+              <a:buChar char="o"/>
+            </a:pPr>
+            <a:r>
+              <a:rPr lang="en-US"/>
+              <a:t>It is case sensitive so: Yes, yes, No, no would count as 4 different levels to a factor </a:t>
+            </a:r>
+          </a:p>
+          <a:p>
+            <a:r>
+              <a:rPr lang="en-US"/>
+              <a:t>Don't use spaces in your column names use "_" instead </a:t>
+            </a:r>
+          </a:p>
+          <a:p>
+            <a:r>
+              <a:rPr lang="en-US"/>
+              <a:t>Survival data needs a status and a time</a:t>
+            </a:r>
+          </a:p>
+          <a:p>
+            <a:pPr lvl="1">
+              <a:buFont typeface="Courier New" panose="020B0604020202020204" pitchFamily="34" charset="0"/>
+              <a:buChar char="o"/>
+            </a:pPr>
+            <a:r>
+              <a:rPr lang="en-US"/>
+              <a:t>Status is had event or not</a:t>
+            </a:r>
+          </a:p>
+          <a:p>
+            <a:pPr lvl="1">
+              <a:buFont typeface="Courier New" panose="020B0604020202020204" pitchFamily="34" charset="0"/>
+              <a:buChar char="o"/>
+            </a:pPr>
+            <a:r>
+              <a:rPr lang="en-US"/>
+              <a:t>Recommend time in days if possible </a:t>
             </a:r>
           </a:p>
         </p:txBody>
@@ -6778,7 +7048,7 @@
     </p:spTree>
     <p:extLst>
       <p:ext uri="{BB962C8B-B14F-4D97-AF65-F5344CB8AC3E}">
-        <p14:creationId xmlns:p14="http://schemas.microsoft.com/office/powerpoint/2010/main" val="3913351825"/>
+        <p14:creationId xmlns:p14="http://schemas.microsoft.com/office/powerpoint/2010/main" val="69399235"/>
       </p:ext>
     </p:extLst>
   </p:cSld>
@@ -6827,7 +7097,7 @@
           <a:lstStyle/>
           <a:p>
             <a:r>
-              <a:rPr lang="en-US" dirty="0"/>
+              <a:rPr lang="en-US"/>
               <a:t>Disclaimer</a:t>
             </a:r>
           </a:p>
@@ -6866,7 +7136,7 @@
               <a:buChar char="•"/>
             </a:pPr>
             <a:r>
-              <a:rPr lang="en-US" dirty="0"/>
+              <a:rPr lang="en-US"/>
               <a:t>There can be a lot of nuance in stats but this should be correct for you most of the time </a:t>
             </a:r>
           </a:p>
@@ -6920,13 +7190,7 @@
   <p:cSld>
     <p:spTree>
       <p:nvGrpSpPr>
-        <p:cNvPr id="1" name="">
-          <a:extLst>
-            <a:ext uri="{FF2B5EF4-FFF2-40B4-BE49-F238E27FC236}">
-              <a16:creationId xmlns:a16="http://schemas.microsoft.com/office/drawing/2014/main" id="{8D18823F-8E83-30C0-B5A8-B1D1FF4274DE}"/>
-            </a:ext>
-          </a:extLst>
-        </p:cNvPr>
+        <p:cNvPr id="1" name=""/>
         <p:cNvGrpSpPr/>
         <p:nvPr/>
       </p:nvGrpSpPr>
@@ -6943,7 +7207,7 @@
           <p:cNvPr id="2" name="Title 1">
             <a:extLst>
               <a:ext uri="{FF2B5EF4-FFF2-40B4-BE49-F238E27FC236}">
-                <a16:creationId xmlns:a16="http://schemas.microsoft.com/office/drawing/2014/main" id="{36230242-1DE0-4DC5-0154-81F58713C272}"/>
+                <a16:creationId xmlns:a16="http://schemas.microsoft.com/office/drawing/2014/main" id="{D9B7CC25-AFEC-3081-507E-DBA9E2366FBC}"/>
               </a:ext>
             </a:extLst>
           </p:cNvPr>
@@ -6961,7 +7225,7 @@
           <a:p>
             <a:r>
               <a:rPr lang="en-US"/>
-              <a:t>Approaches to making a study</a:t>
+              <a:t>Misc. Stats</a:t>
             </a:r>
           </a:p>
         </p:txBody>
@@ -6971,7 +7235,7 @@
           <p:cNvPr id="3" name="Content Placeholder 2">
             <a:extLst>
               <a:ext uri="{FF2B5EF4-FFF2-40B4-BE49-F238E27FC236}">
-                <a16:creationId xmlns:a16="http://schemas.microsoft.com/office/drawing/2014/main" id="{F9FDC234-F278-1448-5C05-320104AA7B61}"/>
+                <a16:creationId xmlns:a16="http://schemas.microsoft.com/office/drawing/2014/main" id="{7460841B-8B25-E166-2D82-42F1285CDA6F}"/>
               </a:ext>
             </a:extLst>
           </p:cNvPr>
@@ -6990,8 +7254,8 @@
           <a:lstStyle/>
           <a:p>
             <a:r>
-              <a:rPr lang="en-US" dirty="0"/>
-              <a:t>Try to have all of your measurements as close as possible</a:t>
+              <a:rPr lang="en-US"/>
+              <a:t>Testing continuous variables for normality (needed for many parametric tests)</a:t>
             </a:r>
           </a:p>
           <a:p>
@@ -7000,14 +7264,8 @@
               <a:buChar char="o"/>
             </a:pPr>
             <a:r>
-              <a:rPr lang="en-US" dirty="0"/>
-              <a:t>TTE and EKG are as close together as you can</a:t>
-            </a:r>
-          </a:p>
-          <a:p>
-            <a:r>
-              <a:rPr lang="en-US" dirty="0"/>
-              <a:t>Try to have your measurements across patients be at a similar point in time relatively speaking</a:t>
+              <a:rPr lang="en-US"/>
+              <a:t>Shapiro wilk test, want p to be greater than 0.05 </a:t>
             </a:r>
           </a:p>
           <a:p>
@@ -7016,33 +7274,22 @@
               <a:buChar char="o"/>
             </a:pPr>
             <a:r>
-              <a:rPr lang="en-US" dirty="0"/>
-              <a:t>Weight, labs, </a:t>
-            </a:r>
-            <a:r>
-              <a:rPr lang="en-US" dirty="0" err="1"/>
-              <a:t>etc</a:t>
-            </a:r>
-            <a:r>
-              <a:rPr lang="en-US" dirty="0"/>
-              <a:t> done at the time of cancer diagnosis</a:t>
-            </a:r>
-          </a:p>
-          <a:p>
-            <a:r>
-              <a:rPr lang="en-US" dirty="0"/>
-              <a:t>Power is only a problem if you don't have it</a:t>
-            </a:r>
-          </a:p>
-          <a:p>
-            <a:endParaRPr lang="en-US" dirty="0"/>
+              <a:rPr lang="en-US"/>
+              <a:t>If you have hundreds of samples more reliable to graph it </a:t>
+            </a:r>
+          </a:p>
+          <a:p>
+            <a:endParaRPr lang="en-US"/>
+          </a:p>
+          <a:p>
+            <a:endParaRPr lang="en-US"/>
           </a:p>
         </p:txBody>
       </p:sp>
     </p:spTree>
     <p:extLst>
       <p:ext uri="{BB962C8B-B14F-4D97-AF65-F5344CB8AC3E}">
-        <p14:creationId xmlns:p14="http://schemas.microsoft.com/office/powerpoint/2010/main" val="1860609288"/>
+        <p14:creationId xmlns:p14="http://schemas.microsoft.com/office/powerpoint/2010/main" val="3889029988"/>
       </p:ext>
     </p:extLst>
   </p:cSld>
@@ -7074,6 +7321,253 @@
           <p:cNvPr id="2" name="Title 1">
             <a:extLst>
               <a:ext uri="{FF2B5EF4-FFF2-40B4-BE49-F238E27FC236}">
+                <a16:creationId xmlns:a16="http://schemas.microsoft.com/office/drawing/2014/main" id="{8617A405-6249-74C1-645B-9DAB8B5D9DF9}"/>
+              </a:ext>
+            </a:extLst>
+          </p:cNvPr>
+          <p:cNvSpPr>
+            <a:spLocks noGrp="1"/>
+          </p:cNvSpPr>
+          <p:nvPr>
+            <p:ph type="title"/>
+          </p:nvPr>
+        </p:nvSpPr>
+        <p:spPr/>
+        <p:txBody>
+          <a:bodyPr/>
+          <a:lstStyle/>
+          <a:p>
+            <a:r>
+              <a:rPr lang="en-US"/>
+              <a:t>Interaction terms</a:t>
+            </a:r>
+          </a:p>
+        </p:txBody>
+      </p:sp>
+      <p:sp>
+        <p:nvSpPr>
+          <p:cNvPr id="3" name="Content Placeholder 2">
+            <a:extLst>
+              <a:ext uri="{FF2B5EF4-FFF2-40B4-BE49-F238E27FC236}">
+                <a16:creationId xmlns:a16="http://schemas.microsoft.com/office/drawing/2014/main" id="{1CDA7F34-D13F-3CE9-E74F-A1C47F16D66B}"/>
+              </a:ext>
+            </a:extLst>
+          </p:cNvPr>
+          <p:cNvSpPr>
+            <a:spLocks noGrp="1"/>
+          </p:cNvSpPr>
+          <p:nvPr>
+            <p:ph idx="1"/>
+          </p:nvPr>
+        </p:nvSpPr>
+        <p:spPr/>
+        <p:txBody>
+          <a:bodyPr vert="horz" lIns="91440" tIns="45720" rIns="91440" bIns="45720" rtlCol="0" anchor="t">
+            <a:normAutofit/>
+          </a:bodyPr>
+          <a:lstStyle/>
+          <a:p>
+            <a:r>
+              <a:rPr lang="en-US"/>
+              <a:t>Regression looks at each variable account for all the others, if you think that there are two variables that contain more information when considering them together when separately (a synergistic effect) then you need an interaction term</a:t>
+            </a:r>
+          </a:p>
+          <a:p>
+            <a:r>
+              <a:rPr lang="en-US"/>
+              <a:t>An interaction term can be created using</a:t>
+            </a:r>
+          </a:p>
+          <a:p>
+            <a:pPr lvl="1">
+              <a:buFont typeface="Courier New" panose="020B0604020202020204" pitchFamily="34" charset="0"/>
+              <a:buChar char="o"/>
+            </a:pPr>
+            <a:r>
+              <a:rPr lang="en-US"/>
+              <a:t>V1 * V2 = V3 (interaction term)</a:t>
+            </a:r>
+          </a:p>
+          <a:p>
+            <a:r>
+              <a:rPr lang="en-US"/>
+              <a:t>If you include an interaction term (V3) then you need to include the constituents (V1 and V2) in your regression as well</a:t>
+            </a:r>
+          </a:p>
+        </p:txBody>
+      </p:sp>
+    </p:spTree>
+    <p:extLst>
+      <p:ext uri="{BB962C8B-B14F-4D97-AF65-F5344CB8AC3E}">
+        <p14:creationId xmlns:p14="http://schemas.microsoft.com/office/powerpoint/2010/main" val="3913351825"/>
+      </p:ext>
+    </p:extLst>
+  </p:cSld>
+  <p:clrMapOvr>
+    <a:masterClrMapping/>
+  </p:clrMapOvr>
+</p:sld>
+</file>
+
+<file path=ppt/slides/slide32.xml><?xml version="1.0" encoding="utf-8"?>
+<p:sld xmlns:a="http://schemas.openxmlformats.org/drawingml/2006/main" xmlns:r="http://schemas.openxmlformats.org/officeDocument/2006/relationships" xmlns:p="http://schemas.openxmlformats.org/presentationml/2006/main">
+  <p:cSld>
+    <p:spTree>
+      <p:nvGrpSpPr>
+        <p:cNvPr id="1" name="">
+          <a:extLst>
+            <a:ext uri="{FF2B5EF4-FFF2-40B4-BE49-F238E27FC236}">
+              <a16:creationId xmlns:a16="http://schemas.microsoft.com/office/drawing/2014/main" id="{8D18823F-8E83-30C0-B5A8-B1D1FF4274DE}"/>
+            </a:ext>
+          </a:extLst>
+        </p:cNvPr>
+        <p:cNvGrpSpPr/>
+        <p:nvPr/>
+      </p:nvGrpSpPr>
+      <p:grpSpPr>
+        <a:xfrm>
+          <a:off x="0" y="0"/>
+          <a:ext cx="0" cy="0"/>
+          <a:chOff x="0" y="0"/>
+          <a:chExt cx="0" cy="0"/>
+        </a:xfrm>
+      </p:grpSpPr>
+      <p:sp>
+        <p:nvSpPr>
+          <p:cNvPr id="2" name="Title 1">
+            <a:extLst>
+              <a:ext uri="{FF2B5EF4-FFF2-40B4-BE49-F238E27FC236}">
+                <a16:creationId xmlns:a16="http://schemas.microsoft.com/office/drawing/2014/main" id="{36230242-1DE0-4DC5-0154-81F58713C272}"/>
+              </a:ext>
+            </a:extLst>
+          </p:cNvPr>
+          <p:cNvSpPr>
+            <a:spLocks noGrp="1"/>
+          </p:cNvSpPr>
+          <p:nvPr>
+            <p:ph type="title"/>
+          </p:nvPr>
+        </p:nvSpPr>
+        <p:spPr/>
+        <p:txBody>
+          <a:bodyPr/>
+          <a:lstStyle/>
+          <a:p>
+            <a:r>
+              <a:rPr lang="en-US"/>
+              <a:t>Approaches to making a study</a:t>
+            </a:r>
+          </a:p>
+        </p:txBody>
+      </p:sp>
+      <p:sp>
+        <p:nvSpPr>
+          <p:cNvPr id="3" name="Content Placeholder 2">
+            <a:extLst>
+              <a:ext uri="{FF2B5EF4-FFF2-40B4-BE49-F238E27FC236}">
+                <a16:creationId xmlns:a16="http://schemas.microsoft.com/office/drawing/2014/main" id="{F9FDC234-F278-1448-5C05-320104AA7B61}"/>
+              </a:ext>
+            </a:extLst>
+          </p:cNvPr>
+          <p:cNvSpPr>
+            <a:spLocks noGrp="1"/>
+          </p:cNvSpPr>
+          <p:nvPr>
+            <p:ph idx="1"/>
+          </p:nvPr>
+        </p:nvSpPr>
+        <p:spPr/>
+        <p:txBody>
+          <a:bodyPr vert="horz" lIns="91440" tIns="45720" rIns="91440" bIns="45720" rtlCol="0" anchor="t">
+            <a:normAutofit/>
+          </a:bodyPr>
+          <a:lstStyle/>
+          <a:p>
+            <a:r>
+              <a:rPr lang="en-US"/>
+              <a:t>Try to have all of your measurements as close as possible</a:t>
+            </a:r>
+          </a:p>
+          <a:p>
+            <a:pPr lvl="1">
+              <a:buFont typeface="Courier New" panose="020B0604020202020204" pitchFamily="34" charset="0"/>
+              <a:buChar char="o"/>
+            </a:pPr>
+            <a:r>
+              <a:rPr lang="en-US"/>
+              <a:t>TTE and EKG are as close together as you can</a:t>
+            </a:r>
+          </a:p>
+          <a:p>
+            <a:r>
+              <a:rPr lang="en-US"/>
+              <a:t>Try to have your measurements across patients be at a similar point in time relatively speaking</a:t>
+            </a:r>
+          </a:p>
+          <a:p>
+            <a:pPr lvl="1">
+              <a:buFont typeface="Courier New" panose="020B0604020202020204" pitchFamily="34" charset="0"/>
+              <a:buChar char="o"/>
+            </a:pPr>
+            <a:r>
+              <a:rPr lang="en-US"/>
+              <a:t>Weight, labs, </a:t>
+            </a:r>
+            <a:r>
+              <a:rPr lang="en-US" err="1"/>
+              <a:t>etc</a:t>
+            </a:r>
+            <a:r>
+              <a:rPr lang="en-US"/>
+              <a:t> done at the time of cancer diagnosis</a:t>
+            </a:r>
+          </a:p>
+          <a:p>
+            <a:r>
+              <a:rPr lang="en-US"/>
+              <a:t>Power is only a problem if you don't have it</a:t>
+            </a:r>
+          </a:p>
+          <a:p>
+            <a:endParaRPr lang="en-US"/>
+          </a:p>
+        </p:txBody>
+      </p:sp>
+    </p:spTree>
+    <p:extLst>
+      <p:ext uri="{BB962C8B-B14F-4D97-AF65-F5344CB8AC3E}">
+        <p14:creationId xmlns:p14="http://schemas.microsoft.com/office/powerpoint/2010/main" val="1860609288"/>
+      </p:ext>
+    </p:extLst>
+  </p:cSld>
+  <p:clrMapOvr>
+    <a:masterClrMapping/>
+  </p:clrMapOvr>
+</p:sld>
+</file>
+
+<file path=ppt/slides/slide33.xml><?xml version="1.0" encoding="utf-8"?>
+<p:sld xmlns:a="http://schemas.openxmlformats.org/drawingml/2006/main" xmlns:r="http://schemas.openxmlformats.org/officeDocument/2006/relationships" xmlns:p="http://schemas.openxmlformats.org/presentationml/2006/main">
+  <p:cSld>
+    <p:spTree>
+      <p:nvGrpSpPr>
+        <p:cNvPr id="1" name=""/>
+        <p:cNvGrpSpPr/>
+        <p:nvPr/>
+      </p:nvGrpSpPr>
+      <p:grpSpPr>
+        <a:xfrm>
+          <a:off x="0" y="0"/>
+          <a:ext cx="0" cy="0"/>
+          <a:chOff x="0" y="0"/>
+          <a:chExt cx="0" cy="0"/>
+        </a:xfrm>
+      </p:grpSpPr>
+      <p:sp>
+        <p:nvSpPr>
+          <p:cNvPr id="2" name="Title 1">
+            <a:extLst>
+              <a:ext uri="{FF2B5EF4-FFF2-40B4-BE49-F238E27FC236}">
                 <a16:creationId xmlns:a16="http://schemas.microsoft.com/office/drawing/2014/main" id="{B964EF02-382E-48FD-1076-92A52D21EB9E}"/>
               </a:ext>
             </a:extLst>
@@ -7126,7 +7620,7 @@
           <a:lstStyle/>
           <a:p>
             <a:r>
-              <a:rPr lang="en-US" dirty="0"/>
+              <a:rPr lang="en-US"/>
               <a:t>Try to have all of your measurements as close as possible</a:t>
             </a:r>
           </a:p>
@@ -7136,13 +7630,13 @@
               <a:buChar char="o"/>
             </a:pPr>
             <a:r>
-              <a:rPr lang="en-US" dirty="0"/>
+              <a:rPr lang="en-US"/>
               <a:t>TTE and EKG are as close together as you can</a:t>
             </a:r>
           </a:p>
           <a:p>
             <a:r>
-              <a:rPr lang="en-US" dirty="0"/>
+              <a:rPr lang="en-US"/>
               <a:t>Try to have your measurements across patients be at a similar point in time relatively speaking</a:t>
             </a:r>
           </a:p>
@@ -7152,21 +7646,21 @@
               <a:buChar char="o"/>
             </a:pPr>
             <a:r>
-              <a:rPr lang="en-US" dirty="0"/>
+              <a:rPr lang="en-US"/>
               <a:t>Weight, labs, </a:t>
             </a:r>
             <a:r>
-              <a:rPr lang="en-US" dirty="0" err="1"/>
+              <a:rPr lang="en-US" err="1"/>
               <a:t>etc</a:t>
             </a:r>
             <a:r>
-              <a:rPr lang="en-US" dirty="0"/>
+              <a:rPr lang="en-US"/>
               <a:t> done at the time of cancer diagnosis</a:t>
             </a:r>
           </a:p>
           <a:p>
             <a:r>
-              <a:rPr lang="en-US" dirty="0"/>
+              <a:rPr lang="en-US"/>
               <a:t>Power is only a problem if you don't have it</a:t>
             </a:r>
           </a:p>
@@ -7176,12 +7670,12 @@
               <a:buChar char="o"/>
             </a:pPr>
             <a:r>
-              <a:rPr lang="en-US" dirty="0"/>
+              <a:rPr lang="en-US"/>
               <a:t>The chance you will find a significant difference between two groups if there is an actual difference between the two groups</a:t>
             </a:r>
           </a:p>
           <a:p>
-            <a:endParaRPr lang="en-US" dirty="0"/>
+            <a:endParaRPr lang="en-US"/>
           </a:p>
         </p:txBody>
       </p:sp>
@@ -7228,7 +7722,7 @@
 </p:sld>
 </file>
 
-<file path=ppt/slides/slide32.xml><?xml version="1.0" encoding="utf-8"?>
+<file path=ppt/slides/slide34.xml><?xml version="1.0" encoding="utf-8"?>
 <p:sld xmlns:a="http://schemas.openxmlformats.org/drawingml/2006/main" xmlns:r="http://schemas.openxmlformats.org/officeDocument/2006/relationships" xmlns:p="http://schemas.openxmlformats.org/presentationml/2006/main">
   <p:cSld>
     <p:spTree>
@@ -7297,7 +7791,7 @@
           <a:lstStyle/>
           <a:p>
             <a:r>
-              <a:rPr lang="en-US" dirty="0">
+              <a:rPr lang="en-US">
                 <a:ea typeface="+mn-lt"/>
                 <a:cs typeface="+mn-lt"/>
                 <a:hlinkClick r:id="rId2"/>
@@ -7311,7 +7805,7 @@
           </a:p>
           <a:p>
             <a:r>
-              <a:rPr lang="en-US" dirty="0"/>
+              <a:rPr lang="en-US"/>
               <a:t>HTS-dev96</a:t>
             </a:r>
           </a:p>
@@ -7360,311 +7854,6 @@
 </p:sld>
 </file>
 
-<file path=ppt/slides/slide33.xml><?xml version="1.0" encoding="utf-8"?>
-<p:sld xmlns:a="http://schemas.openxmlformats.org/drawingml/2006/main" xmlns:r="http://schemas.openxmlformats.org/officeDocument/2006/relationships" xmlns:p="http://schemas.openxmlformats.org/presentationml/2006/main">
-  <p:cSld>
-    <p:spTree>
-      <p:nvGrpSpPr>
-        <p:cNvPr id="1" name=""/>
-        <p:cNvGrpSpPr/>
-        <p:nvPr/>
-      </p:nvGrpSpPr>
-      <p:grpSpPr>
-        <a:xfrm>
-          <a:off x="0" y="0"/>
-          <a:ext cx="0" cy="0"/>
-          <a:chOff x="0" y="0"/>
-          <a:chExt cx="0" cy="0"/>
-        </a:xfrm>
-      </p:grpSpPr>
-      <p:sp>
-        <p:nvSpPr>
-          <p:cNvPr id="2" name="Title 1">
-            <a:extLst>
-              <a:ext uri="{FF2B5EF4-FFF2-40B4-BE49-F238E27FC236}">
-                <a16:creationId xmlns:a16="http://schemas.microsoft.com/office/drawing/2014/main" id="{7499F2E5-AABA-D06F-1ED4-A6E68D84E111}"/>
-              </a:ext>
-            </a:extLst>
-          </p:cNvPr>
-          <p:cNvSpPr>
-            <a:spLocks noGrp="1"/>
-          </p:cNvSpPr>
-          <p:nvPr>
-            <p:ph type="title"/>
-          </p:nvPr>
-        </p:nvSpPr>
-        <p:spPr/>
-        <p:txBody>
-          <a:bodyPr/>
-          <a:lstStyle/>
-          <a:p>
-            <a:r>
-              <a:rPr lang="en-US"/>
-              <a:t>Questions?</a:t>
-            </a:r>
-          </a:p>
-        </p:txBody>
-      </p:sp>
-      <p:sp>
-        <p:nvSpPr>
-          <p:cNvPr id="3" name="Content Placeholder 2">
-            <a:extLst>
-              <a:ext uri="{FF2B5EF4-FFF2-40B4-BE49-F238E27FC236}">
-                <a16:creationId xmlns:a16="http://schemas.microsoft.com/office/drawing/2014/main" id="{7CABA833-8A59-31AC-4EE7-46A91A326737}"/>
-              </a:ext>
-            </a:extLst>
-          </p:cNvPr>
-          <p:cNvSpPr>
-            <a:spLocks noGrp="1"/>
-          </p:cNvSpPr>
-          <p:nvPr>
-            <p:ph idx="1"/>
-          </p:nvPr>
-        </p:nvSpPr>
-        <p:spPr/>
-        <p:txBody>
-          <a:bodyPr/>
-          <a:lstStyle/>
-          <a:p>
-            <a:endParaRPr lang="en-US"/>
-          </a:p>
-        </p:txBody>
-      </p:sp>
-    </p:spTree>
-    <p:extLst>
-      <p:ext uri="{BB962C8B-B14F-4D97-AF65-F5344CB8AC3E}">
-        <p14:creationId xmlns:p14="http://schemas.microsoft.com/office/powerpoint/2010/main" val="3629025707"/>
-      </p:ext>
-    </p:extLst>
-  </p:cSld>
-  <p:clrMapOvr>
-    <a:masterClrMapping/>
-  </p:clrMapOvr>
-</p:sld>
-</file>
-
-<file path=ppt/slides/slide34.xml><?xml version="1.0" encoding="utf-8"?>
-<p:sld xmlns:a="http://schemas.openxmlformats.org/drawingml/2006/main" xmlns:r="http://schemas.openxmlformats.org/officeDocument/2006/relationships" xmlns:p="http://schemas.openxmlformats.org/presentationml/2006/main">
-  <p:cSld>
-    <p:spTree>
-      <p:nvGrpSpPr>
-        <p:cNvPr id="1" name=""/>
-        <p:cNvGrpSpPr/>
-        <p:nvPr/>
-      </p:nvGrpSpPr>
-      <p:grpSpPr>
-        <a:xfrm>
-          <a:off x="0" y="0"/>
-          <a:ext cx="0" cy="0"/>
-          <a:chOff x="0" y="0"/>
-          <a:chExt cx="0" cy="0"/>
-        </a:xfrm>
-      </p:grpSpPr>
-      <p:sp>
-        <p:nvSpPr>
-          <p:cNvPr id="2" name="Title 1">
-            <a:extLst>
-              <a:ext uri="{FF2B5EF4-FFF2-40B4-BE49-F238E27FC236}">
-                <a16:creationId xmlns:a16="http://schemas.microsoft.com/office/drawing/2014/main" id="{A763086E-878B-6952-4620-926C2B5B4078}"/>
-              </a:ext>
-            </a:extLst>
-          </p:cNvPr>
-          <p:cNvSpPr>
-            <a:spLocks noGrp="1"/>
-          </p:cNvSpPr>
-          <p:nvPr>
-            <p:ph type="title"/>
-          </p:nvPr>
-        </p:nvSpPr>
-        <p:spPr/>
-        <p:txBody>
-          <a:bodyPr/>
-          <a:lstStyle/>
-          <a:p>
-            <a:r>
-              <a:rPr lang="en-US" dirty="0"/>
-              <a:t>Good sources of more info</a:t>
-            </a:r>
-          </a:p>
-        </p:txBody>
-      </p:sp>
-      <p:sp>
-        <p:nvSpPr>
-          <p:cNvPr id="3" name="Content Placeholder 2">
-            <a:extLst>
-              <a:ext uri="{FF2B5EF4-FFF2-40B4-BE49-F238E27FC236}">
-                <a16:creationId xmlns:a16="http://schemas.microsoft.com/office/drawing/2014/main" id="{1A0AD6CC-44C9-C888-CCDA-E2B2397F7BC9}"/>
-              </a:ext>
-            </a:extLst>
-          </p:cNvPr>
-          <p:cNvSpPr>
-            <a:spLocks noGrp="1"/>
-          </p:cNvSpPr>
-          <p:nvPr>
-            <p:ph idx="1"/>
-          </p:nvPr>
-        </p:nvSpPr>
-        <p:spPr/>
-        <p:txBody>
-          <a:bodyPr vert="horz" lIns="91440" tIns="45720" rIns="91440" bIns="45720" rtlCol="0" anchor="t">
-            <a:normAutofit/>
-          </a:bodyPr>
-          <a:lstStyle/>
-          <a:p>
-            <a:r>
-              <a:rPr lang="en-US" dirty="0"/>
-              <a:t>Easy to understand basic stats: </a:t>
-            </a:r>
-            <a:r>
-              <a:rPr lang="en-US" dirty="0">
-                <a:ea typeface="+mn-lt"/>
-                <a:cs typeface="+mn-lt"/>
-                <a:hlinkClick r:id="rId2"/>
-              </a:rPr>
-              <a:t>Welcome to Statology.org</a:t>
-            </a:r>
-          </a:p>
-          <a:p>
-            <a:r>
-              <a:rPr lang="en-US" dirty="0">
-                <a:ea typeface="+mn-lt"/>
-                <a:cs typeface="+mn-lt"/>
-              </a:rPr>
-              <a:t>If not covered there: </a:t>
-            </a:r>
-            <a:r>
-              <a:rPr lang="en-US" dirty="0">
-                <a:ea typeface="+mn-lt"/>
-                <a:cs typeface="+mn-lt"/>
-                <a:hlinkClick r:id="rId3"/>
-              </a:rPr>
-              <a:t>Statistics How To: Elementary Statistics for the rest of us!</a:t>
-            </a:r>
-          </a:p>
-          <a:p>
-            <a:r>
-              <a:rPr lang="en-US" dirty="0">
-                <a:ea typeface="+mn-lt"/>
-                <a:cs typeface="+mn-lt"/>
-              </a:rPr>
-              <a:t>For R help</a:t>
-            </a:r>
-          </a:p>
-          <a:p>
-            <a:pPr lvl="1">
-              <a:buFont typeface="Courier New" panose="020B0604020202020204" pitchFamily="34" charset="0"/>
-              <a:buChar char="o"/>
-            </a:pPr>
-            <a:r>
-              <a:rPr lang="en-US" dirty="0">
-                <a:ea typeface="+mn-lt"/>
-                <a:cs typeface="+mn-lt"/>
-              </a:rPr>
-              <a:t>Many subreddits for R help r/</a:t>
-            </a:r>
-            <a:r>
-              <a:rPr lang="en-US" dirty="0" err="1">
-                <a:ea typeface="+mn-lt"/>
-                <a:cs typeface="+mn-lt"/>
-              </a:rPr>
-              <a:t>rstats</a:t>
-            </a:r>
-            <a:r>
-              <a:rPr lang="en-US" dirty="0">
-                <a:ea typeface="+mn-lt"/>
-                <a:cs typeface="+mn-lt"/>
-              </a:rPr>
-              <a:t>, r/</a:t>
-            </a:r>
-            <a:r>
-              <a:rPr lang="en-US" dirty="0" err="1">
-                <a:ea typeface="+mn-lt"/>
-                <a:cs typeface="+mn-lt"/>
-              </a:rPr>
-              <a:t>rstudio</a:t>
-            </a:r>
-            <a:r>
-              <a:rPr lang="en-US" dirty="0">
-                <a:ea typeface="+mn-lt"/>
-                <a:cs typeface="+mn-lt"/>
-              </a:rPr>
-              <a:t>, r/</a:t>
-            </a:r>
-            <a:r>
-              <a:rPr lang="en-US" dirty="0" err="1">
-                <a:ea typeface="+mn-lt"/>
-                <a:cs typeface="+mn-lt"/>
-              </a:rPr>
-              <a:t>rlanguage</a:t>
-            </a:r>
-            <a:r>
-              <a:rPr lang="en-US" dirty="0">
-                <a:ea typeface="+mn-lt"/>
-                <a:cs typeface="+mn-lt"/>
-              </a:rPr>
-              <a:t> </a:t>
-            </a:r>
-          </a:p>
-          <a:p>
-            <a:pPr lvl="1">
-              <a:buFont typeface="Courier New" panose="020B0604020202020204" pitchFamily="34" charset="0"/>
-              <a:buChar char="o"/>
-            </a:pPr>
-            <a:r>
-              <a:rPr lang="en-US" dirty="0">
-                <a:ea typeface="+mn-lt"/>
-                <a:cs typeface="+mn-lt"/>
-              </a:rPr>
-              <a:t>Google your error</a:t>
-            </a:r>
-          </a:p>
-          <a:p>
-            <a:pPr lvl="1">
-              <a:buFont typeface="Courier New" panose="020B0604020202020204" pitchFamily="34" charset="0"/>
-              <a:buChar char="o"/>
-            </a:pPr>
-            <a:r>
-              <a:rPr lang="en-US" dirty="0">
-                <a:ea typeface="+mn-lt"/>
-                <a:cs typeface="+mn-lt"/>
-              </a:rPr>
-              <a:t>?function or ?package</a:t>
-            </a:r>
-          </a:p>
-          <a:p>
-            <a:pPr lvl="1">
-              <a:buFont typeface="Courier New" panose="020B0604020202020204" pitchFamily="34" charset="0"/>
-              <a:buChar char="o"/>
-            </a:pPr>
-            <a:r>
-              <a:rPr lang="en-US" dirty="0">
-                <a:ea typeface="+mn-lt"/>
-                <a:cs typeface="+mn-lt"/>
-              </a:rPr>
-              <a:t>??function</a:t>
-            </a:r>
-          </a:p>
-          <a:p>
-            <a:endParaRPr lang="en-US" dirty="0">
-              <a:ea typeface="+mn-lt"/>
-              <a:cs typeface="+mn-lt"/>
-            </a:endParaRPr>
-          </a:p>
-        </p:txBody>
-      </p:sp>
-    </p:spTree>
-    <p:extLst>
-      <p:ext uri="{BB962C8B-B14F-4D97-AF65-F5344CB8AC3E}">
-        <p14:creationId xmlns:p14="http://schemas.microsoft.com/office/powerpoint/2010/main" val="3032211638"/>
-      </p:ext>
-    </p:extLst>
-  </p:cSld>
-  <p:clrMapOvr>
-    <a:masterClrMapping/>
-  </p:clrMapOvr>
-</p:sld>
-</file>
-
 <file path=ppt/slides/slide35.xml><?xml version="1.0" encoding="utf-8"?>
 <p:sld xmlns:a="http://schemas.openxmlformats.org/drawingml/2006/main" xmlns:r="http://schemas.openxmlformats.org/officeDocument/2006/relationships" xmlns:p="http://schemas.openxmlformats.org/presentationml/2006/main">
   <p:cSld>
@@ -7687,7 +7876,7 @@
           <p:cNvPr id="2" name="Title 1">
             <a:extLst>
               <a:ext uri="{FF2B5EF4-FFF2-40B4-BE49-F238E27FC236}">
-                <a16:creationId xmlns:a16="http://schemas.microsoft.com/office/drawing/2014/main" id="{E9D9848B-8B5E-E4F3-6387-D6CCAFA0757B}"/>
+                <a16:creationId xmlns:a16="http://schemas.microsoft.com/office/drawing/2014/main" id="{420E8E6C-CDDC-4F86-CA56-37D531B8F70B}"/>
               </a:ext>
             </a:extLst>
           </p:cNvPr>
@@ -7704,8 +7893,8 @@
           <a:lstStyle/>
           <a:p>
             <a:r>
-              <a:rPr lang="en-US" dirty="0"/>
-              <a:t>Posting on reddit for R help</a:t>
+              <a:rPr lang="en-US"/>
+              <a:t>R Demo</a:t>
             </a:r>
           </a:p>
         </p:txBody>
@@ -7715,7 +7904,7 @@
           <p:cNvPr id="3" name="Content Placeholder 2">
             <a:extLst>
               <a:ext uri="{FF2B5EF4-FFF2-40B4-BE49-F238E27FC236}">
-                <a16:creationId xmlns:a16="http://schemas.microsoft.com/office/drawing/2014/main" id="{E9778328-C693-3539-E2D8-4634A8D0550B}"/>
+                <a16:creationId xmlns:a16="http://schemas.microsoft.com/office/drawing/2014/main" id="{4FB4DE3C-4735-CB45-0754-756678A001CA}"/>
               </a:ext>
             </a:extLst>
           </p:cNvPr>
@@ -7728,54 +7917,17 @@
         </p:nvSpPr>
         <p:spPr/>
         <p:txBody>
-          <a:bodyPr vert="horz" lIns="91440" tIns="45720" rIns="91440" bIns="45720" rtlCol="0" anchor="t">
-            <a:normAutofit/>
-          </a:bodyPr>
-          <a:lstStyle/>
-          <a:p>
-            <a:r>
-              <a:rPr lang="en-US" dirty="0"/>
-              <a:t>Brief title</a:t>
-            </a:r>
-          </a:p>
-          <a:p>
-            <a:r>
-              <a:rPr lang="en-US" dirty="0"/>
-              <a:t>Copy paste code into the post, use the code box</a:t>
-            </a:r>
-          </a:p>
-          <a:p>
-            <a:r>
-              <a:rPr lang="en-US" dirty="0"/>
-              <a:t>Provide a small dataset so people can reproduce your problem</a:t>
-            </a:r>
-          </a:p>
-          <a:p>
-            <a:pPr lvl="1">
-              <a:buFont typeface="Courier New" panose="020B0604020202020204" pitchFamily="34" charset="0"/>
-              <a:buChar char="o"/>
-            </a:pPr>
-            <a:r>
-              <a:rPr lang="en-US" dirty="0"/>
-              <a:t>This needs to be coded in R usually using random number generation </a:t>
-            </a:r>
-          </a:p>
-          <a:p>
-            <a:r>
-              <a:rPr lang="en-US" dirty="0" err="1"/>
-              <a:t>Github</a:t>
-            </a:r>
-            <a:r>
-              <a:rPr lang="en-US" dirty="0"/>
-              <a:t> Copilot is your best bet for AI tools but ChatGPT can be very good for common issues and arranging your data</a:t>
-            </a:r>
+          <a:bodyPr/>
+          <a:lstStyle/>
+          <a:p>
+            <a:endParaRPr lang="en-US"/>
           </a:p>
         </p:txBody>
       </p:sp>
     </p:spTree>
     <p:extLst>
       <p:ext uri="{BB962C8B-B14F-4D97-AF65-F5344CB8AC3E}">
-        <p14:creationId xmlns:p14="http://schemas.microsoft.com/office/powerpoint/2010/main" val="2872033106"/>
+        <p14:creationId xmlns:p14="http://schemas.microsoft.com/office/powerpoint/2010/main" val="2069343237"/>
       </p:ext>
     </p:extLst>
   </p:cSld>
@@ -7807,7 +7959,7 @@
           <p:cNvPr id="2" name="Title 1">
             <a:extLst>
               <a:ext uri="{FF2B5EF4-FFF2-40B4-BE49-F238E27FC236}">
-                <a16:creationId xmlns:a16="http://schemas.microsoft.com/office/drawing/2014/main" id="{02E2957D-63BB-F9F0-A161-5A01B1A428E9}"/>
+                <a16:creationId xmlns:a16="http://schemas.microsoft.com/office/drawing/2014/main" id="{2FDBDAD2-75DB-FE49-107D-FD89030F7753}"/>
               </a:ext>
             </a:extLst>
           </p:cNvPr>
@@ -7824,8 +7976,8 @@
           <a:lstStyle/>
           <a:p>
             <a:r>
-              <a:rPr lang="en-US" dirty="0"/>
-              <a:t>Definitions</a:t>
+              <a:rPr lang="en-US"/>
+              <a:t>Installing R </a:t>
             </a:r>
           </a:p>
         </p:txBody>
@@ -7835,7 +7987,7 @@
           <p:cNvPr id="3" name="Content Placeholder 2">
             <a:extLst>
               <a:ext uri="{FF2B5EF4-FFF2-40B4-BE49-F238E27FC236}">
-                <a16:creationId xmlns:a16="http://schemas.microsoft.com/office/drawing/2014/main" id="{7C2CE526-B722-70B0-CA75-946ACAD04925}"/>
+                <a16:creationId xmlns:a16="http://schemas.microsoft.com/office/drawing/2014/main" id="{83AD8228-E13A-85B4-71F3-64D3AD1019E3}"/>
               </a:ext>
             </a:extLst>
           </p:cNvPr>
@@ -7849,64 +8001,51 @@
         <p:spPr/>
         <p:txBody>
           <a:bodyPr vert="horz" lIns="91440" tIns="45720" rIns="91440" bIns="45720" rtlCol="0" anchor="t">
-            <a:normAutofit lnSpcReduction="10000"/>
+            <a:normAutofit/>
           </a:bodyPr>
           <a:lstStyle/>
           <a:p>
             <a:r>
-              <a:rPr lang="en-US" dirty="0"/>
-              <a:t>Parametric test: Makes assumptions about the data to make the math easy</a:t>
-            </a:r>
-          </a:p>
-          <a:p>
-            <a:r>
-              <a:rPr lang="en-US" dirty="0"/>
-              <a:t>Nonparametric test: Doesn't make assumptions about the data</a:t>
-            </a:r>
-          </a:p>
-          <a:p>
-            <a:r>
-              <a:rPr lang="en-US" dirty="0"/>
-              <a:t>Factor/categorical variable: A variable where there are multiple options and can be yes/no or levels within a category </a:t>
-            </a:r>
-          </a:p>
-          <a:p>
-            <a:r>
-              <a:rPr lang="en-US" dirty="0"/>
-              <a:t>Continuous variable: The changes between the values are consistent, 1-&gt;2 is the same as 2-&gt;3</a:t>
-            </a:r>
-          </a:p>
-          <a:p>
-            <a:r>
-              <a:rPr lang="en-US" dirty="0"/>
-              <a:t>Ordinal variables: Similar to continuous but the relationship between the values is unknown, e.g. </a:t>
-            </a:r>
-            <a:r>
-              <a:rPr lang="en-US" dirty="0" err="1"/>
-              <a:t>likert</a:t>
-            </a:r>
-            <a:r>
-              <a:rPr lang="en-US" dirty="0"/>
-              <a:t> scale (satisfied, dissatisfied, </a:t>
-            </a:r>
-            <a:r>
-              <a:rPr lang="en-US" dirty="0" err="1"/>
-              <a:t>etc</a:t>
-            </a:r>
-            <a:r>
-              <a:rPr lang="en-US" dirty="0"/>
-              <a:t>)</a:t>
-            </a:r>
-          </a:p>
-          <a:p>
-            <a:endParaRPr lang="en-US" dirty="0"/>
+              <a:rPr lang="en-US"/>
+              <a:t>Download R studio: </a:t>
+            </a:r>
+            <a:r>
+              <a:rPr lang="en-US">
+                <a:ea typeface="+mn-lt"/>
+                <a:cs typeface="+mn-lt"/>
+                <a:hlinkClick r:id="rId2"/>
+              </a:rPr>
+              <a:t>Download RStudio - Posit</a:t>
+            </a:r>
+            <a:endParaRPr lang="en-US">
+              <a:ea typeface="+mn-lt"/>
+              <a:cs typeface="+mn-lt"/>
+            </a:endParaRPr>
+          </a:p>
+          <a:p>
+            <a:r>
+              <a:rPr lang="en-US"/>
+              <a:t>Download R: </a:t>
+            </a:r>
+            <a:r>
+              <a:rPr lang="en-US">
+                <a:ea typeface="+mn-lt"/>
+                <a:cs typeface="+mn-lt"/>
+                <a:hlinkClick r:id="rId3"/>
+              </a:rPr>
+              <a:t>The Comprehensive R Archive Network</a:t>
+            </a:r>
+            <a:r>
+              <a:rPr lang="en-US"/>
+              <a:t> </a:t>
+            </a:r>
           </a:p>
         </p:txBody>
       </p:sp>
     </p:spTree>
     <p:extLst>
       <p:ext uri="{BB962C8B-B14F-4D97-AF65-F5344CB8AC3E}">
-        <p14:creationId xmlns:p14="http://schemas.microsoft.com/office/powerpoint/2010/main" val="804804665"/>
+        <p14:creationId xmlns:p14="http://schemas.microsoft.com/office/powerpoint/2010/main" val="3924422529"/>
       </p:ext>
     </p:extLst>
   </p:cSld>
@@ -7938,7 +8077,7 @@
           <p:cNvPr id="2" name="Title 1">
             <a:extLst>
               <a:ext uri="{FF2B5EF4-FFF2-40B4-BE49-F238E27FC236}">
-                <a16:creationId xmlns:a16="http://schemas.microsoft.com/office/drawing/2014/main" id="{2FDBDAD2-75DB-FE49-107D-FD89030F7753}"/>
+                <a16:creationId xmlns:a16="http://schemas.microsoft.com/office/drawing/2014/main" id="{7499F2E5-AABA-D06F-1ED4-A6E68D84E111}"/>
               </a:ext>
             </a:extLst>
           </p:cNvPr>
@@ -7955,8 +8094,8 @@
           <a:lstStyle/>
           <a:p>
             <a:r>
-              <a:rPr lang="en-US" dirty="0"/>
-              <a:t>Installing R </a:t>
+              <a:rPr lang="en-US"/>
+              <a:t>Questions?</a:t>
             </a:r>
           </a:p>
         </p:txBody>
@@ -7966,7 +8105,7 @@
           <p:cNvPr id="3" name="Content Placeholder 2">
             <a:extLst>
               <a:ext uri="{FF2B5EF4-FFF2-40B4-BE49-F238E27FC236}">
-                <a16:creationId xmlns:a16="http://schemas.microsoft.com/office/drawing/2014/main" id="{83AD8228-E13A-85B4-71F3-64D3AD1019E3}"/>
+                <a16:creationId xmlns:a16="http://schemas.microsoft.com/office/drawing/2014/main" id="{7CABA833-8A59-31AC-4EE7-46A91A326737}"/>
               </a:ext>
             </a:extLst>
           </p:cNvPr>
@@ -7979,52 +8118,17 @@
         </p:nvSpPr>
         <p:spPr/>
         <p:txBody>
-          <a:bodyPr vert="horz" lIns="91440" tIns="45720" rIns="91440" bIns="45720" rtlCol="0" anchor="t">
-            <a:normAutofit/>
-          </a:bodyPr>
-          <a:lstStyle/>
-          <a:p>
-            <a:r>
-              <a:rPr lang="en-US" dirty="0"/>
-              <a:t>Download R studio: </a:t>
-            </a:r>
-            <a:r>
-              <a:rPr lang="en-US" dirty="0">
-                <a:ea typeface="+mn-lt"/>
-                <a:cs typeface="+mn-lt"/>
-                <a:hlinkClick r:id="rId2"/>
-              </a:rPr>
-              <a:t>Download RStudio - Posit</a:t>
-            </a:r>
-            <a:endParaRPr lang="en-US">
-              <a:ea typeface="+mn-lt"/>
-              <a:cs typeface="+mn-lt"/>
-            </a:endParaRPr>
-          </a:p>
-          <a:p>
-            <a:r>
-              <a:rPr lang="en-US"/>
-              <a:t>Download R: </a:t>
-            </a:r>
-            <a:r>
-              <a:rPr lang="en-US" dirty="0">
-                <a:ea typeface="+mn-lt"/>
-                <a:cs typeface="+mn-lt"/>
-                <a:hlinkClick r:id="rId3"/>
-              </a:rPr>
-              <a:t>The Comprehensive R Archive Network</a:t>
-            </a:r>
-            <a:r>
-              <a:rPr lang="en-US" dirty="0"/>
-              <a:t> </a:t>
-            </a:r>
+          <a:bodyPr/>
+          <a:lstStyle/>
+          <a:p>
+            <a:endParaRPr lang="en-US"/>
           </a:p>
         </p:txBody>
       </p:sp>
     </p:spTree>
     <p:extLst>
       <p:ext uri="{BB962C8B-B14F-4D97-AF65-F5344CB8AC3E}">
-        <p14:creationId xmlns:p14="http://schemas.microsoft.com/office/powerpoint/2010/main" val="3924422529"/>
+        <p14:creationId xmlns:p14="http://schemas.microsoft.com/office/powerpoint/2010/main" val="3629025707"/>
       </p:ext>
     </p:extLst>
   </p:cSld>
@@ -8035,7 +8139,7 @@
 </file>
 
 <file path=ppt/slides/slide38.xml><?xml version="1.0" encoding="utf-8"?>
-<p:sld xmlns:a="http://schemas.openxmlformats.org/drawingml/2006/main" xmlns:r="http://schemas.openxmlformats.org/officeDocument/2006/relationships" xmlns:p="http://schemas.openxmlformats.org/presentationml/2006/main" show="0">
+<p:sld xmlns:a="http://schemas.openxmlformats.org/drawingml/2006/main" xmlns:r="http://schemas.openxmlformats.org/officeDocument/2006/relationships" xmlns:p="http://schemas.openxmlformats.org/presentationml/2006/main">
   <p:cSld>
     <p:spTree>
       <p:nvGrpSpPr>
@@ -8056,7 +8160,7 @@
           <p:cNvPr id="2" name="Title 1">
             <a:extLst>
               <a:ext uri="{FF2B5EF4-FFF2-40B4-BE49-F238E27FC236}">
-                <a16:creationId xmlns:a16="http://schemas.microsoft.com/office/drawing/2014/main" id="{7499F2E5-AABA-D06F-1ED4-A6E68D84E111}"/>
+                <a16:creationId xmlns:a16="http://schemas.microsoft.com/office/drawing/2014/main" id="{E9D9848B-8B5E-E4F3-6387-D6CCAFA0757B}"/>
               </a:ext>
             </a:extLst>
           </p:cNvPr>
@@ -8074,7 +8178,7 @@
           <a:p>
             <a:r>
               <a:rPr lang="en-US"/>
-              <a:t>Questions?</a:t>
+              <a:t>Posting on reddit for R help</a:t>
             </a:r>
           </a:p>
         </p:txBody>
@@ -8084,7 +8188,7 @@
           <p:cNvPr id="3" name="Content Placeholder 2">
             <a:extLst>
               <a:ext uri="{FF2B5EF4-FFF2-40B4-BE49-F238E27FC236}">
-                <a16:creationId xmlns:a16="http://schemas.microsoft.com/office/drawing/2014/main" id="{7CABA833-8A59-31AC-4EE7-46A91A326737}"/>
+                <a16:creationId xmlns:a16="http://schemas.microsoft.com/office/drawing/2014/main" id="{E9778328-C693-3539-E2D8-4634A8D0550B}"/>
               </a:ext>
             </a:extLst>
           </p:cNvPr>
@@ -8103,8 +8207,20 @@
           <a:lstStyle/>
           <a:p>
             <a:r>
-              <a:rPr lang="en-US" dirty="0"/>
-              <a:t>If there's interest I can do a part 2 about other stats topics if ppl are interested</a:t>
+              <a:rPr lang="en-US"/>
+              <a:t>Brief title</a:t>
+            </a:r>
+          </a:p>
+          <a:p>
+            <a:r>
+              <a:rPr lang="en-US"/>
+              <a:t>Copy paste code into the post, use the code box</a:t>
+            </a:r>
+          </a:p>
+          <a:p>
+            <a:r>
+              <a:rPr lang="en-US"/>
+              <a:t>Provide a small dataset so people can reproduce your problem</a:t>
             </a:r>
           </a:p>
           <a:p>
@@ -8113,86 +8229,150 @@
               <a:buChar char="o"/>
             </a:pPr>
             <a:r>
-              <a:rPr lang="en-US" dirty="0"/>
-              <a:t>Graphing</a:t>
-            </a:r>
-          </a:p>
-          <a:p>
-            <a:pPr lvl="1">
-              <a:buFont typeface="Courier New" panose="020B0604020202020204" pitchFamily="34" charset="0"/>
-              <a:buChar char="o"/>
-            </a:pPr>
-            <a:r>
-              <a:rPr lang="en-US" dirty="0"/>
-              <a:t>Power calculation</a:t>
-            </a:r>
-          </a:p>
-          <a:p>
-            <a:pPr lvl="1">
-              <a:buFont typeface="Courier New" panose="020B0604020202020204" pitchFamily="34" charset="0"/>
-              <a:buChar char="o"/>
-            </a:pPr>
-            <a:r>
-              <a:rPr lang="en-US" dirty="0"/>
-              <a:t>Machine learning regression</a:t>
-            </a:r>
-          </a:p>
-          <a:p>
-            <a:pPr lvl="1">
-              <a:buFont typeface="Courier New" panose="020B0604020202020204" pitchFamily="34" charset="0"/>
-              <a:buChar char="o"/>
-            </a:pPr>
-            <a:r>
-              <a:rPr lang="en-US" dirty="0"/>
-              <a:t>Matching techniques</a:t>
-            </a:r>
-          </a:p>
-          <a:p>
-            <a:pPr lvl="1">
-              <a:buFont typeface="Courier New" panose="020B0604020202020204" pitchFamily="34" charset="0"/>
-              <a:buChar char="o"/>
-            </a:pPr>
-            <a:r>
-              <a:rPr lang="en-US" dirty="0"/>
-              <a:t>Bioinformatics</a:t>
-            </a:r>
-          </a:p>
-          <a:p>
-            <a:pPr lvl="1">
-              <a:buFont typeface="Courier New" panose="020B0604020202020204" pitchFamily="34" charset="0"/>
-              <a:buChar char="o"/>
-            </a:pPr>
-            <a:r>
-              <a:rPr lang="en-US" dirty="0"/>
-              <a:t>Prediction/regression model characteristics</a:t>
-            </a:r>
-          </a:p>
-          <a:p>
-            <a:pPr lvl="1">
-              <a:buFont typeface="Courier New" panose="020B0604020202020204" pitchFamily="34" charset="0"/>
-              <a:buChar char="o"/>
-            </a:pPr>
-            <a:r>
-              <a:rPr lang="en-US" dirty="0"/>
-              <a:t>Cut-off point analysis for a new diagnostic test </a:t>
-            </a:r>
-          </a:p>
-          <a:p>
-            <a:pPr lvl="1">
-              <a:buFont typeface="Courier New" panose="020B0604020202020204" pitchFamily="34" charset="0"/>
-              <a:buChar char="o"/>
-            </a:pPr>
-            <a:r>
-              <a:rPr lang="en-US" dirty="0" err="1"/>
-              <a:t>etc</a:t>
-            </a:r>
+              <a:rPr lang="en-US"/>
+              <a:t>This needs to be coded in R usually using random number generation </a:t>
+            </a:r>
+          </a:p>
+          <a:p>
+            <a:endParaRPr lang="en-US"/>
           </a:p>
         </p:txBody>
       </p:sp>
     </p:spTree>
     <p:extLst>
       <p:ext uri="{BB962C8B-B14F-4D97-AF65-F5344CB8AC3E}">
-        <p14:creationId xmlns:p14="http://schemas.microsoft.com/office/powerpoint/2010/main" val="817505455"/>
+        <p14:creationId xmlns:p14="http://schemas.microsoft.com/office/powerpoint/2010/main" val="2872033106"/>
+      </p:ext>
+    </p:extLst>
+  </p:cSld>
+  <p:clrMapOvr>
+    <a:masterClrMapping/>
+  </p:clrMapOvr>
+</p:sld>
+</file>
+
+<file path=ppt/slides/slide39.xml><?xml version="1.0" encoding="utf-8"?>
+<p:sld xmlns:a="http://schemas.openxmlformats.org/drawingml/2006/main" xmlns:r="http://schemas.openxmlformats.org/officeDocument/2006/relationships" xmlns:p="http://schemas.openxmlformats.org/presentationml/2006/main">
+  <p:cSld>
+    <p:spTree>
+      <p:nvGrpSpPr>
+        <p:cNvPr id="1" name=""/>
+        <p:cNvGrpSpPr/>
+        <p:nvPr/>
+      </p:nvGrpSpPr>
+      <p:grpSpPr>
+        <a:xfrm>
+          <a:off x="0" y="0"/>
+          <a:ext cx="0" cy="0"/>
+          <a:chOff x="0" y="0"/>
+          <a:chExt cx="0" cy="0"/>
+        </a:xfrm>
+      </p:grpSpPr>
+      <p:sp>
+        <p:nvSpPr>
+          <p:cNvPr id="2" name="Title 1">
+            <a:extLst>
+              <a:ext uri="{FF2B5EF4-FFF2-40B4-BE49-F238E27FC236}">
+                <a16:creationId xmlns:a16="http://schemas.microsoft.com/office/drawing/2014/main" id="{02E2957D-63BB-F9F0-A161-5A01B1A428E9}"/>
+              </a:ext>
+            </a:extLst>
+          </p:cNvPr>
+          <p:cNvSpPr>
+            <a:spLocks noGrp="1"/>
+          </p:cNvSpPr>
+          <p:nvPr>
+            <p:ph type="title"/>
+          </p:nvPr>
+        </p:nvSpPr>
+        <p:spPr/>
+        <p:txBody>
+          <a:bodyPr/>
+          <a:lstStyle/>
+          <a:p>
+            <a:r>
+              <a:rPr lang="en-US"/>
+              <a:t>Definitions</a:t>
+            </a:r>
+          </a:p>
+        </p:txBody>
+      </p:sp>
+      <p:sp>
+        <p:nvSpPr>
+          <p:cNvPr id="3" name="Content Placeholder 2">
+            <a:extLst>
+              <a:ext uri="{FF2B5EF4-FFF2-40B4-BE49-F238E27FC236}">
+                <a16:creationId xmlns:a16="http://schemas.microsoft.com/office/drawing/2014/main" id="{7C2CE526-B722-70B0-CA75-946ACAD04925}"/>
+              </a:ext>
+            </a:extLst>
+          </p:cNvPr>
+          <p:cNvSpPr>
+            <a:spLocks noGrp="1"/>
+          </p:cNvSpPr>
+          <p:nvPr>
+            <p:ph idx="1"/>
+          </p:nvPr>
+        </p:nvSpPr>
+        <p:spPr/>
+        <p:txBody>
+          <a:bodyPr vert="horz" lIns="91440" tIns="45720" rIns="91440" bIns="45720" rtlCol="0" anchor="t">
+            <a:normAutofit lnSpcReduction="10000"/>
+          </a:bodyPr>
+          <a:lstStyle/>
+          <a:p>
+            <a:r>
+              <a:rPr lang="en-US"/>
+              <a:t>Parametric test: Makes assumptions about the data to make the math easy</a:t>
+            </a:r>
+          </a:p>
+          <a:p>
+            <a:r>
+              <a:rPr lang="en-US"/>
+              <a:t>Nonparametric test: Doesn't make assumptions about the data</a:t>
+            </a:r>
+          </a:p>
+          <a:p>
+            <a:r>
+              <a:rPr lang="en-US"/>
+              <a:t>Factor/categorical variable: A variable where there are multiple options and can be yes/no or levels within a category </a:t>
+            </a:r>
+          </a:p>
+          <a:p>
+            <a:r>
+              <a:rPr lang="en-US"/>
+              <a:t>Continuous variable: The changes between the values are consistent, 1-&gt;2 is the same as 2-&gt;3</a:t>
+            </a:r>
+          </a:p>
+          <a:p>
+            <a:r>
+              <a:rPr lang="en-US"/>
+              <a:t>Ordinal variables: Similar to continuous but the relationship between the values is unknown, e.g. </a:t>
+            </a:r>
+            <a:r>
+              <a:rPr lang="en-US" err="1"/>
+              <a:t>likert</a:t>
+            </a:r>
+            <a:r>
+              <a:rPr lang="en-US"/>
+              <a:t> scale (satisfied, dissatisfied, </a:t>
+            </a:r>
+            <a:r>
+              <a:rPr lang="en-US" err="1"/>
+              <a:t>etc</a:t>
+            </a:r>
+            <a:r>
+              <a:rPr lang="en-US"/>
+              <a:t>)</a:t>
+            </a:r>
+          </a:p>
+          <a:p>
+            <a:endParaRPr lang="en-US"/>
+          </a:p>
+        </p:txBody>
+      </p:sp>
+    </p:spTree>
+    <p:extLst>
+      <p:ext uri="{BB962C8B-B14F-4D97-AF65-F5344CB8AC3E}">
+        <p14:creationId xmlns:p14="http://schemas.microsoft.com/office/powerpoint/2010/main" val="804804665"/>
       </p:ext>
     </p:extLst>
   </p:cSld>
@@ -8279,35 +8459,35 @@
           <a:p>
             <a:pPr marL="457200" indent="-457200"/>
             <a:r>
-              <a:rPr lang="en-US" dirty="0"/>
+              <a:rPr lang="en-US"/>
               <a:t>Where to get more help</a:t>
             </a:r>
           </a:p>
           <a:p>
             <a:pPr marL="457200" indent="-457200"/>
             <a:r>
-              <a:rPr lang="en-US" dirty="0"/>
+              <a:rPr lang="en-US"/>
               <a:t>Steps to finding what analysis to do</a:t>
             </a:r>
           </a:p>
           <a:p>
             <a:pPr marL="457200" indent="-457200"/>
             <a:r>
-              <a:rPr lang="en-US" dirty="0"/>
+              <a:rPr lang="en-US"/>
               <a:t>How to prep your data for R</a:t>
             </a:r>
           </a:p>
           <a:p>
             <a:pPr marL="457200" indent="-457200"/>
             <a:r>
-              <a:rPr lang="en-US" dirty="0"/>
+              <a:rPr lang="en-US"/>
               <a:t>Misc additional info</a:t>
             </a:r>
           </a:p>
           <a:p>
             <a:pPr marL="457200" indent="-457200"/>
             <a:r>
-              <a:rPr lang="en-US" dirty="0"/>
+              <a:rPr lang="en-US"/>
               <a:t>Link to my </a:t>
             </a:r>
             <a:r>
@@ -8317,10 +8497,10 @@
             <a:endParaRPr lang="en-US"/>
           </a:p>
           <a:p>
-            <a:endParaRPr lang="en-US" dirty="0"/>
-          </a:p>
-          <a:p>
-            <a:endParaRPr lang="en-US" dirty="0"/>
+            <a:endParaRPr lang="en-US"/>
+          </a:p>
+          <a:p>
+            <a:endParaRPr lang="en-US"/>
           </a:p>
         </p:txBody>
       </p:sp>
@@ -8367,6 +8547,174 @@
 </p:sld>
 </file>
 
+<file path=ppt/slides/slide40.xml><?xml version="1.0" encoding="utf-8"?>
+<p:sld xmlns:a="http://schemas.openxmlformats.org/drawingml/2006/main" xmlns:r="http://schemas.openxmlformats.org/officeDocument/2006/relationships" xmlns:p="http://schemas.openxmlformats.org/presentationml/2006/main" show="0">
+  <p:cSld>
+    <p:spTree>
+      <p:nvGrpSpPr>
+        <p:cNvPr id="1" name=""/>
+        <p:cNvGrpSpPr/>
+        <p:nvPr/>
+      </p:nvGrpSpPr>
+      <p:grpSpPr>
+        <a:xfrm>
+          <a:off x="0" y="0"/>
+          <a:ext cx="0" cy="0"/>
+          <a:chOff x="0" y="0"/>
+          <a:chExt cx="0" cy="0"/>
+        </a:xfrm>
+      </p:grpSpPr>
+      <p:sp>
+        <p:nvSpPr>
+          <p:cNvPr id="2" name="Title 1">
+            <a:extLst>
+              <a:ext uri="{FF2B5EF4-FFF2-40B4-BE49-F238E27FC236}">
+                <a16:creationId xmlns:a16="http://schemas.microsoft.com/office/drawing/2014/main" id="{7499F2E5-AABA-D06F-1ED4-A6E68D84E111}"/>
+              </a:ext>
+            </a:extLst>
+          </p:cNvPr>
+          <p:cNvSpPr>
+            <a:spLocks noGrp="1"/>
+          </p:cNvSpPr>
+          <p:nvPr>
+            <p:ph type="title"/>
+          </p:nvPr>
+        </p:nvSpPr>
+        <p:spPr/>
+        <p:txBody>
+          <a:bodyPr/>
+          <a:lstStyle/>
+          <a:p>
+            <a:r>
+              <a:rPr lang="en-US"/>
+              <a:t>Questions?</a:t>
+            </a:r>
+          </a:p>
+        </p:txBody>
+      </p:sp>
+      <p:sp>
+        <p:nvSpPr>
+          <p:cNvPr id="3" name="Content Placeholder 2">
+            <a:extLst>
+              <a:ext uri="{FF2B5EF4-FFF2-40B4-BE49-F238E27FC236}">
+                <a16:creationId xmlns:a16="http://schemas.microsoft.com/office/drawing/2014/main" id="{7CABA833-8A59-31AC-4EE7-46A91A326737}"/>
+              </a:ext>
+            </a:extLst>
+          </p:cNvPr>
+          <p:cNvSpPr>
+            <a:spLocks noGrp="1"/>
+          </p:cNvSpPr>
+          <p:nvPr>
+            <p:ph idx="1"/>
+          </p:nvPr>
+        </p:nvSpPr>
+        <p:spPr/>
+        <p:txBody>
+          <a:bodyPr vert="horz" lIns="91440" tIns="45720" rIns="91440" bIns="45720" rtlCol="0" anchor="t">
+            <a:normAutofit/>
+          </a:bodyPr>
+          <a:lstStyle/>
+          <a:p>
+            <a:r>
+              <a:rPr lang="en-US"/>
+              <a:t>If there's interest I can do a part 2 about other stats topics if ppl are interested</a:t>
+            </a:r>
+          </a:p>
+          <a:p>
+            <a:pPr lvl="1">
+              <a:buFont typeface="Courier New" panose="020B0604020202020204" pitchFamily="34" charset="0"/>
+              <a:buChar char="o"/>
+            </a:pPr>
+            <a:r>
+              <a:rPr lang="en-US"/>
+              <a:t>Graphing</a:t>
+            </a:r>
+          </a:p>
+          <a:p>
+            <a:pPr lvl="1">
+              <a:buFont typeface="Courier New" panose="020B0604020202020204" pitchFamily="34" charset="0"/>
+              <a:buChar char="o"/>
+            </a:pPr>
+            <a:r>
+              <a:rPr lang="en-US"/>
+              <a:t>Power calculation</a:t>
+            </a:r>
+          </a:p>
+          <a:p>
+            <a:pPr lvl="1">
+              <a:buFont typeface="Courier New" panose="020B0604020202020204" pitchFamily="34" charset="0"/>
+              <a:buChar char="o"/>
+            </a:pPr>
+            <a:r>
+              <a:rPr lang="en-US"/>
+              <a:t>Machine learning regression</a:t>
+            </a:r>
+          </a:p>
+          <a:p>
+            <a:pPr lvl="1">
+              <a:buFont typeface="Courier New" panose="020B0604020202020204" pitchFamily="34" charset="0"/>
+              <a:buChar char="o"/>
+            </a:pPr>
+            <a:r>
+              <a:rPr lang="en-US"/>
+              <a:t>Matching techniques</a:t>
+            </a:r>
+          </a:p>
+          <a:p>
+            <a:pPr lvl="1">
+              <a:buFont typeface="Courier New" panose="020B0604020202020204" pitchFamily="34" charset="0"/>
+              <a:buChar char="o"/>
+            </a:pPr>
+            <a:r>
+              <a:rPr lang="en-US"/>
+              <a:t>Bioinformatics</a:t>
+            </a:r>
+          </a:p>
+          <a:p>
+            <a:pPr lvl="1">
+              <a:buFont typeface="Courier New" panose="020B0604020202020204" pitchFamily="34" charset="0"/>
+              <a:buChar char="o"/>
+            </a:pPr>
+            <a:r>
+              <a:rPr lang="en-US"/>
+              <a:t>Prediction/regression model characteristics</a:t>
+            </a:r>
+          </a:p>
+          <a:p>
+            <a:pPr lvl="1">
+              <a:buFont typeface="Courier New" panose="020B0604020202020204" pitchFamily="34" charset="0"/>
+              <a:buChar char="o"/>
+            </a:pPr>
+            <a:r>
+              <a:rPr lang="en-US"/>
+              <a:t>Cut-off point analysis for a new diagnostic test </a:t>
+            </a:r>
+          </a:p>
+          <a:p>
+            <a:pPr lvl="1">
+              <a:buFont typeface="Courier New" panose="020B0604020202020204" pitchFamily="34" charset="0"/>
+              <a:buChar char="o"/>
+            </a:pPr>
+            <a:r>
+              <a:rPr lang="en-US" err="1"/>
+              <a:t>etc</a:t>
+            </a:r>
+          </a:p>
+        </p:txBody>
+      </p:sp>
+    </p:spTree>
+    <p:extLst>
+      <p:ext uri="{BB962C8B-B14F-4D97-AF65-F5344CB8AC3E}">
+        <p14:creationId xmlns:p14="http://schemas.microsoft.com/office/powerpoint/2010/main" val="817505455"/>
+      </p:ext>
+    </p:extLst>
+  </p:cSld>
+  <p:clrMapOvr>
+    <a:masterClrMapping/>
+  </p:clrMapOvr>
+</p:sld>
+</file>
+
 <file path=ppt/slides/slide5.xml><?xml version="1.0" encoding="utf-8"?>
 <p:sld xmlns:a="http://schemas.openxmlformats.org/drawingml/2006/main" xmlns:r="http://schemas.openxmlformats.org/officeDocument/2006/relationships" xmlns:p="http://schemas.openxmlformats.org/presentationml/2006/main">
   <p:cSld>
@@ -8406,8 +8754,8 @@
           <a:lstStyle/>
           <a:p>
             <a:r>
-              <a:rPr lang="en-US" dirty="0"/>
-              <a:t>Alternatives: Prism and Excel </a:t>
+              <a:rPr lang="en-US"/>
+              <a:t>Alternatives: Prism, SPSS, Excel </a:t>
             </a:r>
           </a:p>
         </p:txBody>
@@ -8436,19 +8784,19 @@
           <a:lstStyle/>
           <a:p>
             <a:r>
-              <a:rPr lang="en-US" dirty="0"/>
-              <a:t>Jefferson can get you a license for free</a:t>
-            </a:r>
-          </a:p>
-          <a:p>
-            <a:r>
-              <a:rPr lang="en-US" dirty="0"/>
+              <a:rPr lang="en-US"/>
+              <a:t>Dependent on a license, currently for free</a:t>
+            </a:r>
+          </a:p>
+          <a:p>
+            <a:r>
+              <a:rPr lang="en-US"/>
               <a:t>The statistics are all done via drop down menus</a:t>
             </a:r>
           </a:p>
           <a:p>
             <a:r>
-              <a:rPr lang="en-US" dirty="0"/>
+              <a:rPr lang="en-US"/>
               <a:t>You cannot format your data in the software</a:t>
             </a:r>
           </a:p>
@@ -8458,13 +8806,13 @@
               <a:buChar char="o"/>
             </a:pPr>
             <a:r>
-              <a:rPr lang="en-US" dirty="0"/>
+              <a:rPr lang="en-US"/>
               <a:t>need to do in excel and needs weird formats</a:t>
             </a:r>
           </a:p>
           <a:p>
             <a:r>
-              <a:rPr lang="en-US" dirty="0"/>
+              <a:rPr lang="en-US"/>
               <a:t>Easy to make professional graphs (Prism only)</a:t>
             </a:r>
           </a:p>
@@ -8474,13 +8822,13 @@
               <a:buChar char="o"/>
             </a:pPr>
             <a:r>
-              <a:rPr lang="en-US" dirty="0"/>
+              <a:rPr lang="en-US"/>
               <a:t>Hard to modify to what you need </a:t>
             </a:r>
           </a:p>
           <a:p>
             <a:r>
-              <a:rPr lang="en-US" dirty="0"/>
+              <a:rPr lang="en-US"/>
               <a:t>If what you need isn't in the software then you're out of luck </a:t>
             </a:r>
           </a:p>
@@ -8608,7 +8956,7 @@
           <p:cNvPr id="2" name="Title 1">
             <a:extLst>
               <a:ext uri="{FF2B5EF4-FFF2-40B4-BE49-F238E27FC236}">
-                <a16:creationId xmlns:a16="http://schemas.microsoft.com/office/drawing/2014/main" id="{2D8AA3E3-C083-7072-8F5E-0FB952839697}"/>
+                <a16:creationId xmlns:a16="http://schemas.microsoft.com/office/drawing/2014/main" id="{A763086E-878B-6952-4620-926C2B5B4078}"/>
               </a:ext>
             </a:extLst>
           </p:cNvPr>
@@ -8625,8 +8973,8 @@
           <a:lstStyle/>
           <a:p>
             <a:r>
-              <a:rPr lang="en-US" dirty="0"/>
-              <a:t>Steps to analysis </a:t>
+              <a:rPr lang="en-US"/>
+              <a:t>Good sources of more info</a:t>
             </a:r>
           </a:p>
         </p:txBody>
@@ -8636,7 +8984,7 @@
           <p:cNvPr id="3" name="Content Placeholder 2">
             <a:extLst>
               <a:ext uri="{FF2B5EF4-FFF2-40B4-BE49-F238E27FC236}">
-                <a16:creationId xmlns:a16="http://schemas.microsoft.com/office/drawing/2014/main" id="{6321CC3F-54C3-A219-95C0-16B249D09570}"/>
+                <a16:creationId xmlns:a16="http://schemas.microsoft.com/office/drawing/2014/main" id="{1A0AD6CC-44C9-C888-CCDA-E2B2397F7BC9}"/>
               </a:ext>
             </a:extLst>
           </p:cNvPr>
@@ -8654,57 +9002,152 @@
           </a:bodyPr>
           <a:lstStyle/>
           <a:p>
-            <a:pPr marL="514350" indent="-514350">
-              <a:buAutoNum type="arabicPeriod"/>
-            </a:pPr>
-            <a:r>
-              <a:rPr lang="en-US" dirty="0"/>
-              <a:t>What question are you asking?</a:t>
-            </a:r>
-          </a:p>
-          <a:p>
-            <a:pPr marL="514350" indent="-514350">
-              <a:buAutoNum type="arabicPeriod"/>
-            </a:pPr>
-            <a:r>
-              <a:rPr lang="en-US" dirty="0"/>
-              <a:t>What kind of outcome variable are you looking for?</a:t>
-            </a:r>
-          </a:p>
-          <a:p>
-            <a:pPr marL="514350" indent="-514350">
-              <a:buAutoNum type="arabicPeriod"/>
-            </a:pPr>
-            <a:r>
-              <a:rPr lang="en-US" dirty="0"/>
-              <a:t>What kind of input variables do you have?</a:t>
-            </a:r>
-          </a:p>
-          <a:p>
-            <a:pPr marL="514350" indent="-514350">
-              <a:buAutoNum type="arabicPeriod"/>
-            </a:pPr>
-            <a:r>
-              <a:rPr lang="en-US" dirty="0"/>
-              <a:t>Special tests</a:t>
-            </a:r>
-          </a:p>
-          <a:p>
-            <a:pPr marL="971550" lvl="1" indent="-514350">
+            <a:r>
+              <a:rPr lang="en-US"/>
+              <a:t>Easy to understand basic stats: </a:t>
+            </a:r>
+            <a:r>
+              <a:rPr lang="en-US">
+                <a:ea typeface="+mn-lt"/>
+                <a:cs typeface="+mn-lt"/>
+                <a:hlinkClick r:id="rId2"/>
+              </a:rPr>
+              <a:t>Welcome to Statology.org</a:t>
+            </a:r>
+          </a:p>
+          <a:p>
+            <a:r>
+              <a:rPr lang="en-US">
+                <a:ea typeface="+mn-lt"/>
+                <a:cs typeface="+mn-lt"/>
+              </a:rPr>
+              <a:t>If not covered there: </a:t>
+            </a:r>
+            <a:r>
+              <a:rPr lang="en-US">
+                <a:ea typeface="+mn-lt"/>
+                <a:cs typeface="+mn-lt"/>
+                <a:hlinkClick r:id="rId3"/>
+              </a:rPr>
+              <a:t>Statistics How To: Elementary Statistics for the rest of us!</a:t>
+            </a:r>
+          </a:p>
+          <a:p>
+            <a:r>
+              <a:rPr lang="en-US">
+                <a:ea typeface="+mn-lt"/>
+                <a:cs typeface="+mn-lt"/>
+              </a:rPr>
+              <a:t>For R help</a:t>
+            </a:r>
+          </a:p>
+          <a:p>
+            <a:pPr lvl="1">
               <a:buFont typeface="Courier New" panose="020B0604020202020204" pitchFamily="34" charset="0"/>
               <a:buChar char="o"/>
             </a:pPr>
             <a:r>
-              <a:rPr lang="en-US" dirty="0"/>
-              <a:t>Survival modeling (Time to event data)</a:t>
-            </a:r>
+              <a:rPr lang="en-US">
+                <a:ea typeface="+mn-lt"/>
+                <a:cs typeface="+mn-lt"/>
+              </a:rPr>
+              <a:t>Many subreddits for R help r/</a:t>
+            </a:r>
+            <a:r>
+              <a:rPr lang="en-US" err="1">
+                <a:ea typeface="+mn-lt"/>
+                <a:cs typeface="+mn-lt"/>
+              </a:rPr>
+              <a:t>rstats</a:t>
+            </a:r>
+            <a:r>
+              <a:rPr lang="en-US">
+                <a:ea typeface="+mn-lt"/>
+                <a:cs typeface="+mn-lt"/>
+              </a:rPr>
+              <a:t>, r/</a:t>
+            </a:r>
+            <a:r>
+              <a:rPr lang="en-US" err="1">
+                <a:ea typeface="+mn-lt"/>
+                <a:cs typeface="+mn-lt"/>
+              </a:rPr>
+              <a:t>rstudio</a:t>
+            </a:r>
+            <a:r>
+              <a:rPr lang="en-US">
+                <a:ea typeface="+mn-lt"/>
+                <a:cs typeface="+mn-lt"/>
+              </a:rPr>
+              <a:t>, r/</a:t>
+            </a:r>
+            <a:r>
+              <a:rPr lang="en-US" err="1">
+                <a:ea typeface="+mn-lt"/>
+                <a:cs typeface="+mn-lt"/>
+              </a:rPr>
+              <a:t>rlanguage</a:t>
+            </a:r>
+            <a:r>
+              <a:rPr lang="en-US">
+                <a:ea typeface="+mn-lt"/>
+                <a:cs typeface="+mn-lt"/>
+              </a:rPr>
+              <a:t> </a:t>
+            </a:r>
+          </a:p>
+          <a:p>
+            <a:pPr lvl="1">
+              <a:buFont typeface="Courier New" panose="020B0604020202020204" pitchFamily="34" charset="0"/>
+              <a:buChar char="o"/>
+            </a:pPr>
+            <a:r>
+              <a:rPr lang="en-US">
+                <a:ea typeface="+mn-lt"/>
+                <a:cs typeface="+mn-lt"/>
+              </a:rPr>
+              <a:t>Google your error</a:t>
+            </a:r>
+          </a:p>
+          <a:p>
+            <a:pPr lvl="1">
+              <a:buFont typeface="Courier New" panose="020B0604020202020204" pitchFamily="34" charset="0"/>
+              <a:buChar char="o"/>
+            </a:pPr>
+            <a:r>
+              <a:rPr lang="en-US">
+                <a:ea typeface="+mn-lt"/>
+                <a:cs typeface="+mn-lt"/>
+              </a:rPr>
+              <a:t>ChatGPT and </a:t>
+            </a:r>
+            <a:r>
+              <a:rPr lang="en-US" err="1">
+                <a:ea typeface="+mn-lt"/>
+                <a:cs typeface="+mn-lt"/>
+              </a:rPr>
+              <a:t>Github</a:t>
+            </a:r>
+            <a:r>
+              <a:rPr lang="en-US">
+                <a:ea typeface="+mn-lt"/>
+                <a:cs typeface="+mn-lt"/>
+              </a:rPr>
+              <a:t> CoPilot AI</a:t>
+            </a:r>
+          </a:p>
+          <a:p>
+            <a:endParaRPr lang="en-US">
+              <a:ea typeface="+mn-lt"/>
+              <a:cs typeface="+mn-lt"/>
+            </a:endParaRPr>
           </a:p>
         </p:txBody>
       </p:sp>
     </p:spTree>
     <p:extLst>
       <p:ext uri="{BB962C8B-B14F-4D97-AF65-F5344CB8AC3E}">
-        <p14:creationId xmlns:p14="http://schemas.microsoft.com/office/powerpoint/2010/main" val="2071184614"/>
+        <p14:creationId xmlns:p14="http://schemas.microsoft.com/office/powerpoint/2010/main" val="3032211638"/>
       </p:ext>
     </p:extLst>
   </p:cSld>
@@ -8736,7 +9179,7 @@
           <p:cNvPr id="2" name="Title 1">
             <a:extLst>
               <a:ext uri="{FF2B5EF4-FFF2-40B4-BE49-F238E27FC236}">
-                <a16:creationId xmlns:a16="http://schemas.microsoft.com/office/drawing/2014/main" id="{F332F333-D9EB-C86F-0F58-60C0360EC006}"/>
+                <a16:creationId xmlns:a16="http://schemas.microsoft.com/office/drawing/2014/main" id="{2D8AA3E3-C083-7072-8F5E-0FB952839697}"/>
               </a:ext>
             </a:extLst>
           </p:cNvPr>
@@ -8753,132 +9196,78 @@
           <a:lstStyle/>
           <a:p>
             <a:r>
-              <a:rPr lang="en-US" dirty="0">
-                <a:latin typeface="Aptos Display"/>
-              </a:rPr>
+              <a:rPr lang="en-US"/>
+              <a:t>Steps to analysis </a:t>
+            </a:r>
+          </a:p>
+        </p:txBody>
+      </p:sp>
+      <p:sp>
+        <p:nvSpPr>
+          <p:cNvPr id="3" name="Content Placeholder 2">
+            <a:extLst>
+              <a:ext uri="{FF2B5EF4-FFF2-40B4-BE49-F238E27FC236}">
+                <a16:creationId xmlns:a16="http://schemas.microsoft.com/office/drawing/2014/main" id="{6321CC3F-54C3-A219-95C0-16B249D09570}"/>
+              </a:ext>
+            </a:extLst>
+          </p:cNvPr>
+          <p:cNvSpPr>
+            <a:spLocks noGrp="1"/>
+          </p:cNvSpPr>
+          <p:nvPr>
+            <p:ph idx="1"/>
+          </p:nvPr>
+        </p:nvSpPr>
+        <p:spPr/>
+        <p:txBody>
+          <a:bodyPr vert="horz" lIns="91440" tIns="45720" rIns="91440" bIns="45720" rtlCol="0" anchor="t">
+            <a:normAutofit/>
+          </a:bodyPr>
+          <a:lstStyle/>
+          <a:p>
+            <a:pPr marL="514350" indent="-514350">
+              <a:buAutoNum type="arabicPeriod"/>
+            </a:pPr>
+            <a:r>
+              <a:rPr lang="en-US"/>
               <a:t>What question are you asking?</a:t>
             </a:r>
-            <a:endParaRPr lang="en-US" dirty="0"/>
-          </a:p>
-        </p:txBody>
-      </p:sp>
-      <p:sp>
-        <p:nvSpPr>
-          <p:cNvPr id="3" name="Content Placeholder 2">
-            <a:extLst>
-              <a:ext uri="{FF2B5EF4-FFF2-40B4-BE49-F238E27FC236}">
-                <a16:creationId xmlns:a16="http://schemas.microsoft.com/office/drawing/2014/main" id="{38E08B6A-89D8-44C6-C284-B46E7CB22AB3}"/>
-              </a:ext>
-            </a:extLst>
-          </p:cNvPr>
-          <p:cNvSpPr>
-            <a:spLocks noGrp="1"/>
-          </p:cNvSpPr>
-          <p:nvPr>
-            <p:ph idx="1"/>
-          </p:nvPr>
-        </p:nvSpPr>
-        <p:spPr/>
-        <p:txBody>
-          <a:bodyPr vert="horz" lIns="91440" tIns="45720" rIns="91440" bIns="45720" rtlCol="0" anchor="t">
-            <a:normAutofit fontScale="92500" lnSpcReduction="20000"/>
-          </a:bodyPr>
-          <a:lstStyle/>
-          <a:p>
-            <a:r>
-              <a:rPr lang="en-US" dirty="0"/>
-              <a:t>My variables have a relationship with my outcomes</a:t>
-            </a:r>
-          </a:p>
-          <a:p>
-            <a:pPr lvl="1">
+          </a:p>
+          <a:p>
+            <a:pPr marL="514350" indent="-514350">
+              <a:buAutoNum type="arabicPeriod"/>
+            </a:pPr>
+            <a:r>
+              <a:rPr lang="en-US"/>
+              <a:t>What kind of outcome variable are you looking for?</a:t>
+            </a:r>
+          </a:p>
+          <a:p>
+            <a:pPr marL="514350" indent="-514350">
+              <a:buAutoNum type="arabicPeriod"/>
+            </a:pPr>
+            <a:r>
+              <a:rPr lang="en-US"/>
+              <a:t>What kind of input variables do you have?</a:t>
+            </a:r>
+          </a:p>
+          <a:p>
+            <a:pPr marL="514350" indent="-514350">
+              <a:buAutoNum type="arabicPeriod"/>
+            </a:pPr>
+            <a:r>
+              <a:rPr lang="en-US"/>
+              <a:t>Special tests</a:t>
+            </a:r>
+          </a:p>
+          <a:p>
+            <a:pPr marL="971550" lvl="1" indent="-514350">
               <a:buFont typeface="Courier New" panose="020B0604020202020204" pitchFamily="34" charset="0"/>
               <a:buChar char="o"/>
             </a:pPr>
             <a:r>
-              <a:rPr lang="en-US" dirty="0"/>
-              <a:t>Ex: Lower hemoglobin is related to having a GIB</a:t>
-            </a:r>
-          </a:p>
-          <a:p>
-            <a:pPr lvl="1">
-              <a:buFont typeface="Courier New" panose="020B0604020202020204" pitchFamily="34" charset="0"/>
-              <a:buChar char="o"/>
-            </a:pPr>
-            <a:r>
-              <a:rPr lang="en-US" dirty="0"/>
-              <a:t>Regression for correlation </a:t>
-            </a:r>
-          </a:p>
-          <a:p>
-            <a:r>
-              <a:rPr lang="en-US" dirty="0"/>
-              <a:t>I have two (or more) populations and I believe that they are distinctly different</a:t>
-            </a:r>
-          </a:p>
-          <a:p>
-            <a:pPr lvl="1">
-              <a:buFont typeface="Courier New" panose="020B0604020202020204" pitchFamily="34" charset="0"/>
-              <a:buChar char="o"/>
-            </a:pPr>
-            <a:r>
-              <a:rPr lang="en-US" dirty="0"/>
-              <a:t>Ex: Patients with </a:t>
-            </a:r>
-            <a:r>
-              <a:rPr lang="en-US" err="1"/>
-              <a:t>Afib</a:t>
-            </a:r>
-            <a:r>
-              <a:rPr lang="en-US" dirty="0"/>
-              <a:t> have more strokes than patients without </a:t>
-            </a:r>
-            <a:r>
-              <a:rPr lang="en-US" err="1"/>
-              <a:t>Afib</a:t>
-            </a:r>
-            <a:endParaRPr lang="en-US"/>
-          </a:p>
-          <a:p>
-            <a:pPr lvl="1">
-              <a:buFont typeface="Courier New" panose="020B0604020202020204" pitchFamily="34" charset="0"/>
-              <a:buChar char="o"/>
-            </a:pPr>
-            <a:r>
-              <a:rPr lang="en-US" dirty="0"/>
-              <a:t>T-test or equivalent (hypothesis testing)</a:t>
-            </a:r>
-          </a:p>
-          <a:p>
-            <a:r>
-              <a:rPr lang="en-US" dirty="0"/>
-              <a:t>I'm looking at the time it takes until an event happens</a:t>
-            </a:r>
-          </a:p>
-          <a:p>
-            <a:pPr lvl="1">
-              <a:buFont typeface="Courier New" panose="020B0604020202020204" pitchFamily="34" charset="0"/>
-              <a:buChar char="o"/>
-            </a:pPr>
-            <a:r>
-              <a:rPr lang="en-US" dirty="0"/>
-              <a:t>See survival modeling</a:t>
-            </a:r>
-          </a:p>
-          <a:p>
-            <a:r>
-              <a:rPr lang="en-US" dirty="0"/>
-              <a:t>I have repeatedly measured something in patients and I want to see how that this measure changes over time w/ respect to my outcome</a:t>
-            </a:r>
-          </a:p>
-          <a:p>
-            <a:pPr lvl="1">
-              <a:buFont typeface="Courier New" panose="020B0604020202020204" pitchFamily="34" charset="0"/>
-              <a:buChar char="o"/>
-            </a:pPr>
-            <a:r>
-              <a:rPr lang="en-US" dirty="0"/>
-              <a:t>This is panel data and this is hard </a:t>
+              <a:rPr lang="en-US"/>
+              <a:t>Survival modeling (Time to event data)</a:t>
             </a:r>
           </a:p>
         </p:txBody>
@@ -8886,7 +9275,7 @@
     </p:spTree>
     <p:extLst>
       <p:ext uri="{BB962C8B-B14F-4D97-AF65-F5344CB8AC3E}">
-        <p14:creationId xmlns:p14="http://schemas.microsoft.com/office/powerpoint/2010/main" val="2845847731"/>
+        <p14:creationId xmlns:p14="http://schemas.microsoft.com/office/powerpoint/2010/main" val="2071184614"/>
       </p:ext>
     </p:extLst>
   </p:cSld>
@@ -8901,13 +9290,7 @@
   <p:cSld>
     <p:spTree>
       <p:nvGrpSpPr>
-        <p:cNvPr id="1" name="">
-          <a:extLst>
-            <a:ext uri="{FF2B5EF4-FFF2-40B4-BE49-F238E27FC236}">
-              <a16:creationId xmlns:a16="http://schemas.microsoft.com/office/drawing/2014/main" id="{FFCA5DB5-511F-F5F2-595E-28ACDE3AE51C}"/>
-            </a:ext>
-          </a:extLst>
-        </p:cNvPr>
+        <p:cNvPr id="1" name=""/>
         <p:cNvGrpSpPr/>
         <p:nvPr/>
       </p:nvGrpSpPr>
@@ -8924,7 +9307,7 @@
           <p:cNvPr id="2" name="Title 1">
             <a:extLst>
               <a:ext uri="{FF2B5EF4-FFF2-40B4-BE49-F238E27FC236}">
-                <a16:creationId xmlns:a16="http://schemas.microsoft.com/office/drawing/2014/main" id="{116F5DBF-51D4-D855-D1A7-B7E102C373C6}"/>
+                <a16:creationId xmlns:a16="http://schemas.microsoft.com/office/drawing/2014/main" id="{F332F333-D9EB-C86F-0F58-60C0360EC006}"/>
               </a:ext>
             </a:extLst>
           </p:cNvPr>
@@ -8941,12 +9324,12 @@
           <a:lstStyle/>
           <a:p>
             <a:r>
-              <a:rPr lang="en-US" dirty="0">
+              <a:rPr lang="en-US">
                 <a:latin typeface="Aptos Display"/>
               </a:rPr>
               <a:t>What question are you asking?</a:t>
             </a:r>
-            <a:endParaRPr lang="en-US" dirty="0"/>
+            <a:endParaRPr lang="en-US"/>
           </a:p>
         </p:txBody>
       </p:sp>
@@ -8955,7 +9338,7 @@
           <p:cNvPr id="3" name="Content Placeholder 2">
             <a:extLst>
               <a:ext uri="{FF2B5EF4-FFF2-40B4-BE49-F238E27FC236}">
-                <a16:creationId xmlns:a16="http://schemas.microsoft.com/office/drawing/2014/main" id="{F6AEBFFB-606F-45BD-FE53-4D4821EC8A06}"/>
+                <a16:creationId xmlns:a16="http://schemas.microsoft.com/office/drawing/2014/main" id="{38E08B6A-89D8-44C6-C284-B46E7CB22AB3}"/>
               </a:ext>
             </a:extLst>
           </p:cNvPr>
@@ -8974,7 +9357,7 @@
           <a:lstStyle/>
           <a:p>
             <a:r>
-              <a:rPr lang="en-US" dirty="0"/>
+              <a:rPr lang="en-US"/>
               <a:t>My variables have a relationship with my outcomes</a:t>
             </a:r>
           </a:p>
@@ -8984,7 +9367,7 @@
               <a:buChar char="o"/>
             </a:pPr>
             <a:r>
-              <a:rPr lang="en-US" dirty="0"/>
+              <a:rPr lang="en-US"/>
               <a:t>Ex: Lower hemoglobin is related to having a GIB</a:t>
             </a:r>
           </a:p>
@@ -8994,17 +9377,13 @@
               <a:buChar char="o"/>
             </a:pPr>
             <a:r>
-              <a:rPr lang="en-US" dirty="0"/>
+              <a:rPr lang="en-US"/>
               <a:t>Regression for correlation </a:t>
             </a:r>
           </a:p>
           <a:p>
             <a:r>
-              <a:rPr lang="en-US" dirty="0">
-                <a:solidFill>
-                  <a:schemeClr val="bg2"/>
-                </a:solidFill>
-              </a:rPr>
+              <a:rPr lang="en-US"/>
               <a:t>I have two (or more) populations and I believe that they are distinctly different</a:t>
             </a:r>
           </a:p>
@@ -9014,42 +9393,22 @@
               <a:buChar char="o"/>
             </a:pPr>
             <a:r>
-              <a:rPr lang="en-US" dirty="0">
-                <a:solidFill>
-                  <a:schemeClr val="bg2"/>
-                </a:solidFill>
-              </a:rPr>
+              <a:rPr lang="en-US"/>
               <a:t>Ex: Patients with </a:t>
             </a:r>
             <a:r>
-              <a:rPr lang="en-US" err="1">
-                <a:solidFill>
-                  <a:schemeClr val="bg2"/>
-                </a:solidFill>
-              </a:rPr>
+              <a:rPr lang="en-US" err="1"/>
               <a:t>Afib</a:t>
             </a:r>
             <a:r>
-              <a:rPr lang="en-US" dirty="0">
-                <a:solidFill>
-                  <a:schemeClr val="bg2"/>
-                </a:solidFill>
-              </a:rPr>
+              <a:rPr lang="en-US"/>
               <a:t> have more strokes than patients without </a:t>
             </a:r>
             <a:r>
-              <a:rPr lang="en-US" err="1">
-                <a:solidFill>
-                  <a:schemeClr val="bg2"/>
-                </a:solidFill>
-              </a:rPr>
+              <a:rPr lang="en-US" err="1"/>
               <a:t>Afib</a:t>
             </a:r>
-            <a:endParaRPr lang="en-US">
-              <a:solidFill>
-                <a:schemeClr val="bg2"/>
-              </a:solidFill>
-            </a:endParaRPr>
+            <a:endParaRPr lang="en-US"/>
           </a:p>
           <a:p>
             <a:pPr lvl="1">
@@ -9057,21 +9416,13 @@
               <a:buChar char="o"/>
             </a:pPr>
             <a:r>
-              <a:rPr lang="en-US" dirty="0">
-                <a:solidFill>
-                  <a:schemeClr val="bg2"/>
-                </a:solidFill>
-              </a:rPr>
+              <a:rPr lang="en-US"/>
               <a:t>T-test or equivalent (hypothesis testing)</a:t>
             </a:r>
           </a:p>
           <a:p>
             <a:r>
-              <a:rPr lang="en-US" dirty="0">
-                <a:solidFill>
-                  <a:schemeClr val="bg2"/>
-                </a:solidFill>
-              </a:rPr>
+              <a:rPr lang="en-US"/>
               <a:t>I'm looking at the time it takes until an event happens</a:t>
             </a:r>
           </a:p>
@@ -9081,21 +9432,13 @@
               <a:buChar char="o"/>
             </a:pPr>
             <a:r>
-              <a:rPr lang="en-US" dirty="0">
-                <a:solidFill>
-                  <a:schemeClr val="bg2"/>
-                </a:solidFill>
-              </a:rPr>
+              <a:rPr lang="en-US"/>
               <a:t>See survival modeling</a:t>
             </a:r>
           </a:p>
           <a:p>
             <a:r>
-              <a:rPr lang="en-US" dirty="0">
-                <a:solidFill>
-                  <a:schemeClr val="bg2"/>
-                </a:solidFill>
-              </a:rPr>
+              <a:rPr lang="en-US"/>
               <a:t>I have repeatedly measured something in patients and I want to see how that this measure changes over time w/ respect to my outcome</a:t>
             </a:r>
           </a:p>
@@ -9105,11 +9448,7 @@
               <a:buChar char="o"/>
             </a:pPr>
             <a:r>
-              <a:rPr lang="en-US" dirty="0">
-                <a:solidFill>
-                  <a:schemeClr val="bg2"/>
-                </a:solidFill>
-              </a:rPr>
+              <a:rPr lang="en-US"/>
               <a:t>This is panel data and this is hard </a:t>
             </a:r>
           </a:p>
@@ -9118,7 +9457,7 @@
     </p:spTree>
     <p:extLst>
       <p:ext uri="{BB962C8B-B14F-4D97-AF65-F5344CB8AC3E}">
-        <p14:creationId xmlns:p14="http://schemas.microsoft.com/office/powerpoint/2010/main" val="1321279125"/>
+        <p14:creationId xmlns:p14="http://schemas.microsoft.com/office/powerpoint/2010/main" val="2845847731"/>
       </p:ext>
     </p:extLst>
   </p:cSld>

--- a/Pratical Approach to stats and R.pptx
+++ b/Pratical Approach to stats and R.pptx
@@ -12,39 +12,44 @@
     <p:sldId id="282" r:id="rId6"/>
     <p:sldId id="274" r:id="rId7"/>
     <p:sldId id="259" r:id="rId8"/>
-    <p:sldId id="262" r:id="rId9"/>
-    <p:sldId id="261" r:id="rId10"/>
-    <p:sldId id="293" r:id="rId11"/>
-    <p:sldId id="267" r:id="rId12"/>
-    <p:sldId id="297" r:id="rId13"/>
-    <p:sldId id="265" r:id="rId14"/>
-    <p:sldId id="266" r:id="rId15"/>
-    <p:sldId id="268" r:id="rId16"/>
-    <p:sldId id="264" r:id="rId17"/>
-    <p:sldId id="290" r:id="rId18"/>
-    <p:sldId id="269" r:id="rId19"/>
-    <p:sldId id="284" r:id="rId20"/>
-    <p:sldId id="286" r:id="rId21"/>
-    <p:sldId id="294" r:id="rId22"/>
-    <p:sldId id="270" r:id="rId23"/>
-    <p:sldId id="291" r:id="rId24"/>
-    <p:sldId id="263" r:id="rId25"/>
-    <p:sldId id="271" r:id="rId26"/>
-    <p:sldId id="298" r:id="rId27"/>
-    <p:sldId id="272" r:id="rId28"/>
-    <p:sldId id="292" r:id="rId29"/>
-    <p:sldId id="283" r:id="rId30"/>
-    <p:sldId id="275" r:id="rId31"/>
-    <p:sldId id="277" r:id="rId32"/>
-    <p:sldId id="295" r:id="rId33"/>
-    <p:sldId id="276" r:id="rId34"/>
-    <p:sldId id="279" r:id="rId35"/>
-    <p:sldId id="299" r:id="rId36"/>
-    <p:sldId id="296" r:id="rId37"/>
-    <p:sldId id="280" r:id="rId38"/>
-    <p:sldId id="260" r:id="rId39"/>
-    <p:sldId id="285" r:id="rId40"/>
-    <p:sldId id="281" r:id="rId41"/>
+    <p:sldId id="300" r:id="rId9"/>
+    <p:sldId id="262" r:id="rId10"/>
+    <p:sldId id="261" r:id="rId11"/>
+    <p:sldId id="293" r:id="rId12"/>
+    <p:sldId id="267" r:id="rId13"/>
+    <p:sldId id="297" r:id="rId14"/>
+    <p:sldId id="265" r:id="rId15"/>
+    <p:sldId id="266" r:id="rId16"/>
+    <p:sldId id="268" r:id="rId17"/>
+    <p:sldId id="264" r:id="rId18"/>
+    <p:sldId id="290" r:id="rId19"/>
+    <p:sldId id="269" r:id="rId20"/>
+    <p:sldId id="284" r:id="rId21"/>
+    <p:sldId id="286" r:id="rId22"/>
+    <p:sldId id="294" r:id="rId23"/>
+    <p:sldId id="270" r:id="rId24"/>
+    <p:sldId id="291" r:id="rId25"/>
+    <p:sldId id="263" r:id="rId26"/>
+    <p:sldId id="301" r:id="rId27"/>
+    <p:sldId id="271" r:id="rId28"/>
+    <p:sldId id="303" r:id="rId29"/>
+    <p:sldId id="298" r:id="rId30"/>
+    <p:sldId id="272" r:id="rId31"/>
+    <p:sldId id="292" r:id="rId32"/>
+    <p:sldId id="283" r:id="rId33"/>
+    <p:sldId id="302" r:id="rId34"/>
+    <p:sldId id="275" r:id="rId35"/>
+    <p:sldId id="304" r:id="rId36"/>
+    <p:sldId id="277" r:id="rId37"/>
+    <p:sldId id="295" r:id="rId38"/>
+    <p:sldId id="276" r:id="rId39"/>
+    <p:sldId id="279" r:id="rId40"/>
+    <p:sldId id="299" r:id="rId41"/>
+    <p:sldId id="296" r:id="rId42"/>
+    <p:sldId id="280" r:id="rId43"/>
+    <p:sldId id="260" r:id="rId44"/>
+    <p:sldId id="285" r:id="rId45"/>
+    <p:sldId id="281" r:id="rId46"/>
   </p:sldIdLst>
   <p:sldSz cx="12192000" cy="6858000"/>
   <p:notesSz cx="6858000" cy="9144000"/>
@@ -151,18 +156,6 @@
 </p:presentation>
 </file>
 
-<file path=ppt/revisionInfo.xml><?xml version="1.0" encoding="utf-8"?>
-<p1510:revInfo xmlns:a="http://schemas.openxmlformats.org/drawingml/2006/main" xmlns:r="http://schemas.openxmlformats.org/officeDocument/2006/relationships" xmlns:p1510="http://schemas.microsoft.com/office/powerpoint/2015/10/main">
-  <p1510:revLst>
-    <p1510:client id="{31A7EB78-AAE9-8676-2236-0A8D9773319C}" v="183" dt="2025-02-17T20:29:32.288"/>
-    <p1510:client id="{57B3FDC3-9285-F111-0473-1A0309D1A726}" v="158" dt="2025-02-17T15:31:35.384"/>
-    <p1510:client id="{820249DF-F504-7B75-0673-AE0E9565071A}" v="235" dt="2025-02-18T16:14:01.470"/>
-    <p1510:client id="{BBDD5C1A-BEF2-F6F6-6C76-7C041CFECD17}" v="6" dt="2025-02-18T13:59:45.754"/>
-    <p1510:client id="{C99DE024-F365-D274-0F2D-E445CF17B4A2}" v="77" dt="2025-02-18T01:05:10.946"/>
-  </p1510:revLst>
-</p1510:revInfo>
-</file>
-
 <file path=ppt/slideLayouts/slideLayout1.xml><?xml version="1.0" encoding="utf-8"?>
 <p:sldLayout xmlns:a="http://schemas.openxmlformats.org/drawingml/2006/main" xmlns:r="http://schemas.openxmlformats.org/officeDocument/2006/relationships" xmlns:p="http://schemas.openxmlformats.org/presentationml/2006/main" type="title" preserve="1">
   <p:cSld name="Title Slide">
@@ -292,7 +285,7 @@
           <a:p>
             <a:fld id="{846CE7D5-CF57-46EF-B807-FDD0502418D4}" type="datetimeFigureOut">
               <a:rPr lang="en-US" smtClean="0"/>
-              <a:t>2/18/2025</a:t>
+              <a:t>9/13/2025</a:t>
             </a:fld>
             <a:endParaRPr lang="en-US"/>
           </a:p>
@@ -460,7 +453,7 @@
           <a:p>
             <a:fld id="{846CE7D5-CF57-46EF-B807-FDD0502418D4}" type="datetimeFigureOut">
               <a:rPr lang="en-US" smtClean="0"/>
-              <a:t>2/18/2025</a:t>
+              <a:t>9/13/2025</a:t>
             </a:fld>
             <a:endParaRPr lang="en-US"/>
           </a:p>
@@ -638,7 +631,7 @@
           <a:p>
             <a:fld id="{846CE7D5-CF57-46EF-B807-FDD0502418D4}" type="datetimeFigureOut">
               <a:rPr lang="en-US" smtClean="0"/>
-              <a:t>2/18/2025</a:t>
+              <a:t>9/13/2025</a:t>
             </a:fld>
             <a:endParaRPr lang="en-US"/>
           </a:p>
@@ -806,7 +799,7 @@
           <a:p>
             <a:fld id="{846CE7D5-CF57-46EF-B807-FDD0502418D4}" type="datetimeFigureOut">
               <a:rPr lang="en-US" smtClean="0"/>
-              <a:t>2/18/2025</a:t>
+              <a:t>9/13/2025</a:t>
             </a:fld>
             <a:endParaRPr lang="en-US"/>
           </a:p>
@@ -1051,7 +1044,7 @@
           <a:p>
             <a:fld id="{846CE7D5-CF57-46EF-B807-FDD0502418D4}" type="datetimeFigureOut">
               <a:rPr lang="en-US" smtClean="0"/>
-              <a:t>2/18/2025</a:t>
+              <a:t>9/13/2025</a:t>
             </a:fld>
             <a:endParaRPr lang="en-US"/>
           </a:p>
@@ -1280,7 +1273,7 @@
           <a:p>
             <a:fld id="{846CE7D5-CF57-46EF-B807-FDD0502418D4}" type="datetimeFigureOut">
               <a:rPr lang="en-US" smtClean="0"/>
-              <a:t>2/18/2025</a:t>
+              <a:t>9/13/2025</a:t>
             </a:fld>
             <a:endParaRPr lang="en-US"/>
           </a:p>
@@ -1644,7 +1637,7 @@
           <a:p>
             <a:fld id="{846CE7D5-CF57-46EF-B807-FDD0502418D4}" type="datetimeFigureOut">
               <a:rPr lang="en-US" smtClean="0"/>
-              <a:t>2/18/2025</a:t>
+              <a:t>9/13/2025</a:t>
             </a:fld>
             <a:endParaRPr lang="en-US"/>
           </a:p>
@@ -1761,7 +1754,7 @@
           <a:p>
             <a:fld id="{846CE7D5-CF57-46EF-B807-FDD0502418D4}" type="datetimeFigureOut">
               <a:rPr lang="en-US" smtClean="0"/>
-              <a:t>2/18/2025</a:t>
+              <a:t>9/13/2025</a:t>
             </a:fld>
             <a:endParaRPr lang="en-US"/>
           </a:p>
@@ -1856,7 +1849,7 @@
           <a:p>
             <a:fld id="{846CE7D5-CF57-46EF-B807-FDD0502418D4}" type="datetimeFigureOut">
               <a:rPr lang="en-US" smtClean="0"/>
-              <a:t>2/18/2025</a:t>
+              <a:t>9/13/2025</a:t>
             </a:fld>
             <a:endParaRPr lang="en-US"/>
           </a:p>
@@ -2131,7 +2124,7 @@
           <a:p>
             <a:fld id="{846CE7D5-CF57-46EF-B807-FDD0502418D4}" type="datetimeFigureOut">
               <a:rPr lang="en-US" smtClean="0"/>
-              <a:t>2/18/2025</a:t>
+              <a:t>9/13/2025</a:t>
             </a:fld>
             <a:endParaRPr lang="en-US"/>
           </a:p>
@@ -2386,7 +2379,7 @@
           <a:p>
             <a:fld id="{846CE7D5-CF57-46EF-B807-FDD0502418D4}" type="datetimeFigureOut">
               <a:rPr lang="en-US" smtClean="0"/>
-              <a:t>2/18/2025</a:t>
+              <a:t>9/13/2025</a:t>
             </a:fld>
             <a:endParaRPr lang="en-US"/>
           </a:p>
@@ -2597,7 +2590,7 @@
           <a:p>
             <a:fld id="{846CE7D5-CF57-46EF-B807-FDD0502418D4}" type="datetimeFigureOut">
               <a:rPr lang="en-US" smtClean="0"/>
-              <a:t>2/18/2025</a:t>
+              <a:t>9/13/2025</a:t>
             </a:fld>
             <a:endParaRPr lang="en-US"/>
           </a:p>
@@ -3066,6 +3059,188 @@
   <p:cSld>
     <p:spTree>
       <p:nvGrpSpPr>
+        <p:cNvPr id="1" name=""/>
+        <p:cNvGrpSpPr/>
+        <p:nvPr/>
+      </p:nvGrpSpPr>
+      <p:grpSpPr>
+        <a:xfrm>
+          <a:off x="0" y="0"/>
+          <a:ext cx="0" cy="0"/>
+          <a:chOff x="0" y="0"/>
+          <a:chExt cx="0" cy="0"/>
+        </a:xfrm>
+      </p:grpSpPr>
+      <p:sp>
+        <p:nvSpPr>
+          <p:cNvPr id="2" name="Title 1">
+            <a:extLst>
+              <a:ext uri="{FF2B5EF4-FFF2-40B4-BE49-F238E27FC236}">
+                <a16:creationId xmlns:a16="http://schemas.microsoft.com/office/drawing/2014/main" id="{F332F333-D9EB-C86F-0F58-60C0360EC006}"/>
+              </a:ext>
+            </a:extLst>
+          </p:cNvPr>
+          <p:cNvSpPr>
+            <a:spLocks noGrp="1"/>
+          </p:cNvSpPr>
+          <p:nvPr>
+            <p:ph type="title"/>
+          </p:nvPr>
+        </p:nvSpPr>
+        <p:spPr/>
+        <p:txBody>
+          <a:bodyPr/>
+          <a:lstStyle/>
+          <a:p>
+            <a:r>
+              <a:rPr lang="en-US">
+                <a:latin typeface="Aptos Display"/>
+              </a:rPr>
+              <a:t>What question are you asking?</a:t>
+            </a:r>
+            <a:endParaRPr lang="en-US"/>
+          </a:p>
+        </p:txBody>
+      </p:sp>
+      <p:sp>
+        <p:nvSpPr>
+          <p:cNvPr id="3" name="Content Placeholder 2">
+            <a:extLst>
+              <a:ext uri="{FF2B5EF4-FFF2-40B4-BE49-F238E27FC236}">
+                <a16:creationId xmlns:a16="http://schemas.microsoft.com/office/drawing/2014/main" id="{38E08B6A-89D8-44C6-C284-B46E7CB22AB3}"/>
+              </a:ext>
+            </a:extLst>
+          </p:cNvPr>
+          <p:cNvSpPr>
+            <a:spLocks noGrp="1"/>
+          </p:cNvSpPr>
+          <p:nvPr>
+            <p:ph idx="1"/>
+          </p:nvPr>
+        </p:nvSpPr>
+        <p:spPr/>
+        <p:txBody>
+          <a:bodyPr vert="horz" lIns="91440" tIns="45720" rIns="91440" bIns="45720" rtlCol="0" anchor="t">
+            <a:normAutofit fontScale="92500" lnSpcReduction="20000"/>
+          </a:bodyPr>
+          <a:lstStyle/>
+          <a:p>
+            <a:r>
+              <a:rPr lang="en-US"/>
+              <a:t>My variables have a relationship with my outcomes</a:t>
+            </a:r>
+          </a:p>
+          <a:p>
+            <a:pPr lvl="1">
+              <a:buFont typeface="Courier New" panose="020B0604020202020204" pitchFamily="34" charset="0"/>
+              <a:buChar char="o"/>
+            </a:pPr>
+            <a:r>
+              <a:rPr lang="en-US"/>
+              <a:t>Ex: Lower hemoglobin is related to having a GIB</a:t>
+            </a:r>
+          </a:p>
+          <a:p>
+            <a:pPr lvl="1">
+              <a:buFont typeface="Courier New" panose="020B0604020202020204" pitchFamily="34" charset="0"/>
+              <a:buChar char="o"/>
+            </a:pPr>
+            <a:r>
+              <a:rPr lang="en-US"/>
+              <a:t>Regression for correlation </a:t>
+            </a:r>
+          </a:p>
+          <a:p>
+            <a:r>
+              <a:rPr lang="en-US"/>
+              <a:t>I have two (or more) populations and I believe that they are distinctly different</a:t>
+            </a:r>
+          </a:p>
+          <a:p>
+            <a:pPr lvl="1">
+              <a:buFont typeface="Courier New" panose="020B0604020202020204" pitchFamily="34" charset="0"/>
+              <a:buChar char="o"/>
+            </a:pPr>
+            <a:r>
+              <a:rPr lang="en-US"/>
+              <a:t>Ex: Patients with </a:t>
+            </a:r>
+            <a:r>
+              <a:rPr lang="en-US" err="1"/>
+              <a:t>Afib</a:t>
+            </a:r>
+            <a:r>
+              <a:rPr lang="en-US"/>
+              <a:t> have more strokes than patients without </a:t>
+            </a:r>
+            <a:r>
+              <a:rPr lang="en-US" err="1"/>
+              <a:t>Afib</a:t>
+            </a:r>
+            <a:endParaRPr lang="en-US"/>
+          </a:p>
+          <a:p>
+            <a:pPr lvl="1">
+              <a:buFont typeface="Courier New" panose="020B0604020202020204" pitchFamily="34" charset="0"/>
+              <a:buChar char="o"/>
+            </a:pPr>
+            <a:r>
+              <a:rPr lang="en-US"/>
+              <a:t>T-test or equivalent (hypothesis testing)</a:t>
+            </a:r>
+          </a:p>
+          <a:p>
+            <a:r>
+              <a:rPr lang="en-US"/>
+              <a:t>I'm looking at the time it takes until an event happens</a:t>
+            </a:r>
+          </a:p>
+          <a:p>
+            <a:pPr lvl="1">
+              <a:buFont typeface="Courier New" panose="020B0604020202020204" pitchFamily="34" charset="0"/>
+              <a:buChar char="o"/>
+            </a:pPr>
+            <a:r>
+              <a:rPr lang="en-US"/>
+              <a:t>See survival modeling</a:t>
+            </a:r>
+          </a:p>
+          <a:p>
+            <a:r>
+              <a:rPr lang="en-US"/>
+              <a:t>I have repeatedly measured something in patients and I want to see how that this measure changes over time w/ respect to my outcome</a:t>
+            </a:r>
+          </a:p>
+          <a:p>
+            <a:pPr lvl="1">
+              <a:buFont typeface="Courier New" panose="020B0604020202020204" pitchFamily="34" charset="0"/>
+              <a:buChar char="o"/>
+            </a:pPr>
+            <a:r>
+              <a:rPr lang="en-US"/>
+              <a:t>This is panel data and this is hard </a:t>
+            </a:r>
+          </a:p>
+        </p:txBody>
+      </p:sp>
+    </p:spTree>
+    <p:extLst>
+      <p:ext uri="{BB962C8B-B14F-4D97-AF65-F5344CB8AC3E}">
+        <p14:creationId xmlns:p14="http://schemas.microsoft.com/office/powerpoint/2010/main" val="2845847731"/>
+      </p:ext>
+    </p:extLst>
+  </p:cSld>
+  <p:clrMapOvr>
+    <a:masterClrMapping/>
+  </p:clrMapOvr>
+</p:sld>
+</file>
+
+<file path=ppt/slides/slide11.xml><?xml version="1.0" encoding="utf-8"?>
+<p:sld xmlns:a="http://schemas.openxmlformats.org/drawingml/2006/main" xmlns:r="http://schemas.openxmlformats.org/officeDocument/2006/relationships" xmlns:p="http://schemas.openxmlformats.org/presentationml/2006/main">
+  <p:cSld>
+    <p:spTree>
+      <p:nvGrpSpPr>
         <p:cNvPr id="1" name="">
           <a:extLst>
             <a:ext uri="{FF2B5EF4-FFF2-40B4-BE49-F238E27FC236}">
@@ -3284,108 +3459,6 @@
     <p:extLst>
       <p:ext uri="{BB962C8B-B14F-4D97-AF65-F5344CB8AC3E}">
         <p14:creationId xmlns:p14="http://schemas.microsoft.com/office/powerpoint/2010/main" val="1321279125"/>
-      </p:ext>
-    </p:extLst>
-  </p:cSld>
-  <p:clrMapOvr>
-    <a:masterClrMapping/>
-  </p:clrMapOvr>
-</p:sld>
-</file>
-
-<file path=ppt/slides/slide11.xml><?xml version="1.0" encoding="utf-8"?>
-<p:sld xmlns:a="http://schemas.openxmlformats.org/drawingml/2006/main" xmlns:r="http://schemas.openxmlformats.org/officeDocument/2006/relationships" xmlns:p="http://schemas.openxmlformats.org/presentationml/2006/main">
-  <p:cSld>
-    <p:spTree>
-      <p:nvGrpSpPr>
-        <p:cNvPr id="1" name=""/>
-        <p:cNvGrpSpPr/>
-        <p:nvPr/>
-      </p:nvGrpSpPr>
-      <p:grpSpPr>
-        <a:xfrm>
-          <a:off x="0" y="0"/>
-          <a:ext cx="0" cy="0"/>
-          <a:chOff x="0" y="0"/>
-          <a:chExt cx="0" cy="0"/>
-        </a:xfrm>
-      </p:grpSpPr>
-      <p:sp>
-        <p:nvSpPr>
-          <p:cNvPr id="2" name="Title 1">
-            <a:extLst>
-              <a:ext uri="{FF2B5EF4-FFF2-40B4-BE49-F238E27FC236}">
-                <a16:creationId xmlns:a16="http://schemas.microsoft.com/office/drawing/2014/main" id="{48F1895D-A96F-417D-6A81-847B7196DF2D}"/>
-              </a:ext>
-            </a:extLst>
-          </p:cNvPr>
-          <p:cNvSpPr>
-            <a:spLocks noGrp="1"/>
-          </p:cNvSpPr>
-          <p:nvPr>
-            <p:ph type="title"/>
-          </p:nvPr>
-        </p:nvSpPr>
-        <p:spPr/>
-        <p:txBody>
-          <a:bodyPr/>
-          <a:lstStyle/>
-          <a:p>
-            <a:r>
-              <a:rPr lang="en-US"/>
-              <a:t>Regression Rules</a:t>
-            </a:r>
-          </a:p>
-        </p:txBody>
-      </p:sp>
-      <p:sp>
-        <p:nvSpPr>
-          <p:cNvPr id="3" name="Content Placeholder 2">
-            <a:extLst>
-              <a:ext uri="{FF2B5EF4-FFF2-40B4-BE49-F238E27FC236}">
-                <a16:creationId xmlns:a16="http://schemas.microsoft.com/office/drawing/2014/main" id="{B2F9FF5B-063E-1BD2-30F6-B5785E02971C}"/>
-              </a:ext>
-            </a:extLst>
-          </p:cNvPr>
-          <p:cNvSpPr>
-            <a:spLocks noGrp="1"/>
-          </p:cNvSpPr>
-          <p:nvPr>
-            <p:ph idx="1"/>
-          </p:nvPr>
-        </p:nvSpPr>
-        <p:spPr/>
-        <p:txBody>
-          <a:bodyPr vert="horz" lIns="91440" tIns="45720" rIns="91440" bIns="45720" rtlCol="0" anchor="t">
-            <a:normAutofit/>
-          </a:bodyPr>
-          <a:lstStyle/>
-          <a:p>
-            <a:pPr marL="457200" indent="-457200"/>
-            <a:r>
-              <a:rPr lang="en-US"/>
-              <a:t>Observations (patients) must outnumber input variables</a:t>
-            </a:r>
-          </a:p>
-          <a:p>
-            <a:pPr marL="457200" indent="-457200"/>
-            <a:r>
-              <a:rPr lang="en-US"/>
-              <a:t>Variables should not be related to one another (multicollinearity)</a:t>
-            </a:r>
-          </a:p>
-          <a:p>
-            <a:pPr marL="0" indent="0">
-              <a:buNone/>
-            </a:pPr>
-            <a:endParaRPr lang="en-US"/>
-          </a:p>
-        </p:txBody>
-      </p:sp>
-    </p:spTree>
-    <p:extLst>
-      <p:ext uri="{BB962C8B-B14F-4D97-AF65-F5344CB8AC3E}">
-        <p14:creationId xmlns:p14="http://schemas.microsoft.com/office/powerpoint/2010/main" val="2384403130"/>
       </p:ext>
     </p:extLst>
   </p:cSld>
@@ -3412,6 +3485,108 @@
           <a:chExt cx="0" cy="0"/>
         </a:xfrm>
       </p:grpSpPr>
+      <p:sp>
+        <p:nvSpPr>
+          <p:cNvPr id="2" name="Title 1">
+            <a:extLst>
+              <a:ext uri="{FF2B5EF4-FFF2-40B4-BE49-F238E27FC236}">
+                <a16:creationId xmlns:a16="http://schemas.microsoft.com/office/drawing/2014/main" id="{48F1895D-A96F-417D-6A81-847B7196DF2D}"/>
+              </a:ext>
+            </a:extLst>
+          </p:cNvPr>
+          <p:cNvSpPr>
+            <a:spLocks noGrp="1"/>
+          </p:cNvSpPr>
+          <p:nvPr>
+            <p:ph type="title"/>
+          </p:nvPr>
+        </p:nvSpPr>
+        <p:spPr/>
+        <p:txBody>
+          <a:bodyPr/>
+          <a:lstStyle/>
+          <a:p>
+            <a:r>
+              <a:rPr lang="en-US"/>
+              <a:t>Regression Rules</a:t>
+            </a:r>
+          </a:p>
+        </p:txBody>
+      </p:sp>
+      <p:sp>
+        <p:nvSpPr>
+          <p:cNvPr id="3" name="Content Placeholder 2">
+            <a:extLst>
+              <a:ext uri="{FF2B5EF4-FFF2-40B4-BE49-F238E27FC236}">
+                <a16:creationId xmlns:a16="http://schemas.microsoft.com/office/drawing/2014/main" id="{B2F9FF5B-063E-1BD2-30F6-B5785E02971C}"/>
+              </a:ext>
+            </a:extLst>
+          </p:cNvPr>
+          <p:cNvSpPr>
+            <a:spLocks noGrp="1"/>
+          </p:cNvSpPr>
+          <p:nvPr>
+            <p:ph idx="1"/>
+          </p:nvPr>
+        </p:nvSpPr>
+        <p:spPr/>
+        <p:txBody>
+          <a:bodyPr vert="horz" lIns="91440" tIns="45720" rIns="91440" bIns="45720" rtlCol="0" anchor="t">
+            <a:normAutofit/>
+          </a:bodyPr>
+          <a:lstStyle/>
+          <a:p>
+            <a:pPr marL="457200" indent="-457200"/>
+            <a:r>
+              <a:rPr lang="en-US"/>
+              <a:t>Observations (patients) must outnumber input variables</a:t>
+            </a:r>
+          </a:p>
+          <a:p>
+            <a:pPr marL="457200" indent="-457200"/>
+            <a:r>
+              <a:rPr lang="en-US"/>
+              <a:t>Variables should not be related to one another (multicollinearity)</a:t>
+            </a:r>
+          </a:p>
+          <a:p>
+            <a:pPr marL="0" indent="0">
+              <a:buNone/>
+            </a:pPr>
+            <a:endParaRPr lang="en-US"/>
+          </a:p>
+        </p:txBody>
+      </p:sp>
+    </p:spTree>
+    <p:extLst>
+      <p:ext uri="{BB962C8B-B14F-4D97-AF65-F5344CB8AC3E}">
+        <p14:creationId xmlns:p14="http://schemas.microsoft.com/office/powerpoint/2010/main" val="2384403130"/>
+      </p:ext>
+    </p:extLst>
+  </p:cSld>
+  <p:clrMapOvr>
+    <a:masterClrMapping/>
+  </p:clrMapOvr>
+</p:sld>
+</file>
+
+<file path=ppt/slides/slide13.xml><?xml version="1.0" encoding="utf-8"?>
+<p:sld xmlns:a="http://schemas.openxmlformats.org/drawingml/2006/main" xmlns:r="http://schemas.openxmlformats.org/officeDocument/2006/relationships" xmlns:p="http://schemas.openxmlformats.org/presentationml/2006/main">
+  <p:cSld>
+    <p:spTree>
+      <p:nvGrpSpPr>
+        <p:cNvPr id="1" name=""/>
+        <p:cNvGrpSpPr/>
+        <p:nvPr/>
+      </p:nvGrpSpPr>
+      <p:grpSpPr>
+        <a:xfrm>
+          <a:off x="0" y="0"/>
+          <a:ext cx="0" cy="0"/>
+          <a:chOff x="0" y="0"/>
+          <a:chExt cx="0" cy="0"/>
+        </a:xfrm>
+      </p:grpSpPr>
       <p:pic>
         <p:nvPicPr>
           <p:cNvPr id="9" name="Picture 8" descr="A screenshot of a computer&#10;&#10;AI-generated content may be incorrect.">
@@ -3499,13 +3674,13 @@
           <a:lstStyle/>
           <a:p>
             <a:r>
-              <a:rPr lang="en-US"/>
+              <a:rPr lang="en-US" dirty="0"/>
               <a:t>Estimate is your coefficients NOT your odds ratios</a:t>
             </a:r>
           </a:p>
           <a:p>
             <a:r>
-              <a:rPr lang="en-US">
+              <a:rPr lang="en-US" dirty="0">
                 <a:ea typeface="+mn-lt"/>
                 <a:cs typeface="+mn-lt"/>
               </a:rPr>
@@ -3518,13 +3693,13 @@
               <a:buChar char="o"/>
             </a:pPr>
             <a:r>
-              <a:rPr lang="en-US">
+              <a:rPr lang="en-US" dirty="0">
                 <a:ea typeface="+mn-lt"/>
                 <a:cs typeface="+mn-lt"/>
               </a:rPr>
               <a:t>0 ‘***’ 0.001 ‘**’ 0.01 ‘*’ 0.05 ‘.’ 0.1 ‘ ’ 1</a:t>
             </a:r>
-            <a:endParaRPr lang="en-US"/>
+            <a:endParaRPr lang="en-US" dirty="0"/>
           </a:p>
         </p:txBody>
       </p:sp>
@@ -3599,15 +3774,15 @@
           <a:lstStyle/>
           <a:p>
             <a:r>
-              <a:rPr lang="en-US"/>
+              <a:rPr lang="en-US" dirty="0"/>
               <a:t>Similar to an R</a:t>
             </a:r>
             <a:r>
-              <a:rPr lang="en-US" baseline="30000"/>
+              <a:rPr lang="en-US" baseline="30000" dirty="0"/>
               <a:t>2 </a:t>
             </a:r>
             <a:r>
-              <a:rPr lang="en-US"/>
+              <a:rPr lang="en-US" dirty="0"/>
               <a:t>but lower is better</a:t>
             </a:r>
           </a:p>
@@ -3705,136 +3880,6 @@
 </p:sld>
 </file>
 
-<file path=ppt/slides/slide13.xml><?xml version="1.0" encoding="utf-8"?>
-<p:sld xmlns:a="http://schemas.openxmlformats.org/drawingml/2006/main" xmlns:r="http://schemas.openxmlformats.org/officeDocument/2006/relationships" xmlns:p="http://schemas.openxmlformats.org/presentationml/2006/main">
-  <p:cSld>
-    <p:spTree>
-      <p:nvGrpSpPr>
-        <p:cNvPr id="1" name=""/>
-        <p:cNvGrpSpPr/>
-        <p:nvPr/>
-      </p:nvGrpSpPr>
-      <p:grpSpPr>
-        <a:xfrm>
-          <a:off x="0" y="0"/>
-          <a:ext cx="0" cy="0"/>
-          <a:chOff x="0" y="0"/>
-          <a:chExt cx="0" cy="0"/>
-        </a:xfrm>
-      </p:grpSpPr>
-      <p:sp>
-        <p:nvSpPr>
-          <p:cNvPr id="2" name="Title 1">
-            <a:extLst>
-              <a:ext uri="{FF2B5EF4-FFF2-40B4-BE49-F238E27FC236}">
-                <a16:creationId xmlns:a16="http://schemas.microsoft.com/office/drawing/2014/main" id="{7C19B3E1-5548-5A21-FBFF-EBA4ED3AD962}"/>
-              </a:ext>
-            </a:extLst>
-          </p:cNvPr>
-          <p:cNvSpPr>
-            <a:spLocks noGrp="1"/>
-          </p:cNvSpPr>
-          <p:nvPr>
-            <p:ph type="title"/>
-          </p:nvPr>
-        </p:nvSpPr>
-        <p:spPr/>
-        <p:txBody>
-          <a:bodyPr/>
-          <a:lstStyle/>
-          <a:p>
-            <a:r>
-              <a:rPr lang="en-US"/>
-              <a:t>Outcomes: Categorical </a:t>
-            </a:r>
-          </a:p>
-        </p:txBody>
-      </p:sp>
-      <p:sp>
-        <p:nvSpPr>
-          <p:cNvPr id="3" name="Content Placeholder 2">
-            <a:extLst>
-              <a:ext uri="{FF2B5EF4-FFF2-40B4-BE49-F238E27FC236}">
-                <a16:creationId xmlns:a16="http://schemas.microsoft.com/office/drawing/2014/main" id="{09354C11-C030-7B80-2220-614B2B2937E5}"/>
-              </a:ext>
-            </a:extLst>
-          </p:cNvPr>
-          <p:cNvSpPr>
-            <a:spLocks noGrp="1"/>
-          </p:cNvSpPr>
-          <p:nvPr>
-            <p:ph idx="1"/>
-          </p:nvPr>
-        </p:nvSpPr>
-        <p:spPr/>
-        <p:txBody>
-          <a:bodyPr vert="horz" lIns="91440" tIns="45720" rIns="91440" bIns="45720" rtlCol="0" anchor="t">
-            <a:normAutofit/>
-          </a:bodyPr>
-          <a:lstStyle/>
-          <a:p>
-            <a:r>
-              <a:rPr lang="en-US"/>
-              <a:t>Logistic regression if you have a binary outcome</a:t>
-            </a:r>
-          </a:p>
-          <a:p>
-            <a:pPr lvl="1">
-              <a:buFont typeface="Courier New" panose="020B0604020202020204" pitchFamily="34" charset="0"/>
-              <a:buChar char="o"/>
-            </a:pPr>
-            <a:r>
-              <a:rPr lang="en-US"/>
-              <a:t>IBD/no IBD, MI/no MI</a:t>
-            </a:r>
-          </a:p>
-          <a:p>
-            <a:r>
-              <a:rPr lang="en-US"/>
-              <a:t>Multinomial regression if you have more than two categories</a:t>
-            </a:r>
-          </a:p>
-          <a:p>
-            <a:pPr lvl="1">
-              <a:buFont typeface="Courier New" panose="020B0604020202020204" pitchFamily="34" charset="0"/>
-              <a:buChar char="o"/>
-            </a:pPr>
-            <a:r>
-              <a:rPr lang="en-US"/>
-              <a:t>Predicting NYHA heart failure classification, COPD GOLD Staging</a:t>
-            </a:r>
-          </a:p>
-          <a:p>
-            <a:pPr lvl="1">
-              <a:buFont typeface="Courier New" panose="020B0604020202020204" pitchFamily="34" charset="0"/>
-              <a:buChar char="o"/>
-            </a:pPr>
-            <a:r>
-              <a:rPr lang="en-US"/>
-              <a:t>Requires different R package, not yet coded</a:t>
-            </a:r>
-          </a:p>
-          <a:p>
-            <a:pPr marL="0" indent="0">
-              <a:buNone/>
-            </a:pPr>
-            <a:endParaRPr lang="en-US"/>
-          </a:p>
-        </p:txBody>
-      </p:sp>
-    </p:spTree>
-    <p:extLst>
-      <p:ext uri="{BB962C8B-B14F-4D97-AF65-F5344CB8AC3E}">
-        <p14:creationId xmlns:p14="http://schemas.microsoft.com/office/powerpoint/2010/main" val="2362524423"/>
-      </p:ext>
-    </p:extLst>
-  </p:cSld>
-  <p:clrMapOvr>
-    <a:masterClrMapping/>
-  </p:clrMapOvr>
-</p:sld>
-</file>
-
 <file path=ppt/slides/slide14.xml><?xml version="1.0" encoding="utf-8"?>
 <p:sld xmlns:a="http://schemas.openxmlformats.org/drawingml/2006/main" xmlns:r="http://schemas.openxmlformats.org/officeDocument/2006/relationships" xmlns:p="http://schemas.openxmlformats.org/presentationml/2006/main">
   <p:cSld>
@@ -3857,7 +3902,7 @@
           <p:cNvPr id="2" name="Title 1">
             <a:extLst>
               <a:ext uri="{FF2B5EF4-FFF2-40B4-BE49-F238E27FC236}">
-                <a16:creationId xmlns:a16="http://schemas.microsoft.com/office/drawing/2014/main" id="{6F000B66-7640-D76C-0440-7AE4E6C2F1E2}"/>
+                <a16:creationId xmlns:a16="http://schemas.microsoft.com/office/drawing/2014/main" id="{7C19B3E1-5548-5A21-FBFF-EBA4ED3AD962}"/>
               </a:ext>
             </a:extLst>
           </p:cNvPr>
@@ -3875,7 +3920,7 @@
           <a:p>
             <a:r>
               <a:rPr lang="en-US"/>
-              <a:t>Outcomes: Continuous</a:t>
+              <a:t>Outcomes: Categorical </a:t>
             </a:r>
           </a:p>
         </p:txBody>
@@ -3885,7 +3930,7 @@
           <p:cNvPr id="3" name="Content Placeholder 2">
             <a:extLst>
               <a:ext uri="{FF2B5EF4-FFF2-40B4-BE49-F238E27FC236}">
-                <a16:creationId xmlns:a16="http://schemas.microsoft.com/office/drawing/2014/main" id="{B92FE367-18F8-F2D0-AA91-292EEE455245}"/>
+                <a16:creationId xmlns:a16="http://schemas.microsoft.com/office/drawing/2014/main" id="{09354C11-C030-7B80-2220-614B2B2937E5}"/>
               </a:ext>
             </a:extLst>
           </p:cNvPr>
@@ -3904,8 +3949,8 @@
           <a:lstStyle/>
           <a:p>
             <a:r>
-              <a:rPr lang="en-US"/>
-              <a:t>Linear regression </a:t>
+              <a:rPr lang="en-US" dirty="0"/>
+              <a:t>Logistic regression if you have a binary outcome</a:t>
             </a:r>
           </a:p>
           <a:p>
@@ -3914,8 +3959,14 @@
               <a:buChar char="o"/>
             </a:pPr>
             <a:r>
-              <a:rPr lang="en-US"/>
-              <a:t>Assumes a linear relationship between your variables and outcome</a:t>
+              <a:rPr lang="en-US" dirty="0"/>
+              <a:t>IBD/no IBD, MI/no MI</a:t>
+            </a:r>
+          </a:p>
+          <a:p>
+            <a:r>
+              <a:rPr lang="en-US" dirty="0"/>
+              <a:t>Multinomial regression if you have more than two categories</a:t>
             </a:r>
           </a:p>
           <a:p>
@@ -3924,8 +3975,8 @@
               <a:buChar char="o"/>
             </a:pPr>
             <a:r>
-              <a:rPr lang="en-US"/>
-              <a:t>Volume of urine output after diuretic dose</a:t>
+              <a:rPr lang="en-US" dirty="0"/>
+              <a:t>Predicting NYHA heart failure classification, COPD GOLD Staging</a:t>
             </a:r>
           </a:p>
           <a:p>
@@ -3934,22 +3985,22 @@
               <a:buChar char="o"/>
             </a:pPr>
             <a:r>
-              <a:rPr lang="en-US"/>
-              <a:t>Change in SBP or HR </a:t>
+              <a:rPr lang="en-US" dirty="0"/>
+              <a:t>Requires different R package, not yet coded</a:t>
             </a:r>
           </a:p>
           <a:p>
             <a:pPr marL="0" indent="0">
               <a:buNone/>
             </a:pPr>
-            <a:endParaRPr lang="en-US"/>
+            <a:endParaRPr lang="en-US" dirty="0"/>
           </a:p>
         </p:txBody>
       </p:sp>
     </p:spTree>
     <p:extLst>
       <p:ext uri="{BB962C8B-B14F-4D97-AF65-F5344CB8AC3E}">
-        <p14:creationId xmlns:p14="http://schemas.microsoft.com/office/powerpoint/2010/main" val="1357453294"/>
+        <p14:creationId xmlns:p14="http://schemas.microsoft.com/office/powerpoint/2010/main" val="2362524423"/>
       </p:ext>
     </p:extLst>
   </p:cSld>
@@ -3981,7 +4032,7 @@
           <p:cNvPr id="2" name="Title 1">
             <a:extLst>
               <a:ext uri="{FF2B5EF4-FFF2-40B4-BE49-F238E27FC236}">
-                <a16:creationId xmlns:a16="http://schemas.microsoft.com/office/drawing/2014/main" id="{C272686B-3EAA-D743-D06D-56BB473F5EB6}"/>
+                <a16:creationId xmlns:a16="http://schemas.microsoft.com/office/drawing/2014/main" id="{6F000B66-7640-D76C-0440-7AE4E6C2F1E2}"/>
               </a:ext>
             </a:extLst>
           </p:cNvPr>
@@ -3999,7 +4050,7 @@
           <a:p>
             <a:r>
               <a:rPr lang="en-US"/>
-              <a:t>Outcomes: Count</a:t>
+              <a:t>Outcomes: Continuous</a:t>
             </a:r>
           </a:p>
         </p:txBody>
@@ -4009,7 +4060,7 @@
           <p:cNvPr id="3" name="Content Placeholder 2">
             <a:extLst>
               <a:ext uri="{FF2B5EF4-FFF2-40B4-BE49-F238E27FC236}">
-                <a16:creationId xmlns:a16="http://schemas.microsoft.com/office/drawing/2014/main" id="{F1899A71-35DB-8925-60BD-C02263BB6848}"/>
+                <a16:creationId xmlns:a16="http://schemas.microsoft.com/office/drawing/2014/main" id="{B92FE367-18F8-F2D0-AA91-292EEE455245}"/>
               </a:ext>
             </a:extLst>
           </p:cNvPr>
@@ -4029,7 +4080,7 @@
           <a:p>
             <a:r>
               <a:rPr lang="en-US"/>
-              <a:t>Poisson regression</a:t>
+              <a:t>Linear regression </a:t>
             </a:r>
           </a:p>
           <a:p>
@@ -4039,7 +4090,7 @@
             </a:pPr>
             <a:r>
               <a:rPr lang="en-US"/>
-              <a:t>Ex: Number of seizures after presenting for breakthrough seizure</a:t>
+              <a:t>Assumes a linear relationship between your variables and outcome</a:t>
             </a:r>
           </a:p>
           <a:p>
@@ -4049,7 +4100,7 @@
             </a:pPr>
             <a:r>
               <a:rPr lang="en-US"/>
-              <a:t>Number of bowel movements after laxative</a:t>
+              <a:t>Volume of urine output after diuretic dose</a:t>
             </a:r>
           </a:p>
           <a:p>
@@ -4059,15 +4110,21 @@
             </a:pPr>
             <a:r>
               <a:rPr lang="en-US"/>
-              <a:t>Number of episodes of urination (But not amount)</a:t>
-            </a:r>
+              <a:t>Change in SBP or HR </a:t>
+            </a:r>
+          </a:p>
+          <a:p>
+            <a:pPr marL="0" indent="0">
+              <a:buNone/>
+            </a:pPr>
+            <a:endParaRPr lang="en-US"/>
           </a:p>
         </p:txBody>
       </p:sp>
     </p:spTree>
     <p:extLst>
       <p:ext uri="{BB962C8B-B14F-4D97-AF65-F5344CB8AC3E}">
-        <p14:creationId xmlns:p14="http://schemas.microsoft.com/office/powerpoint/2010/main" val="2984998137"/>
+        <p14:creationId xmlns:p14="http://schemas.microsoft.com/office/powerpoint/2010/main" val="1357453294"/>
       </p:ext>
     </p:extLst>
   </p:cSld>
@@ -4099,7 +4156,7 @@
           <p:cNvPr id="2" name="Title 1">
             <a:extLst>
               <a:ext uri="{FF2B5EF4-FFF2-40B4-BE49-F238E27FC236}">
-                <a16:creationId xmlns:a16="http://schemas.microsoft.com/office/drawing/2014/main" id="{983406C5-E9E7-9142-6708-30F295A7EE5C}"/>
+                <a16:creationId xmlns:a16="http://schemas.microsoft.com/office/drawing/2014/main" id="{C272686B-3EAA-D743-D06D-56BB473F5EB6}"/>
               </a:ext>
             </a:extLst>
           </p:cNvPr>
@@ -4117,7 +4174,7 @@
           <a:p>
             <a:r>
               <a:rPr lang="en-US"/>
-              <a:t>Regression - What kind of input variables do you have? </a:t>
+              <a:t>Outcomes: Count</a:t>
             </a:r>
           </a:p>
         </p:txBody>
@@ -4127,7 +4184,7 @@
           <p:cNvPr id="3" name="Content Placeholder 2">
             <a:extLst>
               <a:ext uri="{FF2B5EF4-FFF2-40B4-BE49-F238E27FC236}">
-                <a16:creationId xmlns:a16="http://schemas.microsoft.com/office/drawing/2014/main" id="{34E7B9C8-5081-F05A-31E6-670878B57B46}"/>
+                <a16:creationId xmlns:a16="http://schemas.microsoft.com/office/drawing/2014/main" id="{F1899A71-35DB-8925-60BD-C02263BB6848}"/>
               </a:ext>
             </a:extLst>
           </p:cNvPr>
@@ -4147,11 +4204,129 @@
           <a:p>
             <a:r>
               <a:rPr lang="en-US"/>
+              <a:t>Poisson regression</a:t>
+            </a:r>
+          </a:p>
+          <a:p>
+            <a:pPr lvl="1">
+              <a:buFont typeface="Courier New" panose="020B0604020202020204" pitchFamily="34" charset="0"/>
+              <a:buChar char="o"/>
+            </a:pPr>
+            <a:r>
+              <a:rPr lang="en-US"/>
+              <a:t>Ex: Number of seizures after presenting for breakthrough seizure</a:t>
+            </a:r>
+          </a:p>
+          <a:p>
+            <a:pPr lvl="1">
+              <a:buFont typeface="Courier New" panose="020B0604020202020204" pitchFamily="34" charset="0"/>
+              <a:buChar char="o"/>
+            </a:pPr>
+            <a:r>
+              <a:rPr lang="en-US"/>
+              <a:t>Number of bowel movements after laxative</a:t>
+            </a:r>
+          </a:p>
+          <a:p>
+            <a:pPr lvl="1">
+              <a:buFont typeface="Courier New" panose="020B0604020202020204" pitchFamily="34" charset="0"/>
+              <a:buChar char="o"/>
+            </a:pPr>
+            <a:r>
+              <a:rPr lang="en-US"/>
+              <a:t>Number of episodes of urination (But not amount)</a:t>
+            </a:r>
+          </a:p>
+        </p:txBody>
+      </p:sp>
+    </p:spTree>
+    <p:extLst>
+      <p:ext uri="{BB962C8B-B14F-4D97-AF65-F5344CB8AC3E}">
+        <p14:creationId xmlns:p14="http://schemas.microsoft.com/office/powerpoint/2010/main" val="2984998137"/>
+      </p:ext>
+    </p:extLst>
+  </p:cSld>
+  <p:clrMapOvr>
+    <a:masterClrMapping/>
+  </p:clrMapOvr>
+</p:sld>
+</file>
+
+<file path=ppt/slides/slide17.xml><?xml version="1.0" encoding="utf-8"?>
+<p:sld xmlns:a="http://schemas.openxmlformats.org/drawingml/2006/main" xmlns:r="http://schemas.openxmlformats.org/officeDocument/2006/relationships" xmlns:p="http://schemas.openxmlformats.org/presentationml/2006/main">
+  <p:cSld>
+    <p:spTree>
+      <p:nvGrpSpPr>
+        <p:cNvPr id="1" name=""/>
+        <p:cNvGrpSpPr/>
+        <p:nvPr/>
+      </p:nvGrpSpPr>
+      <p:grpSpPr>
+        <a:xfrm>
+          <a:off x="0" y="0"/>
+          <a:ext cx="0" cy="0"/>
+          <a:chOff x="0" y="0"/>
+          <a:chExt cx="0" cy="0"/>
+        </a:xfrm>
+      </p:grpSpPr>
+      <p:sp>
+        <p:nvSpPr>
+          <p:cNvPr id="2" name="Title 1">
+            <a:extLst>
+              <a:ext uri="{FF2B5EF4-FFF2-40B4-BE49-F238E27FC236}">
+                <a16:creationId xmlns:a16="http://schemas.microsoft.com/office/drawing/2014/main" id="{983406C5-E9E7-9142-6708-30F295A7EE5C}"/>
+              </a:ext>
+            </a:extLst>
+          </p:cNvPr>
+          <p:cNvSpPr>
+            <a:spLocks noGrp="1"/>
+          </p:cNvSpPr>
+          <p:nvPr>
+            <p:ph type="title"/>
+          </p:nvPr>
+        </p:nvSpPr>
+        <p:spPr/>
+        <p:txBody>
+          <a:bodyPr/>
+          <a:lstStyle/>
+          <a:p>
+            <a:r>
+              <a:rPr lang="en-US"/>
+              <a:t>Regression - What kind of input variables do you have? </a:t>
+            </a:r>
+          </a:p>
+        </p:txBody>
+      </p:sp>
+      <p:sp>
+        <p:nvSpPr>
+          <p:cNvPr id="3" name="Content Placeholder 2">
+            <a:extLst>
+              <a:ext uri="{FF2B5EF4-FFF2-40B4-BE49-F238E27FC236}">
+                <a16:creationId xmlns:a16="http://schemas.microsoft.com/office/drawing/2014/main" id="{34E7B9C8-5081-F05A-31E6-670878B57B46}"/>
+              </a:ext>
+            </a:extLst>
+          </p:cNvPr>
+          <p:cNvSpPr>
+            <a:spLocks noGrp="1"/>
+          </p:cNvSpPr>
+          <p:nvPr>
+            <p:ph idx="1"/>
+          </p:nvPr>
+        </p:nvSpPr>
+        <p:spPr/>
+        <p:txBody>
+          <a:bodyPr vert="horz" lIns="91440" tIns="45720" rIns="91440" bIns="45720" rtlCol="0" anchor="t">
+            <a:normAutofit/>
+          </a:bodyPr>
+          <a:lstStyle/>
+          <a:p>
+            <a:r>
+              <a:rPr lang="en-US" dirty="0"/>
               <a:t>For regression, the code is only for generalized linear models so it doesn't matter</a:t>
             </a:r>
           </a:p>
           <a:p>
-            <a:endParaRPr lang="en-US"/>
+            <a:endParaRPr lang="en-US" dirty="0"/>
           </a:p>
           <a:p>
             <a:pPr lvl="1">
@@ -4178,7 +4353,7 @@
 </p:sld>
 </file>
 
-<file path=ppt/slides/slide17.xml><?xml version="1.0" encoding="utf-8"?>
+<file path=ppt/slides/slide18.xml><?xml version="1.0" encoding="utf-8"?>
 <p:sld xmlns:a="http://schemas.openxmlformats.org/drawingml/2006/main" xmlns:r="http://schemas.openxmlformats.org/officeDocument/2006/relationships" xmlns:p="http://schemas.openxmlformats.org/presentationml/2006/main">
   <p:cSld>
     <p:spTree>
@@ -4385,136 +4560,6 @@
     <p:extLst>
       <p:ext uri="{BB962C8B-B14F-4D97-AF65-F5344CB8AC3E}">
         <p14:creationId xmlns:p14="http://schemas.microsoft.com/office/powerpoint/2010/main" val="2186682337"/>
-      </p:ext>
-    </p:extLst>
-  </p:cSld>
-  <p:clrMapOvr>
-    <a:masterClrMapping/>
-  </p:clrMapOvr>
-</p:sld>
-</file>
-
-<file path=ppt/slides/slide18.xml><?xml version="1.0" encoding="utf-8"?>
-<p:sld xmlns:a="http://schemas.openxmlformats.org/drawingml/2006/main" xmlns:r="http://schemas.openxmlformats.org/officeDocument/2006/relationships" xmlns:p="http://schemas.openxmlformats.org/presentationml/2006/main">
-  <p:cSld>
-    <p:spTree>
-      <p:nvGrpSpPr>
-        <p:cNvPr id="1" name=""/>
-        <p:cNvGrpSpPr/>
-        <p:nvPr/>
-      </p:nvGrpSpPr>
-      <p:grpSpPr>
-        <a:xfrm>
-          <a:off x="0" y="0"/>
-          <a:ext cx="0" cy="0"/>
-          <a:chOff x="0" y="0"/>
-          <a:chExt cx="0" cy="0"/>
-        </a:xfrm>
-      </p:grpSpPr>
-      <p:sp>
-        <p:nvSpPr>
-          <p:cNvPr id="2" name="Title 1">
-            <a:extLst>
-              <a:ext uri="{FF2B5EF4-FFF2-40B4-BE49-F238E27FC236}">
-                <a16:creationId xmlns:a16="http://schemas.microsoft.com/office/drawing/2014/main" id="{1D04B625-760C-E312-ADF6-5A3D1E88FD5B}"/>
-              </a:ext>
-            </a:extLst>
-          </p:cNvPr>
-          <p:cNvSpPr>
-            <a:spLocks noGrp="1"/>
-          </p:cNvSpPr>
-          <p:nvPr>
-            <p:ph type="title"/>
-          </p:nvPr>
-        </p:nvSpPr>
-        <p:spPr/>
-        <p:txBody>
-          <a:bodyPr/>
-          <a:lstStyle/>
-          <a:p>
-            <a:r>
-              <a:rPr lang="en-US"/>
-              <a:t>Diff in means - What kind of input variables do you have? </a:t>
-            </a:r>
-          </a:p>
-        </p:txBody>
-      </p:sp>
-      <p:pic>
-        <p:nvPicPr>
-          <p:cNvPr id="4" name="Content Placeholder 3" descr="A decision tree for choosing the right statistical test">
-            <a:extLst>
-              <a:ext uri="{FF2B5EF4-FFF2-40B4-BE49-F238E27FC236}">
-                <a16:creationId xmlns:a16="http://schemas.microsoft.com/office/drawing/2014/main" id="{EABFBA54-2805-0D4C-0DE1-FE985515F703}"/>
-              </a:ext>
-            </a:extLst>
-          </p:cNvPr>
-          <p:cNvPicPr>
-            <a:picLocks noGrp="1" noChangeAspect="1"/>
-          </p:cNvPicPr>
-          <p:nvPr>
-            <p:ph idx="1"/>
-          </p:nvPr>
-        </p:nvPicPr>
-        <p:blipFill>
-          <a:blip r:embed="rId2"/>
-          <a:stretch>
-            <a:fillRect/>
-          </a:stretch>
-        </p:blipFill>
-        <p:spPr>
-          <a:xfrm>
-            <a:off x="1844674" y="1394304"/>
-            <a:ext cx="8488275" cy="5458393"/>
-          </a:xfrm>
-        </p:spPr>
-      </p:pic>
-      <p:sp>
-        <p:nvSpPr>
-          <p:cNvPr id="5" name="TextBox 4">
-            <a:extLst>
-              <a:ext uri="{FF2B5EF4-FFF2-40B4-BE49-F238E27FC236}">
-                <a16:creationId xmlns:a16="http://schemas.microsoft.com/office/drawing/2014/main" id="{DFCDC10B-AC9A-62D7-EA60-D6055A18754C}"/>
-              </a:ext>
-            </a:extLst>
-          </p:cNvPr>
-          <p:cNvSpPr txBox="1"/>
-          <p:nvPr/>
-        </p:nvSpPr>
-        <p:spPr>
-          <a:xfrm>
-            <a:off x="9264952" y="6458857"/>
-            <a:ext cx="2927047" cy="400110"/>
-          </a:xfrm>
-          <a:prstGeom prst="rect">
-            <a:avLst/>
-          </a:prstGeom>
-          <a:noFill/>
-        </p:spPr>
-        <p:txBody>
-          <a:bodyPr rot="0" spcFirstLastPara="0" vertOverflow="overflow" horzOverflow="overflow" vert="horz" wrap="square" lIns="91440" tIns="45720" rIns="91440" bIns="45720" numCol="1" spcCol="0" rtlCol="0" fromWordArt="0" anchor="t" anchorCtr="0" forceAA="0" compatLnSpc="1">
-            <a:prstTxWarp prst="textNoShape">
-              <a:avLst/>
-            </a:prstTxWarp>
-            <a:spAutoFit/>
-          </a:bodyPr>
-          <a:lstStyle/>
-          <a:p>
-            <a:r>
-              <a:rPr lang="en-US" sz="1000">
-                <a:ea typeface="+mn-lt"/>
-                <a:cs typeface="+mn-lt"/>
-                <a:hlinkClick r:id="rId3"/>
-              </a:rPr>
-              <a:t>Choosing the Right Statistical Test: A Decision Tree Approach</a:t>
-            </a:r>
-            <a:endParaRPr lang="en-US" sz="1000"/>
-          </a:p>
-        </p:txBody>
-      </p:sp>
-    </p:spTree>
-    <p:extLst>
-      <p:ext uri="{BB962C8B-B14F-4D97-AF65-F5344CB8AC3E}">
-        <p14:creationId xmlns:p14="http://schemas.microsoft.com/office/powerpoint/2010/main" val="4000554617"/>
       </p:ext>
     </p:extLst>
   </p:cSld>
@@ -4546,7 +4591,7 @@
           <p:cNvPr id="2" name="Title 1">
             <a:extLst>
               <a:ext uri="{FF2B5EF4-FFF2-40B4-BE49-F238E27FC236}">
-                <a16:creationId xmlns:a16="http://schemas.microsoft.com/office/drawing/2014/main" id="{D234A507-7F67-3606-7922-736D1F2320ED}"/>
+                <a16:creationId xmlns:a16="http://schemas.microsoft.com/office/drawing/2014/main" id="{1D04B625-760C-E312-ADF6-5A3D1E88FD5B}"/>
               </a:ext>
             </a:extLst>
           </p:cNvPr>
@@ -4564,81 +4609,87 @@
           <a:p>
             <a:r>
               <a:rPr lang="en-US"/>
-              <a:t>Testing difference in means – Continuous outcomes</a:t>
-            </a:r>
-          </a:p>
-        </p:txBody>
-      </p:sp>
-      <p:sp>
-        <p:nvSpPr>
-          <p:cNvPr id="3" name="Content Placeholder 2">
-            <a:extLst>
-              <a:ext uri="{FF2B5EF4-FFF2-40B4-BE49-F238E27FC236}">
-                <a16:creationId xmlns:a16="http://schemas.microsoft.com/office/drawing/2014/main" id="{8C023EB6-7158-5225-1AF2-25271A3BCAC6}"/>
-              </a:ext>
-            </a:extLst>
-          </p:cNvPr>
-          <p:cNvSpPr>
-            <a:spLocks noGrp="1"/>
-          </p:cNvSpPr>
+              <a:t>Diff in means - What kind of input variables do you have? </a:t>
+            </a:r>
+          </a:p>
+        </p:txBody>
+      </p:sp>
+      <p:pic>
+        <p:nvPicPr>
+          <p:cNvPr id="4" name="Content Placeholder 3" descr="A decision tree for choosing the right statistical test">
+            <a:extLst>
+              <a:ext uri="{FF2B5EF4-FFF2-40B4-BE49-F238E27FC236}">
+                <a16:creationId xmlns:a16="http://schemas.microsoft.com/office/drawing/2014/main" id="{EABFBA54-2805-0D4C-0DE1-FE985515F703}"/>
+              </a:ext>
+            </a:extLst>
+          </p:cNvPr>
+          <p:cNvPicPr>
+            <a:picLocks noGrp="1" noChangeAspect="1"/>
+          </p:cNvPicPr>
           <p:nvPr>
             <p:ph idx="1"/>
           </p:nvPr>
-        </p:nvSpPr>
-        <p:spPr/>
-        <p:txBody>
-          <a:bodyPr vert="horz" lIns="91440" tIns="45720" rIns="91440" bIns="45720" rtlCol="0" anchor="t">
-            <a:normAutofit/>
+        </p:nvPicPr>
+        <p:blipFill>
+          <a:blip r:embed="rId2"/>
+          <a:stretch>
+            <a:fillRect/>
+          </a:stretch>
+        </p:blipFill>
+        <p:spPr>
+          <a:xfrm>
+            <a:off x="1844674" y="1394304"/>
+            <a:ext cx="8488275" cy="5458393"/>
+          </a:xfrm>
+        </p:spPr>
+      </p:pic>
+      <p:sp>
+        <p:nvSpPr>
+          <p:cNvPr id="5" name="TextBox 4">
+            <a:extLst>
+              <a:ext uri="{FF2B5EF4-FFF2-40B4-BE49-F238E27FC236}">
+                <a16:creationId xmlns:a16="http://schemas.microsoft.com/office/drawing/2014/main" id="{DFCDC10B-AC9A-62D7-EA60-D6055A18754C}"/>
+              </a:ext>
+            </a:extLst>
+          </p:cNvPr>
+          <p:cNvSpPr txBox="1"/>
+          <p:nvPr/>
+        </p:nvSpPr>
+        <p:spPr>
+          <a:xfrm>
+            <a:off x="9264952" y="6458857"/>
+            <a:ext cx="2927047" cy="400110"/>
+          </a:xfrm>
+          <a:prstGeom prst="rect">
+            <a:avLst/>
+          </a:prstGeom>
+          <a:noFill/>
+        </p:spPr>
+        <p:txBody>
+          <a:bodyPr rot="0" spcFirstLastPara="0" vertOverflow="overflow" horzOverflow="overflow" vert="horz" wrap="square" lIns="91440" tIns="45720" rIns="91440" bIns="45720" numCol="1" spcCol="0" rtlCol="0" fromWordArt="0" anchor="t" anchorCtr="0" forceAA="0" compatLnSpc="1">
+            <a:prstTxWarp prst="textNoShape">
+              <a:avLst/>
+            </a:prstTxWarp>
+            <a:spAutoFit/>
           </a:bodyPr>
           <a:lstStyle/>
           <a:p>
             <a:r>
-              <a:rPr lang="en-US"/>
-              <a:t>Two groups: T-test or Mann Whitney U Test  (non-parametric)</a:t>
-            </a:r>
-          </a:p>
-          <a:p>
-            <a:pPr lvl="1">
-              <a:buFont typeface="Courier New" panose="020B0604020202020204" pitchFamily="34" charset="0"/>
-              <a:buChar char="o"/>
-            </a:pPr>
-            <a:r>
-              <a:rPr lang="en-US"/>
-              <a:t>Depends on normality, discussed later under input variables</a:t>
-            </a:r>
-          </a:p>
-          <a:p>
-            <a:r>
-              <a:rPr lang="en-US"/>
-              <a:t>More than two groups or want to adjust for other variables</a:t>
-            </a:r>
-          </a:p>
-          <a:p>
-            <a:pPr lvl="1">
-              <a:buFont typeface="Courier New" panose="020B0604020202020204" pitchFamily="34" charset="0"/>
-              <a:buChar char="o"/>
-            </a:pPr>
-            <a:r>
-              <a:rPr lang="en-US"/>
-              <a:t>ANOVA or variant </a:t>
-            </a:r>
-          </a:p>
-          <a:p>
-            <a:endParaRPr lang="en-US"/>
-          </a:p>
-          <a:p>
-            <a:pPr lvl="1">
-              <a:buFont typeface="Courier New" panose="020B0604020202020204" pitchFamily="34" charset="0"/>
-              <a:buChar char="o"/>
-            </a:pPr>
-            <a:endParaRPr lang="en-US"/>
+              <a:rPr lang="en-US" sz="1000">
+                <a:ea typeface="+mn-lt"/>
+                <a:cs typeface="+mn-lt"/>
+                <a:hlinkClick r:id="rId3"/>
+              </a:rPr>
+              <a:t>Choosing the Right Statistical Test: A Decision Tree Approach</a:t>
+            </a:r>
+            <a:endParaRPr lang="en-US" sz="1000"/>
           </a:p>
         </p:txBody>
       </p:sp>
     </p:spTree>
     <p:extLst>
       <p:ext uri="{BB962C8B-B14F-4D97-AF65-F5344CB8AC3E}">
-        <p14:creationId xmlns:p14="http://schemas.microsoft.com/office/powerpoint/2010/main" val="2539082511"/>
+        <p14:creationId xmlns:p14="http://schemas.microsoft.com/office/powerpoint/2010/main" val="4000554617"/>
       </p:ext>
     </p:extLst>
   </p:cSld>
@@ -4817,6 +4868,130 @@
           <p:cNvPr id="2" name="Title 1">
             <a:extLst>
               <a:ext uri="{FF2B5EF4-FFF2-40B4-BE49-F238E27FC236}">
+                <a16:creationId xmlns:a16="http://schemas.microsoft.com/office/drawing/2014/main" id="{D234A507-7F67-3606-7922-736D1F2320ED}"/>
+              </a:ext>
+            </a:extLst>
+          </p:cNvPr>
+          <p:cNvSpPr>
+            <a:spLocks noGrp="1"/>
+          </p:cNvSpPr>
+          <p:nvPr>
+            <p:ph type="title"/>
+          </p:nvPr>
+        </p:nvSpPr>
+        <p:spPr/>
+        <p:txBody>
+          <a:bodyPr/>
+          <a:lstStyle/>
+          <a:p>
+            <a:r>
+              <a:rPr lang="en-US"/>
+              <a:t>Testing difference in means – Continuous outcomes</a:t>
+            </a:r>
+          </a:p>
+        </p:txBody>
+      </p:sp>
+      <p:sp>
+        <p:nvSpPr>
+          <p:cNvPr id="3" name="Content Placeholder 2">
+            <a:extLst>
+              <a:ext uri="{FF2B5EF4-FFF2-40B4-BE49-F238E27FC236}">
+                <a16:creationId xmlns:a16="http://schemas.microsoft.com/office/drawing/2014/main" id="{8C023EB6-7158-5225-1AF2-25271A3BCAC6}"/>
+              </a:ext>
+            </a:extLst>
+          </p:cNvPr>
+          <p:cNvSpPr>
+            <a:spLocks noGrp="1"/>
+          </p:cNvSpPr>
+          <p:nvPr>
+            <p:ph idx="1"/>
+          </p:nvPr>
+        </p:nvSpPr>
+        <p:spPr/>
+        <p:txBody>
+          <a:bodyPr vert="horz" lIns="91440" tIns="45720" rIns="91440" bIns="45720" rtlCol="0" anchor="t">
+            <a:normAutofit/>
+          </a:bodyPr>
+          <a:lstStyle/>
+          <a:p>
+            <a:r>
+              <a:rPr lang="en-US"/>
+              <a:t>Two groups: T-test or Mann Whitney U Test  (non-parametric)</a:t>
+            </a:r>
+          </a:p>
+          <a:p>
+            <a:pPr lvl="1">
+              <a:buFont typeface="Courier New" panose="020B0604020202020204" pitchFamily="34" charset="0"/>
+              <a:buChar char="o"/>
+            </a:pPr>
+            <a:r>
+              <a:rPr lang="en-US"/>
+              <a:t>Depends on normality, discussed later under input variables</a:t>
+            </a:r>
+          </a:p>
+          <a:p>
+            <a:r>
+              <a:rPr lang="en-US"/>
+              <a:t>More than two groups or want to adjust for other variables</a:t>
+            </a:r>
+          </a:p>
+          <a:p>
+            <a:pPr lvl="1">
+              <a:buFont typeface="Courier New" panose="020B0604020202020204" pitchFamily="34" charset="0"/>
+              <a:buChar char="o"/>
+            </a:pPr>
+            <a:r>
+              <a:rPr lang="en-US"/>
+              <a:t>ANOVA or variant </a:t>
+            </a:r>
+          </a:p>
+          <a:p>
+            <a:endParaRPr lang="en-US"/>
+          </a:p>
+          <a:p>
+            <a:pPr lvl="1">
+              <a:buFont typeface="Courier New" panose="020B0604020202020204" pitchFamily="34" charset="0"/>
+              <a:buChar char="o"/>
+            </a:pPr>
+            <a:endParaRPr lang="en-US"/>
+          </a:p>
+        </p:txBody>
+      </p:sp>
+    </p:spTree>
+    <p:extLst>
+      <p:ext uri="{BB962C8B-B14F-4D97-AF65-F5344CB8AC3E}">
+        <p14:creationId xmlns:p14="http://schemas.microsoft.com/office/powerpoint/2010/main" val="2539082511"/>
+      </p:ext>
+    </p:extLst>
+  </p:cSld>
+  <p:clrMapOvr>
+    <a:masterClrMapping/>
+  </p:clrMapOvr>
+</p:sld>
+</file>
+
+<file path=ppt/slides/slide21.xml><?xml version="1.0" encoding="utf-8"?>
+<p:sld xmlns:a="http://schemas.openxmlformats.org/drawingml/2006/main" xmlns:r="http://schemas.openxmlformats.org/officeDocument/2006/relationships" xmlns:p="http://schemas.openxmlformats.org/presentationml/2006/main">
+  <p:cSld>
+    <p:spTree>
+      <p:nvGrpSpPr>
+        <p:cNvPr id="1" name=""/>
+        <p:cNvGrpSpPr/>
+        <p:nvPr/>
+      </p:nvGrpSpPr>
+      <p:grpSpPr>
+        <a:xfrm>
+          <a:off x="0" y="0"/>
+          <a:ext cx="0" cy="0"/>
+          <a:chOff x="0" y="0"/>
+          <a:chExt cx="0" cy="0"/>
+        </a:xfrm>
+      </p:grpSpPr>
+      <p:sp>
+        <p:nvSpPr>
+          <p:cNvPr id="2" name="Title 1">
+            <a:extLst>
+              <a:ext uri="{FF2B5EF4-FFF2-40B4-BE49-F238E27FC236}">
                 <a16:creationId xmlns:a16="http://schemas.microsoft.com/office/drawing/2014/main" id="{99452372-5813-0C9C-EBED-D015E307D997}"/>
               </a:ext>
             </a:extLst>
@@ -5236,7 +5411,7 @@
 </p:sld>
 </file>
 
-<file path=ppt/slides/slide21.xml><?xml version="1.0" encoding="utf-8"?>
+<file path=ppt/slides/slide22.xml><?xml version="1.0" encoding="utf-8"?>
 <p:sld xmlns:a="http://schemas.openxmlformats.org/drawingml/2006/main" xmlns:r="http://schemas.openxmlformats.org/officeDocument/2006/relationships" xmlns:p="http://schemas.openxmlformats.org/presentationml/2006/main">
   <p:cSld>
     <p:spTree>
@@ -5556,7 +5731,7 @@
 </p:sld>
 </file>
 
-<file path=ppt/slides/slide22.xml><?xml version="1.0" encoding="utf-8"?>
+<file path=ppt/slides/slide23.xml><?xml version="1.0" encoding="utf-8"?>
 <p:sld xmlns:a="http://schemas.openxmlformats.org/drawingml/2006/main" xmlns:r="http://schemas.openxmlformats.org/officeDocument/2006/relationships" xmlns:p="http://schemas.openxmlformats.org/presentationml/2006/main">
   <p:cSld>
     <p:spTree>
@@ -5670,7 +5845,7 @@
 </p:sld>
 </file>
 
-<file path=ppt/slides/slide23.xml><?xml version="1.0" encoding="utf-8"?>
+<file path=ppt/slides/slide24.xml><?xml version="1.0" encoding="utf-8"?>
 <p:sld xmlns:a="http://schemas.openxmlformats.org/drawingml/2006/main" xmlns:r="http://schemas.openxmlformats.org/officeDocument/2006/relationships" xmlns:p="http://schemas.openxmlformats.org/presentationml/2006/main">
   <p:cSld>
     <p:spTree>
@@ -5897,180 +6072,6 @@
     <p:extLst>
       <p:ext uri="{BB962C8B-B14F-4D97-AF65-F5344CB8AC3E}">
         <p14:creationId xmlns:p14="http://schemas.microsoft.com/office/powerpoint/2010/main" val="94882491"/>
-      </p:ext>
-    </p:extLst>
-  </p:cSld>
-  <p:clrMapOvr>
-    <a:masterClrMapping/>
-  </p:clrMapOvr>
-</p:sld>
-</file>
-
-<file path=ppt/slides/slide24.xml><?xml version="1.0" encoding="utf-8"?>
-<p:sld xmlns:a="http://schemas.openxmlformats.org/drawingml/2006/main" xmlns:r="http://schemas.openxmlformats.org/officeDocument/2006/relationships" xmlns:p="http://schemas.openxmlformats.org/presentationml/2006/main">
-  <p:cSld>
-    <p:spTree>
-      <p:nvGrpSpPr>
-        <p:cNvPr id="1" name=""/>
-        <p:cNvGrpSpPr/>
-        <p:nvPr/>
-      </p:nvGrpSpPr>
-      <p:grpSpPr>
-        <a:xfrm>
-          <a:off x="0" y="0"/>
-          <a:ext cx="0" cy="0"/>
-          <a:chOff x="0" y="0"/>
-          <a:chExt cx="0" cy="0"/>
-        </a:xfrm>
-      </p:grpSpPr>
-      <p:sp>
-        <p:nvSpPr>
-          <p:cNvPr id="2" name="Title 1">
-            <a:extLst>
-              <a:ext uri="{FF2B5EF4-FFF2-40B4-BE49-F238E27FC236}">
-                <a16:creationId xmlns:a16="http://schemas.microsoft.com/office/drawing/2014/main" id="{478EE81A-2EE8-C53C-B0FB-3BC29647F7D1}"/>
-              </a:ext>
-            </a:extLst>
-          </p:cNvPr>
-          <p:cNvSpPr>
-            <a:spLocks noGrp="1"/>
-          </p:cNvSpPr>
-          <p:nvPr>
-            <p:ph type="title"/>
-          </p:nvPr>
-        </p:nvSpPr>
-        <p:spPr/>
-        <p:txBody>
-          <a:bodyPr/>
-          <a:lstStyle/>
-          <a:p>
-            <a:r>
-              <a:rPr lang="en-US"/>
-              <a:t>Survival Modeling – type of censoring </a:t>
-            </a:r>
-          </a:p>
-        </p:txBody>
-      </p:sp>
-      <p:sp>
-        <p:nvSpPr>
-          <p:cNvPr id="3" name="Content Placeholder 2">
-            <a:extLst>
-              <a:ext uri="{FF2B5EF4-FFF2-40B4-BE49-F238E27FC236}">
-                <a16:creationId xmlns:a16="http://schemas.microsoft.com/office/drawing/2014/main" id="{989CE1FF-7DE4-5845-7FC2-08327A79D38D}"/>
-              </a:ext>
-            </a:extLst>
-          </p:cNvPr>
-          <p:cNvSpPr>
-            <a:spLocks noGrp="1"/>
-          </p:cNvSpPr>
-          <p:nvPr>
-            <p:ph idx="1"/>
-          </p:nvPr>
-        </p:nvSpPr>
-        <p:spPr/>
-        <p:txBody>
-          <a:bodyPr vert="horz" lIns="91440" tIns="45720" rIns="91440" bIns="45720" rtlCol="0" anchor="t">
-            <a:normAutofit fontScale="92500" lnSpcReduction="20000"/>
-          </a:bodyPr>
-          <a:lstStyle/>
-          <a:p>
-            <a:r>
-              <a:rPr lang="en-US"/>
-              <a:t>Generally 3 types</a:t>
-            </a:r>
-          </a:p>
-          <a:p>
-            <a:r>
-              <a:rPr lang="en-US"/>
-              <a:t>Uncensored</a:t>
-            </a:r>
-          </a:p>
-          <a:p>
-            <a:pPr lvl="1">
-              <a:buFont typeface="Courier New" panose="020B0604020202020204" pitchFamily="34" charset="0"/>
-              <a:buChar char="o"/>
-            </a:pPr>
-            <a:r>
-              <a:rPr lang="en-US"/>
-              <a:t>Study period contains the beginning and end of measurement of interest for all patients</a:t>
-            </a:r>
-          </a:p>
-          <a:p>
-            <a:pPr lvl="1">
-              <a:buFont typeface="Courier New" panose="020B0604020202020204" pitchFamily="34" charset="0"/>
-              <a:buChar char="o"/>
-            </a:pPr>
-            <a:r>
-              <a:rPr lang="en-US"/>
-              <a:t>Ex: Time to first blood work in study population of a country with universal EMR</a:t>
-            </a:r>
-          </a:p>
-          <a:p>
-            <a:r>
-              <a:rPr lang="en-US"/>
-              <a:t>Left censored</a:t>
-            </a:r>
-          </a:p>
-          <a:p>
-            <a:pPr lvl="1">
-              <a:buFont typeface="Courier New" panose="020B0604020202020204" pitchFamily="34" charset="0"/>
-              <a:buChar char="o"/>
-            </a:pPr>
-            <a:r>
-              <a:rPr lang="en-US"/>
-              <a:t>Study participants were at risk for event before study measurement began and you're unsure when </a:t>
-            </a:r>
-          </a:p>
-          <a:p>
-            <a:pPr lvl="1">
-              <a:buFont typeface="Courier New" panose="020B0604020202020204" pitchFamily="34" charset="0"/>
-              <a:buChar char="o"/>
-            </a:pPr>
-            <a:r>
-              <a:rPr lang="en-US"/>
-              <a:t>Not usually an issue for clinical trials</a:t>
-            </a:r>
-          </a:p>
-          <a:p>
-            <a:r>
-              <a:rPr lang="en-US" b="1"/>
-              <a:t>Right censored</a:t>
-            </a:r>
-          </a:p>
-          <a:p>
-            <a:pPr lvl="1">
-              <a:buFont typeface="Courier New" panose="020B0604020202020204" pitchFamily="34" charset="0"/>
-              <a:buChar char="o"/>
-            </a:pPr>
-            <a:r>
-              <a:rPr lang="en-US"/>
-              <a:t>Study period ends before all patients experience the event or are lost to follow-up</a:t>
-            </a:r>
-          </a:p>
-          <a:p>
-            <a:pPr lvl="1">
-              <a:buFont typeface="Courier New" panose="020B0604020202020204" pitchFamily="34" charset="0"/>
-              <a:buChar char="o"/>
-            </a:pPr>
-            <a:r>
-              <a:rPr lang="en-US"/>
-              <a:t>Ex: Almost all clinical trials, survival after cancer diagnosis, time to scope after admission for GIB, </a:t>
-            </a:r>
-            <a:r>
-              <a:rPr lang="en-US" err="1"/>
-              <a:t>etc</a:t>
-            </a:r>
-            <a:r>
-              <a:rPr lang="en-US"/>
-              <a:t> </a:t>
-            </a:r>
-          </a:p>
-        </p:txBody>
-      </p:sp>
-    </p:spTree>
-    <p:extLst>
-      <p:ext uri="{BB962C8B-B14F-4D97-AF65-F5344CB8AC3E}">
-        <p14:creationId xmlns:p14="http://schemas.microsoft.com/office/powerpoint/2010/main" val="3315359639"/>
       </p:ext>
     </p:extLst>
   </p:cSld>
@@ -6102,6 +6103,325 @@
           <p:cNvPr id="2" name="Title 1">
             <a:extLst>
               <a:ext uri="{FF2B5EF4-FFF2-40B4-BE49-F238E27FC236}">
+                <a16:creationId xmlns:a16="http://schemas.microsoft.com/office/drawing/2014/main" id="{478EE81A-2EE8-C53C-B0FB-3BC29647F7D1}"/>
+              </a:ext>
+            </a:extLst>
+          </p:cNvPr>
+          <p:cNvSpPr>
+            <a:spLocks noGrp="1"/>
+          </p:cNvSpPr>
+          <p:nvPr>
+            <p:ph type="title"/>
+          </p:nvPr>
+        </p:nvSpPr>
+        <p:spPr/>
+        <p:txBody>
+          <a:bodyPr/>
+          <a:lstStyle/>
+          <a:p>
+            <a:r>
+              <a:rPr lang="en-US"/>
+              <a:t>Survival Modeling – type of censoring </a:t>
+            </a:r>
+          </a:p>
+        </p:txBody>
+      </p:sp>
+      <p:sp>
+        <p:nvSpPr>
+          <p:cNvPr id="3" name="Content Placeholder 2">
+            <a:extLst>
+              <a:ext uri="{FF2B5EF4-FFF2-40B4-BE49-F238E27FC236}">
+                <a16:creationId xmlns:a16="http://schemas.microsoft.com/office/drawing/2014/main" id="{989CE1FF-7DE4-5845-7FC2-08327A79D38D}"/>
+              </a:ext>
+            </a:extLst>
+          </p:cNvPr>
+          <p:cNvSpPr>
+            <a:spLocks noGrp="1"/>
+          </p:cNvSpPr>
+          <p:nvPr>
+            <p:ph idx="1"/>
+          </p:nvPr>
+        </p:nvSpPr>
+        <p:spPr/>
+        <p:txBody>
+          <a:bodyPr vert="horz" lIns="91440" tIns="45720" rIns="91440" bIns="45720" rtlCol="0" anchor="t">
+            <a:normAutofit fontScale="92500" lnSpcReduction="20000"/>
+          </a:bodyPr>
+          <a:lstStyle/>
+          <a:p>
+            <a:r>
+              <a:rPr lang="en-US"/>
+              <a:t>Generally 3 types</a:t>
+            </a:r>
+          </a:p>
+          <a:p>
+            <a:r>
+              <a:rPr lang="en-US"/>
+              <a:t>Uncensored</a:t>
+            </a:r>
+          </a:p>
+          <a:p>
+            <a:pPr lvl="1">
+              <a:buFont typeface="Courier New" panose="020B0604020202020204" pitchFamily="34" charset="0"/>
+              <a:buChar char="o"/>
+            </a:pPr>
+            <a:r>
+              <a:rPr lang="en-US"/>
+              <a:t>Study period contains the beginning and end of measurement of interest for all patients</a:t>
+            </a:r>
+          </a:p>
+          <a:p>
+            <a:pPr lvl="1">
+              <a:buFont typeface="Courier New" panose="020B0604020202020204" pitchFamily="34" charset="0"/>
+              <a:buChar char="o"/>
+            </a:pPr>
+            <a:r>
+              <a:rPr lang="en-US"/>
+              <a:t>Ex: Time to first blood work in study population of a country with universal EMR</a:t>
+            </a:r>
+          </a:p>
+          <a:p>
+            <a:r>
+              <a:rPr lang="en-US"/>
+              <a:t>Left censored</a:t>
+            </a:r>
+          </a:p>
+          <a:p>
+            <a:pPr lvl="1">
+              <a:buFont typeface="Courier New" panose="020B0604020202020204" pitchFamily="34" charset="0"/>
+              <a:buChar char="o"/>
+            </a:pPr>
+            <a:r>
+              <a:rPr lang="en-US"/>
+              <a:t>Study participants were at risk for event before study measurement began and you're unsure when </a:t>
+            </a:r>
+          </a:p>
+          <a:p>
+            <a:pPr lvl="1">
+              <a:buFont typeface="Courier New" panose="020B0604020202020204" pitchFamily="34" charset="0"/>
+              <a:buChar char="o"/>
+            </a:pPr>
+            <a:r>
+              <a:rPr lang="en-US"/>
+              <a:t>Not usually an issue for clinical trials</a:t>
+            </a:r>
+          </a:p>
+          <a:p>
+            <a:r>
+              <a:rPr lang="en-US" b="1"/>
+              <a:t>Right censored</a:t>
+            </a:r>
+          </a:p>
+          <a:p>
+            <a:pPr lvl="1">
+              <a:buFont typeface="Courier New" panose="020B0604020202020204" pitchFamily="34" charset="0"/>
+              <a:buChar char="o"/>
+            </a:pPr>
+            <a:r>
+              <a:rPr lang="en-US"/>
+              <a:t>Study period ends before all patients experience the event or are lost to follow-up</a:t>
+            </a:r>
+          </a:p>
+          <a:p>
+            <a:pPr lvl="1">
+              <a:buFont typeface="Courier New" panose="020B0604020202020204" pitchFamily="34" charset="0"/>
+              <a:buChar char="o"/>
+            </a:pPr>
+            <a:r>
+              <a:rPr lang="en-US"/>
+              <a:t>Ex: Almost all clinical trials, survival after cancer diagnosis, time to scope after admission for GIB, </a:t>
+            </a:r>
+            <a:r>
+              <a:rPr lang="en-US" err="1"/>
+              <a:t>etc</a:t>
+            </a:r>
+            <a:r>
+              <a:rPr lang="en-US"/>
+              <a:t> </a:t>
+            </a:r>
+          </a:p>
+        </p:txBody>
+      </p:sp>
+    </p:spTree>
+    <p:extLst>
+      <p:ext uri="{BB962C8B-B14F-4D97-AF65-F5344CB8AC3E}">
+        <p14:creationId xmlns:p14="http://schemas.microsoft.com/office/powerpoint/2010/main" val="3315359639"/>
+      </p:ext>
+    </p:extLst>
+  </p:cSld>
+  <p:clrMapOvr>
+    <a:masterClrMapping/>
+  </p:clrMapOvr>
+</p:sld>
+</file>
+
+<file path=ppt/slides/slide26.xml><?xml version="1.0" encoding="utf-8"?>
+<p:sld xmlns:a="http://schemas.openxmlformats.org/drawingml/2006/main" xmlns:r="http://schemas.openxmlformats.org/officeDocument/2006/relationships" xmlns:p="http://schemas.openxmlformats.org/presentationml/2006/main">
+  <p:cSld>
+    <p:spTree>
+      <p:nvGrpSpPr>
+        <p:cNvPr id="1" name=""/>
+        <p:cNvGrpSpPr/>
+        <p:nvPr/>
+      </p:nvGrpSpPr>
+      <p:grpSpPr>
+        <a:xfrm>
+          <a:off x="0" y="0"/>
+          <a:ext cx="0" cy="0"/>
+          <a:chOff x="0" y="0"/>
+          <a:chExt cx="0" cy="0"/>
+        </a:xfrm>
+      </p:grpSpPr>
+      <p:sp>
+        <p:nvSpPr>
+          <p:cNvPr id="2" name="Title 1">
+            <a:extLst>
+              <a:ext uri="{FF2B5EF4-FFF2-40B4-BE49-F238E27FC236}">
+                <a16:creationId xmlns:a16="http://schemas.microsoft.com/office/drawing/2014/main" id="{CC36AA98-5C97-5F38-0172-3FCDDE436BDE}"/>
+              </a:ext>
+            </a:extLst>
+          </p:cNvPr>
+          <p:cNvSpPr>
+            <a:spLocks noGrp="1"/>
+          </p:cNvSpPr>
+          <p:nvPr>
+            <p:ph type="title"/>
+          </p:nvPr>
+        </p:nvSpPr>
+        <p:spPr/>
+        <p:txBody>
+          <a:bodyPr/>
+          <a:lstStyle/>
+          <a:p>
+            <a:r>
+              <a:rPr lang="en-US" dirty="0"/>
+              <a:t>Types of censoring </a:t>
+            </a:r>
+          </a:p>
+        </p:txBody>
+      </p:sp>
+      <p:pic>
+        <p:nvPicPr>
+          <p:cNvPr id="1026" name="Picture 2" descr="Explanation of Survival Analysis">
+            <a:extLst>
+              <a:ext uri="{FF2B5EF4-FFF2-40B4-BE49-F238E27FC236}">
+                <a16:creationId xmlns:a16="http://schemas.microsoft.com/office/drawing/2014/main" id="{85246146-8B56-C27F-2DF9-C1D21AFD8F0C}"/>
+              </a:ext>
+            </a:extLst>
+          </p:cNvPr>
+          <p:cNvPicPr>
+            <a:picLocks noGrp="1" noChangeAspect="1" noChangeArrowheads="1"/>
+          </p:cNvPicPr>
+          <p:nvPr>
+            <p:ph idx="1"/>
+          </p:nvPr>
+        </p:nvPicPr>
+        <p:blipFill>
+          <a:blip r:embed="rId2">
+            <a:extLst>
+              <a:ext uri="{28A0092B-C50C-407E-A947-70E740481C1C}">
+                <a14:useLocalDpi xmlns:a14="http://schemas.microsoft.com/office/drawing/2010/main" val="0"/>
+              </a:ext>
+            </a:extLst>
+          </a:blip>
+          <a:srcRect/>
+          <a:stretch>
+            <a:fillRect/>
+          </a:stretch>
+        </p:blipFill>
+        <p:spPr bwMode="auto">
+          <a:xfrm>
+            <a:off x="3719512" y="2172494"/>
+            <a:ext cx="4752975" cy="3657600"/>
+          </a:xfrm>
+          <a:prstGeom prst="rect">
+            <a:avLst/>
+          </a:prstGeom>
+          <a:noFill/>
+          <a:extLst>
+            <a:ext uri="{909E8E84-426E-40DD-AFC4-6F175D3DCCD1}">
+              <a14:hiddenFill xmlns:a14="http://schemas.microsoft.com/office/drawing/2010/main">
+                <a:solidFill>
+                  <a:srgbClr val="FFFFFF"/>
+                </a:solidFill>
+              </a14:hiddenFill>
+            </a:ext>
+          </a:extLst>
+        </p:spPr>
+      </p:pic>
+      <p:sp>
+        <p:nvSpPr>
+          <p:cNvPr id="4" name="TextBox 3">
+            <a:extLst>
+              <a:ext uri="{FF2B5EF4-FFF2-40B4-BE49-F238E27FC236}">
+                <a16:creationId xmlns:a16="http://schemas.microsoft.com/office/drawing/2014/main" id="{F3F094E0-B616-79DF-FE11-4010F449083B}"/>
+              </a:ext>
+            </a:extLst>
+          </p:cNvPr>
+          <p:cNvSpPr txBox="1"/>
+          <p:nvPr/>
+        </p:nvSpPr>
+        <p:spPr>
+          <a:xfrm>
+            <a:off x="9663764" y="6477802"/>
+            <a:ext cx="1799924" cy="369332"/>
+          </a:xfrm>
+          <a:prstGeom prst="rect">
+            <a:avLst/>
+          </a:prstGeom>
+          <a:noFill/>
+        </p:spPr>
+        <p:txBody>
+          <a:bodyPr wrap="square" rtlCol="0">
+            <a:spAutoFit/>
+          </a:bodyPr>
+          <a:lstStyle/>
+          <a:p>
+            <a:r>
+              <a:rPr lang="en-US" dirty="0">
+                <a:hlinkClick r:id="rId3"/>
+              </a:rPr>
+              <a:t>Reference</a:t>
+            </a:r>
+            <a:endParaRPr lang="en-US" dirty="0"/>
+          </a:p>
+        </p:txBody>
+      </p:sp>
+    </p:spTree>
+    <p:extLst>
+      <p:ext uri="{BB962C8B-B14F-4D97-AF65-F5344CB8AC3E}">
+        <p14:creationId xmlns:p14="http://schemas.microsoft.com/office/powerpoint/2010/main" val="4165754210"/>
+      </p:ext>
+    </p:extLst>
+  </p:cSld>
+  <p:clrMapOvr>
+    <a:masterClrMapping/>
+  </p:clrMapOvr>
+</p:sld>
+</file>
+
+<file path=ppt/slides/slide27.xml><?xml version="1.0" encoding="utf-8"?>
+<p:sld xmlns:a="http://schemas.openxmlformats.org/drawingml/2006/main" xmlns:r="http://schemas.openxmlformats.org/officeDocument/2006/relationships" xmlns:p="http://schemas.openxmlformats.org/presentationml/2006/main">
+  <p:cSld>
+    <p:spTree>
+      <p:nvGrpSpPr>
+        <p:cNvPr id="1" name=""/>
+        <p:cNvGrpSpPr/>
+        <p:nvPr/>
+      </p:nvGrpSpPr>
+      <p:grpSpPr>
+        <a:xfrm>
+          <a:off x="0" y="0"/>
+          <a:ext cx="0" cy="0"/>
+          <a:chOff x="0" y="0"/>
+          <a:chExt cx="0" cy="0"/>
+        </a:xfrm>
+      </p:grpSpPr>
+      <p:sp>
+        <p:nvSpPr>
+          <p:cNvPr id="2" name="Title 1">
+            <a:extLst>
+              <a:ext uri="{FF2B5EF4-FFF2-40B4-BE49-F238E27FC236}">
                 <a16:creationId xmlns:a16="http://schemas.microsoft.com/office/drawing/2014/main" id="{F205F330-B194-FC12-247B-F971DED1A7E5}"/>
               </a:ext>
             </a:extLst>
@@ -6237,7 +6557,346 @@
 </p:sld>
 </file>
 
-<file path=ppt/slides/slide26.xml><?xml version="1.0" encoding="utf-8"?>
+<file path=ppt/slides/slide28.xml><?xml version="1.0" encoding="utf-8"?>
+<p:sld xmlns:a="http://schemas.openxmlformats.org/drawingml/2006/main" xmlns:r="http://schemas.openxmlformats.org/officeDocument/2006/relationships" xmlns:p="http://schemas.openxmlformats.org/presentationml/2006/main">
+  <p:cSld>
+    <p:spTree>
+      <p:nvGrpSpPr>
+        <p:cNvPr id="1" name=""/>
+        <p:cNvGrpSpPr/>
+        <p:nvPr/>
+      </p:nvGrpSpPr>
+      <p:grpSpPr>
+        <a:xfrm>
+          <a:off x="0" y="0"/>
+          <a:ext cx="0" cy="0"/>
+          <a:chOff x="0" y="0"/>
+          <a:chExt cx="0" cy="0"/>
+        </a:xfrm>
+      </p:grpSpPr>
+      <p:sp>
+        <p:nvSpPr>
+          <p:cNvPr id="2" name="Title 1">
+            <a:extLst>
+              <a:ext uri="{FF2B5EF4-FFF2-40B4-BE49-F238E27FC236}">
+                <a16:creationId xmlns:a16="http://schemas.microsoft.com/office/drawing/2014/main" id="{4D2E8117-A3BA-90AB-53AB-4679EACA136F}"/>
+              </a:ext>
+            </a:extLst>
+          </p:cNvPr>
+          <p:cNvSpPr>
+            <a:spLocks noGrp="1"/>
+          </p:cNvSpPr>
+          <p:nvPr>
+            <p:ph type="title"/>
+          </p:nvPr>
+        </p:nvSpPr>
+        <p:spPr/>
+        <p:txBody>
+          <a:bodyPr/>
+          <a:lstStyle/>
+          <a:p>
+            <a:r>
+              <a:rPr lang="en-US" dirty="0"/>
+              <a:t>Kaplan Meier Output</a:t>
+            </a:r>
+          </a:p>
+        </p:txBody>
+      </p:sp>
+      <p:pic>
+        <p:nvPicPr>
+          <p:cNvPr id="1026" name="Picture 2" descr="r - Creating a Kaplan Meier plot with Survival probabilities at time ...">
+            <a:extLst>
+              <a:ext uri="{FF2B5EF4-FFF2-40B4-BE49-F238E27FC236}">
+                <a16:creationId xmlns:a16="http://schemas.microsoft.com/office/drawing/2014/main" id="{69652305-EE24-53F2-6714-53FFDDF7771B}"/>
+              </a:ext>
+            </a:extLst>
+          </p:cNvPr>
+          <p:cNvPicPr>
+            <a:picLocks noGrp="1" noChangeAspect="1" noChangeArrowheads="1"/>
+          </p:cNvPicPr>
+          <p:nvPr>
+            <p:ph idx="1"/>
+          </p:nvPr>
+        </p:nvPicPr>
+        <p:blipFill>
+          <a:blip r:embed="rId2">
+            <a:extLst>
+              <a:ext uri="{28A0092B-C50C-407E-A947-70E740481C1C}">
+                <a14:useLocalDpi xmlns:a14="http://schemas.microsoft.com/office/drawing/2010/main" val="0"/>
+              </a:ext>
+            </a:extLst>
+          </a:blip>
+          <a:srcRect/>
+          <a:stretch>
+            <a:fillRect/>
+          </a:stretch>
+        </p:blipFill>
+        <p:spPr bwMode="auto">
+          <a:xfrm>
+            <a:off x="3920331" y="1825625"/>
+            <a:ext cx="4351338" cy="4351338"/>
+          </a:xfrm>
+          <a:prstGeom prst="rect">
+            <a:avLst/>
+          </a:prstGeom>
+          <a:noFill/>
+          <a:extLst>
+            <a:ext uri="{909E8E84-426E-40DD-AFC4-6F175D3DCCD1}">
+              <a14:hiddenFill xmlns:a14="http://schemas.microsoft.com/office/drawing/2010/main">
+                <a:solidFill>
+                  <a:srgbClr val="FFFFFF"/>
+                </a:solidFill>
+              </a14:hiddenFill>
+            </a:ext>
+          </a:extLst>
+        </p:spPr>
+      </p:pic>
+      <p:cxnSp>
+        <p:nvCxnSpPr>
+          <p:cNvPr id="5" name="Straight Arrow Connector 4">
+            <a:extLst>
+              <a:ext uri="{FF2B5EF4-FFF2-40B4-BE49-F238E27FC236}">
+                <a16:creationId xmlns:a16="http://schemas.microsoft.com/office/drawing/2014/main" id="{7F6C5327-3767-E59C-01E7-15F9E5C592E0}"/>
+              </a:ext>
+            </a:extLst>
+          </p:cNvPr>
+          <p:cNvCxnSpPr/>
+          <p:nvPr/>
+        </p:nvCxnSpPr>
+        <p:spPr>
+          <a:xfrm flipV="1">
+            <a:off x="2942376" y="4336610"/>
+            <a:ext cx="1982709" cy="633742"/>
+          </a:xfrm>
+          <a:prstGeom prst="straightConnector1">
+            <a:avLst/>
+          </a:prstGeom>
+          <a:ln>
+            <a:tailEnd type="triangle"/>
+          </a:ln>
+        </p:spPr>
+        <p:style>
+          <a:lnRef idx="2">
+            <a:schemeClr val="accent1"/>
+          </a:lnRef>
+          <a:fillRef idx="0">
+            <a:schemeClr val="accent1"/>
+          </a:fillRef>
+          <a:effectRef idx="1">
+            <a:schemeClr val="accent1"/>
+          </a:effectRef>
+          <a:fontRef idx="minor">
+            <a:schemeClr val="tx1"/>
+          </a:fontRef>
+        </p:style>
+      </p:cxnSp>
+      <p:sp>
+        <p:nvSpPr>
+          <p:cNvPr id="6" name="Right Brace 5">
+            <a:extLst>
+              <a:ext uri="{FF2B5EF4-FFF2-40B4-BE49-F238E27FC236}">
+                <a16:creationId xmlns:a16="http://schemas.microsoft.com/office/drawing/2014/main" id="{A882ACD6-A60C-2322-363B-2A2FC9B7AB05}"/>
+              </a:ext>
+            </a:extLst>
+          </p:cNvPr>
+          <p:cNvSpPr/>
+          <p:nvPr/>
+        </p:nvSpPr>
+        <p:spPr>
+          <a:xfrm>
+            <a:off x="8166226" y="5205743"/>
+            <a:ext cx="208229" cy="1106157"/>
+          </a:xfrm>
+          <a:prstGeom prst="rightBrace">
+            <a:avLst/>
+          </a:prstGeom>
+        </p:spPr>
+        <p:style>
+          <a:lnRef idx="2">
+            <a:schemeClr val="accent1"/>
+          </a:lnRef>
+          <a:fillRef idx="0">
+            <a:schemeClr val="accent1"/>
+          </a:fillRef>
+          <a:effectRef idx="1">
+            <a:schemeClr val="accent1"/>
+          </a:effectRef>
+          <a:fontRef idx="minor">
+            <a:schemeClr val="tx1"/>
+          </a:fontRef>
+        </p:style>
+        <p:txBody>
+          <a:bodyPr rtlCol="0" anchor="ctr"/>
+          <a:lstStyle/>
+          <a:p>
+            <a:pPr algn="ctr"/>
+            <a:endParaRPr lang="en-US"/>
+          </a:p>
+        </p:txBody>
+      </p:sp>
+      <p:cxnSp>
+        <p:nvCxnSpPr>
+          <p:cNvPr id="8" name="Straight Arrow Connector 7">
+            <a:extLst>
+              <a:ext uri="{FF2B5EF4-FFF2-40B4-BE49-F238E27FC236}">
+                <a16:creationId xmlns:a16="http://schemas.microsoft.com/office/drawing/2014/main" id="{7B34453C-74D6-5C13-83A5-6CC571A77804}"/>
+              </a:ext>
+            </a:extLst>
+          </p:cNvPr>
+          <p:cNvCxnSpPr>
+            <a:cxnSpLocks/>
+          </p:cNvCxnSpPr>
+          <p:nvPr/>
+        </p:nvCxnSpPr>
+        <p:spPr>
+          <a:xfrm flipH="1">
+            <a:off x="7641125" y="3429000"/>
+            <a:ext cx="380245" cy="762754"/>
+          </a:xfrm>
+          <a:prstGeom prst="straightConnector1">
+            <a:avLst/>
+          </a:prstGeom>
+          <a:ln>
+            <a:tailEnd type="triangle"/>
+          </a:ln>
+        </p:spPr>
+        <p:style>
+          <a:lnRef idx="2">
+            <a:schemeClr val="accent1"/>
+          </a:lnRef>
+          <a:fillRef idx="0">
+            <a:schemeClr val="accent1"/>
+          </a:fillRef>
+          <a:effectRef idx="1">
+            <a:schemeClr val="accent1"/>
+          </a:effectRef>
+          <a:fontRef idx="minor">
+            <a:schemeClr val="tx1"/>
+          </a:fontRef>
+        </p:style>
+      </p:cxnSp>
+      <p:sp>
+        <p:nvSpPr>
+          <p:cNvPr id="11" name="TextBox 10">
+            <a:extLst>
+              <a:ext uri="{FF2B5EF4-FFF2-40B4-BE49-F238E27FC236}">
+                <a16:creationId xmlns:a16="http://schemas.microsoft.com/office/drawing/2014/main" id="{3B9144DC-7F0A-6144-B081-281F1BD83E13}"/>
+              </a:ext>
+            </a:extLst>
+          </p:cNvPr>
+          <p:cNvSpPr txBox="1"/>
+          <p:nvPr/>
+        </p:nvSpPr>
+        <p:spPr>
+          <a:xfrm>
+            <a:off x="1358020" y="4882577"/>
+            <a:ext cx="1584356" cy="646331"/>
+          </a:xfrm>
+          <a:prstGeom prst="rect">
+            <a:avLst/>
+          </a:prstGeom>
+          <a:noFill/>
+        </p:spPr>
+        <p:txBody>
+          <a:bodyPr wrap="square" rtlCol="0">
+            <a:spAutoFit/>
+          </a:bodyPr>
+          <a:lstStyle/>
+          <a:p>
+            <a:pPr algn="ctr"/>
+            <a:r>
+              <a:rPr lang="en-US" dirty="0"/>
+              <a:t>You want this under 0.05</a:t>
+            </a:r>
+          </a:p>
+        </p:txBody>
+      </p:sp>
+      <p:sp>
+        <p:nvSpPr>
+          <p:cNvPr id="12" name="TextBox 11">
+            <a:extLst>
+              <a:ext uri="{FF2B5EF4-FFF2-40B4-BE49-F238E27FC236}">
+                <a16:creationId xmlns:a16="http://schemas.microsoft.com/office/drawing/2014/main" id="{57564F42-8A17-4B0A-B2A5-F7F98E106ECC}"/>
+              </a:ext>
+            </a:extLst>
+          </p:cNvPr>
+          <p:cNvSpPr txBox="1"/>
+          <p:nvPr/>
+        </p:nvSpPr>
+        <p:spPr>
+          <a:xfrm>
+            <a:off x="7374047" y="2782669"/>
+            <a:ext cx="2702459" cy="646331"/>
+          </a:xfrm>
+          <a:prstGeom prst="rect">
+            <a:avLst/>
+          </a:prstGeom>
+          <a:noFill/>
+        </p:spPr>
+        <p:txBody>
+          <a:bodyPr wrap="square" rtlCol="0">
+            <a:spAutoFit/>
+          </a:bodyPr>
+          <a:lstStyle/>
+          <a:p>
+            <a:pPr algn="ctr"/>
+            <a:r>
+              <a:rPr lang="en-US" dirty="0"/>
+              <a:t>A graphical representation of 95% CI</a:t>
+            </a:r>
+          </a:p>
+        </p:txBody>
+      </p:sp>
+      <p:sp>
+        <p:nvSpPr>
+          <p:cNvPr id="13" name="TextBox 12">
+            <a:extLst>
+              <a:ext uri="{FF2B5EF4-FFF2-40B4-BE49-F238E27FC236}">
+                <a16:creationId xmlns:a16="http://schemas.microsoft.com/office/drawing/2014/main" id="{B3265723-0C2F-8725-B1BD-A4EF1AFD9166}"/>
+              </a:ext>
+            </a:extLst>
+          </p:cNvPr>
+          <p:cNvSpPr txBox="1"/>
+          <p:nvPr/>
+        </p:nvSpPr>
+        <p:spPr>
+          <a:xfrm>
+            <a:off x="8492150" y="5297156"/>
+            <a:ext cx="2341830" cy="923330"/>
+          </a:xfrm>
+          <a:prstGeom prst="rect">
+            <a:avLst/>
+          </a:prstGeom>
+          <a:noFill/>
+        </p:spPr>
+        <p:txBody>
+          <a:bodyPr wrap="square" rtlCol="0">
+            <a:spAutoFit/>
+          </a:bodyPr>
+          <a:lstStyle/>
+          <a:p>
+            <a:pPr algn="ctr"/>
+            <a:r>
+              <a:rPr lang="en-US" dirty="0"/>
+              <a:t>Number at risk over time (removes both events and censors)</a:t>
+            </a:r>
+          </a:p>
+        </p:txBody>
+      </p:sp>
+    </p:spTree>
+    <p:extLst>
+      <p:ext uri="{BB962C8B-B14F-4D97-AF65-F5344CB8AC3E}">
+        <p14:creationId xmlns:p14="http://schemas.microsoft.com/office/powerpoint/2010/main" val="458503579"/>
+      </p:ext>
+    </p:extLst>
+  </p:cSld>
+  <p:clrMapOvr>
+    <a:masterClrMapping/>
+  </p:clrMapOvr>
+</p:sld>
+</file>
+
+<file path=ppt/slides/slide29.xml><?xml version="1.0" encoding="utf-8"?>
 <p:sld xmlns:a="http://schemas.openxmlformats.org/drawingml/2006/main" xmlns:r="http://schemas.openxmlformats.org/officeDocument/2006/relationships" xmlns:p="http://schemas.openxmlformats.org/presentationml/2006/main">
   <p:cSld>
     <p:spTree>
@@ -6282,7 +6941,7 @@
           <a:lstStyle/>
           <a:p>
             <a:r>
-              <a:rPr lang="en-US"/>
+              <a:rPr lang="en-US" dirty="0"/>
               <a:t>Cox Proportional Hazards Model Outputs</a:t>
             </a:r>
           </a:p>
@@ -6455,17 +7114,17 @@
           <a:lstStyle/>
           <a:p>
             <a:r>
-              <a:rPr lang="en-US"/>
+              <a:rPr lang="en-US" dirty="0"/>
               <a:t>Similar to an R</a:t>
             </a:r>
             <a:r>
-              <a:rPr lang="en-US" baseline="30000"/>
+              <a:rPr lang="en-US" baseline="30000" dirty="0"/>
               <a:t>2</a:t>
             </a:r>
           </a:p>
           <a:p>
             <a:r>
-              <a:rPr lang="en-US"/>
+              <a:rPr lang="en-US" dirty="0"/>
               <a:t>but for survival  </a:t>
             </a:r>
           </a:p>
@@ -6550,505 +7209,87 @@
           </a:p>
         </p:txBody>
       </p:sp>
+      <p:sp>
+        <p:nvSpPr>
+          <p:cNvPr id="9" name="TextBox 8">
+            <a:extLst>
+              <a:ext uri="{FF2B5EF4-FFF2-40B4-BE49-F238E27FC236}">
+                <a16:creationId xmlns:a16="http://schemas.microsoft.com/office/drawing/2014/main" id="{0EFD30AC-4F92-73BD-B223-3493EF45789A}"/>
+              </a:ext>
+            </a:extLst>
+          </p:cNvPr>
+          <p:cNvSpPr txBox="1"/>
+          <p:nvPr/>
+        </p:nvSpPr>
+        <p:spPr>
+          <a:xfrm>
+            <a:off x="503042" y="3415406"/>
+            <a:ext cx="2089487" cy="369332"/>
+          </a:xfrm>
+          <a:prstGeom prst="rect">
+            <a:avLst/>
+          </a:prstGeom>
+          <a:noFill/>
+        </p:spPr>
+        <p:txBody>
+          <a:bodyPr wrap="square" rtlCol="0">
+            <a:spAutoFit/>
+          </a:bodyPr>
+          <a:lstStyle/>
+          <a:p>
+            <a:r>
+              <a:rPr lang="en-US" dirty="0"/>
+              <a:t>Your hazard ratios</a:t>
+            </a:r>
+          </a:p>
+        </p:txBody>
+      </p:sp>
+      <p:cxnSp>
+        <p:nvCxnSpPr>
+          <p:cNvPr id="10" name="Straight Arrow Connector 9">
+            <a:extLst>
+              <a:ext uri="{FF2B5EF4-FFF2-40B4-BE49-F238E27FC236}">
+                <a16:creationId xmlns:a16="http://schemas.microsoft.com/office/drawing/2014/main" id="{F4D70FC9-41ED-D153-EED1-345F45557520}"/>
+              </a:ext>
+            </a:extLst>
+          </p:cNvPr>
+          <p:cNvCxnSpPr>
+            <a:cxnSpLocks/>
+            <a:stCxn id="9" idx="3"/>
+          </p:cNvCxnSpPr>
+          <p:nvPr/>
+        </p:nvCxnSpPr>
+        <p:spPr>
+          <a:xfrm>
+            <a:off x="2592529" y="3600072"/>
+            <a:ext cx="2066098" cy="462135"/>
+          </a:xfrm>
+          <a:prstGeom prst="straightConnector1">
+            <a:avLst/>
+          </a:prstGeom>
+          <a:ln>
+            <a:tailEnd type="triangle"/>
+          </a:ln>
+        </p:spPr>
+        <p:style>
+          <a:lnRef idx="2">
+            <a:schemeClr val="accent1"/>
+          </a:lnRef>
+          <a:fillRef idx="0">
+            <a:schemeClr val="accent1"/>
+          </a:fillRef>
+          <a:effectRef idx="1">
+            <a:schemeClr val="accent1"/>
+          </a:effectRef>
+          <a:fontRef idx="minor">
+            <a:schemeClr val="tx1"/>
+          </a:fontRef>
+        </p:style>
+      </p:cxnSp>
     </p:spTree>
     <p:extLst>
       <p:ext uri="{BB962C8B-B14F-4D97-AF65-F5344CB8AC3E}">
         <p14:creationId xmlns:p14="http://schemas.microsoft.com/office/powerpoint/2010/main" val="803700121"/>
-      </p:ext>
-    </p:extLst>
-  </p:cSld>
-  <p:clrMapOvr>
-    <a:masterClrMapping/>
-  </p:clrMapOvr>
-</p:sld>
-</file>
-
-<file path=ppt/slides/slide27.xml><?xml version="1.0" encoding="utf-8"?>
-<p:sld xmlns:a="http://schemas.openxmlformats.org/drawingml/2006/main" xmlns:r="http://schemas.openxmlformats.org/officeDocument/2006/relationships" xmlns:p="http://schemas.openxmlformats.org/presentationml/2006/main">
-  <p:cSld>
-    <p:spTree>
-      <p:nvGrpSpPr>
-        <p:cNvPr id="1" name=""/>
-        <p:cNvGrpSpPr/>
-        <p:nvPr/>
-      </p:nvGrpSpPr>
-      <p:grpSpPr>
-        <a:xfrm>
-          <a:off x="0" y="0"/>
-          <a:ext cx="0" cy="0"/>
-          <a:chOff x="0" y="0"/>
-          <a:chExt cx="0" cy="0"/>
-        </a:xfrm>
-      </p:grpSpPr>
-      <p:sp>
-        <p:nvSpPr>
-          <p:cNvPr id="2" name="Title 1">
-            <a:extLst>
-              <a:ext uri="{FF2B5EF4-FFF2-40B4-BE49-F238E27FC236}">
-                <a16:creationId xmlns:a16="http://schemas.microsoft.com/office/drawing/2014/main" id="{56ED0DCE-F2F0-F89C-1E6A-6857BFB02813}"/>
-              </a:ext>
-            </a:extLst>
-          </p:cNvPr>
-          <p:cNvSpPr>
-            <a:spLocks noGrp="1"/>
-          </p:cNvSpPr>
-          <p:nvPr>
-            <p:ph type="title"/>
-          </p:nvPr>
-        </p:nvSpPr>
-        <p:spPr/>
-        <p:txBody>
-          <a:bodyPr/>
-          <a:lstStyle/>
-          <a:p>
-            <a:r>
-              <a:rPr lang="en-US"/>
-              <a:t>Survival modeling things to be wary of</a:t>
-            </a:r>
-          </a:p>
-        </p:txBody>
-      </p:sp>
-      <p:sp>
-        <p:nvSpPr>
-          <p:cNvPr id="3" name="Content Placeholder 2">
-            <a:extLst>
-              <a:ext uri="{FF2B5EF4-FFF2-40B4-BE49-F238E27FC236}">
-                <a16:creationId xmlns:a16="http://schemas.microsoft.com/office/drawing/2014/main" id="{E447A50A-C76A-D8B3-557B-7D36F6EB7F2A}"/>
-              </a:ext>
-            </a:extLst>
-          </p:cNvPr>
-          <p:cNvSpPr>
-            <a:spLocks noGrp="1"/>
-          </p:cNvSpPr>
-          <p:nvPr>
-            <p:ph idx="1"/>
-          </p:nvPr>
-        </p:nvSpPr>
-        <p:spPr/>
-        <p:txBody>
-          <a:bodyPr vert="horz" lIns="91440" tIns="45720" rIns="91440" bIns="45720" rtlCol="0" anchor="t">
-            <a:normAutofit/>
-          </a:bodyPr>
-          <a:lstStyle/>
-          <a:p>
-            <a:r>
-              <a:rPr lang="en-US"/>
-              <a:t>If you don't meet the Cox PH model assumptions don't use it</a:t>
-            </a:r>
-          </a:p>
-          <a:p>
-            <a:r>
-              <a:rPr lang="en-US"/>
-              <a:t>Be wary of competing risks, you'd need to use a different model </a:t>
-            </a:r>
-          </a:p>
-          <a:p>
-            <a:pPr lvl="1">
-              <a:buFont typeface="Courier New" panose="020B0604020202020204" pitchFamily="34" charset="0"/>
-              <a:buChar char="o"/>
-            </a:pPr>
-            <a:r>
-              <a:rPr lang="en-US"/>
-              <a:t>Ex: Cancer patient time to remission but has the competing risk of death</a:t>
-            </a:r>
-          </a:p>
-          <a:p>
-            <a:endParaRPr lang="en-US"/>
-          </a:p>
-        </p:txBody>
-      </p:sp>
-    </p:spTree>
-    <p:extLst>
-      <p:ext uri="{BB962C8B-B14F-4D97-AF65-F5344CB8AC3E}">
-        <p14:creationId xmlns:p14="http://schemas.microsoft.com/office/powerpoint/2010/main" val="3951021283"/>
-      </p:ext>
-    </p:extLst>
-  </p:cSld>
-  <p:clrMapOvr>
-    <a:masterClrMapping/>
-  </p:clrMapOvr>
-</p:sld>
-</file>
-
-<file path=ppt/slides/slide28.xml><?xml version="1.0" encoding="utf-8"?>
-<p:sld xmlns:a="http://schemas.openxmlformats.org/drawingml/2006/main" xmlns:r="http://schemas.openxmlformats.org/officeDocument/2006/relationships" xmlns:p="http://schemas.openxmlformats.org/presentationml/2006/main">
-  <p:cSld>
-    <p:spTree>
-      <p:nvGrpSpPr>
-        <p:cNvPr id="1" name="">
-          <a:extLst>
-            <a:ext uri="{FF2B5EF4-FFF2-40B4-BE49-F238E27FC236}">
-              <a16:creationId xmlns:a16="http://schemas.microsoft.com/office/drawing/2014/main" id="{FDCB284B-FD21-5061-618F-624CC22ED2A9}"/>
-            </a:ext>
-          </a:extLst>
-        </p:cNvPr>
-        <p:cNvGrpSpPr/>
-        <p:nvPr/>
-      </p:nvGrpSpPr>
-      <p:grpSpPr>
-        <a:xfrm>
-          <a:off x="0" y="0"/>
-          <a:ext cx="0" cy="0"/>
-          <a:chOff x="0" y="0"/>
-          <a:chExt cx="0" cy="0"/>
-        </a:xfrm>
-      </p:grpSpPr>
-      <p:sp>
-        <p:nvSpPr>
-          <p:cNvPr id="2" name="Title 1">
-            <a:extLst>
-              <a:ext uri="{FF2B5EF4-FFF2-40B4-BE49-F238E27FC236}">
-                <a16:creationId xmlns:a16="http://schemas.microsoft.com/office/drawing/2014/main" id="{BED782C0-5365-7B2C-DCD5-CDAD6C282588}"/>
-              </a:ext>
-            </a:extLst>
-          </p:cNvPr>
-          <p:cNvSpPr>
-            <a:spLocks noGrp="1"/>
-          </p:cNvSpPr>
-          <p:nvPr>
-            <p:ph type="title"/>
-          </p:nvPr>
-        </p:nvSpPr>
-        <p:spPr/>
-        <p:txBody>
-          <a:bodyPr/>
-          <a:lstStyle/>
-          <a:p>
-            <a:r>
-              <a:rPr lang="en-US">
-                <a:latin typeface="Aptos Display"/>
-              </a:rPr>
-              <a:t>What question are you asking?</a:t>
-            </a:r>
-            <a:endParaRPr lang="en-US"/>
-          </a:p>
-        </p:txBody>
-      </p:sp>
-      <p:sp>
-        <p:nvSpPr>
-          <p:cNvPr id="3" name="Content Placeholder 2">
-            <a:extLst>
-              <a:ext uri="{FF2B5EF4-FFF2-40B4-BE49-F238E27FC236}">
-                <a16:creationId xmlns:a16="http://schemas.microsoft.com/office/drawing/2014/main" id="{5BBBF8D6-CE65-582D-4D17-9D48760E2037}"/>
-              </a:ext>
-            </a:extLst>
-          </p:cNvPr>
-          <p:cNvSpPr>
-            <a:spLocks noGrp="1"/>
-          </p:cNvSpPr>
-          <p:nvPr>
-            <p:ph idx="1"/>
-          </p:nvPr>
-        </p:nvSpPr>
-        <p:spPr/>
-        <p:txBody>
-          <a:bodyPr vert="horz" lIns="91440" tIns="45720" rIns="91440" bIns="45720" rtlCol="0" anchor="t">
-            <a:normAutofit fontScale="92500" lnSpcReduction="20000"/>
-          </a:bodyPr>
-          <a:lstStyle/>
-          <a:p>
-            <a:r>
-              <a:rPr lang="en-US">
-                <a:solidFill>
-                  <a:schemeClr val="bg2"/>
-                </a:solidFill>
-              </a:rPr>
-              <a:t>My variables have a relationship with my outcomes</a:t>
-            </a:r>
-          </a:p>
-          <a:p>
-            <a:pPr lvl="1">
-              <a:buFont typeface="Courier New" panose="020B0604020202020204" pitchFamily="34" charset="0"/>
-              <a:buChar char="o"/>
-            </a:pPr>
-            <a:r>
-              <a:rPr lang="en-US">
-                <a:solidFill>
-                  <a:schemeClr val="bg2"/>
-                </a:solidFill>
-              </a:rPr>
-              <a:t>Ex: Lower hemoglobin is related to having a GIB</a:t>
-            </a:r>
-          </a:p>
-          <a:p>
-            <a:pPr lvl="1">
-              <a:buFont typeface="Courier New" panose="020B0604020202020204" pitchFamily="34" charset="0"/>
-              <a:buChar char="o"/>
-            </a:pPr>
-            <a:r>
-              <a:rPr lang="en-US">
-                <a:solidFill>
-                  <a:schemeClr val="bg2"/>
-                </a:solidFill>
-              </a:rPr>
-              <a:t>Regression for correlation </a:t>
-            </a:r>
-          </a:p>
-          <a:p>
-            <a:r>
-              <a:rPr lang="en-US">
-                <a:solidFill>
-                  <a:schemeClr val="bg2"/>
-                </a:solidFill>
-              </a:rPr>
-              <a:t>I have two (or more) populations and I believe that they are distinctly different</a:t>
-            </a:r>
-          </a:p>
-          <a:p>
-            <a:pPr lvl="1">
-              <a:buFont typeface="Courier New" panose="020B0604020202020204" pitchFamily="34" charset="0"/>
-              <a:buChar char="o"/>
-            </a:pPr>
-            <a:r>
-              <a:rPr lang="en-US">
-                <a:solidFill>
-                  <a:schemeClr val="bg2"/>
-                </a:solidFill>
-              </a:rPr>
-              <a:t>Ex: Patients with </a:t>
-            </a:r>
-            <a:r>
-              <a:rPr lang="en-US" err="1">
-                <a:solidFill>
-                  <a:schemeClr val="bg2"/>
-                </a:solidFill>
-              </a:rPr>
-              <a:t>Afib</a:t>
-            </a:r>
-            <a:r>
-              <a:rPr lang="en-US">
-                <a:solidFill>
-                  <a:schemeClr val="bg2"/>
-                </a:solidFill>
-              </a:rPr>
-              <a:t> have more strokes than patients without </a:t>
-            </a:r>
-            <a:r>
-              <a:rPr lang="en-US" err="1">
-                <a:solidFill>
-                  <a:schemeClr val="bg2"/>
-                </a:solidFill>
-              </a:rPr>
-              <a:t>Afib</a:t>
-            </a:r>
-            <a:endParaRPr lang="en-US">
-              <a:solidFill>
-                <a:schemeClr val="bg2"/>
-              </a:solidFill>
-            </a:endParaRPr>
-          </a:p>
-          <a:p>
-            <a:pPr lvl="1">
-              <a:buFont typeface="Courier New" panose="020B0604020202020204" pitchFamily="34" charset="0"/>
-              <a:buChar char="o"/>
-            </a:pPr>
-            <a:r>
-              <a:rPr lang="en-US">
-                <a:solidFill>
-                  <a:schemeClr val="bg2"/>
-                </a:solidFill>
-              </a:rPr>
-              <a:t>T-test or equivalent (hypothesis testing)</a:t>
-            </a:r>
-          </a:p>
-          <a:p>
-            <a:r>
-              <a:rPr lang="en-US">
-                <a:solidFill>
-                  <a:schemeClr val="bg2"/>
-                </a:solidFill>
-              </a:rPr>
-              <a:t>I'm looking at the time it takes until an event happens</a:t>
-            </a:r>
-          </a:p>
-          <a:p>
-            <a:pPr lvl="1">
-              <a:buFont typeface="Courier New" panose="020B0604020202020204" pitchFamily="34" charset="0"/>
-              <a:buChar char="o"/>
-            </a:pPr>
-            <a:r>
-              <a:rPr lang="en-US">
-                <a:solidFill>
-                  <a:schemeClr val="bg2"/>
-                </a:solidFill>
-              </a:rPr>
-              <a:t>See survival modeling</a:t>
-            </a:r>
-          </a:p>
-          <a:p>
-            <a:r>
-              <a:rPr lang="en-US"/>
-              <a:t>I have repeatedly measured something in patients and I want to see how that this measure changes over time w/ respect to my outcome</a:t>
-            </a:r>
-          </a:p>
-          <a:p>
-            <a:pPr lvl="1">
-              <a:buFont typeface="Courier New" panose="020B0604020202020204" pitchFamily="34" charset="0"/>
-              <a:buChar char="o"/>
-            </a:pPr>
-            <a:r>
-              <a:rPr lang="en-US"/>
-              <a:t>This is panel data and this is hard </a:t>
-            </a:r>
-          </a:p>
-        </p:txBody>
-      </p:sp>
-    </p:spTree>
-    <p:extLst>
-      <p:ext uri="{BB962C8B-B14F-4D97-AF65-F5344CB8AC3E}">
-        <p14:creationId xmlns:p14="http://schemas.microsoft.com/office/powerpoint/2010/main" val="1959116893"/>
-      </p:ext>
-    </p:extLst>
-  </p:cSld>
-  <p:clrMapOvr>
-    <a:masterClrMapping/>
-  </p:clrMapOvr>
-</p:sld>
-</file>
-
-<file path=ppt/slides/slide29.xml><?xml version="1.0" encoding="utf-8"?>
-<p:sld xmlns:a="http://schemas.openxmlformats.org/drawingml/2006/main" xmlns:r="http://schemas.openxmlformats.org/officeDocument/2006/relationships" xmlns:p="http://schemas.openxmlformats.org/presentationml/2006/main">
-  <p:cSld>
-    <p:spTree>
-      <p:nvGrpSpPr>
-        <p:cNvPr id="1" name=""/>
-        <p:cNvGrpSpPr/>
-        <p:nvPr/>
-      </p:nvGrpSpPr>
-      <p:grpSpPr>
-        <a:xfrm>
-          <a:off x="0" y="0"/>
-          <a:ext cx="0" cy="0"/>
-          <a:chOff x="0" y="0"/>
-          <a:chExt cx="0" cy="0"/>
-        </a:xfrm>
-      </p:grpSpPr>
-      <p:sp>
-        <p:nvSpPr>
-          <p:cNvPr id="2" name="Title 1">
-            <a:extLst>
-              <a:ext uri="{FF2B5EF4-FFF2-40B4-BE49-F238E27FC236}">
-                <a16:creationId xmlns:a16="http://schemas.microsoft.com/office/drawing/2014/main" id="{D7A7C104-EE7D-5FC3-7498-38D4CE263F24}"/>
-              </a:ext>
-            </a:extLst>
-          </p:cNvPr>
-          <p:cNvSpPr>
-            <a:spLocks noGrp="1"/>
-          </p:cNvSpPr>
-          <p:nvPr>
-            <p:ph type="title"/>
-          </p:nvPr>
-        </p:nvSpPr>
-        <p:spPr/>
-        <p:txBody>
-          <a:bodyPr/>
-          <a:lstStyle/>
-          <a:p>
-            <a:r>
-              <a:rPr lang="en-US"/>
-              <a:t>Prepping Data for R </a:t>
-            </a:r>
-          </a:p>
-        </p:txBody>
-      </p:sp>
-      <p:sp>
-        <p:nvSpPr>
-          <p:cNvPr id="3" name="Content Placeholder 2">
-            <a:extLst>
-              <a:ext uri="{FF2B5EF4-FFF2-40B4-BE49-F238E27FC236}">
-                <a16:creationId xmlns:a16="http://schemas.microsoft.com/office/drawing/2014/main" id="{6C756456-875A-28E3-5699-AE1CE77FDB33}"/>
-              </a:ext>
-            </a:extLst>
-          </p:cNvPr>
-          <p:cNvSpPr>
-            <a:spLocks noGrp="1"/>
-          </p:cNvSpPr>
-          <p:nvPr>
-            <p:ph idx="1"/>
-          </p:nvPr>
-        </p:nvSpPr>
-        <p:spPr/>
-        <p:txBody>
-          <a:bodyPr vert="horz" lIns="91440" tIns="45720" rIns="91440" bIns="45720" rtlCol="0" anchor="t">
-            <a:normAutofit lnSpcReduction="10000"/>
-          </a:bodyPr>
-          <a:lstStyle/>
-          <a:p>
-            <a:r>
-              <a:rPr lang="en-US"/>
-              <a:t>Data "wrangling" is one of the hardest things</a:t>
-            </a:r>
-          </a:p>
-          <a:p>
-            <a:pPr lvl="1">
-              <a:buFont typeface="Courier New" panose="020B0604020202020204" pitchFamily="34" charset="0"/>
-              <a:buChar char="o"/>
-            </a:pPr>
-            <a:r>
-              <a:rPr lang="en-US"/>
-              <a:t>For novice coders easier to do in excel first</a:t>
-            </a:r>
-          </a:p>
-          <a:p>
-            <a:r>
-              <a:rPr lang="en-US"/>
-              <a:t>Rows are participants, columns are variables</a:t>
-            </a:r>
-          </a:p>
-          <a:p>
-            <a:r>
-              <a:rPr lang="en-US"/>
-              <a:t>It is easier to use numbers instead of code</a:t>
-            </a:r>
-          </a:p>
-          <a:p>
-            <a:pPr lvl="1">
-              <a:buFont typeface="Courier New" panose="020B0604020202020204" pitchFamily="34" charset="0"/>
-              <a:buChar char="o"/>
-            </a:pPr>
-            <a:r>
-              <a:rPr lang="en-US"/>
-              <a:t>It is case sensitive so: Yes, yes, No, no would count as 4 different levels to a factor </a:t>
-            </a:r>
-          </a:p>
-          <a:p>
-            <a:r>
-              <a:rPr lang="en-US"/>
-              <a:t>Don't use spaces in your column names use "_" instead </a:t>
-            </a:r>
-          </a:p>
-          <a:p>
-            <a:r>
-              <a:rPr lang="en-US"/>
-              <a:t>Survival data needs a status and a time</a:t>
-            </a:r>
-          </a:p>
-          <a:p>
-            <a:pPr lvl="1">
-              <a:buFont typeface="Courier New" panose="020B0604020202020204" pitchFamily="34" charset="0"/>
-              <a:buChar char="o"/>
-            </a:pPr>
-            <a:r>
-              <a:rPr lang="en-US"/>
-              <a:t>Status is had event or not</a:t>
-            </a:r>
-          </a:p>
-          <a:p>
-            <a:pPr lvl="1">
-              <a:buFont typeface="Courier New" panose="020B0604020202020204" pitchFamily="34" charset="0"/>
-              <a:buChar char="o"/>
-            </a:pPr>
-            <a:r>
-              <a:rPr lang="en-US"/>
-              <a:t>Recommend time in days if possible </a:t>
-            </a:r>
-          </a:p>
-        </p:txBody>
-      </p:sp>
-    </p:spTree>
-    <p:extLst>
-      <p:ext uri="{BB962C8B-B14F-4D97-AF65-F5344CB8AC3E}">
-        <p14:creationId xmlns:p14="http://schemas.microsoft.com/office/powerpoint/2010/main" val="69399235"/>
       </p:ext>
     </p:extLst>
   </p:cSld>
@@ -7207,7 +7448,7 @@
           <p:cNvPr id="2" name="Title 1">
             <a:extLst>
               <a:ext uri="{FF2B5EF4-FFF2-40B4-BE49-F238E27FC236}">
-                <a16:creationId xmlns:a16="http://schemas.microsoft.com/office/drawing/2014/main" id="{D9B7CC25-AFEC-3081-507E-DBA9E2366FBC}"/>
+                <a16:creationId xmlns:a16="http://schemas.microsoft.com/office/drawing/2014/main" id="{56ED0DCE-F2F0-F89C-1E6A-6857BFB02813}"/>
               </a:ext>
             </a:extLst>
           </p:cNvPr>
@@ -7225,7 +7466,7 @@
           <a:p>
             <a:r>
               <a:rPr lang="en-US"/>
-              <a:t>Misc. Stats</a:t>
+              <a:t>Survival modeling things to be wary of</a:t>
             </a:r>
           </a:p>
         </p:txBody>
@@ -7235,7 +7476,7 @@
           <p:cNvPr id="3" name="Content Placeholder 2">
             <a:extLst>
               <a:ext uri="{FF2B5EF4-FFF2-40B4-BE49-F238E27FC236}">
-                <a16:creationId xmlns:a16="http://schemas.microsoft.com/office/drawing/2014/main" id="{7460841B-8B25-E166-2D82-42F1285CDA6F}"/>
+                <a16:creationId xmlns:a16="http://schemas.microsoft.com/office/drawing/2014/main" id="{E447A50A-C76A-D8B3-557B-7D36F6EB7F2A}"/>
               </a:ext>
             </a:extLst>
           </p:cNvPr>
@@ -7255,7 +7496,13 @@
           <a:p>
             <a:r>
               <a:rPr lang="en-US"/>
-              <a:t>Testing continuous variables for normality (needed for many parametric tests)</a:t>
+              <a:t>If you don't meet the Cox PH model assumptions don't use it</a:t>
+            </a:r>
+          </a:p>
+          <a:p>
+            <a:r>
+              <a:rPr lang="en-US"/>
+              <a:t>Be wary of competing risks, you'd need to use a different model </a:t>
             </a:r>
           </a:p>
           <a:p>
@@ -7265,21 +7512,8 @@
             </a:pPr>
             <a:r>
               <a:rPr lang="en-US"/>
-              <a:t>Shapiro wilk test, want p to be greater than 0.05 </a:t>
-            </a:r>
-          </a:p>
-          <a:p>
-            <a:pPr lvl="1">
-              <a:buFont typeface="Courier New" panose="020B0604020202020204" pitchFamily="34" charset="0"/>
-              <a:buChar char="o"/>
-            </a:pPr>
-            <a:r>
-              <a:rPr lang="en-US"/>
-              <a:t>If you have hundreds of samples more reliable to graph it </a:t>
-            </a:r>
-          </a:p>
-          <a:p>
-            <a:endParaRPr lang="en-US"/>
+              <a:t>Ex: Cancer patient time to remission but has the competing risk of death</a:t>
+            </a:r>
           </a:p>
           <a:p>
             <a:endParaRPr lang="en-US"/>
@@ -7289,7 +7523,7 @@
     </p:spTree>
     <p:extLst>
       <p:ext uri="{BB962C8B-B14F-4D97-AF65-F5344CB8AC3E}">
-        <p14:creationId xmlns:p14="http://schemas.microsoft.com/office/powerpoint/2010/main" val="3889029988"/>
+        <p14:creationId xmlns:p14="http://schemas.microsoft.com/office/powerpoint/2010/main" val="3951021283"/>
       </p:ext>
     </p:extLst>
   </p:cSld>
@@ -7300,6 +7534,242 @@
 </file>
 
 <file path=ppt/slides/slide31.xml><?xml version="1.0" encoding="utf-8"?>
+<p:sld xmlns:a="http://schemas.openxmlformats.org/drawingml/2006/main" xmlns:r="http://schemas.openxmlformats.org/officeDocument/2006/relationships" xmlns:p="http://schemas.openxmlformats.org/presentationml/2006/main">
+  <p:cSld>
+    <p:spTree>
+      <p:nvGrpSpPr>
+        <p:cNvPr id="1" name="">
+          <a:extLst>
+            <a:ext uri="{FF2B5EF4-FFF2-40B4-BE49-F238E27FC236}">
+              <a16:creationId xmlns:a16="http://schemas.microsoft.com/office/drawing/2014/main" id="{FDCB284B-FD21-5061-618F-624CC22ED2A9}"/>
+            </a:ext>
+          </a:extLst>
+        </p:cNvPr>
+        <p:cNvGrpSpPr/>
+        <p:nvPr/>
+      </p:nvGrpSpPr>
+      <p:grpSpPr>
+        <a:xfrm>
+          <a:off x="0" y="0"/>
+          <a:ext cx="0" cy="0"/>
+          <a:chOff x="0" y="0"/>
+          <a:chExt cx="0" cy="0"/>
+        </a:xfrm>
+      </p:grpSpPr>
+      <p:sp>
+        <p:nvSpPr>
+          <p:cNvPr id="2" name="Title 1">
+            <a:extLst>
+              <a:ext uri="{FF2B5EF4-FFF2-40B4-BE49-F238E27FC236}">
+                <a16:creationId xmlns:a16="http://schemas.microsoft.com/office/drawing/2014/main" id="{BED782C0-5365-7B2C-DCD5-CDAD6C282588}"/>
+              </a:ext>
+            </a:extLst>
+          </p:cNvPr>
+          <p:cNvSpPr>
+            <a:spLocks noGrp="1"/>
+          </p:cNvSpPr>
+          <p:nvPr>
+            <p:ph type="title"/>
+          </p:nvPr>
+        </p:nvSpPr>
+        <p:spPr/>
+        <p:txBody>
+          <a:bodyPr/>
+          <a:lstStyle/>
+          <a:p>
+            <a:r>
+              <a:rPr lang="en-US">
+                <a:latin typeface="Aptos Display"/>
+              </a:rPr>
+              <a:t>What question are you asking?</a:t>
+            </a:r>
+            <a:endParaRPr lang="en-US"/>
+          </a:p>
+        </p:txBody>
+      </p:sp>
+      <p:sp>
+        <p:nvSpPr>
+          <p:cNvPr id="3" name="Content Placeholder 2">
+            <a:extLst>
+              <a:ext uri="{FF2B5EF4-FFF2-40B4-BE49-F238E27FC236}">
+                <a16:creationId xmlns:a16="http://schemas.microsoft.com/office/drawing/2014/main" id="{5BBBF8D6-CE65-582D-4D17-9D48760E2037}"/>
+              </a:ext>
+            </a:extLst>
+          </p:cNvPr>
+          <p:cNvSpPr>
+            <a:spLocks noGrp="1"/>
+          </p:cNvSpPr>
+          <p:nvPr>
+            <p:ph idx="1"/>
+          </p:nvPr>
+        </p:nvSpPr>
+        <p:spPr/>
+        <p:txBody>
+          <a:bodyPr vert="horz" lIns="91440" tIns="45720" rIns="91440" bIns="45720" rtlCol="0" anchor="t">
+            <a:normAutofit fontScale="92500" lnSpcReduction="20000"/>
+          </a:bodyPr>
+          <a:lstStyle/>
+          <a:p>
+            <a:r>
+              <a:rPr lang="en-US">
+                <a:solidFill>
+                  <a:schemeClr val="bg2"/>
+                </a:solidFill>
+              </a:rPr>
+              <a:t>My variables have a relationship with my outcomes</a:t>
+            </a:r>
+          </a:p>
+          <a:p>
+            <a:pPr lvl="1">
+              <a:buFont typeface="Courier New" panose="020B0604020202020204" pitchFamily="34" charset="0"/>
+              <a:buChar char="o"/>
+            </a:pPr>
+            <a:r>
+              <a:rPr lang="en-US">
+                <a:solidFill>
+                  <a:schemeClr val="bg2"/>
+                </a:solidFill>
+              </a:rPr>
+              <a:t>Ex: Lower hemoglobin is related to having a GIB</a:t>
+            </a:r>
+          </a:p>
+          <a:p>
+            <a:pPr lvl="1">
+              <a:buFont typeface="Courier New" panose="020B0604020202020204" pitchFamily="34" charset="0"/>
+              <a:buChar char="o"/>
+            </a:pPr>
+            <a:r>
+              <a:rPr lang="en-US">
+                <a:solidFill>
+                  <a:schemeClr val="bg2"/>
+                </a:solidFill>
+              </a:rPr>
+              <a:t>Regression for correlation </a:t>
+            </a:r>
+          </a:p>
+          <a:p>
+            <a:r>
+              <a:rPr lang="en-US">
+                <a:solidFill>
+                  <a:schemeClr val="bg2"/>
+                </a:solidFill>
+              </a:rPr>
+              <a:t>I have two (or more) populations and I believe that they are distinctly different</a:t>
+            </a:r>
+          </a:p>
+          <a:p>
+            <a:pPr lvl="1">
+              <a:buFont typeface="Courier New" panose="020B0604020202020204" pitchFamily="34" charset="0"/>
+              <a:buChar char="o"/>
+            </a:pPr>
+            <a:r>
+              <a:rPr lang="en-US">
+                <a:solidFill>
+                  <a:schemeClr val="bg2"/>
+                </a:solidFill>
+              </a:rPr>
+              <a:t>Ex: Patients with </a:t>
+            </a:r>
+            <a:r>
+              <a:rPr lang="en-US" err="1">
+                <a:solidFill>
+                  <a:schemeClr val="bg2"/>
+                </a:solidFill>
+              </a:rPr>
+              <a:t>Afib</a:t>
+            </a:r>
+            <a:r>
+              <a:rPr lang="en-US">
+                <a:solidFill>
+                  <a:schemeClr val="bg2"/>
+                </a:solidFill>
+              </a:rPr>
+              <a:t> have more strokes than patients without </a:t>
+            </a:r>
+            <a:r>
+              <a:rPr lang="en-US" err="1">
+                <a:solidFill>
+                  <a:schemeClr val="bg2"/>
+                </a:solidFill>
+              </a:rPr>
+              <a:t>Afib</a:t>
+            </a:r>
+            <a:endParaRPr lang="en-US">
+              <a:solidFill>
+                <a:schemeClr val="bg2"/>
+              </a:solidFill>
+            </a:endParaRPr>
+          </a:p>
+          <a:p>
+            <a:pPr lvl="1">
+              <a:buFont typeface="Courier New" panose="020B0604020202020204" pitchFamily="34" charset="0"/>
+              <a:buChar char="o"/>
+            </a:pPr>
+            <a:r>
+              <a:rPr lang="en-US">
+                <a:solidFill>
+                  <a:schemeClr val="bg2"/>
+                </a:solidFill>
+              </a:rPr>
+              <a:t>T-test or equivalent (hypothesis testing)</a:t>
+            </a:r>
+          </a:p>
+          <a:p>
+            <a:r>
+              <a:rPr lang="en-US">
+                <a:solidFill>
+                  <a:schemeClr val="bg2"/>
+                </a:solidFill>
+              </a:rPr>
+              <a:t>I'm looking at the time it takes until an event happens</a:t>
+            </a:r>
+          </a:p>
+          <a:p>
+            <a:pPr lvl="1">
+              <a:buFont typeface="Courier New" panose="020B0604020202020204" pitchFamily="34" charset="0"/>
+              <a:buChar char="o"/>
+            </a:pPr>
+            <a:r>
+              <a:rPr lang="en-US">
+                <a:solidFill>
+                  <a:schemeClr val="bg2"/>
+                </a:solidFill>
+              </a:rPr>
+              <a:t>See survival modeling</a:t>
+            </a:r>
+          </a:p>
+          <a:p>
+            <a:r>
+              <a:rPr lang="en-US"/>
+              <a:t>I have repeatedly measured something in patients and I want to see how that this measure changes over time w/ respect to my outcome</a:t>
+            </a:r>
+          </a:p>
+          <a:p>
+            <a:pPr lvl="1">
+              <a:buFont typeface="Courier New" panose="020B0604020202020204" pitchFamily="34" charset="0"/>
+              <a:buChar char="o"/>
+            </a:pPr>
+            <a:r>
+              <a:rPr lang="en-US"/>
+              <a:t>This is panel data and this is hard </a:t>
+            </a:r>
+          </a:p>
+        </p:txBody>
+      </p:sp>
+    </p:spTree>
+    <p:extLst>
+      <p:ext uri="{BB962C8B-B14F-4D97-AF65-F5344CB8AC3E}">
+        <p14:creationId xmlns:p14="http://schemas.microsoft.com/office/powerpoint/2010/main" val="1959116893"/>
+      </p:ext>
+    </p:extLst>
+  </p:cSld>
+  <p:clrMapOvr>
+    <a:masterClrMapping/>
+  </p:clrMapOvr>
+</p:sld>
+</file>
+
+<file path=ppt/slides/slide32.xml><?xml version="1.0" encoding="utf-8"?>
 <p:sld xmlns:a="http://schemas.openxmlformats.org/drawingml/2006/main" xmlns:r="http://schemas.openxmlformats.org/officeDocument/2006/relationships" xmlns:p="http://schemas.openxmlformats.org/presentationml/2006/main">
   <p:cSld>
     <p:spTree>
@@ -7321,6 +7791,876 @@
           <p:cNvPr id="2" name="Title 1">
             <a:extLst>
               <a:ext uri="{FF2B5EF4-FFF2-40B4-BE49-F238E27FC236}">
+                <a16:creationId xmlns:a16="http://schemas.microsoft.com/office/drawing/2014/main" id="{D7A7C104-EE7D-5FC3-7498-38D4CE263F24}"/>
+              </a:ext>
+            </a:extLst>
+          </p:cNvPr>
+          <p:cNvSpPr>
+            <a:spLocks noGrp="1"/>
+          </p:cNvSpPr>
+          <p:nvPr>
+            <p:ph type="title"/>
+          </p:nvPr>
+        </p:nvSpPr>
+        <p:spPr/>
+        <p:txBody>
+          <a:bodyPr/>
+          <a:lstStyle/>
+          <a:p>
+            <a:r>
+              <a:rPr lang="en-US"/>
+              <a:t>Prepping Data for R </a:t>
+            </a:r>
+          </a:p>
+        </p:txBody>
+      </p:sp>
+      <p:sp>
+        <p:nvSpPr>
+          <p:cNvPr id="3" name="Content Placeholder 2">
+            <a:extLst>
+              <a:ext uri="{FF2B5EF4-FFF2-40B4-BE49-F238E27FC236}">
+                <a16:creationId xmlns:a16="http://schemas.microsoft.com/office/drawing/2014/main" id="{6C756456-875A-28E3-5699-AE1CE77FDB33}"/>
+              </a:ext>
+            </a:extLst>
+          </p:cNvPr>
+          <p:cNvSpPr>
+            <a:spLocks noGrp="1"/>
+          </p:cNvSpPr>
+          <p:nvPr>
+            <p:ph idx="1"/>
+          </p:nvPr>
+        </p:nvSpPr>
+        <p:spPr/>
+        <p:txBody>
+          <a:bodyPr vert="horz" lIns="91440" tIns="45720" rIns="91440" bIns="45720" rtlCol="0" anchor="t">
+            <a:normAutofit lnSpcReduction="10000"/>
+          </a:bodyPr>
+          <a:lstStyle/>
+          <a:p>
+            <a:r>
+              <a:rPr lang="en-US"/>
+              <a:t>Data "wrangling" is one of the hardest things</a:t>
+            </a:r>
+          </a:p>
+          <a:p>
+            <a:pPr lvl="1">
+              <a:buFont typeface="Courier New" panose="020B0604020202020204" pitchFamily="34" charset="0"/>
+              <a:buChar char="o"/>
+            </a:pPr>
+            <a:r>
+              <a:rPr lang="en-US"/>
+              <a:t>For novice coders easier to do in excel first</a:t>
+            </a:r>
+          </a:p>
+          <a:p>
+            <a:r>
+              <a:rPr lang="en-US"/>
+              <a:t>Rows are participants, columns are variables</a:t>
+            </a:r>
+          </a:p>
+          <a:p>
+            <a:r>
+              <a:rPr lang="en-US"/>
+              <a:t>It is easier to use numbers instead of code</a:t>
+            </a:r>
+          </a:p>
+          <a:p>
+            <a:pPr lvl="1">
+              <a:buFont typeface="Courier New" panose="020B0604020202020204" pitchFamily="34" charset="0"/>
+              <a:buChar char="o"/>
+            </a:pPr>
+            <a:r>
+              <a:rPr lang="en-US"/>
+              <a:t>It is case sensitive so: Yes, yes, No, no would count as 4 different levels to a factor </a:t>
+            </a:r>
+          </a:p>
+          <a:p>
+            <a:r>
+              <a:rPr lang="en-US"/>
+              <a:t>Don't use spaces in your column names use "_" instead </a:t>
+            </a:r>
+          </a:p>
+          <a:p>
+            <a:r>
+              <a:rPr lang="en-US"/>
+              <a:t>Survival data needs a status and a time</a:t>
+            </a:r>
+          </a:p>
+          <a:p>
+            <a:pPr lvl="1">
+              <a:buFont typeface="Courier New" panose="020B0604020202020204" pitchFamily="34" charset="0"/>
+              <a:buChar char="o"/>
+            </a:pPr>
+            <a:r>
+              <a:rPr lang="en-US"/>
+              <a:t>Status is had event or not</a:t>
+            </a:r>
+          </a:p>
+          <a:p>
+            <a:pPr lvl="1">
+              <a:buFont typeface="Courier New" panose="020B0604020202020204" pitchFamily="34" charset="0"/>
+              <a:buChar char="o"/>
+            </a:pPr>
+            <a:r>
+              <a:rPr lang="en-US"/>
+              <a:t>Recommend time in days if possible </a:t>
+            </a:r>
+          </a:p>
+        </p:txBody>
+      </p:sp>
+    </p:spTree>
+    <p:extLst>
+      <p:ext uri="{BB962C8B-B14F-4D97-AF65-F5344CB8AC3E}">
+        <p14:creationId xmlns:p14="http://schemas.microsoft.com/office/powerpoint/2010/main" val="69399235"/>
+      </p:ext>
+    </p:extLst>
+  </p:cSld>
+  <p:clrMapOvr>
+    <a:masterClrMapping/>
+  </p:clrMapOvr>
+</p:sld>
+</file>
+
+<file path=ppt/slides/slide33.xml><?xml version="1.0" encoding="utf-8"?>
+<p:sld xmlns:a="http://schemas.openxmlformats.org/drawingml/2006/main" xmlns:r="http://schemas.openxmlformats.org/officeDocument/2006/relationships" xmlns:p="http://schemas.openxmlformats.org/presentationml/2006/main">
+  <p:cSld>
+    <p:spTree>
+      <p:nvGrpSpPr>
+        <p:cNvPr id="1" name=""/>
+        <p:cNvGrpSpPr/>
+        <p:nvPr/>
+      </p:nvGrpSpPr>
+      <p:grpSpPr>
+        <a:xfrm>
+          <a:off x="0" y="0"/>
+          <a:ext cx="0" cy="0"/>
+          <a:chOff x="0" y="0"/>
+          <a:chExt cx="0" cy="0"/>
+        </a:xfrm>
+      </p:grpSpPr>
+      <p:sp>
+        <p:nvSpPr>
+          <p:cNvPr id="2" name="Title 1">
+            <a:extLst>
+              <a:ext uri="{FF2B5EF4-FFF2-40B4-BE49-F238E27FC236}">
+                <a16:creationId xmlns:a16="http://schemas.microsoft.com/office/drawing/2014/main" id="{95C2E194-20A6-5F45-A87F-60675CE3FA8D}"/>
+              </a:ext>
+            </a:extLst>
+          </p:cNvPr>
+          <p:cNvSpPr>
+            <a:spLocks noGrp="1"/>
+          </p:cNvSpPr>
+          <p:nvPr>
+            <p:ph type="title"/>
+          </p:nvPr>
+        </p:nvSpPr>
+        <p:spPr/>
+        <p:txBody>
+          <a:bodyPr/>
+          <a:lstStyle/>
+          <a:p>
+            <a:r>
+              <a:rPr lang="en-US" dirty="0"/>
+              <a:t>Example data for R</a:t>
+            </a:r>
+          </a:p>
+        </p:txBody>
+      </p:sp>
+      <p:graphicFrame>
+        <p:nvGraphicFramePr>
+          <p:cNvPr id="4" name="Content Placeholder 3">
+            <a:extLst>
+              <a:ext uri="{FF2B5EF4-FFF2-40B4-BE49-F238E27FC236}">
+                <a16:creationId xmlns:a16="http://schemas.microsoft.com/office/drawing/2014/main" id="{CFAA8A44-B9CF-8586-D355-B032E9DBC213}"/>
+              </a:ext>
+            </a:extLst>
+          </p:cNvPr>
+          <p:cNvGraphicFramePr>
+            <a:graphicFrameLocks noGrp="1"/>
+          </p:cNvGraphicFramePr>
+          <p:nvPr>
+            <p:ph idx="1"/>
+            <p:extLst>
+              <p:ext uri="{D42A27DB-BD31-4B8C-83A1-F6EECF244321}">
+                <p14:modId xmlns:p14="http://schemas.microsoft.com/office/powerpoint/2010/main" val="2534525110"/>
+              </p:ext>
+            </p:extLst>
+          </p:nvPr>
+        </p:nvGraphicFramePr>
+        <p:xfrm>
+          <a:off x="838200" y="2577063"/>
+          <a:ext cx="10515600" cy="1483360"/>
+        </p:xfrm>
+        <a:graphic>
+          <a:graphicData uri="http://schemas.openxmlformats.org/drawingml/2006/table">
+            <a:tbl>
+              <a:tblPr firstRow="1" bandRow="1">
+                <a:tableStyleId>{5C22544A-7EE6-4342-B048-85BDC9FD1C3A}</a:tableStyleId>
+              </a:tblPr>
+              <a:tblGrid>
+                <a:gridCol w="1752600">
+                  <a:extLst>
+                    <a:ext uri="{9D8B030D-6E8A-4147-A177-3AD203B41FA5}">
+                      <a16:colId xmlns:a16="http://schemas.microsoft.com/office/drawing/2014/main" val="2794438982"/>
+                    </a:ext>
+                  </a:extLst>
+                </a:gridCol>
+                <a:gridCol w="1752600">
+                  <a:extLst>
+                    <a:ext uri="{9D8B030D-6E8A-4147-A177-3AD203B41FA5}">
+                      <a16:colId xmlns:a16="http://schemas.microsoft.com/office/drawing/2014/main" val="1919412745"/>
+                    </a:ext>
+                  </a:extLst>
+                </a:gridCol>
+                <a:gridCol w="1752600">
+                  <a:extLst>
+                    <a:ext uri="{9D8B030D-6E8A-4147-A177-3AD203B41FA5}">
+                      <a16:colId xmlns:a16="http://schemas.microsoft.com/office/drawing/2014/main" val="2141661818"/>
+                    </a:ext>
+                  </a:extLst>
+                </a:gridCol>
+                <a:gridCol w="1752600">
+                  <a:extLst>
+                    <a:ext uri="{9D8B030D-6E8A-4147-A177-3AD203B41FA5}">
+                      <a16:colId xmlns:a16="http://schemas.microsoft.com/office/drawing/2014/main" val="4166280108"/>
+                    </a:ext>
+                  </a:extLst>
+                </a:gridCol>
+                <a:gridCol w="1752600">
+                  <a:extLst>
+                    <a:ext uri="{9D8B030D-6E8A-4147-A177-3AD203B41FA5}">
+                      <a16:colId xmlns:a16="http://schemas.microsoft.com/office/drawing/2014/main" val="4019137305"/>
+                    </a:ext>
+                  </a:extLst>
+                </a:gridCol>
+                <a:gridCol w="1752600">
+                  <a:extLst>
+                    <a:ext uri="{9D8B030D-6E8A-4147-A177-3AD203B41FA5}">
+                      <a16:colId xmlns:a16="http://schemas.microsoft.com/office/drawing/2014/main" val="2297634835"/>
+                    </a:ext>
+                  </a:extLst>
+                </a:gridCol>
+              </a:tblGrid>
+              <a:tr h="370840">
+                <a:tc>
+                  <a:txBody>
+                    <a:bodyPr/>
+                    <a:lstStyle/>
+                    <a:p>
+                      <a:r>
+                        <a:rPr lang="en-US" dirty="0" err="1"/>
+                        <a:t>Participant_id</a:t>
+                      </a:r>
+                      <a:endParaRPr lang="en-US" dirty="0"/>
+                    </a:p>
+                  </a:txBody>
+                  <a:tcPr/>
+                </a:tc>
+                <a:tc>
+                  <a:txBody>
+                    <a:bodyPr/>
+                    <a:lstStyle/>
+                    <a:p>
+                      <a:r>
+                        <a:rPr lang="en-US" dirty="0"/>
+                        <a:t>Sex</a:t>
+                      </a:r>
+                    </a:p>
+                  </a:txBody>
+                  <a:tcPr/>
+                </a:tc>
+                <a:tc>
+                  <a:txBody>
+                    <a:bodyPr/>
+                    <a:lstStyle/>
+                    <a:p>
+                      <a:r>
+                        <a:rPr lang="en-US" dirty="0" err="1"/>
+                        <a:t>HFrEF</a:t>
+                      </a:r>
+                      <a:endParaRPr lang="en-US" dirty="0"/>
+                    </a:p>
+                  </a:txBody>
+                  <a:tcPr/>
+                </a:tc>
+                <a:tc>
+                  <a:txBody>
+                    <a:bodyPr/>
+                    <a:lstStyle/>
+                    <a:p>
+                      <a:r>
+                        <a:rPr lang="en-US" dirty="0"/>
+                        <a:t>LVEF</a:t>
+                      </a:r>
+                    </a:p>
+                  </a:txBody>
+                  <a:tcPr/>
+                </a:tc>
+                <a:tc>
+                  <a:txBody>
+                    <a:bodyPr/>
+                    <a:lstStyle/>
+                    <a:p>
+                      <a:r>
+                        <a:rPr lang="en-US" dirty="0"/>
+                        <a:t>event</a:t>
+                      </a:r>
+                    </a:p>
+                  </a:txBody>
+                  <a:tcPr/>
+                </a:tc>
+                <a:tc>
+                  <a:txBody>
+                    <a:bodyPr/>
+                    <a:lstStyle/>
+                    <a:p>
+                      <a:r>
+                        <a:rPr lang="en-US" dirty="0"/>
+                        <a:t>Time</a:t>
+                      </a:r>
+                    </a:p>
+                  </a:txBody>
+                  <a:tcPr/>
+                </a:tc>
+                <a:extLst>
+                  <a:ext uri="{0D108BD9-81ED-4DB2-BD59-A6C34878D82A}">
+                    <a16:rowId xmlns:a16="http://schemas.microsoft.com/office/drawing/2014/main" val="2100596387"/>
+                  </a:ext>
+                </a:extLst>
+              </a:tr>
+              <a:tr h="370840">
+                <a:tc>
+                  <a:txBody>
+                    <a:bodyPr/>
+                    <a:lstStyle/>
+                    <a:p>
+                      <a:r>
+                        <a:rPr lang="en-US" dirty="0"/>
+                        <a:t>1</a:t>
+                      </a:r>
+                    </a:p>
+                  </a:txBody>
+                  <a:tcPr/>
+                </a:tc>
+                <a:tc>
+                  <a:txBody>
+                    <a:bodyPr/>
+                    <a:lstStyle/>
+                    <a:p>
+                      <a:r>
+                        <a:rPr lang="en-US" dirty="0"/>
+                        <a:t>0</a:t>
+                      </a:r>
+                    </a:p>
+                  </a:txBody>
+                  <a:tcPr/>
+                </a:tc>
+                <a:tc>
+                  <a:txBody>
+                    <a:bodyPr/>
+                    <a:lstStyle/>
+                    <a:p>
+                      <a:r>
+                        <a:rPr lang="en-US" dirty="0"/>
+                        <a:t>1</a:t>
+                      </a:r>
+                    </a:p>
+                  </a:txBody>
+                  <a:tcPr/>
+                </a:tc>
+                <a:tc>
+                  <a:txBody>
+                    <a:bodyPr/>
+                    <a:lstStyle/>
+                    <a:p>
+                      <a:r>
+                        <a:rPr lang="en-US" dirty="0"/>
+                        <a:t>35</a:t>
+                      </a:r>
+                    </a:p>
+                  </a:txBody>
+                  <a:tcPr/>
+                </a:tc>
+                <a:tc>
+                  <a:txBody>
+                    <a:bodyPr/>
+                    <a:lstStyle/>
+                    <a:p>
+                      <a:r>
+                        <a:rPr lang="en-US" dirty="0"/>
+                        <a:t>1</a:t>
+                      </a:r>
+                    </a:p>
+                  </a:txBody>
+                  <a:tcPr/>
+                </a:tc>
+                <a:tc>
+                  <a:txBody>
+                    <a:bodyPr/>
+                    <a:lstStyle/>
+                    <a:p>
+                      <a:r>
+                        <a:rPr lang="en-US" dirty="0"/>
+                        <a:t>120</a:t>
+                      </a:r>
+                    </a:p>
+                  </a:txBody>
+                  <a:tcPr/>
+                </a:tc>
+                <a:extLst>
+                  <a:ext uri="{0D108BD9-81ED-4DB2-BD59-A6C34878D82A}">
+                    <a16:rowId xmlns:a16="http://schemas.microsoft.com/office/drawing/2014/main" val="2492518363"/>
+                  </a:ext>
+                </a:extLst>
+              </a:tr>
+              <a:tr h="370840">
+                <a:tc>
+                  <a:txBody>
+                    <a:bodyPr/>
+                    <a:lstStyle/>
+                    <a:p>
+                      <a:r>
+                        <a:rPr lang="en-US" dirty="0"/>
+                        <a:t>2</a:t>
+                      </a:r>
+                    </a:p>
+                  </a:txBody>
+                  <a:tcPr/>
+                </a:tc>
+                <a:tc>
+                  <a:txBody>
+                    <a:bodyPr/>
+                    <a:lstStyle/>
+                    <a:p>
+                      <a:r>
+                        <a:rPr lang="en-US" dirty="0"/>
+                        <a:t>1</a:t>
+                      </a:r>
+                    </a:p>
+                  </a:txBody>
+                  <a:tcPr/>
+                </a:tc>
+                <a:tc>
+                  <a:txBody>
+                    <a:bodyPr/>
+                    <a:lstStyle/>
+                    <a:p>
+                      <a:r>
+                        <a:rPr lang="en-US" dirty="0"/>
+                        <a:t>0</a:t>
+                      </a:r>
+                    </a:p>
+                  </a:txBody>
+                  <a:tcPr/>
+                </a:tc>
+                <a:tc>
+                  <a:txBody>
+                    <a:bodyPr/>
+                    <a:lstStyle/>
+                    <a:p>
+                      <a:r>
+                        <a:rPr lang="en-US" dirty="0"/>
+                        <a:t>60</a:t>
+                      </a:r>
+                    </a:p>
+                  </a:txBody>
+                  <a:tcPr/>
+                </a:tc>
+                <a:tc>
+                  <a:txBody>
+                    <a:bodyPr/>
+                    <a:lstStyle/>
+                    <a:p>
+                      <a:r>
+                        <a:rPr lang="en-US" dirty="0"/>
+                        <a:t>0</a:t>
+                      </a:r>
+                    </a:p>
+                  </a:txBody>
+                  <a:tcPr/>
+                </a:tc>
+                <a:tc>
+                  <a:txBody>
+                    <a:bodyPr/>
+                    <a:lstStyle/>
+                    <a:p>
+                      <a:r>
+                        <a:rPr lang="en-US" dirty="0"/>
+                        <a:t>240</a:t>
+                      </a:r>
+                    </a:p>
+                  </a:txBody>
+                  <a:tcPr/>
+                </a:tc>
+                <a:extLst>
+                  <a:ext uri="{0D108BD9-81ED-4DB2-BD59-A6C34878D82A}">
+                    <a16:rowId xmlns:a16="http://schemas.microsoft.com/office/drawing/2014/main" val="313612918"/>
+                  </a:ext>
+                </a:extLst>
+              </a:tr>
+              <a:tr h="370840">
+                <a:tc>
+                  <a:txBody>
+                    <a:bodyPr/>
+                    <a:lstStyle/>
+                    <a:p>
+                      <a:r>
+                        <a:rPr lang="en-US" dirty="0"/>
+                        <a:t>3</a:t>
+                      </a:r>
+                    </a:p>
+                  </a:txBody>
+                  <a:tcPr/>
+                </a:tc>
+                <a:tc>
+                  <a:txBody>
+                    <a:bodyPr/>
+                    <a:lstStyle/>
+                    <a:p>
+                      <a:r>
+                        <a:rPr lang="en-US" dirty="0"/>
+                        <a:t>1</a:t>
+                      </a:r>
+                    </a:p>
+                  </a:txBody>
+                  <a:tcPr/>
+                </a:tc>
+                <a:tc>
+                  <a:txBody>
+                    <a:bodyPr/>
+                    <a:lstStyle/>
+                    <a:p>
+                      <a:r>
+                        <a:rPr lang="en-US" dirty="0"/>
+                        <a:t>1</a:t>
+                      </a:r>
+                    </a:p>
+                  </a:txBody>
+                  <a:tcPr/>
+                </a:tc>
+                <a:tc>
+                  <a:txBody>
+                    <a:bodyPr/>
+                    <a:lstStyle/>
+                    <a:p>
+                      <a:r>
+                        <a:rPr lang="en-US" dirty="0"/>
+                        <a:t>20</a:t>
+                      </a:r>
+                    </a:p>
+                  </a:txBody>
+                  <a:tcPr/>
+                </a:tc>
+                <a:tc>
+                  <a:txBody>
+                    <a:bodyPr/>
+                    <a:lstStyle/>
+                    <a:p>
+                      <a:r>
+                        <a:rPr lang="en-US" dirty="0"/>
+                        <a:t>0</a:t>
+                      </a:r>
+                    </a:p>
+                  </a:txBody>
+                  <a:tcPr/>
+                </a:tc>
+                <a:tc>
+                  <a:txBody>
+                    <a:bodyPr/>
+                    <a:lstStyle/>
+                    <a:p>
+                      <a:r>
+                        <a:rPr lang="en-US" dirty="0"/>
+                        <a:t>360</a:t>
+                      </a:r>
+                    </a:p>
+                  </a:txBody>
+                  <a:tcPr/>
+                </a:tc>
+                <a:extLst>
+                  <a:ext uri="{0D108BD9-81ED-4DB2-BD59-A6C34878D82A}">
+                    <a16:rowId xmlns:a16="http://schemas.microsoft.com/office/drawing/2014/main" val="4117879260"/>
+                  </a:ext>
+                </a:extLst>
+              </a:tr>
+            </a:tbl>
+          </a:graphicData>
+        </a:graphic>
+      </p:graphicFrame>
+    </p:spTree>
+    <p:extLst>
+      <p:ext uri="{BB962C8B-B14F-4D97-AF65-F5344CB8AC3E}">
+        <p14:creationId xmlns:p14="http://schemas.microsoft.com/office/powerpoint/2010/main" val="2133248857"/>
+      </p:ext>
+    </p:extLst>
+  </p:cSld>
+  <p:clrMapOvr>
+    <a:masterClrMapping/>
+  </p:clrMapOvr>
+</p:sld>
+</file>
+
+<file path=ppt/slides/slide34.xml><?xml version="1.0" encoding="utf-8"?>
+<p:sld xmlns:a="http://schemas.openxmlformats.org/drawingml/2006/main" xmlns:r="http://schemas.openxmlformats.org/officeDocument/2006/relationships" xmlns:p="http://schemas.openxmlformats.org/presentationml/2006/main">
+  <p:cSld>
+    <p:spTree>
+      <p:nvGrpSpPr>
+        <p:cNvPr id="1" name=""/>
+        <p:cNvGrpSpPr/>
+        <p:nvPr/>
+      </p:nvGrpSpPr>
+      <p:grpSpPr>
+        <a:xfrm>
+          <a:off x="0" y="0"/>
+          <a:ext cx="0" cy="0"/>
+          <a:chOff x="0" y="0"/>
+          <a:chExt cx="0" cy="0"/>
+        </a:xfrm>
+      </p:grpSpPr>
+      <p:sp>
+        <p:nvSpPr>
+          <p:cNvPr id="2" name="Title 1">
+            <a:extLst>
+              <a:ext uri="{FF2B5EF4-FFF2-40B4-BE49-F238E27FC236}">
+                <a16:creationId xmlns:a16="http://schemas.microsoft.com/office/drawing/2014/main" id="{D9B7CC25-AFEC-3081-507E-DBA9E2366FBC}"/>
+              </a:ext>
+            </a:extLst>
+          </p:cNvPr>
+          <p:cNvSpPr>
+            <a:spLocks noGrp="1"/>
+          </p:cNvSpPr>
+          <p:nvPr>
+            <p:ph type="title"/>
+          </p:nvPr>
+        </p:nvSpPr>
+        <p:spPr/>
+        <p:txBody>
+          <a:bodyPr/>
+          <a:lstStyle/>
+          <a:p>
+            <a:r>
+              <a:rPr lang="en-US"/>
+              <a:t>Misc. Stats</a:t>
+            </a:r>
+          </a:p>
+        </p:txBody>
+      </p:sp>
+      <p:sp>
+        <p:nvSpPr>
+          <p:cNvPr id="3" name="Content Placeholder 2">
+            <a:extLst>
+              <a:ext uri="{FF2B5EF4-FFF2-40B4-BE49-F238E27FC236}">
+                <a16:creationId xmlns:a16="http://schemas.microsoft.com/office/drawing/2014/main" id="{7460841B-8B25-E166-2D82-42F1285CDA6F}"/>
+              </a:ext>
+            </a:extLst>
+          </p:cNvPr>
+          <p:cNvSpPr>
+            <a:spLocks noGrp="1"/>
+          </p:cNvSpPr>
+          <p:nvPr>
+            <p:ph idx="1"/>
+          </p:nvPr>
+        </p:nvSpPr>
+        <p:spPr/>
+        <p:txBody>
+          <a:bodyPr vert="horz" lIns="91440" tIns="45720" rIns="91440" bIns="45720" rtlCol="0" anchor="t">
+            <a:normAutofit/>
+          </a:bodyPr>
+          <a:lstStyle/>
+          <a:p>
+            <a:r>
+              <a:rPr lang="en-US" dirty="0"/>
+              <a:t>Testing continuous variables for normality (needed for many parametric tests)</a:t>
+            </a:r>
+          </a:p>
+          <a:p>
+            <a:pPr lvl="1">
+              <a:buFont typeface="Courier New" panose="020B0604020202020204" pitchFamily="34" charset="0"/>
+              <a:buChar char="o"/>
+            </a:pPr>
+            <a:r>
+              <a:rPr lang="en-US" dirty="0"/>
+              <a:t>Shapiro wilk test, want p to be greater than 0.05 </a:t>
+            </a:r>
+          </a:p>
+          <a:p>
+            <a:pPr lvl="1">
+              <a:buFont typeface="Courier New" panose="020B0604020202020204" pitchFamily="34" charset="0"/>
+              <a:buChar char="o"/>
+            </a:pPr>
+            <a:r>
+              <a:rPr lang="en-US" dirty="0"/>
+              <a:t>If you have hundreds of samples more reliable to graph it and graph normal distribution too</a:t>
+            </a:r>
+          </a:p>
+          <a:p>
+            <a:endParaRPr lang="en-US" dirty="0"/>
+          </a:p>
+          <a:p>
+            <a:endParaRPr lang="en-US" dirty="0"/>
+          </a:p>
+        </p:txBody>
+      </p:sp>
+    </p:spTree>
+    <p:extLst>
+      <p:ext uri="{BB962C8B-B14F-4D97-AF65-F5344CB8AC3E}">
+        <p14:creationId xmlns:p14="http://schemas.microsoft.com/office/powerpoint/2010/main" val="3889029988"/>
+      </p:ext>
+    </p:extLst>
+  </p:cSld>
+  <p:clrMapOvr>
+    <a:masterClrMapping/>
+  </p:clrMapOvr>
+</p:sld>
+</file>
+
+<file path=ppt/slides/slide35.xml><?xml version="1.0" encoding="utf-8"?>
+<p:sld xmlns:a="http://schemas.openxmlformats.org/drawingml/2006/main" xmlns:r="http://schemas.openxmlformats.org/officeDocument/2006/relationships" xmlns:p="http://schemas.openxmlformats.org/presentationml/2006/main">
+  <p:cSld>
+    <p:spTree>
+      <p:nvGrpSpPr>
+        <p:cNvPr id="1" name=""/>
+        <p:cNvGrpSpPr/>
+        <p:nvPr/>
+      </p:nvGrpSpPr>
+      <p:grpSpPr>
+        <a:xfrm>
+          <a:off x="0" y="0"/>
+          <a:ext cx="0" cy="0"/>
+          <a:chOff x="0" y="0"/>
+          <a:chExt cx="0" cy="0"/>
+        </a:xfrm>
+      </p:grpSpPr>
+      <p:sp>
+        <p:nvSpPr>
+          <p:cNvPr id="2" name="Title 1">
+            <a:extLst>
+              <a:ext uri="{FF2B5EF4-FFF2-40B4-BE49-F238E27FC236}">
+                <a16:creationId xmlns:a16="http://schemas.microsoft.com/office/drawing/2014/main" id="{D06B075C-E9B4-743F-AAD3-2251A9B4DF6E}"/>
+              </a:ext>
+            </a:extLst>
+          </p:cNvPr>
+          <p:cNvSpPr>
+            <a:spLocks noGrp="1"/>
+          </p:cNvSpPr>
+          <p:nvPr>
+            <p:ph type="title"/>
+          </p:nvPr>
+        </p:nvSpPr>
+        <p:spPr/>
+        <p:txBody>
+          <a:bodyPr/>
+          <a:lstStyle/>
+          <a:p>
+            <a:r>
+              <a:rPr lang="en-US" dirty="0"/>
+              <a:t>Propensity score matching techniques</a:t>
+            </a:r>
+          </a:p>
+        </p:txBody>
+      </p:sp>
+      <p:sp>
+        <p:nvSpPr>
+          <p:cNvPr id="3" name="Content Placeholder 2">
+            <a:extLst>
+              <a:ext uri="{FF2B5EF4-FFF2-40B4-BE49-F238E27FC236}">
+                <a16:creationId xmlns:a16="http://schemas.microsoft.com/office/drawing/2014/main" id="{178A51AC-3200-0F25-E0A9-802B45C83F84}"/>
+              </a:ext>
+            </a:extLst>
+          </p:cNvPr>
+          <p:cNvSpPr>
+            <a:spLocks noGrp="1"/>
+          </p:cNvSpPr>
+          <p:nvPr>
+            <p:ph idx="1"/>
+          </p:nvPr>
+        </p:nvSpPr>
+        <p:spPr/>
+        <p:txBody>
+          <a:bodyPr/>
+          <a:lstStyle/>
+          <a:p>
+            <a:r>
+              <a:rPr lang="en-US" dirty="0"/>
+              <a:t>Used for non-randomized data or un-randomizable experiments </a:t>
+            </a:r>
+          </a:p>
+          <a:p>
+            <a:r>
+              <a:rPr lang="en-US" dirty="0"/>
+              <a:t>Use the </a:t>
+            </a:r>
+            <a:r>
+              <a:rPr lang="en-US" dirty="0" err="1"/>
+              <a:t>MatchIt</a:t>
+            </a:r>
+            <a:r>
+              <a:rPr lang="en-US" dirty="0"/>
+              <a:t> R package</a:t>
+            </a:r>
+          </a:p>
+          <a:p>
+            <a:r>
+              <a:rPr lang="en-US" dirty="0"/>
+              <a:t>Most useful for large, non-random data where you think factors/covariates would affect treatment assignment</a:t>
+            </a:r>
+          </a:p>
+          <a:p>
+            <a:pPr lvl="1"/>
+            <a:r>
+              <a:rPr lang="en-US" dirty="0"/>
+              <a:t>Having LBBB increases your risk of getting CRT</a:t>
+            </a:r>
+          </a:p>
+          <a:p>
+            <a:r>
+              <a:rPr lang="en-US" dirty="0"/>
+              <a:t>To be used in combination with regression </a:t>
+            </a:r>
+          </a:p>
+          <a:p>
+            <a:r>
+              <a:rPr lang="en-US" dirty="0"/>
+              <a:t>Challenging to do/understand </a:t>
+            </a:r>
+          </a:p>
+        </p:txBody>
+      </p:sp>
+    </p:spTree>
+    <p:extLst>
+      <p:ext uri="{BB962C8B-B14F-4D97-AF65-F5344CB8AC3E}">
+        <p14:creationId xmlns:p14="http://schemas.microsoft.com/office/powerpoint/2010/main" val="3010785446"/>
+      </p:ext>
+    </p:extLst>
+  </p:cSld>
+  <p:clrMapOvr>
+    <a:masterClrMapping/>
+  </p:clrMapOvr>
+</p:sld>
+</file>
+
+<file path=ppt/slides/slide36.xml><?xml version="1.0" encoding="utf-8"?>
+<p:sld xmlns:a="http://schemas.openxmlformats.org/drawingml/2006/main" xmlns:r="http://schemas.openxmlformats.org/officeDocument/2006/relationships" xmlns:p="http://schemas.openxmlformats.org/presentationml/2006/main">
+  <p:cSld>
+    <p:spTree>
+      <p:nvGrpSpPr>
+        <p:cNvPr id="1" name=""/>
+        <p:cNvGrpSpPr/>
+        <p:nvPr/>
+      </p:nvGrpSpPr>
+      <p:grpSpPr>
+        <a:xfrm>
+          <a:off x="0" y="0"/>
+          <a:ext cx="0" cy="0"/>
+          <a:chOff x="0" y="0"/>
+          <a:chExt cx="0" cy="0"/>
+        </a:xfrm>
+      </p:grpSpPr>
+      <p:sp>
+        <p:nvSpPr>
+          <p:cNvPr id="2" name="Title 1">
+            <a:extLst>
+              <a:ext uri="{FF2B5EF4-FFF2-40B4-BE49-F238E27FC236}">
                 <a16:creationId xmlns:a16="http://schemas.microsoft.com/office/drawing/2014/main" id="{8617A405-6249-74C1-645B-9DAB8B5D9DF9}"/>
               </a:ext>
             </a:extLst>
@@ -7409,7 +8749,7 @@
 </p:sld>
 </file>
 
-<file path=ppt/slides/slide32.xml><?xml version="1.0" encoding="utf-8"?>
+<file path=ppt/slides/slide37.xml><?xml version="1.0" encoding="utf-8"?>
 <p:sld xmlns:a="http://schemas.openxmlformats.org/drawingml/2006/main" xmlns:r="http://schemas.openxmlformats.org/officeDocument/2006/relationships" xmlns:p="http://schemas.openxmlformats.org/presentationml/2006/main">
   <p:cSld>
     <p:spTree>
@@ -7546,7 +8886,7 @@
 </p:sld>
 </file>
 
-<file path=ppt/slides/slide33.xml><?xml version="1.0" encoding="utf-8"?>
+<file path=ppt/slides/slide38.xml><?xml version="1.0" encoding="utf-8"?>
 <p:sld xmlns:a="http://schemas.openxmlformats.org/drawingml/2006/main" xmlns:r="http://schemas.openxmlformats.org/officeDocument/2006/relationships" xmlns:p="http://schemas.openxmlformats.org/presentationml/2006/main">
   <p:cSld>
     <p:spTree>
@@ -7722,7 +9062,7 @@
 </p:sld>
 </file>
 
-<file path=ppt/slides/slide34.xml><?xml version="1.0" encoding="utf-8"?>
+<file path=ppt/slides/slide39.xml><?xml version="1.0" encoding="utf-8"?>
 <p:sld xmlns:a="http://schemas.openxmlformats.org/drawingml/2006/main" xmlns:r="http://schemas.openxmlformats.org/officeDocument/2006/relationships" xmlns:p="http://schemas.openxmlformats.org/presentationml/2006/main">
   <p:cSld>
     <p:spTree>
@@ -7845,534 +9185,6 @@
     <p:extLst>
       <p:ext uri="{BB962C8B-B14F-4D97-AF65-F5344CB8AC3E}">
         <p14:creationId xmlns:p14="http://schemas.microsoft.com/office/powerpoint/2010/main" val="606343813"/>
-      </p:ext>
-    </p:extLst>
-  </p:cSld>
-  <p:clrMapOvr>
-    <a:masterClrMapping/>
-  </p:clrMapOvr>
-</p:sld>
-</file>
-
-<file path=ppt/slides/slide35.xml><?xml version="1.0" encoding="utf-8"?>
-<p:sld xmlns:a="http://schemas.openxmlformats.org/drawingml/2006/main" xmlns:r="http://schemas.openxmlformats.org/officeDocument/2006/relationships" xmlns:p="http://schemas.openxmlformats.org/presentationml/2006/main">
-  <p:cSld>
-    <p:spTree>
-      <p:nvGrpSpPr>
-        <p:cNvPr id="1" name=""/>
-        <p:cNvGrpSpPr/>
-        <p:nvPr/>
-      </p:nvGrpSpPr>
-      <p:grpSpPr>
-        <a:xfrm>
-          <a:off x="0" y="0"/>
-          <a:ext cx="0" cy="0"/>
-          <a:chOff x="0" y="0"/>
-          <a:chExt cx="0" cy="0"/>
-        </a:xfrm>
-      </p:grpSpPr>
-      <p:sp>
-        <p:nvSpPr>
-          <p:cNvPr id="2" name="Title 1">
-            <a:extLst>
-              <a:ext uri="{FF2B5EF4-FFF2-40B4-BE49-F238E27FC236}">
-                <a16:creationId xmlns:a16="http://schemas.microsoft.com/office/drawing/2014/main" id="{420E8E6C-CDDC-4F86-CA56-37D531B8F70B}"/>
-              </a:ext>
-            </a:extLst>
-          </p:cNvPr>
-          <p:cNvSpPr>
-            <a:spLocks noGrp="1"/>
-          </p:cNvSpPr>
-          <p:nvPr>
-            <p:ph type="title"/>
-          </p:nvPr>
-        </p:nvSpPr>
-        <p:spPr/>
-        <p:txBody>
-          <a:bodyPr/>
-          <a:lstStyle/>
-          <a:p>
-            <a:r>
-              <a:rPr lang="en-US"/>
-              <a:t>R Demo</a:t>
-            </a:r>
-          </a:p>
-        </p:txBody>
-      </p:sp>
-      <p:sp>
-        <p:nvSpPr>
-          <p:cNvPr id="3" name="Content Placeholder 2">
-            <a:extLst>
-              <a:ext uri="{FF2B5EF4-FFF2-40B4-BE49-F238E27FC236}">
-                <a16:creationId xmlns:a16="http://schemas.microsoft.com/office/drawing/2014/main" id="{4FB4DE3C-4735-CB45-0754-756678A001CA}"/>
-              </a:ext>
-            </a:extLst>
-          </p:cNvPr>
-          <p:cNvSpPr>
-            <a:spLocks noGrp="1"/>
-          </p:cNvSpPr>
-          <p:nvPr>
-            <p:ph idx="1"/>
-          </p:nvPr>
-        </p:nvSpPr>
-        <p:spPr/>
-        <p:txBody>
-          <a:bodyPr/>
-          <a:lstStyle/>
-          <a:p>
-            <a:endParaRPr lang="en-US"/>
-          </a:p>
-        </p:txBody>
-      </p:sp>
-    </p:spTree>
-    <p:extLst>
-      <p:ext uri="{BB962C8B-B14F-4D97-AF65-F5344CB8AC3E}">
-        <p14:creationId xmlns:p14="http://schemas.microsoft.com/office/powerpoint/2010/main" val="2069343237"/>
-      </p:ext>
-    </p:extLst>
-  </p:cSld>
-  <p:clrMapOvr>
-    <a:masterClrMapping/>
-  </p:clrMapOvr>
-</p:sld>
-</file>
-
-<file path=ppt/slides/slide36.xml><?xml version="1.0" encoding="utf-8"?>
-<p:sld xmlns:a="http://schemas.openxmlformats.org/drawingml/2006/main" xmlns:r="http://schemas.openxmlformats.org/officeDocument/2006/relationships" xmlns:p="http://schemas.openxmlformats.org/presentationml/2006/main">
-  <p:cSld>
-    <p:spTree>
-      <p:nvGrpSpPr>
-        <p:cNvPr id="1" name=""/>
-        <p:cNvGrpSpPr/>
-        <p:nvPr/>
-      </p:nvGrpSpPr>
-      <p:grpSpPr>
-        <a:xfrm>
-          <a:off x="0" y="0"/>
-          <a:ext cx="0" cy="0"/>
-          <a:chOff x="0" y="0"/>
-          <a:chExt cx="0" cy="0"/>
-        </a:xfrm>
-      </p:grpSpPr>
-      <p:sp>
-        <p:nvSpPr>
-          <p:cNvPr id="2" name="Title 1">
-            <a:extLst>
-              <a:ext uri="{FF2B5EF4-FFF2-40B4-BE49-F238E27FC236}">
-                <a16:creationId xmlns:a16="http://schemas.microsoft.com/office/drawing/2014/main" id="{2FDBDAD2-75DB-FE49-107D-FD89030F7753}"/>
-              </a:ext>
-            </a:extLst>
-          </p:cNvPr>
-          <p:cNvSpPr>
-            <a:spLocks noGrp="1"/>
-          </p:cNvSpPr>
-          <p:nvPr>
-            <p:ph type="title"/>
-          </p:nvPr>
-        </p:nvSpPr>
-        <p:spPr/>
-        <p:txBody>
-          <a:bodyPr/>
-          <a:lstStyle/>
-          <a:p>
-            <a:r>
-              <a:rPr lang="en-US"/>
-              <a:t>Installing R </a:t>
-            </a:r>
-          </a:p>
-        </p:txBody>
-      </p:sp>
-      <p:sp>
-        <p:nvSpPr>
-          <p:cNvPr id="3" name="Content Placeholder 2">
-            <a:extLst>
-              <a:ext uri="{FF2B5EF4-FFF2-40B4-BE49-F238E27FC236}">
-                <a16:creationId xmlns:a16="http://schemas.microsoft.com/office/drawing/2014/main" id="{83AD8228-E13A-85B4-71F3-64D3AD1019E3}"/>
-              </a:ext>
-            </a:extLst>
-          </p:cNvPr>
-          <p:cNvSpPr>
-            <a:spLocks noGrp="1"/>
-          </p:cNvSpPr>
-          <p:nvPr>
-            <p:ph idx="1"/>
-          </p:nvPr>
-        </p:nvSpPr>
-        <p:spPr/>
-        <p:txBody>
-          <a:bodyPr vert="horz" lIns="91440" tIns="45720" rIns="91440" bIns="45720" rtlCol="0" anchor="t">
-            <a:normAutofit/>
-          </a:bodyPr>
-          <a:lstStyle/>
-          <a:p>
-            <a:r>
-              <a:rPr lang="en-US"/>
-              <a:t>Download R studio: </a:t>
-            </a:r>
-            <a:r>
-              <a:rPr lang="en-US">
-                <a:ea typeface="+mn-lt"/>
-                <a:cs typeface="+mn-lt"/>
-                <a:hlinkClick r:id="rId2"/>
-              </a:rPr>
-              <a:t>Download RStudio - Posit</a:t>
-            </a:r>
-            <a:endParaRPr lang="en-US">
-              <a:ea typeface="+mn-lt"/>
-              <a:cs typeface="+mn-lt"/>
-            </a:endParaRPr>
-          </a:p>
-          <a:p>
-            <a:r>
-              <a:rPr lang="en-US"/>
-              <a:t>Download R: </a:t>
-            </a:r>
-            <a:r>
-              <a:rPr lang="en-US">
-                <a:ea typeface="+mn-lt"/>
-                <a:cs typeface="+mn-lt"/>
-                <a:hlinkClick r:id="rId3"/>
-              </a:rPr>
-              <a:t>The Comprehensive R Archive Network</a:t>
-            </a:r>
-            <a:r>
-              <a:rPr lang="en-US"/>
-              <a:t> </a:t>
-            </a:r>
-          </a:p>
-        </p:txBody>
-      </p:sp>
-    </p:spTree>
-    <p:extLst>
-      <p:ext uri="{BB962C8B-B14F-4D97-AF65-F5344CB8AC3E}">
-        <p14:creationId xmlns:p14="http://schemas.microsoft.com/office/powerpoint/2010/main" val="3924422529"/>
-      </p:ext>
-    </p:extLst>
-  </p:cSld>
-  <p:clrMapOvr>
-    <a:masterClrMapping/>
-  </p:clrMapOvr>
-</p:sld>
-</file>
-
-<file path=ppt/slides/slide37.xml><?xml version="1.0" encoding="utf-8"?>
-<p:sld xmlns:a="http://schemas.openxmlformats.org/drawingml/2006/main" xmlns:r="http://schemas.openxmlformats.org/officeDocument/2006/relationships" xmlns:p="http://schemas.openxmlformats.org/presentationml/2006/main">
-  <p:cSld>
-    <p:spTree>
-      <p:nvGrpSpPr>
-        <p:cNvPr id="1" name=""/>
-        <p:cNvGrpSpPr/>
-        <p:nvPr/>
-      </p:nvGrpSpPr>
-      <p:grpSpPr>
-        <a:xfrm>
-          <a:off x="0" y="0"/>
-          <a:ext cx="0" cy="0"/>
-          <a:chOff x="0" y="0"/>
-          <a:chExt cx="0" cy="0"/>
-        </a:xfrm>
-      </p:grpSpPr>
-      <p:sp>
-        <p:nvSpPr>
-          <p:cNvPr id="2" name="Title 1">
-            <a:extLst>
-              <a:ext uri="{FF2B5EF4-FFF2-40B4-BE49-F238E27FC236}">
-                <a16:creationId xmlns:a16="http://schemas.microsoft.com/office/drawing/2014/main" id="{7499F2E5-AABA-D06F-1ED4-A6E68D84E111}"/>
-              </a:ext>
-            </a:extLst>
-          </p:cNvPr>
-          <p:cNvSpPr>
-            <a:spLocks noGrp="1"/>
-          </p:cNvSpPr>
-          <p:nvPr>
-            <p:ph type="title"/>
-          </p:nvPr>
-        </p:nvSpPr>
-        <p:spPr/>
-        <p:txBody>
-          <a:bodyPr/>
-          <a:lstStyle/>
-          <a:p>
-            <a:r>
-              <a:rPr lang="en-US"/>
-              <a:t>Questions?</a:t>
-            </a:r>
-          </a:p>
-        </p:txBody>
-      </p:sp>
-      <p:sp>
-        <p:nvSpPr>
-          <p:cNvPr id="3" name="Content Placeholder 2">
-            <a:extLst>
-              <a:ext uri="{FF2B5EF4-FFF2-40B4-BE49-F238E27FC236}">
-                <a16:creationId xmlns:a16="http://schemas.microsoft.com/office/drawing/2014/main" id="{7CABA833-8A59-31AC-4EE7-46A91A326737}"/>
-              </a:ext>
-            </a:extLst>
-          </p:cNvPr>
-          <p:cNvSpPr>
-            <a:spLocks noGrp="1"/>
-          </p:cNvSpPr>
-          <p:nvPr>
-            <p:ph idx="1"/>
-          </p:nvPr>
-        </p:nvSpPr>
-        <p:spPr/>
-        <p:txBody>
-          <a:bodyPr/>
-          <a:lstStyle/>
-          <a:p>
-            <a:endParaRPr lang="en-US"/>
-          </a:p>
-        </p:txBody>
-      </p:sp>
-    </p:spTree>
-    <p:extLst>
-      <p:ext uri="{BB962C8B-B14F-4D97-AF65-F5344CB8AC3E}">
-        <p14:creationId xmlns:p14="http://schemas.microsoft.com/office/powerpoint/2010/main" val="3629025707"/>
-      </p:ext>
-    </p:extLst>
-  </p:cSld>
-  <p:clrMapOvr>
-    <a:masterClrMapping/>
-  </p:clrMapOvr>
-</p:sld>
-</file>
-
-<file path=ppt/slides/slide38.xml><?xml version="1.0" encoding="utf-8"?>
-<p:sld xmlns:a="http://schemas.openxmlformats.org/drawingml/2006/main" xmlns:r="http://schemas.openxmlformats.org/officeDocument/2006/relationships" xmlns:p="http://schemas.openxmlformats.org/presentationml/2006/main">
-  <p:cSld>
-    <p:spTree>
-      <p:nvGrpSpPr>
-        <p:cNvPr id="1" name=""/>
-        <p:cNvGrpSpPr/>
-        <p:nvPr/>
-      </p:nvGrpSpPr>
-      <p:grpSpPr>
-        <a:xfrm>
-          <a:off x="0" y="0"/>
-          <a:ext cx="0" cy="0"/>
-          <a:chOff x="0" y="0"/>
-          <a:chExt cx="0" cy="0"/>
-        </a:xfrm>
-      </p:grpSpPr>
-      <p:sp>
-        <p:nvSpPr>
-          <p:cNvPr id="2" name="Title 1">
-            <a:extLst>
-              <a:ext uri="{FF2B5EF4-FFF2-40B4-BE49-F238E27FC236}">
-                <a16:creationId xmlns:a16="http://schemas.microsoft.com/office/drawing/2014/main" id="{E9D9848B-8B5E-E4F3-6387-D6CCAFA0757B}"/>
-              </a:ext>
-            </a:extLst>
-          </p:cNvPr>
-          <p:cNvSpPr>
-            <a:spLocks noGrp="1"/>
-          </p:cNvSpPr>
-          <p:nvPr>
-            <p:ph type="title"/>
-          </p:nvPr>
-        </p:nvSpPr>
-        <p:spPr/>
-        <p:txBody>
-          <a:bodyPr/>
-          <a:lstStyle/>
-          <a:p>
-            <a:r>
-              <a:rPr lang="en-US"/>
-              <a:t>Posting on reddit for R help</a:t>
-            </a:r>
-          </a:p>
-        </p:txBody>
-      </p:sp>
-      <p:sp>
-        <p:nvSpPr>
-          <p:cNvPr id="3" name="Content Placeholder 2">
-            <a:extLst>
-              <a:ext uri="{FF2B5EF4-FFF2-40B4-BE49-F238E27FC236}">
-                <a16:creationId xmlns:a16="http://schemas.microsoft.com/office/drawing/2014/main" id="{E9778328-C693-3539-E2D8-4634A8D0550B}"/>
-              </a:ext>
-            </a:extLst>
-          </p:cNvPr>
-          <p:cNvSpPr>
-            <a:spLocks noGrp="1"/>
-          </p:cNvSpPr>
-          <p:nvPr>
-            <p:ph idx="1"/>
-          </p:nvPr>
-        </p:nvSpPr>
-        <p:spPr/>
-        <p:txBody>
-          <a:bodyPr vert="horz" lIns="91440" tIns="45720" rIns="91440" bIns="45720" rtlCol="0" anchor="t">
-            <a:normAutofit/>
-          </a:bodyPr>
-          <a:lstStyle/>
-          <a:p>
-            <a:r>
-              <a:rPr lang="en-US"/>
-              <a:t>Brief title</a:t>
-            </a:r>
-          </a:p>
-          <a:p>
-            <a:r>
-              <a:rPr lang="en-US"/>
-              <a:t>Copy paste code into the post, use the code box</a:t>
-            </a:r>
-          </a:p>
-          <a:p>
-            <a:r>
-              <a:rPr lang="en-US"/>
-              <a:t>Provide a small dataset so people can reproduce your problem</a:t>
-            </a:r>
-          </a:p>
-          <a:p>
-            <a:pPr lvl="1">
-              <a:buFont typeface="Courier New" panose="020B0604020202020204" pitchFamily="34" charset="0"/>
-              <a:buChar char="o"/>
-            </a:pPr>
-            <a:r>
-              <a:rPr lang="en-US"/>
-              <a:t>This needs to be coded in R usually using random number generation </a:t>
-            </a:r>
-          </a:p>
-          <a:p>
-            <a:endParaRPr lang="en-US"/>
-          </a:p>
-        </p:txBody>
-      </p:sp>
-    </p:spTree>
-    <p:extLst>
-      <p:ext uri="{BB962C8B-B14F-4D97-AF65-F5344CB8AC3E}">
-        <p14:creationId xmlns:p14="http://schemas.microsoft.com/office/powerpoint/2010/main" val="2872033106"/>
-      </p:ext>
-    </p:extLst>
-  </p:cSld>
-  <p:clrMapOvr>
-    <a:masterClrMapping/>
-  </p:clrMapOvr>
-</p:sld>
-</file>
-
-<file path=ppt/slides/slide39.xml><?xml version="1.0" encoding="utf-8"?>
-<p:sld xmlns:a="http://schemas.openxmlformats.org/drawingml/2006/main" xmlns:r="http://schemas.openxmlformats.org/officeDocument/2006/relationships" xmlns:p="http://schemas.openxmlformats.org/presentationml/2006/main">
-  <p:cSld>
-    <p:spTree>
-      <p:nvGrpSpPr>
-        <p:cNvPr id="1" name=""/>
-        <p:cNvGrpSpPr/>
-        <p:nvPr/>
-      </p:nvGrpSpPr>
-      <p:grpSpPr>
-        <a:xfrm>
-          <a:off x="0" y="0"/>
-          <a:ext cx="0" cy="0"/>
-          <a:chOff x="0" y="0"/>
-          <a:chExt cx="0" cy="0"/>
-        </a:xfrm>
-      </p:grpSpPr>
-      <p:sp>
-        <p:nvSpPr>
-          <p:cNvPr id="2" name="Title 1">
-            <a:extLst>
-              <a:ext uri="{FF2B5EF4-FFF2-40B4-BE49-F238E27FC236}">
-                <a16:creationId xmlns:a16="http://schemas.microsoft.com/office/drawing/2014/main" id="{02E2957D-63BB-F9F0-A161-5A01B1A428E9}"/>
-              </a:ext>
-            </a:extLst>
-          </p:cNvPr>
-          <p:cNvSpPr>
-            <a:spLocks noGrp="1"/>
-          </p:cNvSpPr>
-          <p:nvPr>
-            <p:ph type="title"/>
-          </p:nvPr>
-        </p:nvSpPr>
-        <p:spPr/>
-        <p:txBody>
-          <a:bodyPr/>
-          <a:lstStyle/>
-          <a:p>
-            <a:r>
-              <a:rPr lang="en-US"/>
-              <a:t>Definitions</a:t>
-            </a:r>
-          </a:p>
-        </p:txBody>
-      </p:sp>
-      <p:sp>
-        <p:nvSpPr>
-          <p:cNvPr id="3" name="Content Placeholder 2">
-            <a:extLst>
-              <a:ext uri="{FF2B5EF4-FFF2-40B4-BE49-F238E27FC236}">
-                <a16:creationId xmlns:a16="http://schemas.microsoft.com/office/drawing/2014/main" id="{7C2CE526-B722-70B0-CA75-946ACAD04925}"/>
-              </a:ext>
-            </a:extLst>
-          </p:cNvPr>
-          <p:cNvSpPr>
-            <a:spLocks noGrp="1"/>
-          </p:cNvSpPr>
-          <p:nvPr>
-            <p:ph idx="1"/>
-          </p:nvPr>
-        </p:nvSpPr>
-        <p:spPr/>
-        <p:txBody>
-          <a:bodyPr vert="horz" lIns="91440" tIns="45720" rIns="91440" bIns="45720" rtlCol="0" anchor="t">
-            <a:normAutofit lnSpcReduction="10000"/>
-          </a:bodyPr>
-          <a:lstStyle/>
-          <a:p>
-            <a:r>
-              <a:rPr lang="en-US"/>
-              <a:t>Parametric test: Makes assumptions about the data to make the math easy</a:t>
-            </a:r>
-          </a:p>
-          <a:p>
-            <a:r>
-              <a:rPr lang="en-US"/>
-              <a:t>Nonparametric test: Doesn't make assumptions about the data</a:t>
-            </a:r>
-          </a:p>
-          <a:p>
-            <a:r>
-              <a:rPr lang="en-US"/>
-              <a:t>Factor/categorical variable: A variable where there are multiple options and can be yes/no or levels within a category </a:t>
-            </a:r>
-          </a:p>
-          <a:p>
-            <a:r>
-              <a:rPr lang="en-US"/>
-              <a:t>Continuous variable: The changes between the values are consistent, 1-&gt;2 is the same as 2-&gt;3</a:t>
-            </a:r>
-          </a:p>
-          <a:p>
-            <a:r>
-              <a:rPr lang="en-US"/>
-              <a:t>Ordinal variables: Similar to continuous but the relationship between the values is unknown, e.g. </a:t>
-            </a:r>
-            <a:r>
-              <a:rPr lang="en-US" err="1"/>
-              <a:t>likert</a:t>
-            </a:r>
-            <a:r>
-              <a:rPr lang="en-US"/>
-              <a:t> scale (satisfied, dissatisfied, </a:t>
-            </a:r>
-            <a:r>
-              <a:rPr lang="en-US" err="1"/>
-              <a:t>etc</a:t>
-            </a:r>
-            <a:r>
-              <a:rPr lang="en-US"/>
-              <a:t>)</a:t>
-            </a:r>
-          </a:p>
-          <a:p>
-            <a:endParaRPr lang="en-US"/>
-          </a:p>
-        </p:txBody>
-      </p:sp>
-    </p:spTree>
-    <p:extLst>
-      <p:ext uri="{BB962C8B-B14F-4D97-AF65-F5344CB8AC3E}">
-        <p14:creationId xmlns:p14="http://schemas.microsoft.com/office/powerpoint/2010/main" val="804804665"/>
       </p:ext>
     </p:extLst>
   </p:cSld>
@@ -8548,6 +9360,534 @@
 </file>
 
 <file path=ppt/slides/slide40.xml><?xml version="1.0" encoding="utf-8"?>
+<p:sld xmlns:a="http://schemas.openxmlformats.org/drawingml/2006/main" xmlns:r="http://schemas.openxmlformats.org/officeDocument/2006/relationships" xmlns:p="http://schemas.openxmlformats.org/presentationml/2006/main">
+  <p:cSld>
+    <p:spTree>
+      <p:nvGrpSpPr>
+        <p:cNvPr id="1" name=""/>
+        <p:cNvGrpSpPr/>
+        <p:nvPr/>
+      </p:nvGrpSpPr>
+      <p:grpSpPr>
+        <a:xfrm>
+          <a:off x="0" y="0"/>
+          <a:ext cx="0" cy="0"/>
+          <a:chOff x="0" y="0"/>
+          <a:chExt cx="0" cy="0"/>
+        </a:xfrm>
+      </p:grpSpPr>
+      <p:sp>
+        <p:nvSpPr>
+          <p:cNvPr id="2" name="Title 1">
+            <a:extLst>
+              <a:ext uri="{FF2B5EF4-FFF2-40B4-BE49-F238E27FC236}">
+                <a16:creationId xmlns:a16="http://schemas.microsoft.com/office/drawing/2014/main" id="{420E8E6C-CDDC-4F86-CA56-37D531B8F70B}"/>
+              </a:ext>
+            </a:extLst>
+          </p:cNvPr>
+          <p:cNvSpPr>
+            <a:spLocks noGrp="1"/>
+          </p:cNvSpPr>
+          <p:nvPr>
+            <p:ph type="title"/>
+          </p:nvPr>
+        </p:nvSpPr>
+        <p:spPr/>
+        <p:txBody>
+          <a:bodyPr/>
+          <a:lstStyle/>
+          <a:p>
+            <a:r>
+              <a:rPr lang="en-US" dirty="0"/>
+              <a:t>R Demo</a:t>
+            </a:r>
+          </a:p>
+        </p:txBody>
+      </p:sp>
+      <p:sp>
+        <p:nvSpPr>
+          <p:cNvPr id="3" name="Content Placeholder 2">
+            <a:extLst>
+              <a:ext uri="{FF2B5EF4-FFF2-40B4-BE49-F238E27FC236}">
+                <a16:creationId xmlns:a16="http://schemas.microsoft.com/office/drawing/2014/main" id="{4FB4DE3C-4735-CB45-0754-756678A001CA}"/>
+              </a:ext>
+            </a:extLst>
+          </p:cNvPr>
+          <p:cNvSpPr>
+            <a:spLocks noGrp="1"/>
+          </p:cNvSpPr>
+          <p:nvPr>
+            <p:ph idx="1"/>
+          </p:nvPr>
+        </p:nvSpPr>
+        <p:spPr/>
+        <p:txBody>
+          <a:bodyPr/>
+          <a:lstStyle/>
+          <a:p>
+            <a:endParaRPr lang="en-US"/>
+          </a:p>
+        </p:txBody>
+      </p:sp>
+    </p:spTree>
+    <p:extLst>
+      <p:ext uri="{BB962C8B-B14F-4D97-AF65-F5344CB8AC3E}">
+        <p14:creationId xmlns:p14="http://schemas.microsoft.com/office/powerpoint/2010/main" val="2069343237"/>
+      </p:ext>
+    </p:extLst>
+  </p:cSld>
+  <p:clrMapOvr>
+    <a:masterClrMapping/>
+  </p:clrMapOvr>
+</p:sld>
+</file>
+
+<file path=ppt/slides/slide41.xml><?xml version="1.0" encoding="utf-8"?>
+<p:sld xmlns:a="http://schemas.openxmlformats.org/drawingml/2006/main" xmlns:r="http://schemas.openxmlformats.org/officeDocument/2006/relationships" xmlns:p="http://schemas.openxmlformats.org/presentationml/2006/main">
+  <p:cSld>
+    <p:spTree>
+      <p:nvGrpSpPr>
+        <p:cNvPr id="1" name=""/>
+        <p:cNvGrpSpPr/>
+        <p:nvPr/>
+      </p:nvGrpSpPr>
+      <p:grpSpPr>
+        <a:xfrm>
+          <a:off x="0" y="0"/>
+          <a:ext cx="0" cy="0"/>
+          <a:chOff x="0" y="0"/>
+          <a:chExt cx="0" cy="0"/>
+        </a:xfrm>
+      </p:grpSpPr>
+      <p:sp>
+        <p:nvSpPr>
+          <p:cNvPr id="2" name="Title 1">
+            <a:extLst>
+              <a:ext uri="{FF2B5EF4-FFF2-40B4-BE49-F238E27FC236}">
+                <a16:creationId xmlns:a16="http://schemas.microsoft.com/office/drawing/2014/main" id="{2FDBDAD2-75DB-FE49-107D-FD89030F7753}"/>
+              </a:ext>
+            </a:extLst>
+          </p:cNvPr>
+          <p:cNvSpPr>
+            <a:spLocks noGrp="1"/>
+          </p:cNvSpPr>
+          <p:nvPr>
+            <p:ph type="title"/>
+          </p:nvPr>
+        </p:nvSpPr>
+        <p:spPr/>
+        <p:txBody>
+          <a:bodyPr/>
+          <a:lstStyle/>
+          <a:p>
+            <a:r>
+              <a:rPr lang="en-US"/>
+              <a:t>Installing R </a:t>
+            </a:r>
+          </a:p>
+        </p:txBody>
+      </p:sp>
+      <p:sp>
+        <p:nvSpPr>
+          <p:cNvPr id="3" name="Content Placeholder 2">
+            <a:extLst>
+              <a:ext uri="{FF2B5EF4-FFF2-40B4-BE49-F238E27FC236}">
+                <a16:creationId xmlns:a16="http://schemas.microsoft.com/office/drawing/2014/main" id="{83AD8228-E13A-85B4-71F3-64D3AD1019E3}"/>
+              </a:ext>
+            </a:extLst>
+          </p:cNvPr>
+          <p:cNvSpPr>
+            <a:spLocks noGrp="1"/>
+          </p:cNvSpPr>
+          <p:nvPr>
+            <p:ph idx="1"/>
+          </p:nvPr>
+        </p:nvSpPr>
+        <p:spPr/>
+        <p:txBody>
+          <a:bodyPr vert="horz" lIns="91440" tIns="45720" rIns="91440" bIns="45720" rtlCol="0" anchor="t">
+            <a:normAutofit/>
+          </a:bodyPr>
+          <a:lstStyle/>
+          <a:p>
+            <a:r>
+              <a:rPr lang="en-US"/>
+              <a:t>Download R studio: </a:t>
+            </a:r>
+            <a:r>
+              <a:rPr lang="en-US">
+                <a:ea typeface="+mn-lt"/>
+                <a:cs typeface="+mn-lt"/>
+                <a:hlinkClick r:id="rId2"/>
+              </a:rPr>
+              <a:t>Download RStudio - Posit</a:t>
+            </a:r>
+            <a:endParaRPr lang="en-US">
+              <a:ea typeface="+mn-lt"/>
+              <a:cs typeface="+mn-lt"/>
+            </a:endParaRPr>
+          </a:p>
+          <a:p>
+            <a:r>
+              <a:rPr lang="en-US"/>
+              <a:t>Download R: </a:t>
+            </a:r>
+            <a:r>
+              <a:rPr lang="en-US">
+                <a:ea typeface="+mn-lt"/>
+                <a:cs typeface="+mn-lt"/>
+                <a:hlinkClick r:id="rId3"/>
+              </a:rPr>
+              <a:t>The Comprehensive R Archive Network</a:t>
+            </a:r>
+            <a:r>
+              <a:rPr lang="en-US"/>
+              <a:t> </a:t>
+            </a:r>
+          </a:p>
+        </p:txBody>
+      </p:sp>
+    </p:spTree>
+    <p:extLst>
+      <p:ext uri="{BB962C8B-B14F-4D97-AF65-F5344CB8AC3E}">
+        <p14:creationId xmlns:p14="http://schemas.microsoft.com/office/powerpoint/2010/main" val="3924422529"/>
+      </p:ext>
+    </p:extLst>
+  </p:cSld>
+  <p:clrMapOvr>
+    <a:masterClrMapping/>
+  </p:clrMapOvr>
+</p:sld>
+</file>
+
+<file path=ppt/slides/slide42.xml><?xml version="1.0" encoding="utf-8"?>
+<p:sld xmlns:a="http://schemas.openxmlformats.org/drawingml/2006/main" xmlns:r="http://schemas.openxmlformats.org/officeDocument/2006/relationships" xmlns:p="http://schemas.openxmlformats.org/presentationml/2006/main">
+  <p:cSld>
+    <p:spTree>
+      <p:nvGrpSpPr>
+        <p:cNvPr id="1" name=""/>
+        <p:cNvGrpSpPr/>
+        <p:nvPr/>
+      </p:nvGrpSpPr>
+      <p:grpSpPr>
+        <a:xfrm>
+          <a:off x="0" y="0"/>
+          <a:ext cx="0" cy="0"/>
+          <a:chOff x="0" y="0"/>
+          <a:chExt cx="0" cy="0"/>
+        </a:xfrm>
+      </p:grpSpPr>
+      <p:sp>
+        <p:nvSpPr>
+          <p:cNvPr id="2" name="Title 1">
+            <a:extLst>
+              <a:ext uri="{FF2B5EF4-FFF2-40B4-BE49-F238E27FC236}">
+                <a16:creationId xmlns:a16="http://schemas.microsoft.com/office/drawing/2014/main" id="{7499F2E5-AABA-D06F-1ED4-A6E68D84E111}"/>
+              </a:ext>
+            </a:extLst>
+          </p:cNvPr>
+          <p:cNvSpPr>
+            <a:spLocks noGrp="1"/>
+          </p:cNvSpPr>
+          <p:nvPr>
+            <p:ph type="title"/>
+          </p:nvPr>
+        </p:nvSpPr>
+        <p:spPr/>
+        <p:txBody>
+          <a:bodyPr/>
+          <a:lstStyle/>
+          <a:p>
+            <a:r>
+              <a:rPr lang="en-US"/>
+              <a:t>Questions?</a:t>
+            </a:r>
+          </a:p>
+        </p:txBody>
+      </p:sp>
+      <p:sp>
+        <p:nvSpPr>
+          <p:cNvPr id="3" name="Content Placeholder 2">
+            <a:extLst>
+              <a:ext uri="{FF2B5EF4-FFF2-40B4-BE49-F238E27FC236}">
+                <a16:creationId xmlns:a16="http://schemas.microsoft.com/office/drawing/2014/main" id="{7CABA833-8A59-31AC-4EE7-46A91A326737}"/>
+              </a:ext>
+            </a:extLst>
+          </p:cNvPr>
+          <p:cNvSpPr>
+            <a:spLocks noGrp="1"/>
+          </p:cNvSpPr>
+          <p:nvPr>
+            <p:ph idx="1"/>
+          </p:nvPr>
+        </p:nvSpPr>
+        <p:spPr/>
+        <p:txBody>
+          <a:bodyPr/>
+          <a:lstStyle/>
+          <a:p>
+            <a:endParaRPr lang="en-US"/>
+          </a:p>
+        </p:txBody>
+      </p:sp>
+    </p:spTree>
+    <p:extLst>
+      <p:ext uri="{BB962C8B-B14F-4D97-AF65-F5344CB8AC3E}">
+        <p14:creationId xmlns:p14="http://schemas.microsoft.com/office/powerpoint/2010/main" val="3629025707"/>
+      </p:ext>
+    </p:extLst>
+  </p:cSld>
+  <p:clrMapOvr>
+    <a:masterClrMapping/>
+  </p:clrMapOvr>
+</p:sld>
+</file>
+
+<file path=ppt/slides/slide43.xml><?xml version="1.0" encoding="utf-8"?>
+<p:sld xmlns:a="http://schemas.openxmlformats.org/drawingml/2006/main" xmlns:r="http://schemas.openxmlformats.org/officeDocument/2006/relationships" xmlns:p="http://schemas.openxmlformats.org/presentationml/2006/main">
+  <p:cSld>
+    <p:spTree>
+      <p:nvGrpSpPr>
+        <p:cNvPr id="1" name=""/>
+        <p:cNvGrpSpPr/>
+        <p:nvPr/>
+      </p:nvGrpSpPr>
+      <p:grpSpPr>
+        <a:xfrm>
+          <a:off x="0" y="0"/>
+          <a:ext cx="0" cy="0"/>
+          <a:chOff x="0" y="0"/>
+          <a:chExt cx="0" cy="0"/>
+        </a:xfrm>
+      </p:grpSpPr>
+      <p:sp>
+        <p:nvSpPr>
+          <p:cNvPr id="2" name="Title 1">
+            <a:extLst>
+              <a:ext uri="{FF2B5EF4-FFF2-40B4-BE49-F238E27FC236}">
+                <a16:creationId xmlns:a16="http://schemas.microsoft.com/office/drawing/2014/main" id="{E9D9848B-8B5E-E4F3-6387-D6CCAFA0757B}"/>
+              </a:ext>
+            </a:extLst>
+          </p:cNvPr>
+          <p:cNvSpPr>
+            <a:spLocks noGrp="1"/>
+          </p:cNvSpPr>
+          <p:nvPr>
+            <p:ph type="title"/>
+          </p:nvPr>
+        </p:nvSpPr>
+        <p:spPr/>
+        <p:txBody>
+          <a:bodyPr/>
+          <a:lstStyle/>
+          <a:p>
+            <a:r>
+              <a:rPr lang="en-US"/>
+              <a:t>Posting on reddit for R help</a:t>
+            </a:r>
+          </a:p>
+        </p:txBody>
+      </p:sp>
+      <p:sp>
+        <p:nvSpPr>
+          <p:cNvPr id="3" name="Content Placeholder 2">
+            <a:extLst>
+              <a:ext uri="{FF2B5EF4-FFF2-40B4-BE49-F238E27FC236}">
+                <a16:creationId xmlns:a16="http://schemas.microsoft.com/office/drawing/2014/main" id="{E9778328-C693-3539-E2D8-4634A8D0550B}"/>
+              </a:ext>
+            </a:extLst>
+          </p:cNvPr>
+          <p:cNvSpPr>
+            <a:spLocks noGrp="1"/>
+          </p:cNvSpPr>
+          <p:nvPr>
+            <p:ph idx="1"/>
+          </p:nvPr>
+        </p:nvSpPr>
+        <p:spPr/>
+        <p:txBody>
+          <a:bodyPr vert="horz" lIns="91440" tIns="45720" rIns="91440" bIns="45720" rtlCol="0" anchor="t">
+            <a:normAutofit/>
+          </a:bodyPr>
+          <a:lstStyle/>
+          <a:p>
+            <a:r>
+              <a:rPr lang="en-US"/>
+              <a:t>Brief title</a:t>
+            </a:r>
+          </a:p>
+          <a:p>
+            <a:r>
+              <a:rPr lang="en-US"/>
+              <a:t>Copy paste code into the post, use the code box</a:t>
+            </a:r>
+          </a:p>
+          <a:p>
+            <a:r>
+              <a:rPr lang="en-US"/>
+              <a:t>Provide a small dataset so people can reproduce your problem</a:t>
+            </a:r>
+          </a:p>
+          <a:p>
+            <a:pPr lvl="1">
+              <a:buFont typeface="Courier New" panose="020B0604020202020204" pitchFamily="34" charset="0"/>
+              <a:buChar char="o"/>
+            </a:pPr>
+            <a:r>
+              <a:rPr lang="en-US"/>
+              <a:t>This needs to be coded in R usually using random number generation </a:t>
+            </a:r>
+          </a:p>
+          <a:p>
+            <a:endParaRPr lang="en-US"/>
+          </a:p>
+        </p:txBody>
+      </p:sp>
+    </p:spTree>
+    <p:extLst>
+      <p:ext uri="{BB962C8B-B14F-4D97-AF65-F5344CB8AC3E}">
+        <p14:creationId xmlns:p14="http://schemas.microsoft.com/office/powerpoint/2010/main" val="2872033106"/>
+      </p:ext>
+    </p:extLst>
+  </p:cSld>
+  <p:clrMapOvr>
+    <a:masterClrMapping/>
+  </p:clrMapOvr>
+</p:sld>
+</file>
+
+<file path=ppt/slides/slide44.xml><?xml version="1.0" encoding="utf-8"?>
+<p:sld xmlns:a="http://schemas.openxmlformats.org/drawingml/2006/main" xmlns:r="http://schemas.openxmlformats.org/officeDocument/2006/relationships" xmlns:p="http://schemas.openxmlformats.org/presentationml/2006/main">
+  <p:cSld>
+    <p:spTree>
+      <p:nvGrpSpPr>
+        <p:cNvPr id="1" name=""/>
+        <p:cNvGrpSpPr/>
+        <p:nvPr/>
+      </p:nvGrpSpPr>
+      <p:grpSpPr>
+        <a:xfrm>
+          <a:off x="0" y="0"/>
+          <a:ext cx="0" cy="0"/>
+          <a:chOff x="0" y="0"/>
+          <a:chExt cx="0" cy="0"/>
+        </a:xfrm>
+      </p:grpSpPr>
+      <p:sp>
+        <p:nvSpPr>
+          <p:cNvPr id="2" name="Title 1">
+            <a:extLst>
+              <a:ext uri="{FF2B5EF4-FFF2-40B4-BE49-F238E27FC236}">
+                <a16:creationId xmlns:a16="http://schemas.microsoft.com/office/drawing/2014/main" id="{02E2957D-63BB-F9F0-A161-5A01B1A428E9}"/>
+              </a:ext>
+            </a:extLst>
+          </p:cNvPr>
+          <p:cNvSpPr>
+            <a:spLocks noGrp="1"/>
+          </p:cNvSpPr>
+          <p:nvPr>
+            <p:ph type="title"/>
+          </p:nvPr>
+        </p:nvSpPr>
+        <p:spPr/>
+        <p:txBody>
+          <a:bodyPr/>
+          <a:lstStyle/>
+          <a:p>
+            <a:r>
+              <a:rPr lang="en-US"/>
+              <a:t>Definitions</a:t>
+            </a:r>
+          </a:p>
+        </p:txBody>
+      </p:sp>
+      <p:sp>
+        <p:nvSpPr>
+          <p:cNvPr id="3" name="Content Placeholder 2">
+            <a:extLst>
+              <a:ext uri="{FF2B5EF4-FFF2-40B4-BE49-F238E27FC236}">
+                <a16:creationId xmlns:a16="http://schemas.microsoft.com/office/drawing/2014/main" id="{7C2CE526-B722-70B0-CA75-946ACAD04925}"/>
+              </a:ext>
+            </a:extLst>
+          </p:cNvPr>
+          <p:cNvSpPr>
+            <a:spLocks noGrp="1"/>
+          </p:cNvSpPr>
+          <p:nvPr>
+            <p:ph idx="1"/>
+          </p:nvPr>
+        </p:nvSpPr>
+        <p:spPr/>
+        <p:txBody>
+          <a:bodyPr vert="horz" lIns="91440" tIns="45720" rIns="91440" bIns="45720" rtlCol="0" anchor="t">
+            <a:normAutofit lnSpcReduction="10000"/>
+          </a:bodyPr>
+          <a:lstStyle/>
+          <a:p>
+            <a:r>
+              <a:rPr lang="en-US"/>
+              <a:t>Parametric test: Makes assumptions about the data to make the math easy</a:t>
+            </a:r>
+          </a:p>
+          <a:p>
+            <a:r>
+              <a:rPr lang="en-US"/>
+              <a:t>Nonparametric test: Doesn't make assumptions about the data</a:t>
+            </a:r>
+          </a:p>
+          <a:p>
+            <a:r>
+              <a:rPr lang="en-US"/>
+              <a:t>Factor/categorical variable: A variable where there are multiple options and can be yes/no or levels within a category </a:t>
+            </a:r>
+          </a:p>
+          <a:p>
+            <a:r>
+              <a:rPr lang="en-US"/>
+              <a:t>Continuous variable: The changes between the values are consistent, 1-&gt;2 is the same as 2-&gt;3</a:t>
+            </a:r>
+          </a:p>
+          <a:p>
+            <a:r>
+              <a:rPr lang="en-US"/>
+              <a:t>Ordinal variables: Similar to continuous but the relationship between the values is unknown, e.g. </a:t>
+            </a:r>
+            <a:r>
+              <a:rPr lang="en-US" err="1"/>
+              <a:t>likert</a:t>
+            </a:r>
+            <a:r>
+              <a:rPr lang="en-US"/>
+              <a:t> scale (satisfied, dissatisfied, </a:t>
+            </a:r>
+            <a:r>
+              <a:rPr lang="en-US" err="1"/>
+              <a:t>etc</a:t>
+            </a:r>
+            <a:r>
+              <a:rPr lang="en-US"/>
+              <a:t>)</a:t>
+            </a:r>
+          </a:p>
+          <a:p>
+            <a:endParaRPr lang="en-US"/>
+          </a:p>
+        </p:txBody>
+      </p:sp>
+    </p:spTree>
+    <p:extLst>
+      <p:ext uri="{BB962C8B-B14F-4D97-AF65-F5344CB8AC3E}">
+        <p14:creationId xmlns:p14="http://schemas.microsoft.com/office/powerpoint/2010/main" val="804804665"/>
+      </p:ext>
+    </p:extLst>
+  </p:cSld>
+  <p:clrMapOvr>
+    <a:masterClrMapping/>
+  </p:clrMapOvr>
+</p:sld>
+</file>
+
+<file path=ppt/slides/slide45.xml><?xml version="1.0" encoding="utf-8"?>
 <p:sld xmlns:a="http://schemas.openxmlformats.org/drawingml/2006/main" xmlns:r="http://schemas.openxmlformats.org/officeDocument/2006/relationships" xmlns:p="http://schemas.openxmlformats.org/presentationml/2006/main" show="0">
   <p:cSld>
     <p:spTree>
@@ -8973,8 +10313,8 @@
           <a:lstStyle/>
           <a:p>
             <a:r>
-              <a:rPr lang="en-US"/>
-              <a:t>Good sources of more info</a:t>
+              <a:rPr lang="en-US" dirty="0"/>
+              <a:t>Good sources of more stats info</a:t>
             </a:r>
           </a:p>
         </p:txBody>
@@ -9003,11 +10343,11 @@
           <a:lstStyle/>
           <a:p>
             <a:r>
-              <a:rPr lang="en-US"/>
+              <a:rPr lang="en-US" dirty="0"/>
               <a:t>Easy to understand basic stats: </a:t>
             </a:r>
             <a:r>
-              <a:rPr lang="en-US">
+              <a:rPr lang="en-US" dirty="0">
                 <a:ea typeface="+mn-lt"/>
                 <a:cs typeface="+mn-lt"/>
                 <a:hlinkClick r:id="rId2"/>
@@ -9017,24 +10357,56 @@
           </a:p>
           <a:p>
             <a:r>
-              <a:rPr lang="en-US">
+              <a:rPr lang="en-US" dirty="0">
                 <a:ea typeface="+mn-lt"/>
                 <a:cs typeface="+mn-lt"/>
               </a:rPr>
               <a:t>If not covered there: </a:t>
             </a:r>
             <a:r>
-              <a:rPr lang="en-US">
+              <a:rPr lang="en-US" dirty="0">
                 <a:ea typeface="+mn-lt"/>
                 <a:cs typeface="+mn-lt"/>
                 <a:hlinkClick r:id="rId3"/>
               </a:rPr>
               <a:t>Statistics How To: Elementary Statistics for the rest of us!</a:t>
             </a:r>
-          </a:p>
-          <a:p>
-            <a:r>
-              <a:rPr lang="en-US">
+            <a:endParaRPr lang="en-US" dirty="0">
+              <a:ea typeface="+mn-lt"/>
+              <a:cs typeface="+mn-lt"/>
+            </a:endParaRPr>
+          </a:p>
+          <a:p>
+            <a:r>
+              <a:rPr lang="en-US" dirty="0">
+                <a:ea typeface="+mn-lt"/>
+                <a:cs typeface="+mn-lt"/>
+              </a:rPr>
+              <a:t>From one of the most famous R developers: </a:t>
+            </a:r>
+            <a:endParaRPr lang="en-US" dirty="0">
+              <a:ea typeface="+mn-lt"/>
+              <a:cs typeface="+mn-lt"/>
+              <a:hlinkClick r:id="rId3"/>
+            </a:endParaRPr>
+          </a:p>
+          <a:p>
+            <a:pPr lvl="1"/>
+            <a:r>
+              <a:rPr lang="pt-BR" dirty="0">
+                <a:hlinkClick r:id="rId4"/>
+              </a:rPr>
+              <a:t>R for Data Science (2e)</a:t>
+            </a:r>
+            <a:endParaRPr lang="en-US" dirty="0">
+              <a:ea typeface="+mn-lt"/>
+              <a:cs typeface="+mn-lt"/>
+              <a:hlinkClick r:id="rId3"/>
+            </a:endParaRPr>
+          </a:p>
+          <a:p>
+            <a:r>
+              <a:rPr lang="en-US" dirty="0">
                 <a:ea typeface="+mn-lt"/>
                 <a:cs typeface="+mn-lt"/>
               </a:rPr>
@@ -9047,49 +10419,49 @@
               <a:buChar char="o"/>
             </a:pPr>
             <a:r>
-              <a:rPr lang="en-US">
+              <a:rPr lang="en-US" dirty="0">
                 <a:ea typeface="+mn-lt"/>
                 <a:cs typeface="+mn-lt"/>
               </a:rPr>
               <a:t>Many subreddits for R help r/</a:t>
             </a:r>
             <a:r>
-              <a:rPr lang="en-US" err="1">
+              <a:rPr lang="en-US" dirty="0" err="1">
                 <a:ea typeface="+mn-lt"/>
                 <a:cs typeface="+mn-lt"/>
               </a:rPr>
               <a:t>rstats</a:t>
             </a:r>
             <a:r>
-              <a:rPr lang="en-US">
+              <a:rPr lang="en-US" dirty="0">
                 <a:ea typeface="+mn-lt"/>
                 <a:cs typeface="+mn-lt"/>
               </a:rPr>
               <a:t>, r/</a:t>
             </a:r>
             <a:r>
-              <a:rPr lang="en-US" err="1">
+              <a:rPr lang="en-US" dirty="0" err="1">
                 <a:ea typeface="+mn-lt"/>
                 <a:cs typeface="+mn-lt"/>
               </a:rPr>
               <a:t>rstudio</a:t>
             </a:r>
             <a:r>
-              <a:rPr lang="en-US">
+              <a:rPr lang="en-US" dirty="0">
                 <a:ea typeface="+mn-lt"/>
                 <a:cs typeface="+mn-lt"/>
               </a:rPr>
               <a:t>, r/</a:t>
             </a:r>
             <a:r>
-              <a:rPr lang="en-US" err="1">
+              <a:rPr lang="en-US" dirty="0" err="1">
                 <a:ea typeface="+mn-lt"/>
                 <a:cs typeface="+mn-lt"/>
               </a:rPr>
               <a:t>rlanguage</a:t>
             </a:r>
             <a:r>
-              <a:rPr lang="en-US">
+              <a:rPr lang="en-US" dirty="0">
                 <a:ea typeface="+mn-lt"/>
                 <a:cs typeface="+mn-lt"/>
               </a:rPr>
@@ -9102,7 +10474,7 @@
               <a:buChar char="o"/>
             </a:pPr>
             <a:r>
-              <a:rPr lang="en-US">
+              <a:rPr lang="en-US" dirty="0">
                 <a:ea typeface="+mn-lt"/>
                 <a:cs typeface="+mn-lt"/>
               </a:rPr>
@@ -9115,21 +10487,21 @@
               <a:buChar char="o"/>
             </a:pPr>
             <a:r>
-              <a:rPr lang="en-US">
+              <a:rPr lang="en-US" dirty="0">
                 <a:ea typeface="+mn-lt"/>
                 <a:cs typeface="+mn-lt"/>
               </a:rPr>
-              <a:t>ChatGPT and </a:t>
-            </a:r>
-            <a:r>
-              <a:rPr lang="en-US" err="1">
+              <a:t>Claude AI and </a:t>
+            </a:r>
+            <a:r>
+              <a:rPr lang="en-US" dirty="0" err="1">
                 <a:ea typeface="+mn-lt"/>
                 <a:cs typeface="+mn-lt"/>
               </a:rPr>
               <a:t>Github</a:t>
             </a:r>
             <a:r>
-              <a:rPr lang="en-US">
+              <a:rPr lang="en-US" dirty="0">
                 <a:ea typeface="+mn-lt"/>
                 <a:cs typeface="+mn-lt"/>
               </a:rPr>
@@ -9137,7 +10509,7 @@
             </a:r>
           </a:p>
           <a:p>
-            <a:endParaRPr lang="en-US">
+            <a:endParaRPr lang="en-US" dirty="0">
               <a:ea typeface="+mn-lt"/>
               <a:cs typeface="+mn-lt"/>
             </a:endParaRPr>
@@ -9179,7 +10551,7 @@
           <p:cNvPr id="2" name="Title 1">
             <a:extLst>
               <a:ext uri="{FF2B5EF4-FFF2-40B4-BE49-F238E27FC236}">
-                <a16:creationId xmlns:a16="http://schemas.microsoft.com/office/drawing/2014/main" id="{2D8AA3E3-C083-7072-8F5E-0FB952839697}"/>
+                <a16:creationId xmlns:a16="http://schemas.microsoft.com/office/drawing/2014/main" id="{AFBD410C-F640-560A-6729-746D058164E6}"/>
               </a:ext>
             </a:extLst>
           </p:cNvPr>
@@ -9196,8 +10568,8 @@
           <a:lstStyle/>
           <a:p>
             <a:r>
-              <a:rPr lang="en-US"/>
-              <a:t>Steps to analysis </a:t>
+              <a:rPr lang="en-US" dirty="0"/>
+              <a:t>R YouTube tutorials </a:t>
             </a:r>
           </a:p>
         </p:txBody>
@@ -9207,7 +10579,7 @@
           <p:cNvPr id="3" name="Content Placeholder 2">
             <a:extLst>
               <a:ext uri="{FF2B5EF4-FFF2-40B4-BE49-F238E27FC236}">
-                <a16:creationId xmlns:a16="http://schemas.microsoft.com/office/drawing/2014/main" id="{6321CC3F-54C3-A219-95C0-16B249D09570}"/>
+                <a16:creationId xmlns:a16="http://schemas.microsoft.com/office/drawing/2014/main" id="{BCE88EAB-12D4-0266-E532-9A8783A9C4AC}"/>
               </a:ext>
             </a:extLst>
           </p:cNvPr>
@@ -9220,54 +10592,26 @@
         </p:nvSpPr>
         <p:spPr/>
         <p:txBody>
-          <a:bodyPr vert="horz" lIns="91440" tIns="45720" rIns="91440" bIns="45720" rtlCol="0" anchor="t">
-            <a:normAutofit/>
-          </a:bodyPr>
-          <a:lstStyle/>
-          <a:p>
-            <a:pPr marL="514350" indent="-514350">
-              <a:buAutoNum type="arabicPeriod"/>
-            </a:pPr>
-            <a:r>
-              <a:rPr lang="en-US"/>
-              <a:t>What question are you asking?</a:t>
-            </a:r>
-          </a:p>
-          <a:p>
-            <a:pPr marL="514350" indent="-514350">
-              <a:buAutoNum type="arabicPeriod"/>
-            </a:pPr>
-            <a:r>
-              <a:rPr lang="en-US"/>
-              <a:t>What kind of outcome variable are you looking for?</a:t>
-            </a:r>
-          </a:p>
-          <a:p>
-            <a:pPr marL="514350" indent="-514350">
-              <a:buAutoNum type="arabicPeriod"/>
-            </a:pPr>
-            <a:r>
-              <a:rPr lang="en-US"/>
-              <a:t>What kind of input variables do you have?</a:t>
-            </a:r>
-          </a:p>
-          <a:p>
-            <a:pPr marL="514350" indent="-514350">
-              <a:buAutoNum type="arabicPeriod"/>
-            </a:pPr>
-            <a:r>
-              <a:rPr lang="en-US"/>
-              <a:t>Special tests</a:t>
-            </a:r>
-          </a:p>
-          <a:p>
-            <a:pPr marL="971550" lvl="1" indent="-514350">
-              <a:buFont typeface="Courier New" panose="020B0604020202020204" pitchFamily="34" charset="0"/>
-              <a:buChar char="o"/>
-            </a:pPr>
-            <a:r>
-              <a:rPr lang="en-US"/>
-              <a:t>Survival modeling (Time to event data)</a:t>
+          <a:bodyPr/>
+          <a:lstStyle/>
+          <a:p>
+            <a:r>
+              <a:rPr lang="en-US" dirty="0">
+                <a:hlinkClick r:id="rId2"/>
+              </a:rPr>
+              <a:t>R Tutorial For Beginners 2022 | R Programming Full Course In 7 Hours | R Tutorial | Simplilearn</a:t>
+            </a:r>
+            <a:r>
+              <a:rPr lang="en-US" dirty="0"/>
+              <a:t> until the </a:t>
+            </a:r>
+            <a:r>
+              <a:rPr lang="en-US" dirty="0" err="1"/>
+              <a:t>Dataviz</a:t>
+            </a:r>
+            <a:r>
+              <a:rPr lang="en-US" dirty="0"/>
+              <a:t> section</a:t>
             </a:r>
           </a:p>
         </p:txBody>
@@ -9275,7 +10619,7 @@
     </p:spTree>
     <p:extLst>
       <p:ext uri="{BB962C8B-B14F-4D97-AF65-F5344CB8AC3E}">
-        <p14:creationId xmlns:p14="http://schemas.microsoft.com/office/powerpoint/2010/main" val="2071184614"/>
+        <p14:creationId xmlns:p14="http://schemas.microsoft.com/office/powerpoint/2010/main" val="765965070"/>
       </p:ext>
     </p:extLst>
   </p:cSld>
@@ -9307,7 +10651,7 @@
           <p:cNvPr id="2" name="Title 1">
             <a:extLst>
               <a:ext uri="{FF2B5EF4-FFF2-40B4-BE49-F238E27FC236}">
-                <a16:creationId xmlns:a16="http://schemas.microsoft.com/office/drawing/2014/main" id="{F332F333-D9EB-C86F-0F58-60C0360EC006}"/>
+                <a16:creationId xmlns:a16="http://schemas.microsoft.com/office/drawing/2014/main" id="{2D8AA3E3-C083-7072-8F5E-0FB952839697}"/>
               </a:ext>
             </a:extLst>
           </p:cNvPr>
@@ -9324,132 +10668,78 @@
           <a:lstStyle/>
           <a:p>
             <a:r>
-              <a:rPr lang="en-US">
-                <a:latin typeface="Aptos Display"/>
-              </a:rPr>
+              <a:rPr lang="en-US"/>
+              <a:t>Steps to analysis </a:t>
+            </a:r>
+          </a:p>
+        </p:txBody>
+      </p:sp>
+      <p:sp>
+        <p:nvSpPr>
+          <p:cNvPr id="3" name="Content Placeholder 2">
+            <a:extLst>
+              <a:ext uri="{FF2B5EF4-FFF2-40B4-BE49-F238E27FC236}">
+                <a16:creationId xmlns:a16="http://schemas.microsoft.com/office/drawing/2014/main" id="{6321CC3F-54C3-A219-95C0-16B249D09570}"/>
+              </a:ext>
+            </a:extLst>
+          </p:cNvPr>
+          <p:cNvSpPr>
+            <a:spLocks noGrp="1"/>
+          </p:cNvSpPr>
+          <p:nvPr>
+            <p:ph idx="1"/>
+          </p:nvPr>
+        </p:nvSpPr>
+        <p:spPr/>
+        <p:txBody>
+          <a:bodyPr vert="horz" lIns="91440" tIns="45720" rIns="91440" bIns="45720" rtlCol="0" anchor="t">
+            <a:normAutofit/>
+          </a:bodyPr>
+          <a:lstStyle/>
+          <a:p>
+            <a:pPr marL="514350" indent="-514350">
+              <a:buAutoNum type="arabicPeriod"/>
+            </a:pPr>
+            <a:r>
+              <a:rPr lang="en-US"/>
               <a:t>What question are you asking?</a:t>
             </a:r>
-            <a:endParaRPr lang="en-US"/>
-          </a:p>
-        </p:txBody>
-      </p:sp>
-      <p:sp>
-        <p:nvSpPr>
-          <p:cNvPr id="3" name="Content Placeholder 2">
-            <a:extLst>
-              <a:ext uri="{FF2B5EF4-FFF2-40B4-BE49-F238E27FC236}">
-                <a16:creationId xmlns:a16="http://schemas.microsoft.com/office/drawing/2014/main" id="{38E08B6A-89D8-44C6-C284-B46E7CB22AB3}"/>
-              </a:ext>
-            </a:extLst>
-          </p:cNvPr>
-          <p:cNvSpPr>
-            <a:spLocks noGrp="1"/>
-          </p:cNvSpPr>
-          <p:nvPr>
-            <p:ph idx="1"/>
-          </p:nvPr>
-        </p:nvSpPr>
-        <p:spPr/>
-        <p:txBody>
-          <a:bodyPr vert="horz" lIns="91440" tIns="45720" rIns="91440" bIns="45720" rtlCol="0" anchor="t">
-            <a:normAutofit fontScale="92500" lnSpcReduction="20000"/>
-          </a:bodyPr>
-          <a:lstStyle/>
-          <a:p>
-            <a:r>
-              <a:rPr lang="en-US"/>
-              <a:t>My variables have a relationship with my outcomes</a:t>
-            </a:r>
-          </a:p>
-          <a:p>
-            <a:pPr lvl="1">
+          </a:p>
+          <a:p>
+            <a:pPr marL="514350" indent="-514350">
+              <a:buAutoNum type="arabicPeriod"/>
+            </a:pPr>
+            <a:r>
+              <a:rPr lang="en-US"/>
+              <a:t>What kind of outcome variable are you looking for?</a:t>
+            </a:r>
+          </a:p>
+          <a:p>
+            <a:pPr marL="514350" indent="-514350">
+              <a:buAutoNum type="arabicPeriod"/>
+            </a:pPr>
+            <a:r>
+              <a:rPr lang="en-US"/>
+              <a:t>What kind of input variables do you have?</a:t>
+            </a:r>
+          </a:p>
+          <a:p>
+            <a:pPr marL="514350" indent="-514350">
+              <a:buAutoNum type="arabicPeriod"/>
+            </a:pPr>
+            <a:r>
+              <a:rPr lang="en-US"/>
+              <a:t>Special tests</a:t>
+            </a:r>
+          </a:p>
+          <a:p>
+            <a:pPr marL="971550" lvl="1" indent="-514350">
               <a:buFont typeface="Courier New" panose="020B0604020202020204" pitchFamily="34" charset="0"/>
               <a:buChar char="o"/>
             </a:pPr>
             <a:r>
               <a:rPr lang="en-US"/>
-              <a:t>Ex: Lower hemoglobin is related to having a GIB</a:t>
-            </a:r>
-          </a:p>
-          <a:p>
-            <a:pPr lvl="1">
-              <a:buFont typeface="Courier New" panose="020B0604020202020204" pitchFamily="34" charset="0"/>
-              <a:buChar char="o"/>
-            </a:pPr>
-            <a:r>
-              <a:rPr lang="en-US"/>
-              <a:t>Regression for correlation </a:t>
-            </a:r>
-          </a:p>
-          <a:p>
-            <a:r>
-              <a:rPr lang="en-US"/>
-              <a:t>I have two (or more) populations and I believe that they are distinctly different</a:t>
-            </a:r>
-          </a:p>
-          <a:p>
-            <a:pPr lvl="1">
-              <a:buFont typeface="Courier New" panose="020B0604020202020204" pitchFamily="34" charset="0"/>
-              <a:buChar char="o"/>
-            </a:pPr>
-            <a:r>
-              <a:rPr lang="en-US"/>
-              <a:t>Ex: Patients with </a:t>
-            </a:r>
-            <a:r>
-              <a:rPr lang="en-US" err="1"/>
-              <a:t>Afib</a:t>
-            </a:r>
-            <a:r>
-              <a:rPr lang="en-US"/>
-              <a:t> have more strokes than patients without </a:t>
-            </a:r>
-            <a:r>
-              <a:rPr lang="en-US" err="1"/>
-              <a:t>Afib</a:t>
-            </a:r>
-            <a:endParaRPr lang="en-US"/>
-          </a:p>
-          <a:p>
-            <a:pPr lvl="1">
-              <a:buFont typeface="Courier New" panose="020B0604020202020204" pitchFamily="34" charset="0"/>
-              <a:buChar char="o"/>
-            </a:pPr>
-            <a:r>
-              <a:rPr lang="en-US"/>
-              <a:t>T-test or equivalent (hypothesis testing)</a:t>
-            </a:r>
-          </a:p>
-          <a:p>
-            <a:r>
-              <a:rPr lang="en-US"/>
-              <a:t>I'm looking at the time it takes until an event happens</a:t>
-            </a:r>
-          </a:p>
-          <a:p>
-            <a:pPr lvl="1">
-              <a:buFont typeface="Courier New" panose="020B0604020202020204" pitchFamily="34" charset="0"/>
-              <a:buChar char="o"/>
-            </a:pPr>
-            <a:r>
-              <a:rPr lang="en-US"/>
-              <a:t>See survival modeling</a:t>
-            </a:r>
-          </a:p>
-          <a:p>
-            <a:r>
-              <a:rPr lang="en-US"/>
-              <a:t>I have repeatedly measured something in patients and I want to see how that this measure changes over time w/ respect to my outcome</a:t>
-            </a:r>
-          </a:p>
-          <a:p>
-            <a:pPr lvl="1">
-              <a:buFont typeface="Courier New" panose="020B0604020202020204" pitchFamily="34" charset="0"/>
-              <a:buChar char="o"/>
-            </a:pPr>
-            <a:r>
-              <a:rPr lang="en-US"/>
-              <a:t>This is panel data and this is hard </a:t>
+              <a:t>Survival modeling (Time to event data)</a:t>
             </a:r>
           </a:p>
         </p:txBody>
@@ -9457,7 +10747,7 @@
     </p:spTree>
     <p:extLst>
       <p:ext uri="{BB962C8B-B14F-4D97-AF65-F5344CB8AC3E}">
-        <p14:creationId xmlns:p14="http://schemas.microsoft.com/office/powerpoint/2010/main" val="2845847731"/>
+        <p14:creationId xmlns:p14="http://schemas.microsoft.com/office/powerpoint/2010/main" val="2071184614"/>
       </p:ext>
     </p:extLst>
   </p:cSld>
